--- a/python/presentations/learning_python/22_ceda-oop.pptx
+++ b/python/presentations/learning_python/22_ceda-oop.pptx
@@ -693,7 +693,7 @@
               <a:pPr>
                 <a:defRPr/>
               </a:pPr>
-              <a:t>09/10/2018</a:t>
+              <a:t>12/10/2018</a:t>
             </a:fld>
             <a:endParaRPr lang="en-GB"/>
           </a:p>
@@ -930,7 +930,7 @@
               <a:pPr>
                 <a:defRPr/>
               </a:pPr>
-              <a:t>09/10/2018</a:t>
+              <a:t>12/10/2018</a:t>
             </a:fld>
             <a:endParaRPr lang="en-GB"/>
           </a:p>
@@ -1576,7 +1576,7 @@
               <a:pPr>
                 <a:defRPr/>
               </a:pPr>
-              <a:t>09/10/2018</a:t>
+              <a:t>12/10/2018</a:t>
             </a:fld>
             <a:endParaRPr lang="en-GB"/>
           </a:p>
@@ -2784,13 +2784,7 @@
               <a:rPr lang="en-GB" sz="1400" dirty="0">
                 <a:latin typeface="+mn-lt"/>
               </a:rPr>
-              <a:t>, Ag Stephens, Stephen Pascoe, Kevin Marsh,  Anabelle Guillory, Graham Parton, </a:t>
-            </a:r>
-            <a:r>
-              <a:rPr lang="en-GB" sz="1400" dirty="0">
-                <a:latin typeface="+mn-lt"/>
-              </a:rPr>
-              <a:t>Esther</a:t>
+              <a:t>, Ag Stephens, Stephen Pascoe, Kevin Marsh,  Anabelle Guillory, Graham Parton, Esther</a:t>
             </a:r>
           </a:p>
           <a:p>
@@ -2809,26 +2803,35 @@
               <a:rPr lang="en-GB" sz="1400" dirty="0">
                 <a:latin typeface="+mn-lt"/>
               </a:rPr>
-              <a:t>Conway</a:t>
+              <a:t>Conway, Eduardo </a:t>
+            </a:r>
+            <a:r>
+              <a:rPr lang="en-GB" sz="1400" dirty="0" err="1">
+                <a:latin typeface="+mn-lt"/>
+              </a:rPr>
+              <a:t>Damasio</a:t>
             </a:r>
             <a:r>
               <a:rPr lang="en-GB" sz="1400" dirty="0">
                 <a:latin typeface="+mn-lt"/>
               </a:rPr>
-              <a:t>, Eduardo </a:t>
-            </a:r>
-            <a:r>
-              <a:rPr lang="en-GB" sz="1400" dirty="0" err="1">
+              <a:t> Da Costa, Wendy Garland, Alan </a:t>
+            </a:r>
+            <a:r>
+              <a:rPr lang="en-GB" sz="1400" dirty="0" smtClean="0">
                 <a:latin typeface="+mn-lt"/>
               </a:rPr>
-              <a:t>Damasio</a:t>
-            </a:r>
-            <a:r>
-              <a:rPr lang="en-GB" sz="1400" dirty="0">
+              <a:t>Iwi, Matt Pritchard and </a:t>
+            </a:r>
+            <a:r>
+              <a:rPr lang="en-GB" sz="1400" smtClean="0">
                 <a:latin typeface="+mn-lt"/>
               </a:rPr>
-              <a:t> Da Costa, Wendy Garland, Alan Iwi and Matt Pritchard.</a:t>
-            </a:r>
+              <a:t>Tommy Godfrey.</a:t>
+            </a:r>
+            <a:endParaRPr lang="en-GB" sz="1400" dirty="0">
+              <a:latin typeface="+mn-lt"/>
+            </a:endParaRPr>
           </a:p>
         </p:txBody>
       </p:sp>
@@ -2922,11 +2925,7 @@
             </a:pPr>
             <a:r>
               <a:rPr lang="en-GB" dirty="0"/>
-              <a:t>"self" </a:t>
-            </a:r>
-            <a:r>
-              <a:rPr lang="en-GB" dirty="0"/>
-              <a:t>is always required as first argument.</a:t>
+              <a:t>"self" is always required as first argument.</a:t>
             </a:r>
           </a:p>
         </p:txBody>
@@ -12753,15 +12752,7 @@
             </a:r>
             <a:r>
               <a:rPr lang="en-GB" dirty="0"/>
-              <a:t>__ is the </a:t>
-            </a:r>
-            <a:r>
-              <a:rPr lang="en-GB" dirty="0"/>
-              <a:t>"constructor" </a:t>
-            </a:r>
-            <a:r>
-              <a:rPr lang="en-GB" dirty="0"/>
-              <a:t>method:</a:t>
+              <a:t>__ is the "constructor" method:</a:t>
             </a:r>
           </a:p>
           <a:p>
@@ -12846,19 +12837,7 @@
             </a:pPr>
             <a:r>
               <a:rPr lang="en-GB" dirty="0"/>
-              <a:t>"self" </a:t>
-            </a:r>
-            <a:r>
-              <a:rPr lang="en-GB" dirty="0"/>
-              <a:t>means </a:t>
-            </a:r>
-            <a:r>
-              <a:rPr lang="en-GB" dirty="0"/>
-              <a:t>"belonging </a:t>
-            </a:r>
-            <a:r>
-              <a:rPr lang="en-GB" dirty="0"/>
-              <a:t>to this instance/object:</a:t>
+              <a:t>"self" means "belonging to this instance/object:</a:t>
             </a:r>
           </a:p>
           <a:p>

--- a/python/presentations/learning_python/22_ceda-oop.pptx
+++ b/python/presentations/learning_python/22_ceda-oop.pptx
@@ -693,7 +693,7 @@
               <a:pPr>
                 <a:defRPr/>
               </a:pPr>
-              <a:t>12/10/2018</a:t>
+              <a:t>18/12/2018</a:t>
             </a:fld>
             <a:endParaRPr lang="en-GB"/>
           </a:p>
@@ -930,7 +930,7 @@
               <a:pPr>
                 <a:defRPr/>
               </a:pPr>
-              <a:t>12/10/2018</a:t>
+              <a:t>18/12/2018</a:t>
             </a:fld>
             <a:endParaRPr lang="en-GB"/>
           </a:p>
@@ -1576,7 +1576,7 @@
               <a:pPr>
                 <a:defRPr/>
               </a:pPr>
-              <a:t>12/10/2018</a:t>
+              <a:t>18/12/2018</a:t>
             </a:fld>
             <a:endParaRPr lang="en-GB"/>
           </a:p>
@@ -3254,8 +3254,12 @@
                 <a:latin typeface="Courier New" pitchFamily="49" charset="0"/>
                 <a:cs typeface="Courier New" pitchFamily="49" charset="0"/>
               </a:rPr>
-              <a:t>(object):</a:t>
-            </a:r>
+              <a:t>():</a:t>
+            </a:r>
+            <a:endParaRPr lang="en-US" altLang="en-US" sz="2000" dirty="0" smtClean="0">
+              <a:latin typeface="Courier New" pitchFamily="49" charset="0"/>
+              <a:cs typeface="Courier New" pitchFamily="49" charset="0"/>
+            </a:endParaRPr>
           </a:p>
           <a:p>
             <a:pPr eaLnBrk="1" hangingPunct="1">
@@ -4126,8 +4130,12 @@
                 <a:latin typeface="Courier New" pitchFamily="49" charset="0"/>
                 <a:cs typeface="Courier New" pitchFamily="49" charset="0"/>
               </a:rPr>
-              <a:t>(object):</a:t>
-            </a:r>
+              <a:t>():</a:t>
+            </a:r>
+            <a:endParaRPr lang="en-US" altLang="en-US" sz="2000" dirty="0" smtClean="0">
+              <a:latin typeface="Courier New" pitchFamily="49" charset="0"/>
+              <a:cs typeface="Courier New" pitchFamily="49" charset="0"/>
+            </a:endParaRPr>
           </a:p>
           <a:p>
             <a:pPr eaLnBrk="1" hangingPunct="1">
@@ -8267,8 +8275,12 @@
                 <a:latin typeface="Courier New" pitchFamily="49" charset="0"/>
                 <a:cs typeface="Courier New" pitchFamily="49" charset="0"/>
               </a:rPr>
-              <a:t>(object):</a:t>
-            </a:r>
+              <a:t>():</a:t>
+            </a:r>
+            <a:endParaRPr lang="en-US" altLang="en-US" dirty="0" smtClean="0">
+              <a:latin typeface="Courier New" pitchFamily="49" charset="0"/>
+              <a:cs typeface="Courier New" pitchFamily="49" charset="0"/>
+            </a:endParaRPr>
           </a:p>
           <a:p>
             <a:pPr eaLnBrk="1" hangingPunct="1">
@@ -12616,8 +12628,12 @@
                 <a:latin typeface="Courier New" pitchFamily="49" charset="0"/>
                 <a:cs typeface="Courier New" pitchFamily="49" charset="0"/>
               </a:rPr>
-              <a:t>(object):</a:t>
-            </a:r>
+              <a:t>():</a:t>
+            </a:r>
+            <a:endParaRPr lang="en-US" altLang="en-US" sz="2000" dirty="0" smtClean="0">
+              <a:latin typeface="Courier New" pitchFamily="49" charset="0"/>
+              <a:cs typeface="Courier New" pitchFamily="49" charset="0"/>
+            </a:endParaRPr>
           </a:p>
           <a:p>
             <a:pPr eaLnBrk="1" hangingPunct="1">
@@ -13183,8 +13199,12 @@
                 <a:latin typeface="Courier New" pitchFamily="49" charset="0"/>
                 <a:cs typeface="Courier New" pitchFamily="49" charset="0"/>
               </a:rPr>
-              <a:t>(object):</a:t>
-            </a:r>
+              <a:t>():</a:t>
+            </a:r>
+            <a:endParaRPr lang="en-US" altLang="en-US" sz="2000" dirty="0" smtClean="0">
+              <a:latin typeface="Courier New" pitchFamily="49" charset="0"/>
+              <a:cs typeface="Courier New" pitchFamily="49" charset="0"/>
+            </a:endParaRPr>
           </a:p>
           <a:p>
             <a:pPr eaLnBrk="1" hangingPunct="1">

--- a/python/presentations/learning_python/22_ceda-oop.pptx
+++ b/python/presentations/learning_python/22_ceda-oop.pptx
@@ -5,7 +5,7 @@
     <p:sldMasterId id="2147483660" r:id="rId1"/>
   </p:sldMasterIdLst>
   <p:notesMasterIdLst>
-    <p:notesMasterId r:id="rId43"/>
+    <p:notesMasterId r:id="rId44"/>
   </p:notesMasterIdLst>
   <p:sldIdLst>
     <p:sldId id="279" r:id="rId2"/>
@@ -26,29 +26,30 @@
     <p:sldId id="263" r:id="rId17"/>
     <p:sldId id="265" r:id="rId18"/>
     <p:sldId id="267" r:id="rId19"/>
-    <p:sldId id="268" r:id="rId20"/>
-    <p:sldId id="269" r:id="rId21"/>
-    <p:sldId id="264" r:id="rId22"/>
-    <p:sldId id="455" r:id="rId23"/>
-    <p:sldId id="459" r:id="rId24"/>
-    <p:sldId id="458" r:id="rId25"/>
-    <p:sldId id="457" r:id="rId26"/>
-    <p:sldId id="460" r:id="rId27"/>
-    <p:sldId id="470" r:id="rId28"/>
-    <p:sldId id="471" r:id="rId29"/>
-    <p:sldId id="473" r:id="rId30"/>
-    <p:sldId id="472" r:id="rId31"/>
-    <p:sldId id="456" r:id="rId32"/>
-    <p:sldId id="278" r:id="rId33"/>
-    <p:sldId id="461" r:id="rId34"/>
-    <p:sldId id="462" r:id="rId35"/>
-    <p:sldId id="463" r:id="rId36"/>
-    <p:sldId id="464" r:id="rId37"/>
-    <p:sldId id="468" r:id="rId38"/>
-    <p:sldId id="469" r:id="rId39"/>
-    <p:sldId id="465" r:id="rId40"/>
-    <p:sldId id="467" r:id="rId41"/>
-    <p:sldId id="282" r:id="rId42"/>
+    <p:sldId id="474" r:id="rId20"/>
+    <p:sldId id="268" r:id="rId21"/>
+    <p:sldId id="269" r:id="rId22"/>
+    <p:sldId id="264" r:id="rId23"/>
+    <p:sldId id="455" r:id="rId24"/>
+    <p:sldId id="459" r:id="rId25"/>
+    <p:sldId id="458" r:id="rId26"/>
+    <p:sldId id="457" r:id="rId27"/>
+    <p:sldId id="460" r:id="rId28"/>
+    <p:sldId id="470" r:id="rId29"/>
+    <p:sldId id="471" r:id="rId30"/>
+    <p:sldId id="473" r:id="rId31"/>
+    <p:sldId id="472" r:id="rId32"/>
+    <p:sldId id="456" r:id="rId33"/>
+    <p:sldId id="278" r:id="rId34"/>
+    <p:sldId id="461" r:id="rId35"/>
+    <p:sldId id="462" r:id="rId36"/>
+    <p:sldId id="463" r:id="rId37"/>
+    <p:sldId id="464" r:id="rId38"/>
+    <p:sldId id="468" r:id="rId39"/>
+    <p:sldId id="469" r:id="rId40"/>
+    <p:sldId id="465" r:id="rId41"/>
+    <p:sldId id="467" r:id="rId42"/>
+    <p:sldId id="282" r:id="rId43"/>
   </p:sldIdLst>
   <p:sldSz cx="9144000" cy="6858000" type="screen4x3"/>
   <p:notesSz cx="6858000" cy="9144000"/>
@@ -278,7 +279,7 @@
           <a:p>
             <a:fld id="{453E1398-088F-5240-8185-1E8BB797FB4C}" type="datetimeFigureOut">
               <a:rPr lang="en-GB" smtClean="0"/>
-              <a:t>13/04/2021</a:t>
+              <a:t>18/10/2021</a:t>
             </a:fld>
             <a:endParaRPr lang="en-GB"/>
           </a:p>
@@ -4297,7 +4298,7 @@
                   <a:spcPct val="0"/>
                 </a:spcBef>
               </a:pPr>
-              <a:t>41</a:t>
+              <a:t>42</a:t>
             </a:fld>
             <a:endParaRPr lang="en-US" altLang="en-US" sz="1400">
               <a:ea typeface="Arial Unicode MS" pitchFamily="34" charset="-128"/>
@@ -4919,7 +4920,7 @@
               <a:pPr>
                 <a:defRPr/>
               </a:pPr>
-              <a:t>13/04/2021</a:t>
+              <a:t>18/10/2021</a:t>
             </a:fld>
             <a:endParaRPr lang="en-GB"/>
           </a:p>
@@ -5156,7 +5157,7 @@
               <a:pPr>
                 <a:defRPr/>
               </a:pPr>
-              <a:t>13/04/2021</a:t>
+              <a:t>18/10/2021</a:t>
             </a:fld>
             <a:endParaRPr lang="en-GB"/>
           </a:p>
@@ -5802,7 +5803,7 @@
               <a:pPr>
                 <a:defRPr/>
               </a:pPr>
-              <a:t>13/04/2021</a:t>
+              <a:t>18/10/2021</a:t>
             </a:fld>
             <a:endParaRPr lang="en-GB"/>
           </a:p>
@@ -15752,6 +15753,577 @@
       </p:sp>
       <p:sp>
         <p:nvSpPr>
+          <p:cNvPr id="5" name="Text Box 2"/>
+          <p:cNvSpPr txBox="1">
+            <a:spLocks noChangeArrowheads="1"/>
+          </p:cNvSpPr>
+          <p:nvPr/>
+        </p:nvSpPr>
+        <p:spPr bwMode="auto">
+          <a:xfrm>
+            <a:off x="684213" y="333375"/>
+            <a:ext cx="7775575" cy="5976938"/>
+          </a:xfrm>
+          <a:prstGeom prst="rect">
+            <a:avLst/>
+          </a:prstGeom>
+          <a:noFill/>
+          <a:ln>
+            <a:noFill/>
+          </a:ln>
+          <a:extLst>
+            <a:ext uri="{909E8E84-426E-40DD-AFC4-6F175D3DCCD1}">
+              <a14:hiddenFill xmlns:a14="http://schemas.microsoft.com/office/drawing/2010/main">
+                <a:solidFill>
+                  <a:srgbClr val="FFFFFF"/>
+                </a:solidFill>
+              </a14:hiddenFill>
+            </a:ext>
+            <a:ext uri="{91240B29-F687-4F45-9708-019B960494DF}">
+              <a14:hiddenLine xmlns:a14="http://schemas.microsoft.com/office/drawing/2010/main" w="9525">
+                <a:solidFill>
+                  <a:srgbClr val="000000"/>
+                </a:solidFill>
+                <a:round/>
+                <a:headEnd/>
+                <a:tailEnd/>
+              </a14:hiddenLine>
+            </a:ext>
+          </a:extLst>
+        </p:spPr>
+        <p:txBody>
+          <a:bodyPr wrap="none" lIns="81639" tIns="40820" rIns="81639" bIns="40820"/>
+          <a:lstStyle>
+            <a:lvl1pPr eaLnBrk="0" hangingPunct="0">
+              <a:tabLst>
+                <a:tab pos="655638" algn="l"/>
+                <a:tab pos="1312863" algn="l"/>
+                <a:tab pos="1968500" algn="l"/>
+                <a:tab pos="2625725" algn="l"/>
+                <a:tab pos="3282950" algn="l"/>
+                <a:tab pos="3938588" algn="l"/>
+                <a:tab pos="4595813" algn="l"/>
+                <a:tab pos="5253038" algn="l"/>
+                <a:tab pos="5908675" algn="l"/>
+                <a:tab pos="6565900" algn="l"/>
+                <a:tab pos="7223125" algn="l"/>
+              </a:tabLst>
+              <a:defRPr>
+                <a:solidFill>
+                  <a:schemeClr val="tx1"/>
+                </a:solidFill>
+                <a:latin typeface="Arial" pitchFamily="34" charset="0"/>
+                <a:cs typeface="Arial" pitchFamily="34" charset="0"/>
+              </a:defRPr>
+            </a:lvl1pPr>
+            <a:lvl2pPr marL="742950" indent="-285750" eaLnBrk="0" hangingPunct="0">
+              <a:tabLst>
+                <a:tab pos="655638" algn="l"/>
+                <a:tab pos="1312863" algn="l"/>
+                <a:tab pos="1968500" algn="l"/>
+                <a:tab pos="2625725" algn="l"/>
+                <a:tab pos="3282950" algn="l"/>
+                <a:tab pos="3938588" algn="l"/>
+                <a:tab pos="4595813" algn="l"/>
+                <a:tab pos="5253038" algn="l"/>
+                <a:tab pos="5908675" algn="l"/>
+                <a:tab pos="6565900" algn="l"/>
+                <a:tab pos="7223125" algn="l"/>
+              </a:tabLst>
+              <a:defRPr>
+                <a:solidFill>
+                  <a:schemeClr val="tx1"/>
+                </a:solidFill>
+                <a:latin typeface="Arial" pitchFamily="34" charset="0"/>
+                <a:cs typeface="Arial" pitchFamily="34" charset="0"/>
+              </a:defRPr>
+            </a:lvl2pPr>
+            <a:lvl3pPr marL="1143000" indent="-228600" eaLnBrk="0" hangingPunct="0">
+              <a:tabLst>
+                <a:tab pos="655638" algn="l"/>
+                <a:tab pos="1312863" algn="l"/>
+                <a:tab pos="1968500" algn="l"/>
+                <a:tab pos="2625725" algn="l"/>
+                <a:tab pos="3282950" algn="l"/>
+                <a:tab pos="3938588" algn="l"/>
+                <a:tab pos="4595813" algn="l"/>
+                <a:tab pos="5253038" algn="l"/>
+                <a:tab pos="5908675" algn="l"/>
+                <a:tab pos="6565900" algn="l"/>
+                <a:tab pos="7223125" algn="l"/>
+              </a:tabLst>
+              <a:defRPr>
+                <a:solidFill>
+                  <a:schemeClr val="tx1"/>
+                </a:solidFill>
+                <a:latin typeface="Arial" pitchFamily="34" charset="0"/>
+                <a:cs typeface="Arial" pitchFamily="34" charset="0"/>
+              </a:defRPr>
+            </a:lvl3pPr>
+            <a:lvl4pPr marL="1600200" indent="-228600" eaLnBrk="0" hangingPunct="0">
+              <a:tabLst>
+                <a:tab pos="655638" algn="l"/>
+                <a:tab pos="1312863" algn="l"/>
+                <a:tab pos="1968500" algn="l"/>
+                <a:tab pos="2625725" algn="l"/>
+                <a:tab pos="3282950" algn="l"/>
+                <a:tab pos="3938588" algn="l"/>
+                <a:tab pos="4595813" algn="l"/>
+                <a:tab pos="5253038" algn="l"/>
+                <a:tab pos="5908675" algn="l"/>
+                <a:tab pos="6565900" algn="l"/>
+                <a:tab pos="7223125" algn="l"/>
+              </a:tabLst>
+              <a:defRPr>
+                <a:solidFill>
+                  <a:schemeClr val="tx1"/>
+                </a:solidFill>
+                <a:latin typeface="Arial" pitchFamily="34" charset="0"/>
+                <a:cs typeface="Arial" pitchFamily="34" charset="0"/>
+              </a:defRPr>
+            </a:lvl4pPr>
+            <a:lvl5pPr marL="2057400" indent="-228600" eaLnBrk="0" hangingPunct="0">
+              <a:tabLst>
+                <a:tab pos="655638" algn="l"/>
+                <a:tab pos="1312863" algn="l"/>
+                <a:tab pos="1968500" algn="l"/>
+                <a:tab pos="2625725" algn="l"/>
+                <a:tab pos="3282950" algn="l"/>
+                <a:tab pos="3938588" algn="l"/>
+                <a:tab pos="4595813" algn="l"/>
+                <a:tab pos="5253038" algn="l"/>
+                <a:tab pos="5908675" algn="l"/>
+                <a:tab pos="6565900" algn="l"/>
+                <a:tab pos="7223125" algn="l"/>
+              </a:tabLst>
+              <a:defRPr>
+                <a:solidFill>
+                  <a:schemeClr val="tx1"/>
+                </a:solidFill>
+                <a:latin typeface="Arial" pitchFamily="34" charset="0"/>
+                <a:cs typeface="Arial" pitchFamily="34" charset="0"/>
+              </a:defRPr>
+            </a:lvl5pPr>
+            <a:lvl6pPr marL="2514600" indent="-228600" eaLnBrk="0" fontAlgn="base" hangingPunct="0">
+              <a:spcBef>
+                <a:spcPct val="0"/>
+              </a:spcBef>
+              <a:spcAft>
+                <a:spcPct val="0"/>
+              </a:spcAft>
+              <a:tabLst>
+                <a:tab pos="655638" algn="l"/>
+                <a:tab pos="1312863" algn="l"/>
+                <a:tab pos="1968500" algn="l"/>
+                <a:tab pos="2625725" algn="l"/>
+                <a:tab pos="3282950" algn="l"/>
+                <a:tab pos="3938588" algn="l"/>
+                <a:tab pos="4595813" algn="l"/>
+                <a:tab pos="5253038" algn="l"/>
+                <a:tab pos="5908675" algn="l"/>
+                <a:tab pos="6565900" algn="l"/>
+                <a:tab pos="7223125" algn="l"/>
+              </a:tabLst>
+              <a:defRPr>
+                <a:solidFill>
+                  <a:schemeClr val="tx1"/>
+                </a:solidFill>
+                <a:latin typeface="Arial" pitchFamily="34" charset="0"/>
+                <a:cs typeface="Arial" pitchFamily="34" charset="0"/>
+              </a:defRPr>
+            </a:lvl6pPr>
+            <a:lvl7pPr marL="2971800" indent="-228600" eaLnBrk="0" fontAlgn="base" hangingPunct="0">
+              <a:spcBef>
+                <a:spcPct val="0"/>
+              </a:spcBef>
+              <a:spcAft>
+                <a:spcPct val="0"/>
+              </a:spcAft>
+              <a:tabLst>
+                <a:tab pos="655638" algn="l"/>
+                <a:tab pos="1312863" algn="l"/>
+                <a:tab pos="1968500" algn="l"/>
+                <a:tab pos="2625725" algn="l"/>
+                <a:tab pos="3282950" algn="l"/>
+                <a:tab pos="3938588" algn="l"/>
+                <a:tab pos="4595813" algn="l"/>
+                <a:tab pos="5253038" algn="l"/>
+                <a:tab pos="5908675" algn="l"/>
+                <a:tab pos="6565900" algn="l"/>
+                <a:tab pos="7223125" algn="l"/>
+              </a:tabLst>
+              <a:defRPr>
+                <a:solidFill>
+                  <a:schemeClr val="tx1"/>
+                </a:solidFill>
+                <a:latin typeface="Arial" pitchFamily="34" charset="0"/>
+                <a:cs typeface="Arial" pitchFamily="34" charset="0"/>
+              </a:defRPr>
+            </a:lvl7pPr>
+            <a:lvl8pPr marL="3429000" indent="-228600" eaLnBrk="0" fontAlgn="base" hangingPunct="0">
+              <a:spcBef>
+                <a:spcPct val="0"/>
+              </a:spcBef>
+              <a:spcAft>
+                <a:spcPct val="0"/>
+              </a:spcAft>
+              <a:tabLst>
+                <a:tab pos="655638" algn="l"/>
+                <a:tab pos="1312863" algn="l"/>
+                <a:tab pos="1968500" algn="l"/>
+                <a:tab pos="2625725" algn="l"/>
+                <a:tab pos="3282950" algn="l"/>
+                <a:tab pos="3938588" algn="l"/>
+                <a:tab pos="4595813" algn="l"/>
+                <a:tab pos="5253038" algn="l"/>
+                <a:tab pos="5908675" algn="l"/>
+                <a:tab pos="6565900" algn="l"/>
+                <a:tab pos="7223125" algn="l"/>
+              </a:tabLst>
+              <a:defRPr>
+                <a:solidFill>
+                  <a:schemeClr val="tx1"/>
+                </a:solidFill>
+                <a:latin typeface="Arial" pitchFamily="34" charset="0"/>
+                <a:cs typeface="Arial" pitchFamily="34" charset="0"/>
+              </a:defRPr>
+            </a:lvl8pPr>
+            <a:lvl9pPr marL="3886200" indent="-228600" eaLnBrk="0" fontAlgn="base" hangingPunct="0">
+              <a:spcBef>
+                <a:spcPct val="0"/>
+              </a:spcBef>
+              <a:spcAft>
+                <a:spcPct val="0"/>
+              </a:spcAft>
+              <a:tabLst>
+                <a:tab pos="655638" algn="l"/>
+                <a:tab pos="1312863" algn="l"/>
+                <a:tab pos="1968500" algn="l"/>
+                <a:tab pos="2625725" algn="l"/>
+                <a:tab pos="3282950" algn="l"/>
+                <a:tab pos="3938588" algn="l"/>
+                <a:tab pos="4595813" algn="l"/>
+                <a:tab pos="5253038" algn="l"/>
+                <a:tab pos="5908675" algn="l"/>
+                <a:tab pos="6565900" algn="l"/>
+                <a:tab pos="7223125" algn="l"/>
+              </a:tabLst>
+              <a:defRPr>
+                <a:solidFill>
+                  <a:schemeClr val="tx1"/>
+                </a:solidFill>
+                <a:latin typeface="Arial" pitchFamily="34" charset="0"/>
+                <a:cs typeface="Arial" pitchFamily="34" charset="0"/>
+              </a:defRPr>
+            </a:lvl9pPr>
+          </a:lstStyle>
+          <a:p>
+            <a:pPr eaLnBrk="1" hangingPunct="1">
+              <a:lnSpc>
+                <a:spcPct val="125000"/>
+              </a:lnSpc>
+              <a:defRPr/>
+            </a:pPr>
+            <a:r>
+              <a:rPr lang="en-US" altLang="en-US" sz="2200" dirty="0">
+                <a:latin typeface="Calibri" panose="020F0502020204030204" pitchFamily="34" charset="0"/>
+              </a:rPr>
+              <a:t>Let's look in detail at our class…:</a:t>
+            </a:r>
+          </a:p>
+          <a:p>
+            <a:pPr eaLnBrk="1" hangingPunct="1">
+              <a:lnSpc>
+                <a:spcPct val="125000"/>
+              </a:lnSpc>
+              <a:defRPr/>
+            </a:pPr>
+            <a:endParaRPr lang="en-US" altLang="en-US" sz="1200" dirty="0">
+              <a:latin typeface="Calibri" panose="020F0502020204030204" pitchFamily="34" charset="0"/>
+            </a:endParaRPr>
+          </a:p>
+          <a:p>
+            <a:pPr eaLnBrk="1" hangingPunct="1">
+              <a:lnSpc>
+                <a:spcPct val="125000"/>
+              </a:lnSpc>
+              <a:defRPr/>
+            </a:pPr>
+            <a:r>
+              <a:rPr lang="en-US" altLang="en-US" sz="2000" b="1" dirty="0">
+                <a:latin typeface="Courier New" pitchFamily="49" charset="0"/>
+                <a:cs typeface="Courier New" pitchFamily="49" charset="0"/>
+              </a:rPr>
+              <a:t>class</a:t>
+            </a:r>
+            <a:r>
+              <a:rPr lang="en-US" altLang="en-US" sz="2000" dirty="0">
+                <a:latin typeface="Courier New" pitchFamily="49" charset="0"/>
+                <a:cs typeface="Courier New" pitchFamily="49" charset="0"/>
+              </a:rPr>
+              <a:t> </a:t>
+            </a:r>
+            <a:r>
+              <a:rPr lang="en-US" altLang="en-US" sz="2000" dirty="0" err="1">
+                <a:latin typeface="Courier New" pitchFamily="49" charset="0"/>
+                <a:cs typeface="Courier New" pitchFamily="49" charset="0"/>
+              </a:rPr>
+              <a:t>FileAnalyser</a:t>
+            </a:r>
+            <a:r>
+              <a:rPr lang="en-US" altLang="en-US" sz="2000" dirty="0">
+                <a:latin typeface="Courier New" pitchFamily="49" charset="0"/>
+                <a:cs typeface="Courier New" pitchFamily="49" charset="0"/>
+              </a:rPr>
+              <a:t>():</a:t>
+            </a:r>
+          </a:p>
+          <a:p>
+            <a:pPr eaLnBrk="1" hangingPunct="1">
+              <a:lnSpc>
+                <a:spcPct val="125000"/>
+              </a:lnSpc>
+              <a:defRPr/>
+            </a:pPr>
+            <a:r>
+              <a:rPr lang="en-US" altLang="en-US" sz="2000" dirty="0">
+                <a:latin typeface="Courier New" pitchFamily="49" charset="0"/>
+                <a:cs typeface="Courier New" pitchFamily="49" charset="0"/>
+              </a:rPr>
+              <a:t>	"A class above the rest"</a:t>
+            </a:r>
+          </a:p>
+          <a:p>
+            <a:pPr eaLnBrk="1" hangingPunct="1">
+              <a:lnSpc>
+                <a:spcPct val="125000"/>
+              </a:lnSpc>
+              <a:defRPr/>
+            </a:pPr>
+            <a:endParaRPr lang="en-US" altLang="en-US" sz="1050" dirty="0">
+              <a:latin typeface="Courier New" pitchFamily="49" charset="0"/>
+              <a:cs typeface="Courier New" pitchFamily="49" charset="0"/>
+            </a:endParaRPr>
+          </a:p>
+          <a:p>
+            <a:pPr eaLnBrk="1" hangingPunct="1">
+              <a:lnSpc>
+                <a:spcPct val="125000"/>
+              </a:lnSpc>
+              <a:defRPr/>
+            </a:pPr>
+            <a:r>
+              <a:rPr lang="en-US" altLang="en-US" sz="2000" dirty="0">
+                <a:latin typeface="Courier New" pitchFamily="49" charset="0"/>
+                <a:cs typeface="Courier New" pitchFamily="49" charset="0"/>
+              </a:rPr>
+              <a:t>	</a:t>
+            </a:r>
+            <a:r>
+              <a:rPr lang="en-US" altLang="en-US" sz="2000" b="1" dirty="0" err="1">
+                <a:latin typeface="Courier New" pitchFamily="49" charset="0"/>
+                <a:cs typeface="Courier New" pitchFamily="49" charset="0"/>
+              </a:rPr>
+              <a:t>def</a:t>
+            </a:r>
+            <a:r>
+              <a:rPr lang="en-US" altLang="en-US" sz="2000" dirty="0">
+                <a:latin typeface="Courier New" pitchFamily="49" charset="0"/>
+                <a:cs typeface="Courier New" pitchFamily="49" charset="0"/>
+              </a:rPr>
+              <a:t> __</a:t>
+            </a:r>
+            <a:r>
+              <a:rPr lang="en-US" altLang="en-US" sz="2000" dirty="0" err="1">
+                <a:latin typeface="Courier New" pitchFamily="49" charset="0"/>
+                <a:cs typeface="Courier New" pitchFamily="49" charset="0"/>
+              </a:rPr>
+              <a:t>init</a:t>
+            </a:r>
+            <a:r>
+              <a:rPr lang="en-US" altLang="en-US" sz="2000" dirty="0">
+                <a:latin typeface="Courier New" pitchFamily="49" charset="0"/>
+                <a:cs typeface="Courier New" pitchFamily="49" charset="0"/>
+              </a:rPr>
+              <a:t>__(self, path):</a:t>
+            </a:r>
+            <a:endParaRPr lang="en-GB" altLang="en-US" sz="2000" dirty="0">
+              <a:latin typeface="Courier New" pitchFamily="49" charset="0"/>
+              <a:cs typeface="Courier New" pitchFamily="49" charset="0"/>
+            </a:endParaRPr>
+          </a:p>
+          <a:p>
+            <a:pPr eaLnBrk="1" hangingPunct="1">
+              <a:lnSpc>
+                <a:spcPct val="125000"/>
+              </a:lnSpc>
+              <a:defRPr/>
+            </a:pPr>
+            <a:r>
+              <a:rPr lang="en-GB" altLang="en-US" sz="2000" dirty="0">
+                <a:latin typeface="Courier New" pitchFamily="49" charset="0"/>
+                <a:cs typeface="Courier New" pitchFamily="49" charset="0"/>
+              </a:rPr>
+              <a:t>		items = open(path).read().split()</a:t>
+            </a:r>
+          </a:p>
+          <a:p>
+            <a:pPr eaLnBrk="1" hangingPunct="1">
+              <a:lnSpc>
+                <a:spcPct val="125000"/>
+              </a:lnSpc>
+              <a:defRPr/>
+            </a:pPr>
+            <a:r>
+              <a:rPr lang="en-GB" altLang="en-US" sz="2000" dirty="0">
+                <a:latin typeface="Courier New" pitchFamily="49" charset="0"/>
+                <a:cs typeface="Courier New" pitchFamily="49" charset="0"/>
+              </a:rPr>
+              <a:t>		</a:t>
+            </a:r>
+            <a:r>
+              <a:rPr lang="en-GB" altLang="en-US" sz="2000" dirty="0" err="1">
+                <a:latin typeface="Courier New" pitchFamily="49" charset="0"/>
+                <a:cs typeface="Courier New" pitchFamily="49" charset="0"/>
+              </a:rPr>
+              <a:t>self.data</a:t>
+            </a:r>
+            <a:r>
+              <a:rPr lang="en-GB" altLang="en-US" sz="2000" dirty="0">
+                <a:latin typeface="Courier New" pitchFamily="49" charset="0"/>
+                <a:cs typeface="Courier New" pitchFamily="49" charset="0"/>
+              </a:rPr>
+              <a:t> = []</a:t>
+            </a:r>
+          </a:p>
+          <a:p>
+            <a:pPr eaLnBrk="1" hangingPunct="1">
+              <a:lnSpc>
+                <a:spcPct val="125000"/>
+              </a:lnSpc>
+              <a:defRPr/>
+            </a:pPr>
+            <a:r>
+              <a:rPr lang="en-GB" altLang="en-US" sz="2000" dirty="0">
+                <a:latin typeface="Courier New" pitchFamily="49" charset="0"/>
+                <a:cs typeface="Courier New" pitchFamily="49" charset="0"/>
+              </a:rPr>
+              <a:t>		</a:t>
+            </a:r>
+            <a:r>
+              <a:rPr lang="en-GB" altLang="en-US" sz="2000" b="1" dirty="0">
+                <a:latin typeface="Courier New" pitchFamily="49" charset="0"/>
+                <a:cs typeface="Courier New" pitchFamily="49" charset="0"/>
+              </a:rPr>
+              <a:t>for</a:t>
+            </a:r>
+            <a:r>
+              <a:rPr lang="en-GB" altLang="en-US" sz="2000" dirty="0">
+                <a:latin typeface="Courier New" pitchFamily="49" charset="0"/>
+                <a:cs typeface="Courier New" pitchFamily="49" charset="0"/>
+              </a:rPr>
+              <a:t> item </a:t>
+            </a:r>
+            <a:r>
+              <a:rPr lang="en-GB" altLang="en-US" sz="2000" b="1" dirty="0">
+                <a:latin typeface="Courier New" pitchFamily="49" charset="0"/>
+                <a:cs typeface="Courier New" pitchFamily="49" charset="0"/>
+              </a:rPr>
+              <a:t>in</a:t>
+            </a:r>
+            <a:r>
+              <a:rPr lang="en-GB" altLang="en-US" sz="2000" dirty="0">
+                <a:latin typeface="Courier New" pitchFamily="49" charset="0"/>
+                <a:cs typeface="Courier New" pitchFamily="49" charset="0"/>
+              </a:rPr>
+              <a:t> items:</a:t>
+            </a:r>
+          </a:p>
+          <a:p>
+            <a:pPr eaLnBrk="1" hangingPunct="1">
+              <a:lnSpc>
+                <a:spcPct val="125000"/>
+              </a:lnSpc>
+              <a:defRPr/>
+            </a:pPr>
+            <a:r>
+              <a:rPr lang="en-GB" altLang="en-US" sz="2000" dirty="0">
+                <a:latin typeface="Courier New" pitchFamily="49" charset="0"/>
+                <a:cs typeface="Courier New" pitchFamily="49" charset="0"/>
+              </a:rPr>
+              <a:t>			</a:t>
+            </a:r>
+            <a:r>
+              <a:rPr lang="en-GB" altLang="en-US" sz="2000" dirty="0" err="1">
+                <a:latin typeface="Courier New" pitchFamily="49" charset="0"/>
+                <a:cs typeface="Courier New" pitchFamily="49" charset="0"/>
+              </a:rPr>
+              <a:t>self.data.append</a:t>
+            </a:r>
+            <a:r>
+              <a:rPr lang="en-GB" altLang="en-US" sz="2000" dirty="0">
+                <a:latin typeface="Courier New" pitchFamily="49" charset="0"/>
+                <a:cs typeface="Courier New" pitchFamily="49" charset="0"/>
+              </a:rPr>
+              <a:t>(float(item))</a:t>
+            </a:r>
+            <a:endParaRPr lang="en-US" altLang="en-US" sz="2000" dirty="0">
+              <a:latin typeface="Courier New" pitchFamily="49" charset="0"/>
+              <a:cs typeface="Courier New" pitchFamily="49" charset="0"/>
+            </a:endParaRPr>
+          </a:p>
+          <a:p>
+            <a:pPr eaLnBrk="1" hangingPunct="1">
+              <a:lnSpc>
+                <a:spcPct val="125000"/>
+              </a:lnSpc>
+              <a:defRPr/>
+            </a:pPr>
+            <a:endParaRPr lang="en-US" altLang="en-US" sz="2000" dirty="0">
+              <a:latin typeface="DFKai-SB" pitchFamily="65" charset="-120"/>
+              <a:cs typeface="Courier New" pitchFamily="49" charset="0"/>
+            </a:endParaRPr>
+          </a:p>
+          <a:p>
+            <a:pPr eaLnBrk="1" hangingPunct="1">
+              <a:lnSpc>
+                <a:spcPct val="125000"/>
+              </a:lnSpc>
+              <a:defRPr/>
+            </a:pPr>
+            <a:endParaRPr lang="en-US" altLang="en-US" sz="2400" dirty="0">
+              <a:latin typeface="Calibri" panose="020F0502020204030204" pitchFamily="34" charset="0"/>
+            </a:endParaRPr>
+          </a:p>
+        </p:txBody>
+      </p:sp>
+    </p:spTree>
+  </p:cSld>
+  <p:clrMapOvr>
+    <a:masterClrMapping/>
+  </p:clrMapOvr>
+</p:sld>
+</file>
+
+<file path=ppt/slides/slide19.xml><?xml version="1.0" encoding="utf-8"?>
+<p:sld xmlns:a="http://schemas.openxmlformats.org/drawingml/2006/main" xmlns:r="http://schemas.openxmlformats.org/officeDocument/2006/relationships" xmlns:p="http://schemas.openxmlformats.org/presentationml/2006/main">
+  <p:cSld>
+    <p:spTree>
+      <p:nvGrpSpPr>
+        <p:cNvPr id="1" name=""/>
+        <p:cNvGrpSpPr/>
+        <p:nvPr/>
+      </p:nvGrpSpPr>
+      <p:grpSpPr>
+        <a:xfrm>
+          <a:off x="0" y="0"/>
+          <a:ext cx="0" cy="0"/>
+          <a:chOff x="0" y="0"/>
+          <a:chExt cx="0" cy="0"/>
+        </a:xfrm>
+      </p:grpSpPr>
+      <p:sp>
+        <p:nvSpPr>
           <p:cNvPr id="4" name="Rectangular Callout 3"/>
           <p:cNvSpPr/>
           <p:nvPr/>
@@ -16360,855 +16932,11 @@
         </p:txBody>
       </p:sp>
     </p:spTree>
-  </p:cSld>
-  <p:clrMapOvr>
-    <a:masterClrMapping/>
-  </p:clrMapOvr>
-  <p:timing>
-    <p:tnLst>
-      <p:par>
-        <p:cTn id="1" dur="indefinite" restart="never" nodeType="tmRoot">
-          <p:childTnLst>
-            <p:seq concurrent="1" nextAc="seek">
-              <p:cTn id="2" dur="indefinite" nodeType="mainSeq">
-                <p:childTnLst>
-                  <p:par>
-                    <p:cTn id="3" fill="hold" nodeType="clickPar">
-                      <p:stCondLst>
-                        <p:cond delay="indefinite"/>
-                      </p:stCondLst>
-                      <p:childTnLst>
-                        <p:par>
-                          <p:cTn id="4" fill="hold" nodeType="withGroup">
-                            <p:stCondLst>
-                              <p:cond delay="0"/>
-                            </p:stCondLst>
-                            <p:childTnLst>
-                              <p:par>
-                                <p:cTn id="5" presetID="1" presetClass="entr" presetSubtype="0" fill="hold" grpId="0" nodeType="clickEffect">
-                                  <p:stCondLst>
-                                    <p:cond delay="0"/>
-                                  </p:stCondLst>
-                                  <p:childTnLst>
-                                    <p:set>
-                                      <p:cBhvr>
-                                        <p:cTn id="6" dur="1" fill="hold">
-                                          <p:stCondLst>
-                                            <p:cond delay="0"/>
-                                          </p:stCondLst>
-                                        </p:cTn>
-                                        <p:tgtEl>
-                                          <p:spTgt spid="3"/>
-                                        </p:tgtEl>
-                                        <p:attrNameLst>
-                                          <p:attrName>style.visibility</p:attrName>
-                                        </p:attrNameLst>
-                                      </p:cBhvr>
-                                      <p:to>
-                                        <p:strVal val="visible"/>
-                                      </p:to>
-                                    </p:set>
-                                  </p:childTnLst>
-                                </p:cTn>
-                              </p:par>
-                            </p:childTnLst>
-                          </p:cTn>
-                        </p:par>
-                      </p:childTnLst>
-                    </p:cTn>
-                  </p:par>
-                  <p:par>
-                    <p:cTn id="7" fill="hold" nodeType="clickPar">
-                      <p:stCondLst>
-                        <p:cond delay="indefinite"/>
-                      </p:stCondLst>
-                      <p:childTnLst>
-                        <p:par>
-                          <p:cTn id="8" fill="hold" nodeType="withGroup">
-                            <p:stCondLst>
-                              <p:cond delay="0"/>
-                            </p:stCondLst>
-                            <p:childTnLst>
-                              <p:par>
-                                <p:cTn id="9" presetID="1" presetClass="entr" presetSubtype="0" fill="hold" grpId="0" nodeType="clickEffect">
-                                  <p:stCondLst>
-                                    <p:cond delay="0"/>
-                                  </p:stCondLst>
-                                  <p:childTnLst>
-                                    <p:set>
-                                      <p:cBhvr>
-                                        <p:cTn id="10" dur="1" fill="hold">
-                                          <p:stCondLst>
-                                            <p:cond delay="0"/>
-                                          </p:stCondLst>
-                                        </p:cTn>
-                                        <p:tgtEl>
-                                          <p:spTgt spid="4"/>
-                                        </p:tgtEl>
-                                        <p:attrNameLst>
-                                          <p:attrName>style.visibility</p:attrName>
-                                        </p:attrNameLst>
-                                      </p:cBhvr>
-                                      <p:to>
-                                        <p:strVal val="visible"/>
-                                      </p:to>
-                                    </p:set>
-                                  </p:childTnLst>
-                                </p:cTn>
-                              </p:par>
-                            </p:childTnLst>
-                          </p:cTn>
-                        </p:par>
-                      </p:childTnLst>
-                    </p:cTn>
-                  </p:par>
-                </p:childTnLst>
-              </p:cTn>
-              <p:prevCondLst>
-                <p:cond evt="onPrev" delay="0">
-                  <p:tgtEl>
-                    <p:sldTgt/>
-                  </p:tgtEl>
-                </p:cond>
-              </p:prevCondLst>
-              <p:nextCondLst>
-                <p:cond evt="onNext" delay="0">
-                  <p:tgtEl>
-                    <p:sldTgt/>
-                  </p:tgtEl>
-                </p:cond>
-              </p:nextCondLst>
-            </p:seq>
-          </p:childTnLst>
-        </p:cTn>
-      </p:par>
-    </p:tnLst>
-    <p:bldLst>
-      <p:bldP spid="3" grpId="0" animBg="1"/>
-      <p:bldP spid="4" grpId="0" animBg="1"/>
-    </p:bldLst>
-  </p:timing>
-</p:sld>
-</file>
-
-<file path=ppt/slides/slide19.xml><?xml version="1.0" encoding="utf-8"?>
-<p:sld xmlns:a="http://schemas.openxmlformats.org/drawingml/2006/main" xmlns:r="http://schemas.openxmlformats.org/officeDocument/2006/relationships" xmlns:p="http://schemas.openxmlformats.org/presentationml/2006/main">
-  <p:cSld>
-    <p:spTree>
-      <p:nvGrpSpPr>
-        <p:cNvPr id="1" name=""/>
-        <p:cNvGrpSpPr/>
-        <p:nvPr/>
-      </p:nvGrpSpPr>
-      <p:grpSpPr>
-        <a:xfrm>
-          <a:off x="0" y="0"/>
-          <a:ext cx="0" cy="0"/>
-          <a:chOff x="0" y="0"/>
-          <a:chExt cx="0" cy="0"/>
-        </a:xfrm>
-      </p:grpSpPr>
-      <p:sp>
-        <p:nvSpPr>
-          <p:cNvPr id="3" name="Rectangular Callout 2"/>
-          <p:cNvSpPr/>
-          <p:nvPr/>
-        </p:nvSpPr>
-        <p:spPr>
-          <a:xfrm>
-            <a:off x="6011863" y="3933825"/>
-            <a:ext cx="2736850" cy="2016125"/>
-          </a:xfrm>
-          <a:prstGeom prst="wedgeRectCallout">
-            <a:avLst>
-              <a:gd name="adj1" fmla="val -112935"/>
-              <a:gd name="adj2" fmla="val -28816"/>
-            </a:avLst>
-          </a:prstGeom>
-        </p:spPr>
-        <p:style>
-          <a:lnRef idx="2">
-            <a:schemeClr val="accent2"/>
-          </a:lnRef>
-          <a:fillRef idx="1">
-            <a:schemeClr val="lt1"/>
-          </a:fillRef>
-          <a:effectRef idx="0">
-            <a:schemeClr val="accent2"/>
-          </a:effectRef>
-          <a:fontRef idx="minor">
-            <a:schemeClr val="dk1"/>
-          </a:fontRef>
-        </p:style>
-        <p:txBody>
-          <a:bodyPr anchor="ctr"/>
-          <a:lstStyle/>
-          <a:p>
-            <a:pPr algn="ctr" eaLnBrk="1" hangingPunct="1">
-              <a:defRPr/>
-            </a:pPr>
-            <a:r>
-              <a:rPr lang="en-GB" dirty="0"/>
-              <a:t>Now we add more methods:</a:t>
-            </a:r>
-          </a:p>
-          <a:p>
-            <a:pPr algn="ctr" eaLnBrk="1" hangingPunct="1">
-              <a:defRPr/>
-            </a:pPr>
-            <a:endParaRPr lang="en-GB" dirty="0"/>
-          </a:p>
-          <a:p>
-            <a:pPr marL="285750" indent="-285750" eaLnBrk="1" hangingPunct="1">
-              <a:buFont typeface="Arial" panose="020B0604020202020204" pitchFamily="34" charset="0"/>
-              <a:buChar char="•"/>
-              <a:defRPr/>
-            </a:pPr>
-            <a:r>
-              <a:rPr lang="en-GB" dirty="0"/>
-              <a:t>"self" is always required as first argument.</a:t>
-            </a:r>
-          </a:p>
-        </p:txBody>
-      </p:sp>
-      <p:sp>
-        <p:nvSpPr>
-          <p:cNvPr id="5" name="Text Box 2"/>
-          <p:cNvSpPr txBox="1">
-            <a:spLocks noChangeArrowheads="1"/>
-          </p:cNvSpPr>
-          <p:nvPr/>
-        </p:nvSpPr>
-        <p:spPr bwMode="auto">
-          <a:xfrm>
-            <a:off x="684213" y="333375"/>
-            <a:ext cx="7775575" cy="5976938"/>
-          </a:xfrm>
-          <a:prstGeom prst="rect">
-            <a:avLst/>
-          </a:prstGeom>
-          <a:noFill/>
-          <a:ln>
-            <a:noFill/>
-          </a:ln>
-          <a:extLst>
-            <a:ext uri="{909E8E84-426E-40DD-AFC4-6F175D3DCCD1}">
-              <a14:hiddenFill xmlns:a14="http://schemas.microsoft.com/office/drawing/2010/main">
-                <a:solidFill>
-                  <a:srgbClr val="FFFFFF"/>
-                </a:solidFill>
-              </a14:hiddenFill>
-            </a:ext>
-            <a:ext uri="{91240B29-F687-4F45-9708-019B960494DF}">
-              <a14:hiddenLine xmlns:a14="http://schemas.microsoft.com/office/drawing/2010/main" w="9525">
-                <a:solidFill>
-                  <a:srgbClr val="000000"/>
-                </a:solidFill>
-                <a:round/>
-                <a:headEnd/>
-                <a:tailEnd/>
-              </a14:hiddenLine>
-            </a:ext>
-          </a:extLst>
-        </p:spPr>
-        <p:txBody>
-          <a:bodyPr wrap="none" lIns="81639" tIns="40820" rIns="81639" bIns="40820"/>
-          <a:lstStyle>
-            <a:lvl1pPr eaLnBrk="0" hangingPunct="0">
-              <a:tabLst>
-                <a:tab pos="655638" algn="l"/>
-                <a:tab pos="1312863" algn="l"/>
-                <a:tab pos="1968500" algn="l"/>
-                <a:tab pos="2625725" algn="l"/>
-                <a:tab pos="3282950" algn="l"/>
-                <a:tab pos="3938588" algn="l"/>
-                <a:tab pos="4595813" algn="l"/>
-                <a:tab pos="5253038" algn="l"/>
-                <a:tab pos="5908675" algn="l"/>
-                <a:tab pos="6565900" algn="l"/>
-                <a:tab pos="7223125" algn="l"/>
-              </a:tabLst>
-              <a:defRPr>
-                <a:solidFill>
-                  <a:schemeClr val="tx1"/>
-                </a:solidFill>
-                <a:latin typeface="Arial" pitchFamily="34" charset="0"/>
-                <a:cs typeface="Arial" pitchFamily="34" charset="0"/>
-              </a:defRPr>
-            </a:lvl1pPr>
-            <a:lvl2pPr marL="742950" indent="-285750" eaLnBrk="0" hangingPunct="0">
-              <a:tabLst>
-                <a:tab pos="655638" algn="l"/>
-                <a:tab pos="1312863" algn="l"/>
-                <a:tab pos="1968500" algn="l"/>
-                <a:tab pos="2625725" algn="l"/>
-                <a:tab pos="3282950" algn="l"/>
-                <a:tab pos="3938588" algn="l"/>
-                <a:tab pos="4595813" algn="l"/>
-                <a:tab pos="5253038" algn="l"/>
-                <a:tab pos="5908675" algn="l"/>
-                <a:tab pos="6565900" algn="l"/>
-                <a:tab pos="7223125" algn="l"/>
-              </a:tabLst>
-              <a:defRPr>
-                <a:solidFill>
-                  <a:schemeClr val="tx1"/>
-                </a:solidFill>
-                <a:latin typeface="Arial" pitchFamily="34" charset="0"/>
-                <a:cs typeface="Arial" pitchFamily="34" charset="0"/>
-              </a:defRPr>
-            </a:lvl2pPr>
-            <a:lvl3pPr marL="1143000" indent="-228600" eaLnBrk="0" hangingPunct="0">
-              <a:tabLst>
-                <a:tab pos="655638" algn="l"/>
-                <a:tab pos="1312863" algn="l"/>
-                <a:tab pos="1968500" algn="l"/>
-                <a:tab pos="2625725" algn="l"/>
-                <a:tab pos="3282950" algn="l"/>
-                <a:tab pos="3938588" algn="l"/>
-                <a:tab pos="4595813" algn="l"/>
-                <a:tab pos="5253038" algn="l"/>
-                <a:tab pos="5908675" algn="l"/>
-                <a:tab pos="6565900" algn="l"/>
-                <a:tab pos="7223125" algn="l"/>
-              </a:tabLst>
-              <a:defRPr>
-                <a:solidFill>
-                  <a:schemeClr val="tx1"/>
-                </a:solidFill>
-                <a:latin typeface="Arial" pitchFamily="34" charset="0"/>
-                <a:cs typeface="Arial" pitchFamily="34" charset="0"/>
-              </a:defRPr>
-            </a:lvl3pPr>
-            <a:lvl4pPr marL="1600200" indent="-228600" eaLnBrk="0" hangingPunct="0">
-              <a:tabLst>
-                <a:tab pos="655638" algn="l"/>
-                <a:tab pos="1312863" algn="l"/>
-                <a:tab pos="1968500" algn="l"/>
-                <a:tab pos="2625725" algn="l"/>
-                <a:tab pos="3282950" algn="l"/>
-                <a:tab pos="3938588" algn="l"/>
-                <a:tab pos="4595813" algn="l"/>
-                <a:tab pos="5253038" algn="l"/>
-                <a:tab pos="5908675" algn="l"/>
-                <a:tab pos="6565900" algn="l"/>
-                <a:tab pos="7223125" algn="l"/>
-              </a:tabLst>
-              <a:defRPr>
-                <a:solidFill>
-                  <a:schemeClr val="tx1"/>
-                </a:solidFill>
-                <a:latin typeface="Arial" pitchFamily="34" charset="0"/>
-                <a:cs typeface="Arial" pitchFamily="34" charset="0"/>
-              </a:defRPr>
-            </a:lvl4pPr>
-            <a:lvl5pPr marL="2057400" indent="-228600" eaLnBrk="0" hangingPunct="0">
-              <a:tabLst>
-                <a:tab pos="655638" algn="l"/>
-                <a:tab pos="1312863" algn="l"/>
-                <a:tab pos="1968500" algn="l"/>
-                <a:tab pos="2625725" algn="l"/>
-                <a:tab pos="3282950" algn="l"/>
-                <a:tab pos="3938588" algn="l"/>
-                <a:tab pos="4595813" algn="l"/>
-                <a:tab pos="5253038" algn="l"/>
-                <a:tab pos="5908675" algn="l"/>
-                <a:tab pos="6565900" algn="l"/>
-                <a:tab pos="7223125" algn="l"/>
-              </a:tabLst>
-              <a:defRPr>
-                <a:solidFill>
-                  <a:schemeClr val="tx1"/>
-                </a:solidFill>
-                <a:latin typeface="Arial" pitchFamily="34" charset="0"/>
-                <a:cs typeface="Arial" pitchFamily="34" charset="0"/>
-              </a:defRPr>
-            </a:lvl5pPr>
-            <a:lvl6pPr marL="2514600" indent="-228600" eaLnBrk="0" fontAlgn="base" hangingPunct="0">
-              <a:spcBef>
-                <a:spcPct val="0"/>
-              </a:spcBef>
-              <a:spcAft>
-                <a:spcPct val="0"/>
-              </a:spcAft>
-              <a:tabLst>
-                <a:tab pos="655638" algn="l"/>
-                <a:tab pos="1312863" algn="l"/>
-                <a:tab pos="1968500" algn="l"/>
-                <a:tab pos="2625725" algn="l"/>
-                <a:tab pos="3282950" algn="l"/>
-                <a:tab pos="3938588" algn="l"/>
-                <a:tab pos="4595813" algn="l"/>
-                <a:tab pos="5253038" algn="l"/>
-                <a:tab pos="5908675" algn="l"/>
-                <a:tab pos="6565900" algn="l"/>
-                <a:tab pos="7223125" algn="l"/>
-              </a:tabLst>
-              <a:defRPr>
-                <a:solidFill>
-                  <a:schemeClr val="tx1"/>
-                </a:solidFill>
-                <a:latin typeface="Arial" pitchFamily="34" charset="0"/>
-                <a:cs typeface="Arial" pitchFamily="34" charset="0"/>
-              </a:defRPr>
-            </a:lvl6pPr>
-            <a:lvl7pPr marL="2971800" indent="-228600" eaLnBrk="0" fontAlgn="base" hangingPunct="0">
-              <a:spcBef>
-                <a:spcPct val="0"/>
-              </a:spcBef>
-              <a:spcAft>
-                <a:spcPct val="0"/>
-              </a:spcAft>
-              <a:tabLst>
-                <a:tab pos="655638" algn="l"/>
-                <a:tab pos="1312863" algn="l"/>
-                <a:tab pos="1968500" algn="l"/>
-                <a:tab pos="2625725" algn="l"/>
-                <a:tab pos="3282950" algn="l"/>
-                <a:tab pos="3938588" algn="l"/>
-                <a:tab pos="4595813" algn="l"/>
-                <a:tab pos="5253038" algn="l"/>
-                <a:tab pos="5908675" algn="l"/>
-                <a:tab pos="6565900" algn="l"/>
-                <a:tab pos="7223125" algn="l"/>
-              </a:tabLst>
-              <a:defRPr>
-                <a:solidFill>
-                  <a:schemeClr val="tx1"/>
-                </a:solidFill>
-                <a:latin typeface="Arial" pitchFamily="34" charset="0"/>
-                <a:cs typeface="Arial" pitchFamily="34" charset="0"/>
-              </a:defRPr>
-            </a:lvl7pPr>
-            <a:lvl8pPr marL="3429000" indent="-228600" eaLnBrk="0" fontAlgn="base" hangingPunct="0">
-              <a:spcBef>
-                <a:spcPct val="0"/>
-              </a:spcBef>
-              <a:spcAft>
-                <a:spcPct val="0"/>
-              </a:spcAft>
-              <a:tabLst>
-                <a:tab pos="655638" algn="l"/>
-                <a:tab pos="1312863" algn="l"/>
-                <a:tab pos="1968500" algn="l"/>
-                <a:tab pos="2625725" algn="l"/>
-                <a:tab pos="3282950" algn="l"/>
-                <a:tab pos="3938588" algn="l"/>
-                <a:tab pos="4595813" algn="l"/>
-                <a:tab pos="5253038" algn="l"/>
-                <a:tab pos="5908675" algn="l"/>
-                <a:tab pos="6565900" algn="l"/>
-                <a:tab pos="7223125" algn="l"/>
-              </a:tabLst>
-              <a:defRPr>
-                <a:solidFill>
-                  <a:schemeClr val="tx1"/>
-                </a:solidFill>
-                <a:latin typeface="Arial" pitchFamily="34" charset="0"/>
-                <a:cs typeface="Arial" pitchFamily="34" charset="0"/>
-              </a:defRPr>
-            </a:lvl8pPr>
-            <a:lvl9pPr marL="3886200" indent="-228600" eaLnBrk="0" fontAlgn="base" hangingPunct="0">
-              <a:spcBef>
-                <a:spcPct val="0"/>
-              </a:spcBef>
-              <a:spcAft>
-                <a:spcPct val="0"/>
-              </a:spcAft>
-              <a:tabLst>
-                <a:tab pos="655638" algn="l"/>
-                <a:tab pos="1312863" algn="l"/>
-                <a:tab pos="1968500" algn="l"/>
-                <a:tab pos="2625725" algn="l"/>
-                <a:tab pos="3282950" algn="l"/>
-                <a:tab pos="3938588" algn="l"/>
-                <a:tab pos="4595813" algn="l"/>
-                <a:tab pos="5253038" algn="l"/>
-                <a:tab pos="5908675" algn="l"/>
-                <a:tab pos="6565900" algn="l"/>
-                <a:tab pos="7223125" algn="l"/>
-              </a:tabLst>
-              <a:defRPr>
-                <a:solidFill>
-                  <a:schemeClr val="tx1"/>
-                </a:solidFill>
-                <a:latin typeface="Arial" pitchFamily="34" charset="0"/>
-                <a:cs typeface="Arial" pitchFamily="34" charset="0"/>
-              </a:defRPr>
-            </a:lvl9pPr>
-          </a:lstStyle>
-          <a:p>
-            <a:pPr eaLnBrk="1" hangingPunct="1">
-              <a:lnSpc>
-                <a:spcPct val="125000"/>
-              </a:lnSpc>
-              <a:defRPr/>
-            </a:pPr>
-            <a:r>
-              <a:rPr lang="en-US" altLang="en-US" sz="2200" dirty="0">
-                <a:latin typeface="Calibri" panose="020F0502020204030204" pitchFamily="34" charset="0"/>
-              </a:rPr>
-              <a:t>Let's look in detail at our class…:</a:t>
-            </a:r>
-          </a:p>
-          <a:p>
-            <a:pPr eaLnBrk="1" hangingPunct="1">
-              <a:lnSpc>
-                <a:spcPct val="125000"/>
-              </a:lnSpc>
-              <a:defRPr/>
-            </a:pPr>
-            <a:endParaRPr lang="en-US" altLang="en-US" sz="1200" dirty="0">
-              <a:latin typeface="Calibri" panose="020F0502020204030204" pitchFamily="34" charset="0"/>
-            </a:endParaRPr>
-          </a:p>
-          <a:p>
-            <a:pPr eaLnBrk="1" hangingPunct="1">
-              <a:lnSpc>
-                <a:spcPct val="125000"/>
-              </a:lnSpc>
-              <a:defRPr/>
-            </a:pPr>
-            <a:r>
-              <a:rPr lang="en-US" altLang="en-US" sz="2000" b="1" dirty="0">
-                <a:latin typeface="Courier New" pitchFamily="49" charset="0"/>
-                <a:cs typeface="Courier New" pitchFamily="49" charset="0"/>
-              </a:rPr>
-              <a:t>class</a:t>
-            </a:r>
-            <a:r>
-              <a:rPr lang="en-US" altLang="en-US" sz="2000" dirty="0">
-                <a:latin typeface="Courier New" pitchFamily="49" charset="0"/>
-                <a:cs typeface="Courier New" pitchFamily="49" charset="0"/>
-              </a:rPr>
-              <a:t> </a:t>
-            </a:r>
-            <a:r>
-              <a:rPr lang="en-US" altLang="en-US" sz="2000" dirty="0" err="1">
-                <a:latin typeface="Courier New" pitchFamily="49" charset="0"/>
-                <a:cs typeface="Courier New" pitchFamily="49" charset="0"/>
-              </a:rPr>
-              <a:t>FileAnalyser</a:t>
-            </a:r>
-            <a:r>
-              <a:rPr lang="en-US" altLang="en-US" sz="2000" dirty="0">
-                <a:latin typeface="Courier New" pitchFamily="49" charset="0"/>
-                <a:cs typeface="Courier New" pitchFamily="49" charset="0"/>
-              </a:rPr>
-              <a:t>():</a:t>
-            </a:r>
-          </a:p>
-          <a:p>
-            <a:pPr eaLnBrk="1" hangingPunct="1">
-              <a:lnSpc>
-                <a:spcPct val="125000"/>
-              </a:lnSpc>
-              <a:defRPr/>
-            </a:pPr>
-            <a:r>
-              <a:rPr lang="en-US" altLang="en-US" sz="2000" dirty="0">
-                <a:latin typeface="Courier New" pitchFamily="49" charset="0"/>
-                <a:cs typeface="Courier New" pitchFamily="49" charset="0"/>
-              </a:rPr>
-              <a:t>	"A class above the rest"</a:t>
-            </a:r>
-          </a:p>
-          <a:p>
-            <a:pPr eaLnBrk="1" hangingPunct="1">
-              <a:lnSpc>
-                <a:spcPct val="125000"/>
-              </a:lnSpc>
-              <a:defRPr/>
-            </a:pPr>
-            <a:endParaRPr lang="en-US" altLang="en-US" sz="1050" dirty="0">
-              <a:latin typeface="Courier New" pitchFamily="49" charset="0"/>
-              <a:cs typeface="Courier New" pitchFamily="49" charset="0"/>
-            </a:endParaRPr>
-          </a:p>
-          <a:p>
-            <a:pPr eaLnBrk="1" hangingPunct="1">
-              <a:lnSpc>
-                <a:spcPct val="125000"/>
-              </a:lnSpc>
-              <a:defRPr/>
-            </a:pPr>
-            <a:r>
-              <a:rPr lang="en-US" altLang="en-US" sz="2000" dirty="0">
-                <a:latin typeface="Courier New" pitchFamily="49" charset="0"/>
-                <a:cs typeface="Courier New" pitchFamily="49" charset="0"/>
-              </a:rPr>
-              <a:t>	</a:t>
-            </a:r>
-            <a:r>
-              <a:rPr lang="en-US" altLang="en-US" sz="2000" b="1" dirty="0" err="1">
-                <a:latin typeface="Courier New" pitchFamily="49" charset="0"/>
-                <a:cs typeface="Courier New" pitchFamily="49" charset="0"/>
-              </a:rPr>
-              <a:t>def</a:t>
-            </a:r>
-            <a:r>
-              <a:rPr lang="en-US" altLang="en-US" sz="2000" dirty="0">
-                <a:latin typeface="Courier New" pitchFamily="49" charset="0"/>
-                <a:cs typeface="Courier New" pitchFamily="49" charset="0"/>
-              </a:rPr>
-              <a:t> __</a:t>
-            </a:r>
-            <a:r>
-              <a:rPr lang="en-US" altLang="en-US" sz="2000" dirty="0" err="1">
-                <a:latin typeface="Courier New" pitchFamily="49" charset="0"/>
-                <a:cs typeface="Courier New" pitchFamily="49" charset="0"/>
-              </a:rPr>
-              <a:t>init</a:t>
-            </a:r>
-            <a:r>
-              <a:rPr lang="en-US" altLang="en-US" sz="2000" dirty="0">
-                <a:latin typeface="Courier New" pitchFamily="49" charset="0"/>
-                <a:cs typeface="Courier New" pitchFamily="49" charset="0"/>
-              </a:rPr>
-              <a:t>__(self, path):</a:t>
-            </a:r>
-            <a:endParaRPr lang="en-GB" altLang="en-US" sz="2000" dirty="0">
-              <a:latin typeface="Courier New" pitchFamily="49" charset="0"/>
-              <a:cs typeface="Courier New" pitchFamily="49" charset="0"/>
-            </a:endParaRPr>
-          </a:p>
-          <a:p>
-            <a:pPr eaLnBrk="1" hangingPunct="1">
-              <a:lnSpc>
-                <a:spcPct val="125000"/>
-              </a:lnSpc>
-              <a:defRPr/>
-            </a:pPr>
-            <a:r>
-              <a:rPr lang="en-GB" altLang="en-US" sz="2000" dirty="0">
-                <a:latin typeface="Courier New" pitchFamily="49" charset="0"/>
-                <a:cs typeface="Courier New" pitchFamily="49" charset="0"/>
-              </a:rPr>
-              <a:t>		items = open(path).read().split()</a:t>
-            </a:r>
-          </a:p>
-          <a:p>
-            <a:pPr eaLnBrk="1" hangingPunct="1">
-              <a:lnSpc>
-                <a:spcPct val="125000"/>
-              </a:lnSpc>
-              <a:defRPr/>
-            </a:pPr>
-            <a:r>
-              <a:rPr lang="en-GB" altLang="en-US" sz="2000" dirty="0">
-                <a:latin typeface="Courier New" pitchFamily="49" charset="0"/>
-                <a:cs typeface="Courier New" pitchFamily="49" charset="0"/>
-              </a:rPr>
-              <a:t>		</a:t>
-            </a:r>
-            <a:r>
-              <a:rPr lang="en-GB" altLang="en-US" sz="2000" dirty="0" err="1">
-                <a:latin typeface="Courier New" pitchFamily="49" charset="0"/>
-                <a:cs typeface="Courier New" pitchFamily="49" charset="0"/>
-              </a:rPr>
-              <a:t>self.data</a:t>
-            </a:r>
-            <a:r>
-              <a:rPr lang="en-GB" altLang="en-US" sz="2000" dirty="0">
-                <a:latin typeface="Courier New" pitchFamily="49" charset="0"/>
-                <a:cs typeface="Courier New" pitchFamily="49" charset="0"/>
-              </a:rPr>
-              <a:t> = []</a:t>
-            </a:r>
-          </a:p>
-          <a:p>
-            <a:pPr eaLnBrk="1" hangingPunct="1">
-              <a:lnSpc>
-                <a:spcPct val="125000"/>
-              </a:lnSpc>
-              <a:defRPr/>
-            </a:pPr>
-            <a:r>
-              <a:rPr lang="en-GB" altLang="en-US" sz="2000" dirty="0">
-                <a:latin typeface="Courier New" pitchFamily="49" charset="0"/>
-                <a:cs typeface="Courier New" pitchFamily="49" charset="0"/>
-              </a:rPr>
-              <a:t>		</a:t>
-            </a:r>
-            <a:r>
-              <a:rPr lang="en-GB" altLang="en-US" sz="2000" b="1" dirty="0">
-                <a:latin typeface="Courier New" pitchFamily="49" charset="0"/>
-                <a:cs typeface="Courier New" pitchFamily="49" charset="0"/>
-              </a:rPr>
-              <a:t>for</a:t>
-            </a:r>
-            <a:r>
-              <a:rPr lang="en-GB" altLang="en-US" sz="2000" dirty="0">
-                <a:latin typeface="Courier New" pitchFamily="49" charset="0"/>
-                <a:cs typeface="Courier New" pitchFamily="49" charset="0"/>
-              </a:rPr>
-              <a:t> item </a:t>
-            </a:r>
-            <a:r>
-              <a:rPr lang="en-GB" altLang="en-US" sz="2000" b="1" dirty="0">
-                <a:latin typeface="Courier New" pitchFamily="49" charset="0"/>
-                <a:cs typeface="Courier New" pitchFamily="49" charset="0"/>
-              </a:rPr>
-              <a:t>in</a:t>
-            </a:r>
-            <a:r>
-              <a:rPr lang="en-GB" altLang="en-US" sz="2000" dirty="0">
-                <a:latin typeface="Courier New" pitchFamily="49" charset="0"/>
-                <a:cs typeface="Courier New" pitchFamily="49" charset="0"/>
-              </a:rPr>
-              <a:t> items:</a:t>
-            </a:r>
-          </a:p>
-          <a:p>
-            <a:pPr eaLnBrk="1" hangingPunct="1">
-              <a:lnSpc>
-                <a:spcPct val="125000"/>
-              </a:lnSpc>
-              <a:defRPr/>
-            </a:pPr>
-            <a:r>
-              <a:rPr lang="en-GB" altLang="en-US" sz="2000" dirty="0">
-                <a:latin typeface="Courier New" pitchFamily="49" charset="0"/>
-                <a:cs typeface="Courier New" pitchFamily="49" charset="0"/>
-              </a:rPr>
-              <a:t>			</a:t>
-            </a:r>
-            <a:r>
-              <a:rPr lang="en-GB" altLang="en-US" sz="2000" dirty="0" err="1">
-                <a:latin typeface="Courier New" pitchFamily="49" charset="0"/>
-                <a:cs typeface="Courier New" pitchFamily="49" charset="0"/>
-              </a:rPr>
-              <a:t>self.data.append</a:t>
-            </a:r>
-            <a:r>
-              <a:rPr lang="en-GB" altLang="en-US" sz="2000" dirty="0">
-                <a:latin typeface="Courier New" pitchFamily="49" charset="0"/>
-                <a:cs typeface="Courier New" pitchFamily="49" charset="0"/>
-              </a:rPr>
-              <a:t>(float(item))</a:t>
-            </a:r>
-            <a:endParaRPr lang="en-US" altLang="en-US" sz="2000" dirty="0">
-              <a:latin typeface="Courier New" pitchFamily="49" charset="0"/>
-              <a:cs typeface="Courier New" pitchFamily="49" charset="0"/>
-            </a:endParaRPr>
-          </a:p>
-          <a:p>
-            <a:pPr eaLnBrk="1" hangingPunct="1">
-              <a:lnSpc>
-                <a:spcPct val="125000"/>
-              </a:lnSpc>
-              <a:defRPr/>
-            </a:pPr>
-            <a:endParaRPr lang="en-US" altLang="en-US" sz="1600" dirty="0">
-              <a:latin typeface="Courier New" pitchFamily="49" charset="0"/>
-              <a:cs typeface="Courier New" pitchFamily="49" charset="0"/>
-            </a:endParaRPr>
-          </a:p>
-          <a:p>
-            <a:pPr eaLnBrk="1" hangingPunct="1">
-              <a:lnSpc>
-                <a:spcPct val="125000"/>
-              </a:lnSpc>
-              <a:defRPr/>
-            </a:pPr>
-            <a:r>
-              <a:rPr lang="en-US" altLang="en-US" sz="2000" dirty="0">
-                <a:latin typeface="Courier New" pitchFamily="49" charset="0"/>
-                <a:cs typeface="Courier New" pitchFamily="49" charset="0"/>
-              </a:rPr>
-              <a:t>	</a:t>
-            </a:r>
-            <a:r>
-              <a:rPr lang="en-US" altLang="en-US" sz="2000" b="1" dirty="0" err="1">
-                <a:latin typeface="Courier New" pitchFamily="49" charset="0"/>
-                <a:cs typeface="Courier New" pitchFamily="49" charset="0"/>
-              </a:rPr>
-              <a:t>def</a:t>
-            </a:r>
-            <a:r>
-              <a:rPr lang="en-US" altLang="en-US" sz="2000" dirty="0">
-                <a:latin typeface="Courier New" pitchFamily="49" charset="0"/>
-                <a:cs typeface="Courier New" pitchFamily="49" charset="0"/>
-              </a:rPr>
-              <a:t> max(self):</a:t>
-            </a:r>
-          </a:p>
-          <a:p>
-            <a:pPr eaLnBrk="1" hangingPunct="1">
-              <a:lnSpc>
-                <a:spcPct val="125000"/>
-              </a:lnSpc>
-              <a:defRPr/>
-            </a:pPr>
-            <a:r>
-              <a:rPr lang="en-US" altLang="en-US" sz="2000" dirty="0">
-                <a:latin typeface="Courier New" pitchFamily="49" charset="0"/>
-                <a:cs typeface="Courier New" pitchFamily="49" charset="0"/>
-              </a:rPr>
-              <a:t>		</a:t>
-            </a:r>
-            <a:r>
-              <a:rPr lang="en-US" altLang="en-US" sz="2000" b="1" dirty="0">
-                <a:latin typeface="Courier New" pitchFamily="49" charset="0"/>
-                <a:cs typeface="Courier New" pitchFamily="49" charset="0"/>
-              </a:rPr>
-              <a:t>return</a:t>
-            </a:r>
-            <a:r>
-              <a:rPr lang="en-US" altLang="en-US" sz="2000" dirty="0">
-                <a:latin typeface="Courier New" pitchFamily="49" charset="0"/>
-                <a:cs typeface="Courier New" pitchFamily="49" charset="0"/>
-              </a:rPr>
-              <a:t> max(</a:t>
-            </a:r>
-            <a:r>
-              <a:rPr lang="en-US" altLang="en-US" sz="2000" dirty="0" err="1">
-                <a:latin typeface="Courier New" pitchFamily="49" charset="0"/>
-                <a:cs typeface="Courier New" pitchFamily="49" charset="0"/>
-              </a:rPr>
-              <a:t>self.data</a:t>
-            </a:r>
-            <a:r>
-              <a:rPr lang="en-US" altLang="en-US" sz="2000" dirty="0">
-                <a:latin typeface="Courier New" pitchFamily="49" charset="0"/>
-                <a:cs typeface="Courier New" pitchFamily="49" charset="0"/>
-              </a:rPr>
-              <a:t>)</a:t>
-            </a:r>
-          </a:p>
-          <a:p>
-            <a:pPr eaLnBrk="1" hangingPunct="1">
-              <a:lnSpc>
-                <a:spcPct val="125000"/>
-              </a:lnSpc>
-              <a:defRPr/>
-            </a:pPr>
-            <a:endParaRPr lang="en-US" altLang="en-US" dirty="0">
-              <a:latin typeface="Courier New" pitchFamily="49" charset="0"/>
-              <a:cs typeface="Courier New" pitchFamily="49" charset="0"/>
-            </a:endParaRPr>
-          </a:p>
-          <a:p>
-            <a:pPr eaLnBrk="1" hangingPunct="1">
-              <a:lnSpc>
-                <a:spcPct val="125000"/>
-              </a:lnSpc>
-              <a:defRPr/>
-            </a:pPr>
-            <a:r>
-              <a:rPr lang="en-US" altLang="en-US" sz="2000" dirty="0">
-                <a:latin typeface="Courier New" pitchFamily="49" charset="0"/>
-                <a:cs typeface="Courier New" pitchFamily="49" charset="0"/>
-              </a:rPr>
-              <a:t>	</a:t>
-            </a:r>
-            <a:endParaRPr lang="en-US" altLang="en-US" sz="2400" dirty="0">
-              <a:latin typeface="Calibri" panose="020F0502020204030204" pitchFamily="34" charset="0"/>
-            </a:endParaRPr>
-          </a:p>
-        </p:txBody>
-      </p:sp>
-    </p:spTree>
+    <p:extLst>
+      <p:ext uri="{BB962C8B-B14F-4D97-AF65-F5344CB8AC3E}">
+        <p14:creationId xmlns:p14="http://schemas.microsoft.com/office/powerpoint/2010/main" val="1789703551"/>
+      </p:ext>
+    </p:extLst>
   </p:cSld>
   <p:clrMapOvr>
     <a:masterClrMapping/>
@@ -17525,7 +17253,70 @@
       </p:grpSpPr>
       <p:sp>
         <p:nvSpPr>
-          <p:cNvPr id="6146" name="Text Box 2"/>
+          <p:cNvPr id="3" name="Rectangular Callout 2"/>
+          <p:cNvSpPr/>
+          <p:nvPr/>
+        </p:nvSpPr>
+        <p:spPr>
+          <a:xfrm>
+            <a:off x="6011863" y="3933825"/>
+            <a:ext cx="2736850" cy="2016125"/>
+          </a:xfrm>
+          <a:prstGeom prst="wedgeRectCallout">
+            <a:avLst>
+              <a:gd name="adj1" fmla="val -112935"/>
+              <a:gd name="adj2" fmla="val -28816"/>
+            </a:avLst>
+          </a:prstGeom>
+        </p:spPr>
+        <p:style>
+          <a:lnRef idx="2">
+            <a:schemeClr val="accent2"/>
+          </a:lnRef>
+          <a:fillRef idx="1">
+            <a:schemeClr val="lt1"/>
+          </a:fillRef>
+          <a:effectRef idx="0">
+            <a:schemeClr val="accent2"/>
+          </a:effectRef>
+          <a:fontRef idx="minor">
+            <a:schemeClr val="dk1"/>
+          </a:fontRef>
+        </p:style>
+        <p:txBody>
+          <a:bodyPr anchor="ctr"/>
+          <a:lstStyle/>
+          <a:p>
+            <a:pPr algn="ctr" eaLnBrk="1" hangingPunct="1">
+              <a:defRPr/>
+            </a:pPr>
+            <a:r>
+              <a:rPr lang="en-GB" dirty="0"/>
+              <a:t>Now we add more methods:</a:t>
+            </a:r>
+          </a:p>
+          <a:p>
+            <a:pPr algn="ctr" eaLnBrk="1" hangingPunct="1">
+              <a:defRPr/>
+            </a:pPr>
+            <a:endParaRPr lang="en-GB" dirty="0"/>
+          </a:p>
+          <a:p>
+            <a:pPr marL="285750" indent="-285750" eaLnBrk="1" hangingPunct="1">
+              <a:buFont typeface="Arial" panose="020B0604020202020204" pitchFamily="34" charset="0"/>
+              <a:buChar char="•"/>
+              <a:defRPr/>
+            </a:pPr>
+            <a:r>
+              <a:rPr lang="en-GB" dirty="0"/>
+              <a:t>"self" is always required as first argument.</a:t>
+            </a:r>
+          </a:p>
+        </p:txBody>
+      </p:sp>
+      <p:sp>
+        <p:nvSpPr>
+          <p:cNvPr id="5" name="Text Box 2"/>
           <p:cNvSpPr txBox="1">
             <a:spLocks noChangeArrowheads="1"/>
           </p:cNvSpPr>
@@ -18154,111 +17945,6 @@
               </a:rPr>
               <a:t>	</a:t>
             </a:r>
-            <a:r>
-              <a:rPr lang="en-US" altLang="en-US" sz="2000" b="1" dirty="0" err="1">
-                <a:latin typeface="Courier New" pitchFamily="49" charset="0"/>
-                <a:cs typeface="Courier New" pitchFamily="49" charset="0"/>
-              </a:rPr>
-              <a:t>def</a:t>
-            </a:r>
-            <a:r>
-              <a:rPr lang="en-US" altLang="en-US" sz="2000" dirty="0">
-                <a:latin typeface="Courier New" pitchFamily="49" charset="0"/>
-                <a:cs typeface="Courier New" pitchFamily="49" charset="0"/>
-              </a:rPr>
-              <a:t> mean(self):</a:t>
-            </a:r>
-          </a:p>
-          <a:p>
-            <a:pPr eaLnBrk="1" hangingPunct="1">
-              <a:lnSpc>
-                <a:spcPct val="125000"/>
-              </a:lnSpc>
-              <a:defRPr/>
-            </a:pPr>
-            <a:r>
-              <a:rPr lang="en-US" altLang="en-US" sz="2000" dirty="0">
-                <a:latin typeface="Courier New" pitchFamily="49" charset="0"/>
-                <a:cs typeface="Courier New" pitchFamily="49" charset="0"/>
-              </a:rPr>
-              <a:t>		</a:t>
-            </a:r>
-            <a:r>
-              <a:rPr lang="en-US" altLang="en-US" sz="2000" b="1" dirty="0">
-                <a:latin typeface="Courier New" pitchFamily="49" charset="0"/>
-                <a:cs typeface="Courier New" pitchFamily="49" charset="0"/>
-              </a:rPr>
-              <a:t>return</a:t>
-            </a:r>
-            <a:r>
-              <a:rPr lang="en-US" altLang="en-US" sz="2000" dirty="0">
-                <a:latin typeface="Courier New" pitchFamily="49" charset="0"/>
-                <a:cs typeface="Courier New" pitchFamily="49" charset="0"/>
-              </a:rPr>
-              <a:t> sum(</a:t>
-            </a:r>
-            <a:r>
-              <a:rPr lang="en-US" altLang="en-US" sz="2000" dirty="0" err="1">
-                <a:latin typeface="Courier New" pitchFamily="49" charset="0"/>
-                <a:cs typeface="Courier New" pitchFamily="49" charset="0"/>
-              </a:rPr>
-              <a:t>self.data</a:t>
-            </a:r>
-            <a:r>
-              <a:rPr lang="en-US" altLang="en-US" sz="2000" dirty="0">
-                <a:latin typeface="Courier New" pitchFamily="49" charset="0"/>
-                <a:cs typeface="Courier New" pitchFamily="49" charset="0"/>
-              </a:rPr>
-              <a:t>) / </a:t>
-            </a:r>
-            <a:r>
-              <a:rPr lang="en-US" altLang="en-US" sz="2000" dirty="0" err="1">
-                <a:latin typeface="Courier New" pitchFamily="49" charset="0"/>
-                <a:cs typeface="Courier New" pitchFamily="49" charset="0"/>
-              </a:rPr>
-              <a:t>len</a:t>
-            </a:r>
-            <a:r>
-              <a:rPr lang="en-US" altLang="en-US" sz="2000" dirty="0">
-                <a:latin typeface="Courier New" pitchFamily="49" charset="0"/>
-                <a:cs typeface="Courier New" pitchFamily="49" charset="0"/>
-              </a:rPr>
-              <a:t>(</a:t>
-            </a:r>
-            <a:r>
-              <a:rPr lang="en-US" altLang="en-US" sz="2000" dirty="0" err="1">
-                <a:latin typeface="Courier New" pitchFamily="49" charset="0"/>
-                <a:cs typeface="Courier New" pitchFamily="49" charset="0"/>
-              </a:rPr>
-              <a:t>self.data</a:t>
-            </a:r>
-            <a:r>
-              <a:rPr lang="en-US" altLang="en-US" sz="2000" dirty="0">
-                <a:latin typeface="Courier New" pitchFamily="49" charset="0"/>
-                <a:cs typeface="Courier New" pitchFamily="49" charset="0"/>
-              </a:rPr>
-              <a:t>)</a:t>
-            </a:r>
-          </a:p>
-          <a:p>
-            <a:pPr eaLnBrk="1" hangingPunct="1">
-              <a:lnSpc>
-                <a:spcPct val="125000"/>
-              </a:lnSpc>
-              <a:defRPr/>
-            </a:pPr>
-            <a:endParaRPr lang="en-US" altLang="en-US" sz="2000" dirty="0">
-              <a:latin typeface="DFKai-SB" pitchFamily="65" charset="-120"/>
-              <a:cs typeface="Courier New" pitchFamily="49" charset="0"/>
-            </a:endParaRPr>
-          </a:p>
-          <a:p>
-            <a:pPr eaLnBrk="1" hangingPunct="1">
-              <a:lnSpc>
-                <a:spcPct val="125000"/>
-              </a:lnSpc>
-              <a:defRPr/>
-            </a:pPr>
             <a:endParaRPr lang="en-US" altLang="en-US" sz="2400" dirty="0">
               <a:latin typeface="Calibri" panose="020F0502020204030204" pitchFamily="34" charset="0"/>
             </a:endParaRPr>
@@ -18292,34 +17978,7 @@
       </p:grpSpPr>
       <p:sp>
         <p:nvSpPr>
-          <p:cNvPr id="20482" name="Title 1"/>
-          <p:cNvSpPr>
-            <a:spLocks noGrp="1"/>
-          </p:cNvSpPr>
-          <p:nvPr>
-            <p:ph type="title" idx="4294967295"/>
-          </p:nvPr>
-        </p:nvSpPr>
-        <p:spPr>
-          <a:xfrm>
-            <a:off x="374650" y="274638"/>
-            <a:ext cx="8229600" cy="1143000"/>
-          </a:xfrm>
-        </p:spPr>
-        <p:txBody>
-          <a:bodyPr/>
-          <a:lstStyle/>
-          <a:p>
-            <a:r>
-              <a:rPr lang="en-GB" altLang="en-US" dirty="0"/>
-              <a:t>Examples of OOP</a:t>
-            </a:r>
-          </a:p>
-        </p:txBody>
-      </p:sp>
-      <p:sp>
-        <p:nvSpPr>
-          <p:cNvPr id="20483" name="Text Box 2"/>
+          <p:cNvPr id="6146" name="Text Box 2"/>
           <p:cNvSpPr txBox="1">
             <a:spLocks noChangeArrowheads="1"/>
           </p:cNvSpPr>
@@ -18327,8 +17986,8 @@
         </p:nvSpPr>
         <p:spPr bwMode="auto">
           <a:xfrm>
-            <a:off x="684213" y="1412875"/>
-            <a:ext cx="7775575" cy="4430713"/>
+            <a:off x="684213" y="333375"/>
+            <a:ext cx="7775575" cy="5976938"/>
           </a:xfrm>
           <a:prstGeom prst="rect">
             <a:avLst/>
@@ -18360,15 +18019,7 @@
         <p:txBody>
           <a:bodyPr wrap="none" lIns="81639" tIns="40820" rIns="81639" bIns="40820"/>
           <a:lstStyle>
-            <a:lvl1pPr>
-              <a:lnSpc>
-                <a:spcPct val="90000"/>
-              </a:lnSpc>
-              <a:spcBef>
-                <a:spcPts val="1000"/>
-              </a:spcBef>
-              <a:buFont typeface="Arial" panose="020B0604020202020204" pitchFamily="34" charset="0"/>
-              <a:buChar char="•"/>
+            <a:lvl1pPr eaLnBrk="0" hangingPunct="0">
               <a:tabLst>
                 <a:tab pos="655638" algn="l"/>
                 <a:tab pos="1312863" algn="l"/>
@@ -18382,22 +18033,15 @@
                 <a:tab pos="6565900" algn="l"/>
                 <a:tab pos="7223125" algn="l"/>
               </a:tabLst>
-              <a:defRPr sz="2800">
-                <a:solidFill>
-                  <a:schemeClr val="tx1"/>
-                </a:solidFill>
-                <a:latin typeface="Calibri" panose="020F0502020204030204" pitchFamily="34" charset="0"/>
+              <a:defRPr>
+                <a:solidFill>
+                  <a:schemeClr val="tx1"/>
+                </a:solidFill>
+                <a:latin typeface="Arial" pitchFamily="34" charset="0"/>
+                <a:cs typeface="Arial" pitchFamily="34" charset="0"/>
               </a:defRPr>
             </a:lvl1pPr>
-            <a:lvl2pPr marL="742950" indent="-285750">
-              <a:lnSpc>
-                <a:spcPct val="90000"/>
-              </a:lnSpc>
-              <a:spcBef>
-                <a:spcPts val="500"/>
-              </a:spcBef>
-              <a:buFont typeface="Arial" panose="020B0604020202020204" pitchFamily="34" charset="0"/>
-              <a:buChar char="•"/>
+            <a:lvl2pPr marL="742950" indent="-285750" eaLnBrk="0" hangingPunct="0">
               <a:tabLst>
                 <a:tab pos="655638" algn="l"/>
                 <a:tab pos="1312863" algn="l"/>
@@ -18411,22 +18055,15 @@
                 <a:tab pos="6565900" algn="l"/>
                 <a:tab pos="7223125" algn="l"/>
               </a:tabLst>
-              <a:defRPr sz="2400">
-                <a:solidFill>
-                  <a:schemeClr val="tx1"/>
-                </a:solidFill>
-                <a:latin typeface="Calibri" panose="020F0502020204030204" pitchFamily="34" charset="0"/>
+              <a:defRPr>
+                <a:solidFill>
+                  <a:schemeClr val="tx1"/>
+                </a:solidFill>
+                <a:latin typeface="Arial" pitchFamily="34" charset="0"/>
+                <a:cs typeface="Arial" pitchFamily="34" charset="0"/>
               </a:defRPr>
             </a:lvl2pPr>
-            <a:lvl3pPr marL="1143000" indent="-228600">
-              <a:lnSpc>
-                <a:spcPct val="90000"/>
-              </a:lnSpc>
-              <a:spcBef>
-                <a:spcPts val="500"/>
-              </a:spcBef>
-              <a:buFont typeface="Arial" panose="020B0604020202020204" pitchFamily="34" charset="0"/>
-              <a:buChar char="•"/>
+            <a:lvl3pPr marL="1143000" indent="-228600" eaLnBrk="0" hangingPunct="0">
               <a:tabLst>
                 <a:tab pos="655638" algn="l"/>
                 <a:tab pos="1312863" algn="l"/>
@@ -18440,22 +18077,15 @@
                 <a:tab pos="6565900" algn="l"/>
                 <a:tab pos="7223125" algn="l"/>
               </a:tabLst>
-              <a:defRPr sz="2000">
-                <a:solidFill>
-                  <a:schemeClr val="tx1"/>
-                </a:solidFill>
-                <a:latin typeface="Calibri" panose="020F0502020204030204" pitchFamily="34" charset="0"/>
+              <a:defRPr>
+                <a:solidFill>
+                  <a:schemeClr val="tx1"/>
+                </a:solidFill>
+                <a:latin typeface="Arial" pitchFamily="34" charset="0"/>
+                <a:cs typeface="Arial" pitchFamily="34" charset="0"/>
               </a:defRPr>
             </a:lvl3pPr>
-            <a:lvl4pPr marL="1600200" indent="-228600">
-              <a:lnSpc>
-                <a:spcPct val="90000"/>
-              </a:lnSpc>
-              <a:spcBef>
-                <a:spcPts val="500"/>
-              </a:spcBef>
-              <a:buFont typeface="Arial" panose="020B0604020202020204" pitchFamily="34" charset="0"/>
-              <a:buChar char="•"/>
+            <a:lvl4pPr marL="1600200" indent="-228600" eaLnBrk="0" hangingPunct="0">
               <a:tabLst>
                 <a:tab pos="655638" algn="l"/>
                 <a:tab pos="1312863" algn="l"/>
@@ -18473,18 +18103,11 @@
                 <a:solidFill>
                   <a:schemeClr val="tx1"/>
                 </a:solidFill>
-                <a:latin typeface="Calibri" panose="020F0502020204030204" pitchFamily="34" charset="0"/>
+                <a:latin typeface="Arial" pitchFamily="34" charset="0"/>
+                <a:cs typeface="Arial" pitchFamily="34" charset="0"/>
               </a:defRPr>
             </a:lvl4pPr>
-            <a:lvl5pPr marL="2057400" indent="-228600">
-              <a:lnSpc>
-                <a:spcPct val="90000"/>
-              </a:lnSpc>
-              <a:spcBef>
-                <a:spcPts val="500"/>
-              </a:spcBef>
-              <a:buFont typeface="Arial" panose="020B0604020202020204" pitchFamily="34" charset="0"/>
-              <a:buChar char="•"/>
+            <a:lvl5pPr marL="2057400" indent="-228600" eaLnBrk="0" hangingPunct="0">
               <a:tabLst>
                 <a:tab pos="655638" algn="l"/>
                 <a:tab pos="1312863" algn="l"/>
@@ -18502,21 +18125,17 @@
                 <a:solidFill>
                   <a:schemeClr val="tx1"/>
                 </a:solidFill>
-                <a:latin typeface="Calibri" panose="020F0502020204030204" pitchFamily="34" charset="0"/>
+                <a:latin typeface="Arial" pitchFamily="34" charset="0"/>
+                <a:cs typeface="Arial" pitchFamily="34" charset="0"/>
               </a:defRPr>
             </a:lvl5pPr>
-            <a:lvl6pPr marL="2514600" indent="-228600" fontAlgn="base">
-              <a:lnSpc>
-                <a:spcPct val="90000"/>
-              </a:lnSpc>
-              <a:spcBef>
-                <a:spcPts val="500"/>
+            <a:lvl6pPr marL="2514600" indent="-228600" eaLnBrk="0" fontAlgn="base" hangingPunct="0">
+              <a:spcBef>
+                <a:spcPct val="0"/>
               </a:spcBef>
               <a:spcAft>
                 <a:spcPct val="0"/>
               </a:spcAft>
-              <a:buFont typeface="Arial" panose="020B0604020202020204" pitchFamily="34" charset="0"/>
-              <a:buChar char="•"/>
               <a:tabLst>
                 <a:tab pos="655638" algn="l"/>
                 <a:tab pos="1312863" algn="l"/>
@@ -18534,21 +18153,17 @@
                 <a:solidFill>
                   <a:schemeClr val="tx1"/>
                 </a:solidFill>
-                <a:latin typeface="Calibri" panose="020F0502020204030204" pitchFamily="34" charset="0"/>
+                <a:latin typeface="Arial" pitchFamily="34" charset="0"/>
+                <a:cs typeface="Arial" pitchFamily="34" charset="0"/>
               </a:defRPr>
             </a:lvl6pPr>
-            <a:lvl7pPr marL="2971800" indent="-228600" fontAlgn="base">
-              <a:lnSpc>
-                <a:spcPct val="90000"/>
-              </a:lnSpc>
-              <a:spcBef>
-                <a:spcPts val="500"/>
+            <a:lvl7pPr marL="2971800" indent="-228600" eaLnBrk="0" fontAlgn="base" hangingPunct="0">
+              <a:spcBef>
+                <a:spcPct val="0"/>
               </a:spcBef>
               <a:spcAft>
                 <a:spcPct val="0"/>
               </a:spcAft>
-              <a:buFont typeface="Arial" panose="020B0604020202020204" pitchFamily="34" charset="0"/>
-              <a:buChar char="•"/>
               <a:tabLst>
                 <a:tab pos="655638" algn="l"/>
                 <a:tab pos="1312863" algn="l"/>
@@ -18566,21 +18181,17 @@
                 <a:solidFill>
                   <a:schemeClr val="tx1"/>
                 </a:solidFill>
-                <a:latin typeface="Calibri" panose="020F0502020204030204" pitchFamily="34" charset="0"/>
+                <a:latin typeface="Arial" pitchFamily="34" charset="0"/>
+                <a:cs typeface="Arial" pitchFamily="34" charset="0"/>
               </a:defRPr>
             </a:lvl7pPr>
-            <a:lvl8pPr marL="3429000" indent="-228600" fontAlgn="base">
-              <a:lnSpc>
-                <a:spcPct val="90000"/>
-              </a:lnSpc>
-              <a:spcBef>
-                <a:spcPts val="500"/>
+            <a:lvl8pPr marL="3429000" indent="-228600" eaLnBrk="0" fontAlgn="base" hangingPunct="0">
+              <a:spcBef>
+                <a:spcPct val="0"/>
               </a:spcBef>
               <a:spcAft>
                 <a:spcPct val="0"/>
               </a:spcAft>
-              <a:buFont typeface="Arial" panose="020B0604020202020204" pitchFamily="34" charset="0"/>
-              <a:buChar char="•"/>
               <a:tabLst>
                 <a:tab pos="655638" algn="l"/>
                 <a:tab pos="1312863" algn="l"/>
@@ -18598,21 +18209,17 @@
                 <a:solidFill>
                   <a:schemeClr val="tx1"/>
                 </a:solidFill>
-                <a:latin typeface="Calibri" panose="020F0502020204030204" pitchFamily="34" charset="0"/>
+                <a:latin typeface="Arial" pitchFamily="34" charset="0"/>
+                <a:cs typeface="Arial" pitchFamily="34" charset="0"/>
               </a:defRPr>
             </a:lvl8pPr>
-            <a:lvl9pPr marL="3886200" indent="-228600" fontAlgn="base">
-              <a:lnSpc>
-                <a:spcPct val="90000"/>
-              </a:lnSpc>
-              <a:spcBef>
-                <a:spcPts val="500"/>
+            <a:lvl9pPr marL="3886200" indent="-228600" eaLnBrk="0" fontAlgn="base" hangingPunct="0">
+              <a:spcBef>
+                <a:spcPct val="0"/>
               </a:spcBef>
               <a:spcAft>
                 <a:spcPct val="0"/>
               </a:spcAft>
-              <a:buFont typeface="Arial" panose="020B0604020202020204" pitchFamily="34" charset="0"/>
-              <a:buChar char="•"/>
               <a:tabLst>
                 <a:tab pos="655638" algn="l"/>
                 <a:tab pos="1312863" algn="l"/>
@@ -18630,7 +18237,8 @@
                 <a:solidFill>
                   <a:schemeClr val="tx1"/>
                 </a:solidFill>
-                <a:latin typeface="Calibri" panose="020F0502020204030204" pitchFamily="34" charset="0"/>
+                <a:latin typeface="Arial" pitchFamily="34" charset="0"/>
+                <a:cs typeface="Arial" pitchFamily="34" charset="0"/>
               </a:defRPr>
             </a:lvl9pPr>
           </a:lstStyle>
@@ -18639,15 +18247,13 @@
               <a:lnSpc>
                 <a:spcPct val="125000"/>
               </a:lnSpc>
-              <a:spcBef>
-                <a:spcPct val="0"/>
-              </a:spcBef>
-              <a:buFontTx/>
-              <a:buNone/>
+              <a:defRPr/>
             </a:pPr>
             <a:r>
-              <a:rPr lang="en-US" altLang="en-US" sz="2200"/>
-              <a:t>Most python packages use OOP extensively.</a:t>
+              <a:rPr lang="en-US" altLang="en-US" sz="2200" dirty="0">
+                <a:latin typeface="Calibri" panose="020F0502020204030204" pitchFamily="34" charset="0"/>
+              </a:rPr>
+              <a:t>Let's look in detail at our class…:</a:t>
             </a:r>
           </a:p>
           <a:p>
@@ -18655,28 +18261,46 @@
               <a:lnSpc>
                 <a:spcPct val="125000"/>
               </a:lnSpc>
-              <a:spcBef>
-                <a:spcPct val="0"/>
-              </a:spcBef>
-              <a:buFontTx/>
-              <a:buNone/>
+              <a:defRPr/>
             </a:pPr>
-            <a:endParaRPr lang="en-US" altLang="en-US" sz="2200"/>
+            <a:endParaRPr lang="en-US" altLang="en-US" sz="1200" dirty="0">
+              <a:latin typeface="Calibri" panose="020F0502020204030204" pitchFamily="34" charset="0"/>
+            </a:endParaRPr>
           </a:p>
           <a:p>
             <a:pPr eaLnBrk="1" hangingPunct="1">
               <a:lnSpc>
                 <a:spcPct val="125000"/>
               </a:lnSpc>
-              <a:spcBef>
-                <a:spcPct val="0"/>
-              </a:spcBef>
-              <a:buFontTx/>
-              <a:buNone/>
+              <a:defRPr/>
             </a:pPr>
             <a:r>
-              <a:rPr lang="en-US" altLang="en-US" sz="2200"/>
-              <a:t>We'll come across many examples in the next sessions.</a:t>
+              <a:rPr lang="en-US" altLang="en-US" sz="2000" b="1" dirty="0">
+                <a:latin typeface="Courier New" pitchFamily="49" charset="0"/>
+                <a:cs typeface="Courier New" pitchFamily="49" charset="0"/>
+              </a:rPr>
+              <a:t>class</a:t>
+            </a:r>
+            <a:r>
+              <a:rPr lang="en-US" altLang="en-US" sz="2000" dirty="0">
+                <a:latin typeface="Courier New" pitchFamily="49" charset="0"/>
+                <a:cs typeface="Courier New" pitchFamily="49" charset="0"/>
+              </a:rPr>
+              <a:t> </a:t>
+            </a:r>
+            <a:r>
+              <a:rPr lang="en-US" altLang="en-US" sz="2000" dirty="0" err="1">
+                <a:latin typeface="Courier New" pitchFamily="49" charset="0"/>
+                <a:cs typeface="Courier New" pitchFamily="49" charset="0"/>
+              </a:rPr>
+              <a:t>FileAnalyser</a:t>
+            </a:r>
+            <a:r>
+              <a:rPr lang="en-US" altLang="en-US" sz="2000" dirty="0">
+                <a:latin typeface="Courier New" pitchFamily="49" charset="0"/>
+                <a:cs typeface="Courier New" pitchFamily="49" charset="0"/>
+              </a:rPr>
+              <a:t>():</a:t>
             </a:r>
           </a:p>
           <a:p>
@@ -18684,87 +18308,416 @@
               <a:lnSpc>
                 <a:spcPct val="125000"/>
               </a:lnSpc>
-              <a:spcBef>
-                <a:spcPct val="0"/>
-              </a:spcBef>
-              <a:buFontTx/>
-              <a:buNone/>
+              <a:defRPr/>
             </a:pPr>
-            <a:endParaRPr lang="en-US" altLang="en-US" sz="2200"/>
+            <a:r>
+              <a:rPr lang="en-US" altLang="en-US" sz="2000" dirty="0">
+                <a:latin typeface="Courier New" pitchFamily="49" charset="0"/>
+                <a:cs typeface="Courier New" pitchFamily="49" charset="0"/>
+              </a:rPr>
+              <a:t>	"A class above the rest"</a:t>
+            </a:r>
           </a:p>
           <a:p>
             <a:pPr eaLnBrk="1" hangingPunct="1">
               <a:lnSpc>
                 <a:spcPct val="125000"/>
               </a:lnSpc>
-              <a:spcBef>
-                <a:spcPct val="0"/>
-              </a:spcBef>
-              <a:buFontTx/>
-              <a:buNone/>
+              <a:defRPr/>
             </a:pPr>
-            <a:r>
-              <a:rPr lang="en-US" altLang="en-US" sz="2200"/>
-              <a:t>E.g.: </a:t>
-            </a:r>
-            <a:endParaRPr lang="en-US" altLang="en-US" sz="1800"/>
+            <a:endParaRPr lang="en-US" altLang="en-US" sz="1050" dirty="0">
+              <a:latin typeface="Courier New" pitchFamily="49" charset="0"/>
+              <a:cs typeface="Courier New" pitchFamily="49" charset="0"/>
+            </a:endParaRPr>
+          </a:p>
+          <a:p>
+            <a:pPr eaLnBrk="1" hangingPunct="1">
+              <a:lnSpc>
+                <a:spcPct val="125000"/>
+              </a:lnSpc>
+              <a:defRPr/>
+            </a:pPr>
+            <a:r>
+              <a:rPr lang="en-US" altLang="en-US" sz="2000" dirty="0">
+                <a:latin typeface="Courier New" pitchFamily="49" charset="0"/>
+                <a:cs typeface="Courier New" pitchFamily="49" charset="0"/>
+              </a:rPr>
+              <a:t>	</a:t>
+            </a:r>
+            <a:r>
+              <a:rPr lang="en-US" altLang="en-US" sz="2000" b="1" dirty="0" err="1">
+                <a:latin typeface="Courier New" pitchFamily="49" charset="0"/>
+                <a:cs typeface="Courier New" pitchFamily="49" charset="0"/>
+              </a:rPr>
+              <a:t>def</a:t>
+            </a:r>
+            <a:r>
+              <a:rPr lang="en-US" altLang="en-US" sz="2000" dirty="0">
+                <a:latin typeface="Courier New" pitchFamily="49" charset="0"/>
+                <a:cs typeface="Courier New" pitchFamily="49" charset="0"/>
+              </a:rPr>
+              <a:t> __</a:t>
+            </a:r>
+            <a:r>
+              <a:rPr lang="en-US" altLang="en-US" sz="2000" dirty="0" err="1">
+                <a:latin typeface="Courier New" pitchFamily="49" charset="0"/>
+                <a:cs typeface="Courier New" pitchFamily="49" charset="0"/>
+              </a:rPr>
+              <a:t>init</a:t>
+            </a:r>
+            <a:r>
+              <a:rPr lang="en-US" altLang="en-US" sz="2000" dirty="0">
+                <a:latin typeface="Courier New" pitchFamily="49" charset="0"/>
+                <a:cs typeface="Courier New" pitchFamily="49" charset="0"/>
+              </a:rPr>
+              <a:t>__(self, path):</a:t>
+            </a:r>
+            <a:endParaRPr lang="en-GB" altLang="en-US" sz="2000" dirty="0">
+              <a:latin typeface="Courier New" pitchFamily="49" charset="0"/>
+              <a:cs typeface="Courier New" pitchFamily="49" charset="0"/>
+            </a:endParaRPr>
+          </a:p>
+          <a:p>
+            <a:pPr eaLnBrk="1" hangingPunct="1">
+              <a:lnSpc>
+                <a:spcPct val="125000"/>
+              </a:lnSpc>
+              <a:defRPr/>
+            </a:pPr>
+            <a:r>
+              <a:rPr lang="en-GB" altLang="en-US" sz="2000" dirty="0">
+                <a:latin typeface="Courier New" pitchFamily="49" charset="0"/>
+                <a:cs typeface="Courier New" pitchFamily="49" charset="0"/>
+              </a:rPr>
+              <a:t>		items = open(path).read().split()</a:t>
+            </a:r>
+          </a:p>
+          <a:p>
+            <a:pPr eaLnBrk="1" hangingPunct="1">
+              <a:lnSpc>
+                <a:spcPct val="125000"/>
+              </a:lnSpc>
+              <a:defRPr/>
+            </a:pPr>
+            <a:r>
+              <a:rPr lang="en-GB" altLang="en-US" sz="2000" dirty="0">
+                <a:latin typeface="Courier New" pitchFamily="49" charset="0"/>
+                <a:cs typeface="Courier New" pitchFamily="49" charset="0"/>
+              </a:rPr>
+              <a:t>		</a:t>
+            </a:r>
+            <a:r>
+              <a:rPr lang="en-GB" altLang="en-US" sz="2000" dirty="0" err="1">
+                <a:latin typeface="Courier New" pitchFamily="49" charset="0"/>
+                <a:cs typeface="Courier New" pitchFamily="49" charset="0"/>
+              </a:rPr>
+              <a:t>self.data</a:t>
+            </a:r>
+            <a:r>
+              <a:rPr lang="en-GB" altLang="en-US" sz="2000" dirty="0">
+                <a:latin typeface="Courier New" pitchFamily="49" charset="0"/>
+                <a:cs typeface="Courier New" pitchFamily="49" charset="0"/>
+              </a:rPr>
+              <a:t> = []</a:t>
+            </a:r>
+          </a:p>
+          <a:p>
+            <a:pPr eaLnBrk="1" hangingPunct="1">
+              <a:lnSpc>
+                <a:spcPct val="125000"/>
+              </a:lnSpc>
+              <a:defRPr/>
+            </a:pPr>
+            <a:r>
+              <a:rPr lang="en-GB" altLang="en-US" sz="2000" dirty="0">
+                <a:latin typeface="Courier New" pitchFamily="49" charset="0"/>
+                <a:cs typeface="Courier New" pitchFamily="49" charset="0"/>
+              </a:rPr>
+              <a:t>		</a:t>
+            </a:r>
+            <a:r>
+              <a:rPr lang="en-GB" altLang="en-US" sz="2000" b="1" dirty="0">
+                <a:latin typeface="Courier New" pitchFamily="49" charset="0"/>
+                <a:cs typeface="Courier New" pitchFamily="49" charset="0"/>
+              </a:rPr>
+              <a:t>for</a:t>
+            </a:r>
+            <a:r>
+              <a:rPr lang="en-GB" altLang="en-US" sz="2000" dirty="0">
+                <a:latin typeface="Courier New" pitchFamily="49" charset="0"/>
+                <a:cs typeface="Courier New" pitchFamily="49" charset="0"/>
+              </a:rPr>
+              <a:t> item </a:t>
+            </a:r>
+            <a:r>
+              <a:rPr lang="en-GB" altLang="en-US" sz="2000" b="1" dirty="0">
+                <a:latin typeface="Courier New" pitchFamily="49" charset="0"/>
+                <a:cs typeface="Courier New" pitchFamily="49" charset="0"/>
+              </a:rPr>
+              <a:t>in</a:t>
+            </a:r>
+            <a:r>
+              <a:rPr lang="en-GB" altLang="en-US" sz="2000" dirty="0">
+                <a:latin typeface="Courier New" pitchFamily="49" charset="0"/>
+                <a:cs typeface="Courier New" pitchFamily="49" charset="0"/>
+              </a:rPr>
+              <a:t> items:</a:t>
+            </a:r>
+          </a:p>
+          <a:p>
+            <a:pPr eaLnBrk="1" hangingPunct="1">
+              <a:lnSpc>
+                <a:spcPct val="125000"/>
+              </a:lnSpc>
+              <a:defRPr/>
+            </a:pPr>
+            <a:r>
+              <a:rPr lang="en-GB" altLang="en-US" sz="2000" dirty="0">
+                <a:latin typeface="Courier New" pitchFamily="49" charset="0"/>
+                <a:cs typeface="Courier New" pitchFamily="49" charset="0"/>
+              </a:rPr>
+              <a:t>			</a:t>
+            </a:r>
+            <a:r>
+              <a:rPr lang="en-GB" altLang="en-US" sz="2000" dirty="0" err="1">
+                <a:latin typeface="Courier New" pitchFamily="49" charset="0"/>
+                <a:cs typeface="Courier New" pitchFamily="49" charset="0"/>
+              </a:rPr>
+              <a:t>self.data.append</a:t>
+            </a:r>
+            <a:r>
+              <a:rPr lang="en-GB" altLang="en-US" sz="2000" dirty="0">
+                <a:latin typeface="Courier New" pitchFamily="49" charset="0"/>
+                <a:cs typeface="Courier New" pitchFamily="49" charset="0"/>
+              </a:rPr>
+              <a:t>(float(item))</a:t>
+            </a:r>
+            <a:endParaRPr lang="en-US" altLang="en-US" sz="2000" dirty="0">
+              <a:latin typeface="Courier New" pitchFamily="49" charset="0"/>
+              <a:cs typeface="Courier New" pitchFamily="49" charset="0"/>
+            </a:endParaRPr>
+          </a:p>
+          <a:p>
+            <a:pPr eaLnBrk="1" hangingPunct="1">
+              <a:lnSpc>
+                <a:spcPct val="125000"/>
+              </a:lnSpc>
+              <a:defRPr/>
+            </a:pPr>
+            <a:endParaRPr lang="en-US" altLang="en-US" sz="1600" dirty="0">
+              <a:latin typeface="Courier New" pitchFamily="49" charset="0"/>
+              <a:cs typeface="Courier New" pitchFamily="49" charset="0"/>
+            </a:endParaRPr>
+          </a:p>
+          <a:p>
+            <a:pPr eaLnBrk="1" hangingPunct="1">
+              <a:lnSpc>
+                <a:spcPct val="125000"/>
+              </a:lnSpc>
+              <a:defRPr/>
+            </a:pPr>
+            <a:r>
+              <a:rPr lang="en-US" altLang="en-US" sz="2000" dirty="0">
+                <a:latin typeface="Courier New" pitchFamily="49" charset="0"/>
+                <a:cs typeface="Courier New" pitchFamily="49" charset="0"/>
+              </a:rPr>
+              <a:t>	</a:t>
+            </a:r>
+            <a:r>
+              <a:rPr lang="en-US" altLang="en-US" sz="2000" b="1" dirty="0" err="1">
+                <a:latin typeface="Courier New" pitchFamily="49" charset="0"/>
+                <a:cs typeface="Courier New" pitchFamily="49" charset="0"/>
+              </a:rPr>
+              <a:t>def</a:t>
+            </a:r>
+            <a:r>
+              <a:rPr lang="en-US" altLang="en-US" sz="2000" dirty="0">
+                <a:latin typeface="Courier New" pitchFamily="49" charset="0"/>
+                <a:cs typeface="Courier New" pitchFamily="49" charset="0"/>
+              </a:rPr>
+              <a:t> max(self):</a:t>
+            </a:r>
+          </a:p>
+          <a:p>
+            <a:pPr eaLnBrk="1" hangingPunct="1">
+              <a:lnSpc>
+                <a:spcPct val="125000"/>
+              </a:lnSpc>
+              <a:defRPr/>
+            </a:pPr>
+            <a:r>
+              <a:rPr lang="en-US" altLang="en-US" sz="2000" dirty="0">
+                <a:latin typeface="Courier New" pitchFamily="49" charset="0"/>
+                <a:cs typeface="Courier New" pitchFamily="49" charset="0"/>
+              </a:rPr>
+              <a:t>		</a:t>
+            </a:r>
+            <a:r>
+              <a:rPr lang="en-US" altLang="en-US" sz="2000" b="1" dirty="0">
+                <a:latin typeface="Courier New" pitchFamily="49" charset="0"/>
+                <a:cs typeface="Courier New" pitchFamily="49" charset="0"/>
+              </a:rPr>
+              <a:t>return</a:t>
+            </a:r>
+            <a:r>
+              <a:rPr lang="en-US" altLang="en-US" sz="2000" dirty="0">
+                <a:latin typeface="Courier New" pitchFamily="49" charset="0"/>
+                <a:cs typeface="Courier New" pitchFamily="49" charset="0"/>
+              </a:rPr>
+              <a:t> max(</a:t>
+            </a:r>
+            <a:r>
+              <a:rPr lang="en-US" altLang="en-US" sz="2000" dirty="0" err="1">
+                <a:latin typeface="Courier New" pitchFamily="49" charset="0"/>
+                <a:cs typeface="Courier New" pitchFamily="49" charset="0"/>
+              </a:rPr>
+              <a:t>self.data</a:t>
+            </a:r>
+            <a:r>
+              <a:rPr lang="en-US" altLang="en-US" sz="2000" dirty="0">
+                <a:latin typeface="Courier New" pitchFamily="49" charset="0"/>
+                <a:cs typeface="Courier New" pitchFamily="49" charset="0"/>
+              </a:rPr>
+              <a:t>)</a:t>
+            </a:r>
+          </a:p>
+          <a:p>
+            <a:pPr eaLnBrk="1" hangingPunct="1">
+              <a:lnSpc>
+                <a:spcPct val="125000"/>
+              </a:lnSpc>
+              <a:defRPr/>
+            </a:pPr>
+            <a:endParaRPr lang="en-US" altLang="en-US" dirty="0">
+              <a:latin typeface="Courier New" pitchFamily="49" charset="0"/>
+              <a:cs typeface="Courier New" pitchFamily="49" charset="0"/>
+            </a:endParaRPr>
+          </a:p>
+          <a:p>
+            <a:pPr eaLnBrk="1" hangingPunct="1">
+              <a:lnSpc>
+                <a:spcPct val="125000"/>
+              </a:lnSpc>
+              <a:defRPr/>
+            </a:pPr>
+            <a:r>
+              <a:rPr lang="en-US" altLang="en-US" sz="2000" dirty="0">
+                <a:latin typeface="Courier New" pitchFamily="49" charset="0"/>
+                <a:cs typeface="Courier New" pitchFamily="49" charset="0"/>
+              </a:rPr>
+              <a:t>	</a:t>
+            </a:r>
+            <a:r>
+              <a:rPr lang="en-US" altLang="en-US" sz="2000" b="1" dirty="0" err="1">
+                <a:latin typeface="Courier New" pitchFamily="49" charset="0"/>
+                <a:cs typeface="Courier New" pitchFamily="49" charset="0"/>
+              </a:rPr>
+              <a:t>def</a:t>
+            </a:r>
+            <a:r>
+              <a:rPr lang="en-US" altLang="en-US" sz="2000" dirty="0">
+                <a:latin typeface="Courier New" pitchFamily="49" charset="0"/>
+                <a:cs typeface="Courier New" pitchFamily="49" charset="0"/>
+              </a:rPr>
+              <a:t> mean(self):</a:t>
+            </a:r>
+          </a:p>
+          <a:p>
+            <a:pPr eaLnBrk="1" hangingPunct="1">
+              <a:lnSpc>
+                <a:spcPct val="125000"/>
+              </a:lnSpc>
+              <a:defRPr/>
+            </a:pPr>
+            <a:r>
+              <a:rPr lang="en-US" altLang="en-US" sz="2000" dirty="0">
+                <a:latin typeface="Courier New" pitchFamily="49" charset="0"/>
+                <a:cs typeface="Courier New" pitchFamily="49" charset="0"/>
+              </a:rPr>
+              <a:t>		</a:t>
+            </a:r>
+            <a:r>
+              <a:rPr lang="en-US" altLang="en-US" sz="2000" b="1" dirty="0">
+                <a:latin typeface="Courier New" pitchFamily="49" charset="0"/>
+                <a:cs typeface="Courier New" pitchFamily="49" charset="0"/>
+              </a:rPr>
+              <a:t>return</a:t>
+            </a:r>
+            <a:r>
+              <a:rPr lang="en-US" altLang="en-US" sz="2000" dirty="0">
+                <a:latin typeface="Courier New" pitchFamily="49" charset="0"/>
+                <a:cs typeface="Courier New" pitchFamily="49" charset="0"/>
+              </a:rPr>
+              <a:t> sum(</a:t>
+            </a:r>
+            <a:r>
+              <a:rPr lang="en-US" altLang="en-US" sz="2000" dirty="0" err="1">
+                <a:latin typeface="Courier New" pitchFamily="49" charset="0"/>
+                <a:cs typeface="Courier New" pitchFamily="49" charset="0"/>
+              </a:rPr>
+              <a:t>self.data</a:t>
+            </a:r>
+            <a:r>
+              <a:rPr lang="en-US" altLang="en-US" sz="2000" dirty="0">
+                <a:latin typeface="Courier New" pitchFamily="49" charset="0"/>
+                <a:cs typeface="Courier New" pitchFamily="49" charset="0"/>
+              </a:rPr>
+              <a:t>) / </a:t>
+            </a:r>
+            <a:r>
+              <a:rPr lang="en-US" altLang="en-US" sz="2000" dirty="0" err="1">
+                <a:latin typeface="Courier New" pitchFamily="49" charset="0"/>
+                <a:cs typeface="Courier New" pitchFamily="49" charset="0"/>
+              </a:rPr>
+              <a:t>len</a:t>
+            </a:r>
+            <a:r>
+              <a:rPr lang="en-US" altLang="en-US" sz="2000" dirty="0">
+                <a:latin typeface="Courier New" pitchFamily="49" charset="0"/>
+                <a:cs typeface="Courier New" pitchFamily="49" charset="0"/>
+              </a:rPr>
+              <a:t>(</a:t>
+            </a:r>
+            <a:r>
+              <a:rPr lang="en-US" altLang="en-US" sz="2000" dirty="0" err="1">
+                <a:latin typeface="Courier New" pitchFamily="49" charset="0"/>
+                <a:cs typeface="Courier New" pitchFamily="49" charset="0"/>
+              </a:rPr>
+              <a:t>self.data</a:t>
+            </a:r>
+            <a:r>
+              <a:rPr lang="en-US" altLang="en-US" sz="2000" dirty="0">
+                <a:latin typeface="Courier New" pitchFamily="49" charset="0"/>
+                <a:cs typeface="Courier New" pitchFamily="49" charset="0"/>
+              </a:rPr>
+              <a:t>)</a:t>
+            </a:r>
+          </a:p>
+          <a:p>
+            <a:pPr eaLnBrk="1" hangingPunct="1">
+              <a:lnSpc>
+                <a:spcPct val="125000"/>
+              </a:lnSpc>
+              <a:defRPr/>
+            </a:pPr>
+            <a:endParaRPr lang="en-US" altLang="en-US" sz="2000" dirty="0">
+              <a:latin typeface="DFKai-SB" pitchFamily="65" charset="-120"/>
+              <a:cs typeface="Courier New" pitchFamily="49" charset="0"/>
+            </a:endParaRPr>
+          </a:p>
+          <a:p>
+            <a:pPr eaLnBrk="1" hangingPunct="1">
+              <a:lnSpc>
+                <a:spcPct val="125000"/>
+              </a:lnSpc>
+              <a:defRPr/>
+            </a:pPr>
+            <a:endParaRPr lang="en-US" altLang="en-US" sz="2400" dirty="0">
+              <a:latin typeface="Calibri" panose="020F0502020204030204" pitchFamily="34" charset="0"/>
+            </a:endParaRPr>
           </a:p>
         </p:txBody>
       </p:sp>
-      <p:pic>
-        <p:nvPicPr>
-          <p:cNvPr id="20484" name="Picture 1"/>
-          <p:cNvPicPr>
-            <a:picLocks noChangeAspect="1"/>
-          </p:cNvPicPr>
-          <p:nvPr/>
-        </p:nvPicPr>
-        <p:blipFill>
-          <a:blip r:embed="rId2">
-            <a:extLst>
-              <a:ext uri="{28A0092B-C50C-407E-A947-70E740481C1C}">
-                <a14:useLocalDpi xmlns:a14="http://schemas.microsoft.com/office/drawing/2010/main" val="0"/>
-              </a:ext>
-            </a:extLst>
-          </a:blip>
-          <a:srcRect/>
-          <a:stretch>
-            <a:fillRect/>
-          </a:stretch>
-        </p:blipFill>
-        <p:spPr bwMode="auto">
-          <a:xfrm>
-            <a:off x="539750" y="4149725"/>
-            <a:ext cx="7888288" cy="1136650"/>
-          </a:xfrm>
-          <a:prstGeom prst="rect">
-            <a:avLst/>
-          </a:prstGeom>
-          <a:noFill/>
-          <a:ln>
-            <a:noFill/>
-          </a:ln>
-          <a:extLst>
-            <a:ext uri="{909E8E84-426E-40DD-AFC4-6F175D3DCCD1}">
-              <a14:hiddenFill xmlns:a14="http://schemas.microsoft.com/office/drawing/2010/main">
-                <a:solidFill>
-                  <a:srgbClr val="FFFFFF"/>
-                </a:solidFill>
-              </a14:hiddenFill>
-            </a:ext>
-            <a:ext uri="{91240B29-F687-4F45-9708-019B960494DF}">
-              <a14:hiddenLine xmlns:a14="http://schemas.microsoft.com/office/drawing/2010/main" w="9525">
-                <a:solidFill>
-                  <a:srgbClr val="000000"/>
-                </a:solidFill>
-                <a:miter lim="800000"/>
-                <a:headEnd/>
-                <a:tailEnd/>
-              </a14:hiddenLine>
-            </a:ext>
-          </a:extLst>
-        </p:spPr>
-      </p:pic>
     </p:spTree>
   </p:cSld>
   <p:clrMapOvr>
@@ -18812,7 +18765,7 @@
           <a:p>
             <a:r>
               <a:rPr lang="en-GB" altLang="en-US" dirty="0"/>
-              <a:t>A worked example</a:t>
+              <a:t>Examples of OOP</a:t>
             </a:r>
           </a:p>
         </p:txBody>
@@ -18827,7 +18780,7 @@
         </p:nvSpPr>
         <p:spPr bwMode="auto">
           <a:xfrm>
-            <a:off x="251520" y="1489361"/>
+            <a:off x="684213" y="1412875"/>
             <a:ext cx="7775575" cy="4430713"/>
           </a:xfrm>
           <a:prstGeom prst="rect">
@@ -19146,189 +19099,126 @@
               <a:buNone/>
             </a:pPr>
             <a:r>
-              <a:rPr lang="en-US" altLang="en-US" sz="1600" dirty="0">
-                <a:latin typeface="Courier New" panose="02070309020205020404" pitchFamily="49" charset="0"/>
-                <a:cs typeface="Courier New" panose="02070309020205020404" pitchFamily="49" charset="0"/>
-              </a:rPr>
-              <a:t>times = []</a:t>
-            </a:r>
-            <a:br>
-              <a:rPr lang="en-US" altLang="en-US" sz="1600" dirty="0">
-                <a:latin typeface="Courier New" panose="02070309020205020404" pitchFamily="49" charset="0"/>
-                <a:cs typeface="Courier New" panose="02070309020205020404" pitchFamily="49" charset="0"/>
-              </a:rPr>
-            </a:br>
-            <a:r>
-              <a:rPr lang="en-US" altLang="en-US" sz="1600" dirty="0">
-                <a:latin typeface="Courier New" panose="02070309020205020404" pitchFamily="49" charset="0"/>
-                <a:cs typeface="Courier New" panose="02070309020205020404" pitchFamily="49" charset="0"/>
-              </a:rPr>
-              <a:t>measurements = []</a:t>
-            </a:r>
-            <a:br>
-              <a:rPr lang="en-US" altLang="en-US" sz="1600" dirty="0">
-                <a:latin typeface="Courier New" panose="02070309020205020404" pitchFamily="49" charset="0"/>
-                <a:cs typeface="Courier New" panose="02070309020205020404" pitchFamily="49" charset="0"/>
-              </a:rPr>
-            </a:br>
-            <a:br>
-              <a:rPr lang="en-US" altLang="en-US" sz="1600" dirty="0">
-                <a:latin typeface="Courier New" panose="02070309020205020404" pitchFamily="49" charset="0"/>
-                <a:cs typeface="Courier New" panose="02070309020205020404" pitchFamily="49" charset="0"/>
-              </a:rPr>
-            </a:br>
-            <a:r>
-              <a:rPr lang="en-US" altLang="en-US" sz="1600" dirty="0">
-                <a:latin typeface="Courier New" panose="02070309020205020404" pitchFamily="49" charset="0"/>
-                <a:cs typeface="Courier New" panose="02070309020205020404" pitchFamily="49" charset="0"/>
-              </a:rPr>
-              <a:t>for </a:t>
-            </a:r>
-            <a:r>
-              <a:rPr lang="en-US" altLang="en-US" sz="1600" dirty="0" err="1">
-                <a:latin typeface="Courier New" panose="02070309020205020404" pitchFamily="49" charset="0"/>
-                <a:cs typeface="Courier New" panose="02070309020205020404" pitchFamily="49" charset="0"/>
-              </a:rPr>
-              <a:t>i</a:t>
-            </a:r>
-            <a:r>
-              <a:rPr lang="en-US" altLang="en-US" sz="1600" dirty="0">
-                <a:latin typeface="Courier New" panose="02070309020205020404" pitchFamily="49" charset="0"/>
-                <a:cs typeface="Courier New" panose="02070309020205020404" pitchFamily="49" charset="0"/>
-              </a:rPr>
-              <a:t> in range(1,32):</a:t>
-            </a:r>
-            <a:br>
-              <a:rPr lang="en-US" altLang="en-US" sz="1600" dirty="0">
-                <a:latin typeface="Courier New" panose="02070309020205020404" pitchFamily="49" charset="0"/>
-                <a:cs typeface="Courier New" panose="02070309020205020404" pitchFamily="49" charset="0"/>
-              </a:rPr>
-            </a:br>
-            <a:r>
-              <a:rPr lang="en-US" altLang="en-US" sz="1600" dirty="0">
-                <a:latin typeface="Courier New" panose="02070309020205020404" pitchFamily="49" charset="0"/>
-                <a:cs typeface="Courier New" panose="02070309020205020404" pitchFamily="49" charset="0"/>
-              </a:rPr>
-              <a:t>    date = f'2021-05-{</a:t>
-            </a:r>
-            <a:r>
-              <a:rPr lang="en-US" altLang="en-US" sz="1600" dirty="0" err="1">
-                <a:latin typeface="Courier New" panose="02070309020205020404" pitchFamily="49" charset="0"/>
-                <a:cs typeface="Courier New" panose="02070309020205020404" pitchFamily="49" charset="0"/>
-              </a:rPr>
-              <a:t>i</a:t>
-            </a:r>
-            <a:r>
-              <a:rPr lang="en-US" altLang="en-US" sz="1600" dirty="0">
-                <a:latin typeface="Courier New" panose="02070309020205020404" pitchFamily="49" charset="0"/>
-                <a:cs typeface="Courier New" panose="02070309020205020404" pitchFamily="49" charset="0"/>
-              </a:rPr>
-              <a:t>}'</a:t>
-            </a:r>
-            <a:br>
-              <a:rPr lang="en-US" altLang="en-US" sz="1600" dirty="0">
-                <a:latin typeface="Courier New" panose="02070309020205020404" pitchFamily="49" charset="0"/>
-                <a:cs typeface="Courier New" panose="02070309020205020404" pitchFamily="49" charset="0"/>
-              </a:rPr>
-            </a:br>
-            <a:r>
-              <a:rPr lang="en-US" altLang="en-US" sz="1600" dirty="0">
-                <a:latin typeface="Courier New" panose="02070309020205020404" pitchFamily="49" charset="0"/>
-                <a:cs typeface="Courier New" panose="02070309020205020404" pitchFamily="49" charset="0"/>
-              </a:rPr>
-              <a:t>    times, measurements = </a:t>
-            </a:r>
-            <a:r>
-              <a:rPr lang="en-US" altLang="en-US" sz="1600" dirty="0" err="1">
-                <a:latin typeface="Courier New" panose="02070309020205020404" pitchFamily="49" charset="0"/>
-                <a:cs typeface="Courier New" panose="02070309020205020404" pitchFamily="49" charset="0"/>
-              </a:rPr>
-              <a:t>add_measurement</a:t>
-            </a:r>
-            <a:r>
-              <a:rPr lang="en-US" altLang="en-US" sz="1600" dirty="0">
-                <a:latin typeface="Courier New" panose="02070309020205020404" pitchFamily="49" charset="0"/>
-                <a:cs typeface="Courier New" panose="02070309020205020404" pitchFamily="49" charset="0"/>
-              </a:rPr>
-              <a:t>(date, </a:t>
-            </a:r>
-            <a:r>
-              <a:rPr lang="en-US" altLang="en-US" sz="1600" dirty="0" err="1">
-                <a:latin typeface="Courier New" panose="02070309020205020404" pitchFamily="49" charset="0"/>
-                <a:cs typeface="Courier New" panose="02070309020205020404" pitchFamily="49" charset="0"/>
-              </a:rPr>
-              <a:t>i</a:t>
-            </a:r>
-            <a:r>
-              <a:rPr lang="en-US" altLang="en-US" sz="1600" dirty="0">
-                <a:latin typeface="Courier New" panose="02070309020205020404" pitchFamily="49" charset="0"/>
-                <a:cs typeface="Courier New" panose="02070309020205020404" pitchFamily="49" charset="0"/>
-              </a:rPr>
-              <a:t>, times, measurements)</a:t>
-            </a:r>
-            <a:br>
-              <a:rPr lang="en-US" altLang="en-US" sz="1600" dirty="0">
-                <a:latin typeface="Courier New" panose="02070309020205020404" pitchFamily="49" charset="0"/>
-                <a:cs typeface="Courier New" panose="02070309020205020404" pitchFamily="49" charset="0"/>
-              </a:rPr>
-            </a:br>
-            <a:br>
-              <a:rPr lang="en-US" altLang="en-US" sz="1600" dirty="0">
-                <a:latin typeface="Courier New" panose="02070309020205020404" pitchFamily="49" charset="0"/>
-                <a:cs typeface="Courier New" panose="02070309020205020404" pitchFamily="49" charset="0"/>
-              </a:rPr>
-            </a:br>
-            <a:r>
-              <a:rPr lang="en-US" altLang="en-US" sz="1600" dirty="0">
-                <a:solidFill>
-                  <a:schemeClr val="bg2">
-                    <a:lumMod val="50000"/>
-                  </a:schemeClr>
-                </a:solidFill>
-                <a:latin typeface="Courier New" panose="02070309020205020404" pitchFamily="49" charset="0"/>
-                <a:cs typeface="Courier New" panose="02070309020205020404" pitchFamily="49" charset="0"/>
-              </a:rPr>
-              <a:t># Print the data</a:t>
-            </a:r>
-            <a:br>
-              <a:rPr lang="en-US" altLang="en-US" sz="1600" dirty="0">
-                <a:latin typeface="Courier New" panose="02070309020205020404" pitchFamily="49" charset="0"/>
-                <a:cs typeface="Courier New" panose="02070309020205020404" pitchFamily="49" charset="0"/>
-              </a:rPr>
-            </a:br>
-            <a:r>
-              <a:rPr lang="en-US" altLang="en-US" sz="1600" dirty="0" err="1">
-                <a:latin typeface="Courier New" panose="02070309020205020404" pitchFamily="49" charset="0"/>
-                <a:cs typeface="Courier New" panose="02070309020205020404" pitchFamily="49" charset="0"/>
-              </a:rPr>
-              <a:t>print_measurements</a:t>
-            </a:r>
-            <a:r>
-              <a:rPr lang="en-US" altLang="en-US" sz="1600" dirty="0">
-                <a:latin typeface="Courier New" panose="02070309020205020404" pitchFamily="49" charset="0"/>
-                <a:cs typeface="Courier New" panose="02070309020205020404" pitchFamily="49" charset="0"/>
-              </a:rPr>
-              <a:t>(times, measurements)</a:t>
-            </a:r>
-            <a:br>
-              <a:rPr lang="en-US" altLang="en-US" sz="1600" dirty="0">
-                <a:latin typeface="Courier New" panose="02070309020205020404" pitchFamily="49" charset="0"/>
-                <a:cs typeface="Courier New" panose="02070309020205020404" pitchFamily="49" charset="0"/>
-              </a:rPr>
-            </a:br>
-            <a:endParaRPr lang="en-US" altLang="en-US" sz="1600" dirty="0">
-              <a:latin typeface="Courier New" panose="02070309020205020404" pitchFamily="49" charset="0"/>
-              <a:cs typeface="Courier New" panose="02070309020205020404" pitchFamily="49" charset="0"/>
-            </a:endParaRPr>
+              <a:rPr lang="en-US" altLang="en-US" sz="2200"/>
+              <a:t>Most python packages use OOP extensively.</a:t>
+            </a:r>
+          </a:p>
+          <a:p>
+            <a:pPr eaLnBrk="1" hangingPunct="1">
+              <a:lnSpc>
+                <a:spcPct val="125000"/>
+              </a:lnSpc>
+              <a:spcBef>
+                <a:spcPct val="0"/>
+              </a:spcBef>
+              <a:buFontTx/>
+              <a:buNone/>
+            </a:pPr>
+            <a:endParaRPr lang="en-US" altLang="en-US" sz="2200"/>
+          </a:p>
+          <a:p>
+            <a:pPr eaLnBrk="1" hangingPunct="1">
+              <a:lnSpc>
+                <a:spcPct val="125000"/>
+              </a:lnSpc>
+              <a:spcBef>
+                <a:spcPct val="0"/>
+              </a:spcBef>
+              <a:buFontTx/>
+              <a:buNone/>
+            </a:pPr>
+            <a:r>
+              <a:rPr lang="en-US" altLang="en-US" sz="2200"/>
+              <a:t>We'll come across many examples in the next sessions.</a:t>
+            </a:r>
+          </a:p>
+          <a:p>
+            <a:pPr eaLnBrk="1" hangingPunct="1">
+              <a:lnSpc>
+                <a:spcPct val="125000"/>
+              </a:lnSpc>
+              <a:spcBef>
+                <a:spcPct val="0"/>
+              </a:spcBef>
+              <a:buFontTx/>
+              <a:buNone/>
+            </a:pPr>
+            <a:endParaRPr lang="en-US" altLang="en-US" sz="2200"/>
+          </a:p>
+          <a:p>
+            <a:pPr eaLnBrk="1" hangingPunct="1">
+              <a:lnSpc>
+                <a:spcPct val="125000"/>
+              </a:lnSpc>
+              <a:spcBef>
+                <a:spcPct val="0"/>
+              </a:spcBef>
+              <a:buFontTx/>
+              <a:buNone/>
+            </a:pPr>
+            <a:r>
+              <a:rPr lang="en-US" altLang="en-US" sz="2200"/>
+              <a:t>E.g.: </a:t>
+            </a:r>
+            <a:endParaRPr lang="en-US" altLang="en-US" sz="1800"/>
           </a:p>
         </p:txBody>
       </p:sp>
+      <p:pic>
+        <p:nvPicPr>
+          <p:cNvPr id="20484" name="Picture 1"/>
+          <p:cNvPicPr>
+            <a:picLocks noChangeAspect="1"/>
+          </p:cNvPicPr>
+          <p:nvPr/>
+        </p:nvPicPr>
+        <p:blipFill>
+          <a:blip r:embed="rId2">
+            <a:extLst>
+              <a:ext uri="{28A0092B-C50C-407E-A947-70E740481C1C}">
+                <a14:useLocalDpi xmlns:a14="http://schemas.microsoft.com/office/drawing/2010/main" val="0"/>
+              </a:ext>
+            </a:extLst>
+          </a:blip>
+          <a:srcRect/>
+          <a:stretch>
+            <a:fillRect/>
+          </a:stretch>
+        </p:blipFill>
+        <p:spPr bwMode="auto">
+          <a:xfrm>
+            <a:off x="539750" y="4149725"/>
+            <a:ext cx="7888288" cy="1136650"/>
+          </a:xfrm>
+          <a:prstGeom prst="rect">
+            <a:avLst/>
+          </a:prstGeom>
+          <a:noFill/>
+          <a:ln>
+            <a:noFill/>
+          </a:ln>
+          <a:extLst>
+            <a:ext uri="{909E8E84-426E-40DD-AFC4-6F175D3DCCD1}">
+              <a14:hiddenFill xmlns:a14="http://schemas.microsoft.com/office/drawing/2010/main">
+                <a:solidFill>
+                  <a:srgbClr val="FFFFFF"/>
+                </a:solidFill>
+              </a14:hiddenFill>
+            </a:ext>
+            <a:ext uri="{91240B29-F687-4F45-9708-019B960494DF}">
+              <a14:hiddenLine xmlns:a14="http://schemas.microsoft.com/office/drawing/2010/main" w="9525">
+                <a:solidFill>
+                  <a:srgbClr val="000000"/>
+                </a:solidFill>
+                <a:miter lim="800000"/>
+                <a:headEnd/>
+                <a:tailEnd/>
+              </a14:hiddenLine>
+            </a:ext>
+          </a:extLst>
+        </p:spPr>
+      </p:pic>
     </p:spTree>
-    <p:extLst>
-      <p:ext uri="{BB962C8B-B14F-4D97-AF65-F5344CB8AC3E}">
-        <p14:creationId xmlns:p14="http://schemas.microsoft.com/office/powerpoint/2010/main" val="3697678302"/>
-      </p:ext>
-    </p:extLst>
   </p:cSld>
   <p:clrMapOvr>
     <a:masterClrMapping/>
@@ -19740,6 +19630,569 @@
                 <a:cs typeface="Courier New" panose="02070309020205020404" pitchFamily="49" charset="0"/>
               </a:rPr>
             </a:br>
+            <a:r>
+              <a:rPr lang="en-US" altLang="en-US" sz="1600" dirty="0">
+                <a:latin typeface="Courier New" panose="02070309020205020404" pitchFamily="49" charset="0"/>
+                <a:cs typeface="Courier New" panose="02070309020205020404" pitchFamily="49" charset="0"/>
+              </a:rPr>
+              <a:t>for </a:t>
+            </a:r>
+            <a:r>
+              <a:rPr lang="en-US" altLang="en-US" sz="1600" dirty="0" err="1">
+                <a:latin typeface="Courier New" panose="02070309020205020404" pitchFamily="49" charset="0"/>
+                <a:cs typeface="Courier New" panose="02070309020205020404" pitchFamily="49" charset="0"/>
+              </a:rPr>
+              <a:t>i</a:t>
+            </a:r>
+            <a:r>
+              <a:rPr lang="en-US" altLang="en-US" sz="1600" dirty="0">
+                <a:latin typeface="Courier New" panose="02070309020205020404" pitchFamily="49" charset="0"/>
+                <a:cs typeface="Courier New" panose="02070309020205020404" pitchFamily="49" charset="0"/>
+              </a:rPr>
+              <a:t> in range(1,32):</a:t>
+            </a:r>
+            <a:br>
+              <a:rPr lang="en-US" altLang="en-US" sz="1600" dirty="0">
+                <a:latin typeface="Courier New" panose="02070309020205020404" pitchFamily="49" charset="0"/>
+                <a:cs typeface="Courier New" panose="02070309020205020404" pitchFamily="49" charset="0"/>
+              </a:rPr>
+            </a:br>
+            <a:r>
+              <a:rPr lang="en-US" altLang="en-US" sz="1600" dirty="0">
+                <a:latin typeface="Courier New" panose="02070309020205020404" pitchFamily="49" charset="0"/>
+                <a:cs typeface="Courier New" panose="02070309020205020404" pitchFamily="49" charset="0"/>
+              </a:rPr>
+              <a:t>    date = f'2021-05-{</a:t>
+            </a:r>
+            <a:r>
+              <a:rPr lang="en-US" altLang="en-US" sz="1600" dirty="0" err="1">
+                <a:latin typeface="Courier New" panose="02070309020205020404" pitchFamily="49" charset="0"/>
+                <a:cs typeface="Courier New" panose="02070309020205020404" pitchFamily="49" charset="0"/>
+              </a:rPr>
+              <a:t>i</a:t>
+            </a:r>
+            <a:r>
+              <a:rPr lang="en-US" altLang="en-US" sz="1600" dirty="0">
+                <a:latin typeface="Courier New" panose="02070309020205020404" pitchFamily="49" charset="0"/>
+                <a:cs typeface="Courier New" panose="02070309020205020404" pitchFamily="49" charset="0"/>
+              </a:rPr>
+              <a:t>}'</a:t>
+            </a:r>
+            <a:br>
+              <a:rPr lang="en-US" altLang="en-US" sz="1600" dirty="0">
+                <a:latin typeface="Courier New" panose="02070309020205020404" pitchFamily="49" charset="0"/>
+                <a:cs typeface="Courier New" panose="02070309020205020404" pitchFamily="49" charset="0"/>
+              </a:rPr>
+            </a:br>
+            <a:r>
+              <a:rPr lang="en-US" altLang="en-US" sz="1600" dirty="0">
+                <a:latin typeface="Courier New" panose="02070309020205020404" pitchFamily="49" charset="0"/>
+                <a:cs typeface="Courier New" panose="02070309020205020404" pitchFamily="49" charset="0"/>
+              </a:rPr>
+              <a:t>    times, measurements = </a:t>
+            </a:r>
+            <a:r>
+              <a:rPr lang="en-US" altLang="en-US" sz="1600" dirty="0" err="1">
+                <a:latin typeface="Courier New" panose="02070309020205020404" pitchFamily="49" charset="0"/>
+                <a:cs typeface="Courier New" panose="02070309020205020404" pitchFamily="49" charset="0"/>
+              </a:rPr>
+              <a:t>add_measurement</a:t>
+            </a:r>
+            <a:r>
+              <a:rPr lang="en-US" altLang="en-US" sz="1600" dirty="0">
+                <a:latin typeface="Courier New" panose="02070309020205020404" pitchFamily="49" charset="0"/>
+                <a:cs typeface="Courier New" panose="02070309020205020404" pitchFamily="49" charset="0"/>
+              </a:rPr>
+              <a:t>(date, </a:t>
+            </a:r>
+            <a:r>
+              <a:rPr lang="en-US" altLang="en-US" sz="1600" dirty="0" err="1">
+                <a:latin typeface="Courier New" panose="02070309020205020404" pitchFamily="49" charset="0"/>
+                <a:cs typeface="Courier New" panose="02070309020205020404" pitchFamily="49" charset="0"/>
+              </a:rPr>
+              <a:t>i</a:t>
+            </a:r>
+            <a:r>
+              <a:rPr lang="en-US" altLang="en-US" sz="1600" dirty="0">
+                <a:latin typeface="Courier New" panose="02070309020205020404" pitchFamily="49" charset="0"/>
+                <a:cs typeface="Courier New" panose="02070309020205020404" pitchFamily="49" charset="0"/>
+              </a:rPr>
+              <a:t>, times, measurements)</a:t>
+            </a:r>
+            <a:br>
+              <a:rPr lang="en-US" altLang="en-US" sz="1600" dirty="0">
+                <a:latin typeface="Courier New" panose="02070309020205020404" pitchFamily="49" charset="0"/>
+                <a:cs typeface="Courier New" panose="02070309020205020404" pitchFamily="49" charset="0"/>
+              </a:rPr>
+            </a:br>
+            <a:br>
+              <a:rPr lang="en-US" altLang="en-US" sz="1600" dirty="0">
+                <a:latin typeface="Courier New" panose="02070309020205020404" pitchFamily="49" charset="0"/>
+                <a:cs typeface="Courier New" panose="02070309020205020404" pitchFamily="49" charset="0"/>
+              </a:rPr>
+            </a:br>
+            <a:r>
+              <a:rPr lang="en-US" altLang="en-US" sz="1600" dirty="0">
+                <a:solidFill>
+                  <a:schemeClr val="bg2">
+                    <a:lumMod val="50000"/>
+                  </a:schemeClr>
+                </a:solidFill>
+                <a:latin typeface="Courier New" panose="02070309020205020404" pitchFamily="49" charset="0"/>
+                <a:cs typeface="Courier New" panose="02070309020205020404" pitchFamily="49" charset="0"/>
+              </a:rPr>
+              <a:t># Print the data</a:t>
+            </a:r>
+            <a:br>
+              <a:rPr lang="en-US" altLang="en-US" sz="1600" dirty="0">
+                <a:latin typeface="Courier New" panose="02070309020205020404" pitchFamily="49" charset="0"/>
+                <a:cs typeface="Courier New" panose="02070309020205020404" pitchFamily="49" charset="0"/>
+              </a:rPr>
+            </a:br>
+            <a:r>
+              <a:rPr lang="en-US" altLang="en-US" sz="1600" dirty="0" err="1">
+                <a:latin typeface="Courier New" panose="02070309020205020404" pitchFamily="49" charset="0"/>
+                <a:cs typeface="Courier New" panose="02070309020205020404" pitchFamily="49" charset="0"/>
+              </a:rPr>
+              <a:t>print_measurements</a:t>
+            </a:r>
+            <a:r>
+              <a:rPr lang="en-US" altLang="en-US" sz="1600" dirty="0">
+                <a:latin typeface="Courier New" panose="02070309020205020404" pitchFamily="49" charset="0"/>
+                <a:cs typeface="Courier New" panose="02070309020205020404" pitchFamily="49" charset="0"/>
+              </a:rPr>
+              <a:t>(times, measurements)</a:t>
+            </a:r>
+            <a:br>
+              <a:rPr lang="en-US" altLang="en-US" sz="1600" dirty="0">
+                <a:latin typeface="Courier New" panose="02070309020205020404" pitchFamily="49" charset="0"/>
+                <a:cs typeface="Courier New" panose="02070309020205020404" pitchFamily="49" charset="0"/>
+              </a:rPr>
+            </a:br>
+            <a:endParaRPr lang="en-US" altLang="en-US" sz="1600" dirty="0">
+              <a:latin typeface="Courier New" panose="02070309020205020404" pitchFamily="49" charset="0"/>
+              <a:cs typeface="Courier New" panose="02070309020205020404" pitchFamily="49" charset="0"/>
+            </a:endParaRPr>
+          </a:p>
+        </p:txBody>
+      </p:sp>
+    </p:spTree>
+    <p:extLst>
+      <p:ext uri="{BB962C8B-B14F-4D97-AF65-F5344CB8AC3E}">
+        <p14:creationId xmlns:p14="http://schemas.microsoft.com/office/powerpoint/2010/main" val="3697678302"/>
+      </p:ext>
+    </p:extLst>
+  </p:cSld>
+  <p:clrMapOvr>
+    <a:masterClrMapping/>
+  </p:clrMapOvr>
+</p:sld>
+</file>
+
+<file path=ppt/slides/slide24.xml><?xml version="1.0" encoding="utf-8"?>
+<p:sld xmlns:a="http://schemas.openxmlformats.org/drawingml/2006/main" xmlns:r="http://schemas.openxmlformats.org/officeDocument/2006/relationships" xmlns:p="http://schemas.openxmlformats.org/presentationml/2006/main">
+  <p:cSld>
+    <p:spTree>
+      <p:nvGrpSpPr>
+        <p:cNvPr id="1" name=""/>
+        <p:cNvGrpSpPr/>
+        <p:nvPr/>
+      </p:nvGrpSpPr>
+      <p:grpSpPr>
+        <a:xfrm>
+          <a:off x="0" y="0"/>
+          <a:ext cx="0" cy="0"/>
+          <a:chOff x="0" y="0"/>
+          <a:chExt cx="0" cy="0"/>
+        </a:xfrm>
+      </p:grpSpPr>
+      <p:sp>
+        <p:nvSpPr>
+          <p:cNvPr id="20482" name="Title 1"/>
+          <p:cNvSpPr>
+            <a:spLocks noGrp="1"/>
+          </p:cNvSpPr>
+          <p:nvPr>
+            <p:ph type="title" idx="4294967295"/>
+          </p:nvPr>
+        </p:nvSpPr>
+        <p:spPr>
+          <a:xfrm>
+            <a:off x="374650" y="274638"/>
+            <a:ext cx="8229600" cy="1143000"/>
+          </a:xfrm>
+        </p:spPr>
+        <p:txBody>
+          <a:bodyPr/>
+          <a:lstStyle/>
+          <a:p>
+            <a:r>
+              <a:rPr lang="en-GB" altLang="en-US" dirty="0"/>
+              <a:t>A worked example</a:t>
+            </a:r>
+          </a:p>
+        </p:txBody>
+      </p:sp>
+      <p:sp>
+        <p:nvSpPr>
+          <p:cNvPr id="20483" name="Text Box 2"/>
+          <p:cNvSpPr txBox="1">
+            <a:spLocks noChangeArrowheads="1"/>
+          </p:cNvSpPr>
+          <p:nvPr/>
+        </p:nvSpPr>
+        <p:spPr bwMode="auto">
+          <a:xfrm>
+            <a:off x="251520" y="1489361"/>
+            <a:ext cx="7775575" cy="4430713"/>
+          </a:xfrm>
+          <a:prstGeom prst="rect">
+            <a:avLst/>
+          </a:prstGeom>
+          <a:noFill/>
+          <a:ln>
+            <a:noFill/>
+          </a:ln>
+          <a:extLst>
+            <a:ext uri="{909E8E84-426E-40DD-AFC4-6F175D3DCCD1}">
+              <a14:hiddenFill xmlns:a14="http://schemas.microsoft.com/office/drawing/2010/main">
+                <a:solidFill>
+                  <a:srgbClr val="FFFFFF"/>
+                </a:solidFill>
+              </a14:hiddenFill>
+            </a:ext>
+            <a:ext uri="{91240B29-F687-4F45-9708-019B960494DF}">
+              <a14:hiddenLine xmlns:a14="http://schemas.microsoft.com/office/drawing/2010/main" w="9525">
+                <a:solidFill>
+                  <a:srgbClr val="000000"/>
+                </a:solidFill>
+                <a:round/>
+                <a:headEnd/>
+                <a:tailEnd/>
+              </a14:hiddenLine>
+            </a:ext>
+          </a:extLst>
+        </p:spPr>
+        <p:txBody>
+          <a:bodyPr wrap="none" lIns="81639" tIns="40820" rIns="81639" bIns="40820"/>
+          <a:lstStyle>
+            <a:lvl1pPr>
+              <a:lnSpc>
+                <a:spcPct val="90000"/>
+              </a:lnSpc>
+              <a:spcBef>
+                <a:spcPts val="1000"/>
+              </a:spcBef>
+              <a:buFont typeface="Arial" panose="020B0604020202020204" pitchFamily="34" charset="0"/>
+              <a:buChar char="•"/>
+              <a:tabLst>
+                <a:tab pos="655638" algn="l"/>
+                <a:tab pos="1312863" algn="l"/>
+                <a:tab pos="1968500" algn="l"/>
+                <a:tab pos="2625725" algn="l"/>
+                <a:tab pos="3282950" algn="l"/>
+                <a:tab pos="3938588" algn="l"/>
+                <a:tab pos="4595813" algn="l"/>
+                <a:tab pos="5253038" algn="l"/>
+                <a:tab pos="5908675" algn="l"/>
+                <a:tab pos="6565900" algn="l"/>
+                <a:tab pos="7223125" algn="l"/>
+              </a:tabLst>
+              <a:defRPr sz="2800">
+                <a:solidFill>
+                  <a:schemeClr val="tx1"/>
+                </a:solidFill>
+                <a:latin typeface="Calibri" panose="020F0502020204030204" pitchFamily="34" charset="0"/>
+              </a:defRPr>
+            </a:lvl1pPr>
+            <a:lvl2pPr marL="742950" indent="-285750">
+              <a:lnSpc>
+                <a:spcPct val="90000"/>
+              </a:lnSpc>
+              <a:spcBef>
+                <a:spcPts val="500"/>
+              </a:spcBef>
+              <a:buFont typeface="Arial" panose="020B0604020202020204" pitchFamily="34" charset="0"/>
+              <a:buChar char="•"/>
+              <a:tabLst>
+                <a:tab pos="655638" algn="l"/>
+                <a:tab pos="1312863" algn="l"/>
+                <a:tab pos="1968500" algn="l"/>
+                <a:tab pos="2625725" algn="l"/>
+                <a:tab pos="3282950" algn="l"/>
+                <a:tab pos="3938588" algn="l"/>
+                <a:tab pos="4595813" algn="l"/>
+                <a:tab pos="5253038" algn="l"/>
+                <a:tab pos="5908675" algn="l"/>
+                <a:tab pos="6565900" algn="l"/>
+                <a:tab pos="7223125" algn="l"/>
+              </a:tabLst>
+              <a:defRPr sz="2400">
+                <a:solidFill>
+                  <a:schemeClr val="tx1"/>
+                </a:solidFill>
+                <a:latin typeface="Calibri" panose="020F0502020204030204" pitchFamily="34" charset="0"/>
+              </a:defRPr>
+            </a:lvl2pPr>
+            <a:lvl3pPr marL="1143000" indent="-228600">
+              <a:lnSpc>
+                <a:spcPct val="90000"/>
+              </a:lnSpc>
+              <a:spcBef>
+                <a:spcPts val="500"/>
+              </a:spcBef>
+              <a:buFont typeface="Arial" panose="020B0604020202020204" pitchFamily="34" charset="0"/>
+              <a:buChar char="•"/>
+              <a:tabLst>
+                <a:tab pos="655638" algn="l"/>
+                <a:tab pos="1312863" algn="l"/>
+                <a:tab pos="1968500" algn="l"/>
+                <a:tab pos="2625725" algn="l"/>
+                <a:tab pos="3282950" algn="l"/>
+                <a:tab pos="3938588" algn="l"/>
+                <a:tab pos="4595813" algn="l"/>
+                <a:tab pos="5253038" algn="l"/>
+                <a:tab pos="5908675" algn="l"/>
+                <a:tab pos="6565900" algn="l"/>
+                <a:tab pos="7223125" algn="l"/>
+              </a:tabLst>
+              <a:defRPr sz="2000">
+                <a:solidFill>
+                  <a:schemeClr val="tx1"/>
+                </a:solidFill>
+                <a:latin typeface="Calibri" panose="020F0502020204030204" pitchFamily="34" charset="0"/>
+              </a:defRPr>
+            </a:lvl3pPr>
+            <a:lvl4pPr marL="1600200" indent="-228600">
+              <a:lnSpc>
+                <a:spcPct val="90000"/>
+              </a:lnSpc>
+              <a:spcBef>
+                <a:spcPts val="500"/>
+              </a:spcBef>
+              <a:buFont typeface="Arial" panose="020B0604020202020204" pitchFamily="34" charset="0"/>
+              <a:buChar char="•"/>
+              <a:tabLst>
+                <a:tab pos="655638" algn="l"/>
+                <a:tab pos="1312863" algn="l"/>
+                <a:tab pos="1968500" algn="l"/>
+                <a:tab pos="2625725" algn="l"/>
+                <a:tab pos="3282950" algn="l"/>
+                <a:tab pos="3938588" algn="l"/>
+                <a:tab pos="4595813" algn="l"/>
+                <a:tab pos="5253038" algn="l"/>
+                <a:tab pos="5908675" algn="l"/>
+                <a:tab pos="6565900" algn="l"/>
+                <a:tab pos="7223125" algn="l"/>
+              </a:tabLst>
+              <a:defRPr>
+                <a:solidFill>
+                  <a:schemeClr val="tx1"/>
+                </a:solidFill>
+                <a:latin typeface="Calibri" panose="020F0502020204030204" pitchFamily="34" charset="0"/>
+              </a:defRPr>
+            </a:lvl4pPr>
+            <a:lvl5pPr marL="2057400" indent="-228600">
+              <a:lnSpc>
+                <a:spcPct val="90000"/>
+              </a:lnSpc>
+              <a:spcBef>
+                <a:spcPts val="500"/>
+              </a:spcBef>
+              <a:buFont typeface="Arial" panose="020B0604020202020204" pitchFamily="34" charset="0"/>
+              <a:buChar char="•"/>
+              <a:tabLst>
+                <a:tab pos="655638" algn="l"/>
+                <a:tab pos="1312863" algn="l"/>
+                <a:tab pos="1968500" algn="l"/>
+                <a:tab pos="2625725" algn="l"/>
+                <a:tab pos="3282950" algn="l"/>
+                <a:tab pos="3938588" algn="l"/>
+                <a:tab pos="4595813" algn="l"/>
+                <a:tab pos="5253038" algn="l"/>
+                <a:tab pos="5908675" algn="l"/>
+                <a:tab pos="6565900" algn="l"/>
+                <a:tab pos="7223125" algn="l"/>
+              </a:tabLst>
+              <a:defRPr>
+                <a:solidFill>
+                  <a:schemeClr val="tx1"/>
+                </a:solidFill>
+                <a:latin typeface="Calibri" panose="020F0502020204030204" pitchFamily="34" charset="0"/>
+              </a:defRPr>
+            </a:lvl5pPr>
+            <a:lvl6pPr marL="2514600" indent="-228600" fontAlgn="base">
+              <a:lnSpc>
+                <a:spcPct val="90000"/>
+              </a:lnSpc>
+              <a:spcBef>
+                <a:spcPts val="500"/>
+              </a:spcBef>
+              <a:spcAft>
+                <a:spcPct val="0"/>
+              </a:spcAft>
+              <a:buFont typeface="Arial" panose="020B0604020202020204" pitchFamily="34" charset="0"/>
+              <a:buChar char="•"/>
+              <a:tabLst>
+                <a:tab pos="655638" algn="l"/>
+                <a:tab pos="1312863" algn="l"/>
+                <a:tab pos="1968500" algn="l"/>
+                <a:tab pos="2625725" algn="l"/>
+                <a:tab pos="3282950" algn="l"/>
+                <a:tab pos="3938588" algn="l"/>
+                <a:tab pos="4595813" algn="l"/>
+                <a:tab pos="5253038" algn="l"/>
+                <a:tab pos="5908675" algn="l"/>
+                <a:tab pos="6565900" algn="l"/>
+                <a:tab pos="7223125" algn="l"/>
+              </a:tabLst>
+              <a:defRPr>
+                <a:solidFill>
+                  <a:schemeClr val="tx1"/>
+                </a:solidFill>
+                <a:latin typeface="Calibri" panose="020F0502020204030204" pitchFamily="34" charset="0"/>
+              </a:defRPr>
+            </a:lvl6pPr>
+            <a:lvl7pPr marL="2971800" indent="-228600" fontAlgn="base">
+              <a:lnSpc>
+                <a:spcPct val="90000"/>
+              </a:lnSpc>
+              <a:spcBef>
+                <a:spcPts val="500"/>
+              </a:spcBef>
+              <a:spcAft>
+                <a:spcPct val="0"/>
+              </a:spcAft>
+              <a:buFont typeface="Arial" panose="020B0604020202020204" pitchFamily="34" charset="0"/>
+              <a:buChar char="•"/>
+              <a:tabLst>
+                <a:tab pos="655638" algn="l"/>
+                <a:tab pos="1312863" algn="l"/>
+                <a:tab pos="1968500" algn="l"/>
+                <a:tab pos="2625725" algn="l"/>
+                <a:tab pos="3282950" algn="l"/>
+                <a:tab pos="3938588" algn="l"/>
+                <a:tab pos="4595813" algn="l"/>
+                <a:tab pos="5253038" algn="l"/>
+                <a:tab pos="5908675" algn="l"/>
+                <a:tab pos="6565900" algn="l"/>
+                <a:tab pos="7223125" algn="l"/>
+              </a:tabLst>
+              <a:defRPr>
+                <a:solidFill>
+                  <a:schemeClr val="tx1"/>
+                </a:solidFill>
+                <a:latin typeface="Calibri" panose="020F0502020204030204" pitchFamily="34" charset="0"/>
+              </a:defRPr>
+            </a:lvl7pPr>
+            <a:lvl8pPr marL="3429000" indent="-228600" fontAlgn="base">
+              <a:lnSpc>
+                <a:spcPct val="90000"/>
+              </a:lnSpc>
+              <a:spcBef>
+                <a:spcPts val="500"/>
+              </a:spcBef>
+              <a:spcAft>
+                <a:spcPct val="0"/>
+              </a:spcAft>
+              <a:buFont typeface="Arial" panose="020B0604020202020204" pitchFamily="34" charset="0"/>
+              <a:buChar char="•"/>
+              <a:tabLst>
+                <a:tab pos="655638" algn="l"/>
+                <a:tab pos="1312863" algn="l"/>
+                <a:tab pos="1968500" algn="l"/>
+                <a:tab pos="2625725" algn="l"/>
+                <a:tab pos="3282950" algn="l"/>
+                <a:tab pos="3938588" algn="l"/>
+                <a:tab pos="4595813" algn="l"/>
+                <a:tab pos="5253038" algn="l"/>
+                <a:tab pos="5908675" algn="l"/>
+                <a:tab pos="6565900" algn="l"/>
+                <a:tab pos="7223125" algn="l"/>
+              </a:tabLst>
+              <a:defRPr>
+                <a:solidFill>
+                  <a:schemeClr val="tx1"/>
+                </a:solidFill>
+                <a:latin typeface="Calibri" panose="020F0502020204030204" pitchFamily="34" charset="0"/>
+              </a:defRPr>
+            </a:lvl8pPr>
+            <a:lvl9pPr marL="3886200" indent="-228600" fontAlgn="base">
+              <a:lnSpc>
+                <a:spcPct val="90000"/>
+              </a:lnSpc>
+              <a:spcBef>
+                <a:spcPts val="500"/>
+              </a:spcBef>
+              <a:spcAft>
+                <a:spcPct val="0"/>
+              </a:spcAft>
+              <a:buFont typeface="Arial" panose="020B0604020202020204" pitchFamily="34" charset="0"/>
+              <a:buChar char="•"/>
+              <a:tabLst>
+                <a:tab pos="655638" algn="l"/>
+                <a:tab pos="1312863" algn="l"/>
+                <a:tab pos="1968500" algn="l"/>
+                <a:tab pos="2625725" algn="l"/>
+                <a:tab pos="3282950" algn="l"/>
+                <a:tab pos="3938588" algn="l"/>
+                <a:tab pos="4595813" algn="l"/>
+                <a:tab pos="5253038" algn="l"/>
+                <a:tab pos="5908675" algn="l"/>
+                <a:tab pos="6565900" algn="l"/>
+                <a:tab pos="7223125" algn="l"/>
+              </a:tabLst>
+              <a:defRPr>
+                <a:solidFill>
+                  <a:schemeClr val="tx1"/>
+                </a:solidFill>
+                <a:latin typeface="Calibri" panose="020F0502020204030204" pitchFamily="34" charset="0"/>
+              </a:defRPr>
+            </a:lvl9pPr>
+          </a:lstStyle>
+          <a:p>
+            <a:pPr eaLnBrk="1" hangingPunct="1">
+              <a:lnSpc>
+                <a:spcPct val="125000"/>
+              </a:lnSpc>
+              <a:spcBef>
+                <a:spcPct val="0"/>
+              </a:spcBef>
+              <a:buFontTx/>
+              <a:buNone/>
+            </a:pPr>
+            <a:r>
+              <a:rPr lang="en-US" altLang="en-US" sz="1600" dirty="0">
+                <a:latin typeface="Courier New" panose="02070309020205020404" pitchFamily="49" charset="0"/>
+                <a:cs typeface="Courier New" panose="02070309020205020404" pitchFamily="49" charset="0"/>
+              </a:rPr>
+              <a:t>times = []</a:t>
+            </a:r>
+            <a:br>
+              <a:rPr lang="en-US" altLang="en-US" sz="1600" dirty="0">
+                <a:latin typeface="Courier New" panose="02070309020205020404" pitchFamily="49" charset="0"/>
+                <a:cs typeface="Courier New" panose="02070309020205020404" pitchFamily="49" charset="0"/>
+              </a:rPr>
+            </a:br>
+            <a:r>
+              <a:rPr lang="en-US" altLang="en-US" sz="1600" dirty="0">
+                <a:latin typeface="Courier New" panose="02070309020205020404" pitchFamily="49" charset="0"/>
+                <a:cs typeface="Courier New" panose="02070309020205020404" pitchFamily="49" charset="0"/>
+              </a:rPr>
+              <a:t>measurements = []</a:t>
+            </a:r>
+            <a:br>
+              <a:rPr lang="en-US" altLang="en-US" sz="1600" dirty="0">
+                <a:latin typeface="Courier New" panose="02070309020205020404" pitchFamily="49" charset="0"/>
+                <a:cs typeface="Courier New" panose="02070309020205020404" pitchFamily="49" charset="0"/>
+              </a:rPr>
+            </a:br>
+            <a:br>
+              <a:rPr lang="en-US" altLang="en-US" sz="1600" dirty="0">
+                <a:latin typeface="Courier New" panose="02070309020205020404" pitchFamily="49" charset="0"/>
+                <a:cs typeface="Courier New" panose="02070309020205020404" pitchFamily="49" charset="0"/>
+              </a:rPr>
+            </a:br>
             <a:br>
               <a:rPr lang="en-US" altLang="en-US" sz="1600" dirty="0">
                 <a:latin typeface="Courier New" panose="02070309020205020404" pitchFamily="49" charset="0"/>
@@ -19818,7 +20271,7 @@
 </p:sld>
 </file>
 
-<file path=ppt/slides/slide24.xml><?xml version="1.0" encoding="utf-8"?>
+<file path=ppt/slides/slide25.xml><?xml version="1.0" encoding="utf-8"?>
 <p:sld xmlns:a="http://schemas.openxmlformats.org/drawingml/2006/main" xmlns:r="http://schemas.openxmlformats.org/officeDocument/2006/relationships" xmlns:p="http://schemas.openxmlformats.org/presentationml/2006/main">
   <p:cSld>
     <p:spTree>
@@ -20912,7 +21365,7 @@
 </p:sld>
 </file>
 
-<file path=ppt/slides/slide25.xml><?xml version="1.0" encoding="utf-8"?>
+<file path=ppt/slides/slide26.xml><?xml version="1.0" encoding="utf-8"?>
 <p:sld xmlns:a="http://schemas.openxmlformats.org/drawingml/2006/main" xmlns:r="http://schemas.openxmlformats.org/officeDocument/2006/relationships" xmlns:p="http://schemas.openxmlformats.org/presentationml/2006/main">
   <p:cSld>
     <p:spTree>
@@ -21302,7 +21755,7 @@
                 <a:latin typeface="Courier New" panose="02070309020205020404" pitchFamily="49" charset="0"/>
                 <a:cs typeface="Courier New" panose="02070309020205020404" pitchFamily="49" charset="0"/>
               </a:rPr>
-              <a:t>measurements = [</a:t>
+              <a:t>measurements = []</a:t>
             </a:r>
             <a:br>
               <a:rPr lang="en-US" altLang="en-US" sz="1600" dirty="0">
@@ -21657,577 +22110,6 @@
 </p:sld>
 </file>
 
-<file path=ppt/slides/slide26.xml><?xml version="1.0" encoding="utf-8"?>
-<p:sld xmlns:a="http://schemas.openxmlformats.org/drawingml/2006/main" xmlns:r="http://schemas.openxmlformats.org/officeDocument/2006/relationships" xmlns:p="http://schemas.openxmlformats.org/presentationml/2006/main">
-  <p:cSld>
-    <p:spTree>
-      <p:nvGrpSpPr>
-        <p:cNvPr id="1" name=""/>
-        <p:cNvGrpSpPr/>
-        <p:nvPr/>
-      </p:nvGrpSpPr>
-      <p:grpSpPr>
-        <a:xfrm>
-          <a:off x="0" y="0"/>
-          <a:ext cx="0" cy="0"/>
-          <a:chOff x="0" y="0"/>
-          <a:chExt cx="0" cy="0"/>
-        </a:xfrm>
-      </p:grpSpPr>
-      <p:sp>
-        <p:nvSpPr>
-          <p:cNvPr id="20482" name="Title 1"/>
-          <p:cNvSpPr>
-            <a:spLocks noGrp="1"/>
-          </p:cNvSpPr>
-          <p:nvPr>
-            <p:ph type="title" idx="4294967295"/>
-          </p:nvPr>
-        </p:nvSpPr>
-        <p:spPr>
-          <a:xfrm>
-            <a:off x="374650" y="274638"/>
-            <a:ext cx="8229600" cy="1143000"/>
-          </a:xfrm>
-        </p:spPr>
-        <p:txBody>
-          <a:bodyPr/>
-          <a:lstStyle/>
-          <a:p>
-            <a:r>
-              <a:rPr lang="en-GB" altLang="en-US" dirty="0"/>
-              <a:t>A worked example: Using classes</a:t>
-            </a:r>
-          </a:p>
-        </p:txBody>
-      </p:sp>
-      <p:sp>
-        <p:nvSpPr>
-          <p:cNvPr id="20483" name="Text Box 2"/>
-          <p:cNvSpPr txBox="1">
-            <a:spLocks noChangeArrowheads="1"/>
-          </p:cNvSpPr>
-          <p:nvPr/>
-        </p:nvSpPr>
-        <p:spPr bwMode="auto">
-          <a:xfrm>
-            <a:off x="251520" y="1462368"/>
-            <a:ext cx="7775575" cy="4430713"/>
-          </a:xfrm>
-          <a:prstGeom prst="rect">
-            <a:avLst/>
-          </a:prstGeom>
-          <a:noFill/>
-          <a:ln>
-            <a:noFill/>
-          </a:ln>
-          <a:extLst>
-            <a:ext uri="{909E8E84-426E-40DD-AFC4-6F175D3DCCD1}">
-              <a14:hiddenFill xmlns:a14="http://schemas.microsoft.com/office/drawing/2010/main">
-                <a:solidFill>
-                  <a:srgbClr val="FFFFFF"/>
-                </a:solidFill>
-              </a14:hiddenFill>
-            </a:ext>
-            <a:ext uri="{91240B29-F687-4F45-9708-019B960494DF}">
-              <a14:hiddenLine xmlns:a14="http://schemas.microsoft.com/office/drawing/2010/main" w="9525">
-                <a:solidFill>
-                  <a:srgbClr val="000000"/>
-                </a:solidFill>
-                <a:round/>
-                <a:headEnd/>
-                <a:tailEnd/>
-              </a14:hiddenLine>
-            </a:ext>
-          </a:extLst>
-        </p:spPr>
-        <p:txBody>
-          <a:bodyPr wrap="none" lIns="81639" tIns="40820" rIns="81639" bIns="40820"/>
-          <a:lstStyle>
-            <a:lvl1pPr>
-              <a:lnSpc>
-                <a:spcPct val="90000"/>
-              </a:lnSpc>
-              <a:spcBef>
-                <a:spcPts val="1000"/>
-              </a:spcBef>
-              <a:buFont typeface="Arial" panose="020B0604020202020204" pitchFamily="34" charset="0"/>
-              <a:buChar char="•"/>
-              <a:tabLst>
-                <a:tab pos="655638" algn="l"/>
-                <a:tab pos="1312863" algn="l"/>
-                <a:tab pos="1968500" algn="l"/>
-                <a:tab pos="2625725" algn="l"/>
-                <a:tab pos="3282950" algn="l"/>
-                <a:tab pos="3938588" algn="l"/>
-                <a:tab pos="4595813" algn="l"/>
-                <a:tab pos="5253038" algn="l"/>
-                <a:tab pos="5908675" algn="l"/>
-                <a:tab pos="6565900" algn="l"/>
-                <a:tab pos="7223125" algn="l"/>
-              </a:tabLst>
-              <a:defRPr sz="2800">
-                <a:solidFill>
-                  <a:schemeClr val="tx1"/>
-                </a:solidFill>
-                <a:latin typeface="Calibri" panose="020F0502020204030204" pitchFamily="34" charset="0"/>
-              </a:defRPr>
-            </a:lvl1pPr>
-            <a:lvl2pPr marL="742950" indent="-285750">
-              <a:lnSpc>
-                <a:spcPct val="90000"/>
-              </a:lnSpc>
-              <a:spcBef>
-                <a:spcPts val="500"/>
-              </a:spcBef>
-              <a:buFont typeface="Arial" panose="020B0604020202020204" pitchFamily="34" charset="0"/>
-              <a:buChar char="•"/>
-              <a:tabLst>
-                <a:tab pos="655638" algn="l"/>
-                <a:tab pos="1312863" algn="l"/>
-                <a:tab pos="1968500" algn="l"/>
-                <a:tab pos="2625725" algn="l"/>
-                <a:tab pos="3282950" algn="l"/>
-                <a:tab pos="3938588" algn="l"/>
-                <a:tab pos="4595813" algn="l"/>
-                <a:tab pos="5253038" algn="l"/>
-                <a:tab pos="5908675" algn="l"/>
-                <a:tab pos="6565900" algn="l"/>
-                <a:tab pos="7223125" algn="l"/>
-              </a:tabLst>
-              <a:defRPr sz="2400">
-                <a:solidFill>
-                  <a:schemeClr val="tx1"/>
-                </a:solidFill>
-                <a:latin typeface="Calibri" panose="020F0502020204030204" pitchFamily="34" charset="0"/>
-              </a:defRPr>
-            </a:lvl2pPr>
-            <a:lvl3pPr marL="1143000" indent="-228600">
-              <a:lnSpc>
-                <a:spcPct val="90000"/>
-              </a:lnSpc>
-              <a:spcBef>
-                <a:spcPts val="500"/>
-              </a:spcBef>
-              <a:buFont typeface="Arial" panose="020B0604020202020204" pitchFamily="34" charset="0"/>
-              <a:buChar char="•"/>
-              <a:tabLst>
-                <a:tab pos="655638" algn="l"/>
-                <a:tab pos="1312863" algn="l"/>
-                <a:tab pos="1968500" algn="l"/>
-                <a:tab pos="2625725" algn="l"/>
-                <a:tab pos="3282950" algn="l"/>
-                <a:tab pos="3938588" algn="l"/>
-                <a:tab pos="4595813" algn="l"/>
-                <a:tab pos="5253038" algn="l"/>
-                <a:tab pos="5908675" algn="l"/>
-                <a:tab pos="6565900" algn="l"/>
-                <a:tab pos="7223125" algn="l"/>
-              </a:tabLst>
-              <a:defRPr sz="2000">
-                <a:solidFill>
-                  <a:schemeClr val="tx1"/>
-                </a:solidFill>
-                <a:latin typeface="Calibri" panose="020F0502020204030204" pitchFamily="34" charset="0"/>
-              </a:defRPr>
-            </a:lvl3pPr>
-            <a:lvl4pPr marL="1600200" indent="-228600">
-              <a:lnSpc>
-                <a:spcPct val="90000"/>
-              </a:lnSpc>
-              <a:spcBef>
-                <a:spcPts val="500"/>
-              </a:spcBef>
-              <a:buFont typeface="Arial" panose="020B0604020202020204" pitchFamily="34" charset="0"/>
-              <a:buChar char="•"/>
-              <a:tabLst>
-                <a:tab pos="655638" algn="l"/>
-                <a:tab pos="1312863" algn="l"/>
-                <a:tab pos="1968500" algn="l"/>
-                <a:tab pos="2625725" algn="l"/>
-                <a:tab pos="3282950" algn="l"/>
-                <a:tab pos="3938588" algn="l"/>
-                <a:tab pos="4595813" algn="l"/>
-                <a:tab pos="5253038" algn="l"/>
-                <a:tab pos="5908675" algn="l"/>
-                <a:tab pos="6565900" algn="l"/>
-                <a:tab pos="7223125" algn="l"/>
-              </a:tabLst>
-              <a:defRPr>
-                <a:solidFill>
-                  <a:schemeClr val="tx1"/>
-                </a:solidFill>
-                <a:latin typeface="Calibri" panose="020F0502020204030204" pitchFamily="34" charset="0"/>
-              </a:defRPr>
-            </a:lvl4pPr>
-            <a:lvl5pPr marL="2057400" indent="-228600">
-              <a:lnSpc>
-                <a:spcPct val="90000"/>
-              </a:lnSpc>
-              <a:spcBef>
-                <a:spcPts val="500"/>
-              </a:spcBef>
-              <a:buFont typeface="Arial" panose="020B0604020202020204" pitchFamily="34" charset="0"/>
-              <a:buChar char="•"/>
-              <a:tabLst>
-                <a:tab pos="655638" algn="l"/>
-                <a:tab pos="1312863" algn="l"/>
-                <a:tab pos="1968500" algn="l"/>
-                <a:tab pos="2625725" algn="l"/>
-                <a:tab pos="3282950" algn="l"/>
-                <a:tab pos="3938588" algn="l"/>
-                <a:tab pos="4595813" algn="l"/>
-                <a:tab pos="5253038" algn="l"/>
-                <a:tab pos="5908675" algn="l"/>
-                <a:tab pos="6565900" algn="l"/>
-                <a:tab pos="7223125" algn="l"/>
-              </a:tabLst>
-              <a:defRPr>
-                <a:solidFill>
-                  <a:schemeClr val="tx1"/>
-                </a:solidFill>
-                <a:latin typeface="Calibri" panose="020F0502020204030204" pitchFamily="34" charset="0"/>
-              </a:defRPr>
-            </a:lvl5pPr>
-            <a:lvl6pPr marL="2514600" indent="-228600" fontAlgn="base">
-              <a:lnSpc>
-                <a:spcPct val="90000"/>
-              </a:lnSpc>
-              <a:spcBef>
-                <a:spcPts val="500"/>
-              </a:spcBef>
-              <a:spcAft>
-                <a:spcPct val="0"/>
-              </a:spcAft>
-              <a:buFont typeface="Arial" panose="020B0604020202020204" pitchFamily="34" charset="0"/>
-              <a:buChar char="•"/>
-              <a:tabLst>
-                <a:tab pos="655638" algn="l"/>
-                <a:tab pos="1312863" algn="l"/>
-                <a:tab pos="1968500" algn="l"/>
-                <a:tab pos="2625725" algn="l"/>
-                <a:tab pos="3282950" algn="l"/>
-                <a:tab pos="3938588" algn="l"/>
-                <a:tab pos="4595813" algn="l"/>
-                <a:tab pos="5253038" algn="l"/>
-                <a:tab pos="5908675" algn="l"/>
-                <a:tab pos="6565900" algn="l"/>
-                <a:tab pos="7223125" algn="l"/>
-              </a:tabLst>
-              <a:defRPr>
-                <a:solidFill>
-                  <a:schemeClr val="tx1"/>
-                </a:solidFill>
-                <a:latin typeface="Calibri" panose="020F0502020204030204" pitchFamily="34" charset="0"/>
-              </a:defRPr>
-            </a:lvl6pPr>
-            <a:lvl7pPr marL="2971800" indent="-228600" fontAlgn="base">
-              <a:lnSpc>
-                <a:spcPct val="90000"/>
-              </a:lnSpc>
-              <a:spcBef>
-                <a:spcPts val="500"/>
-              </a:spcBef>
-              <a:spcAft>
-                <a:spcPct val="0"/>
-              </a:spcAft>
-              <a:buFont typeface="Arial" panose="020B0604020202020204" pitchFamily="34" charset="0"/>
-              <a:buChar char="•"/>
-              <a:tabLst>
-                <a:tab pos="655638" algn="l"/>
-                <a:tab pos="1312863" algn="l"/>
-                <a:tab pos="1968500" algn="l"/>
-                <a:tab pos="2625725" algn="l"/>
-                <a:tab pos="3282950" algn="l"/>
-                <a:tab pos="3938588" algn="l"/>
-                <a:tab pos="4595813" algn="l"/>
-                <a:tab pos="5253038" algn="l"/>
-                <a:tab pos="5908675" algn="l"/>
-                <a:tab pos="6565900" algn="l"/>
-                <a:tab pos="7223125" algn="l"/>
-              </a:tabLst>
-              <a:defRPr>
-                <a:solidFill>
-                  <a:schemeClr val="tx1"/>
-                </a:solidFill>
-                <a:latin typeface="Calibri" panose="020F0502020204030204" pitchFamily="34" charset="0"/>
-              </a:defRPr>
-            </a:lvl7pPr>
-            <a:lvl8pPr marL="3429000" indent="-228600" fontAlgn="base">
-              <a:lnSpc>
-                <a:spcPct val="90000"/>
-              </a:lnSpc>
-              <a:spcBef>
-                <a:spcPts val="500"/>
-              </a:spcBef>
-              <a:spcAft>
-                <a:spcPct val="0"/>
-              </a:spcAft>
-              <a:buFont typeface="Arial" panose="020B0604020202020204" pitchFamily="34" charset="0"/>
-              <a:buChar char="•"/>
-              <a:tabLst>
-                <a:tab pos="655638" algn="l"/>
-                <a:tab pos="1312863" algn="l"/>
-                <a:tab pos="1968500" algn="l"/>
-                <a:tab pos="2625725" algn="l"/>
-                <a:tab pos="3282950" algn="l"/>
-                <a:tab pos="3938588" algn="l"/>
-                <a:tab pos="4595813" algn="l"/>
-                <a:tab pos="5253038" algn="l"/>
-                <a:tab pos="5908675" algn="l"/>
-                <a:tab pos="6565900" algn="l"/>
-                <a:tab pos="7223125" algn="l"/>
-              </a:tabLst>
-              <a:defRPr>
-                <a:solidFill>
-                  <a:schemeClr val="tx1"/>
-                </a:solidFill>
-                <a:latin typeface="Calibri" panose="020F0502020204030204" pitchFamily="34" charset="0"/>
-              </a:defRPr>
-            </a:lvl8pPr>
-            <a:lvl9pPr marL="3886200" indent="-228600" fontAlgn="base">
-              <a:lnSpc>
-                <a:spcPct val="90000"/>
-              </a:lnSpc>
-              <a:spcBef>
-                <a:spcPts val="500"/>
-              </a:spcBef>
-              <a:spcAft>
-                <a:spcPct val="0"/>
-              </a:spcAft>
-              <a:buFont typeface="Arial" panose="020B0604020202020204" pitchFamily="34" charset="0"/>
-              <a:buChar char="•"/>
-              <a:tabLst>
-                <a:tab pos="655638" algn="l"/>
-                <a:tab pos="1312863" algn="l"/>
-                <a:tab pos="1968500" algn="l"/>
-                <a:tab pos="2625725" algn="l"/>
-                <a:tab pos="3282950" algn="l"/>
-                <a:tab pos="3938588" algn="l"/>
-                <a:tab pos="4595813" algn="l"/>
-                <a:tab pos="5253038" algn="l"/>
-                <a:tab pos="5908675" algn="l"/>
-                <a:tab pos="6565900" algn="l"/>
-                <a:tab pos="7223125" algn="l"/>
-              </a:tabLst>
-              <a:defRPr>
-                <a:solidFill>
-                  <a:schemeClr val="tx1"/>
-                </a:solidFill>
-                <a:latin typeface="Calibri" panose="020F0502020204030204" pitchFamily="34" charset="0"/>
-              </a:defRPr>
-            </a:lvl9pPr>
-          </a:lstStyle>
-          <a:p>
-            <a:pPr eaLnBrk="1" hangingPunct="1">
-              <a:lnSpc>
-                <a:spcPct val="125000"/>
-              </a:lnSpc>
-              <a:spcBef>
-                <a:spcPct val="0"/>
-              </a:spcBef>
-              <a:buNone/>
-            </a:pPr>
-            <a:r>
-              <a:rPr lang="en-US" altLang="en-US" sz="1600" dirty="0" err="1">
-                <a:latin typeface="Courier New" panose="02070309020205020404" pitchFamily="49" charset="0"/>
-                <a:cs typeface="Courier New" panose="02070309020205020404" pitchFamily="49" charset="0"/>
-              </a:rPr>
-              <a:t>temp_store</a:t>
-            </a:r>
-            <a:r>
-              <a:rPr lang="en-US" altLang="en-US" sz="1600" dirty="0">
-                <a:latin typeface="Courier New" panose="02070309020205020404" pitchFamily="49" charset="0"/>
-                <a:cs typeface="Courier New" panose="02070309020205020404" pitchFamily="49" charset="0"/>
-              </a:rPr>
-              <a:t> = </a:t>
-            </a:r>
-            <a:r>
-              <a:rPr lang="en-US" altLang="en-US" sz="1600" dirty="0" err="1">
-                <a:latin typeface="Courier New" panose="02070309020205020404" pitchFamily="49" charset="0"/>
-                <a:cs typeface="Courier New" panose="02070309020205020404" pitchFamily="49" charset="0"/>
-              </a:rPr>
-              <a:t>DataStore</a:t>
-            </a:r>
-            <a:r>
-              <a:rPr lang="en-US" altLang="en-US" sz="1600" dirty="0">
-                <a:latin typeface="Courier New" panose="02070309020205020404" pitchFamily="49" charset="0"/>
-                <a:cs typeface="Courier New" panose="02070309020205020404" pitchFamily="49" charset="0"/>
-              </a:rPr>
-              <a:t>()</a:t>
-            </a:r>
-            <a:br>
-              <a:rPr lang="en-US" altLang="en-US" sz="1600" dirty="0">
-                <a:latin typeface="Courier New" panose="02070309020205020404" pitchFamily="49" charset="0"/>
-                <a:cs typeface="Courier New" panose="02070309020205020404" pitchFamily="49" charset="0"/>
-              </a:rPr>
-            </a:br>
-            <a:br>
-              <a:rPr lang="en-US" altLang="en-US" sz="1600" dirty="0">
-                <a:latin typeface="Courier New" panose="02070309020205020404" pitchFamily="49" charset="0"/>
-                <a:cs typeface="Courier New" panose="02070309020205020404" pitchFamily="49" charset="0"/>
-              </a:rPr>
-            </a:br>
-            <a:r>
-              <a:rPr lang="en-US" altLang="en-US" sz="1600" dirty="0">
-                <a:latin typeface="Courier New" panose="02070309020205020404" pitchFamily="49" charset="0"/>
-                <a:cs typeface="Courier New" panose="02070309020205020404" pitchFamily="49" charset="0"/>
-              </a:rPr>
-              <a:t>for </a:t>
-            </a:r>
-            <a:r>
-              <a:rPr lang="en-US" altLang="en-US" sz="1600" dirty="0" err="1">
-                <a:latin typeface="Courier New" panose="02070309020205020404" pitchFamily="49" charset="0"/>
-                <a:cs typeface="Courier New" panose="02070309020205020404" pitchFamily="49" charset="0"/>
-              </a:rPr>
-              <a:t>i</a:t>
-            </a:r>
-            <a:r>
-              <a:rPr lang="en-US" altLang="en-US" sz="1600" dirty="0">
-                <a:latin typeface="Courier New" panose="02070309020205020404" pitchFamily="49" charset="0"/>
-                <a:cs typeface="Courier New" panose="02070309020205020404" pitchFamily="49" charset="0"/>
-              </a:rPr>
-              <a:t> in range(1,32):</a:t>
-            </a:r>
-            <a:br>
-              <a:rPr lang="en-US" altLang="en-US" sz="1600" dirty="0">
-                <a:latin typeface="Courier New" panose="02070309020205020404" pitchFamily="49" charset="0"/>
-                <a:cs typeface="Courier New" panose="02070309020205020404" pitchFamily="49" charset="0"/>
-              </a:rPr>
-            </a:br>
-            <a:r>
-              <a:rPr lang="en-US" altLang="en-US" sz="1600" dirty="0">
-                <a:latin typeface="Courier New" panose="02070309020205020404" pitchFamily="49" charset="0"/>
-                <a:cs typeface="Courier New" panose="02070309020205020404" pitchFamily="49" charset="0"/>
-              </a:rPr>
-              <a:t>    date = f'2021-05-{</a:t>
-            </a:r>
-            <a:r>
-              <a:rPr lang="en-US" altLang="en-US" sz="1600" dirty="0" err="1">
-                <a:latin typeface="Courier New" panose="02070309020205020404" pitchFamily="49" charset="0"/>
-                <a:cs typeface="Courier New" panose="02070309020205020404" pitchFamily="49" charset="0"/>
-              </a:rPr>
-              <a:t>i</a:t>
-            </a:r>
-            <a:r>
-              <a:rPr lang="en-US" altLang="en-US" sz="1600" dirty="0">
-                <a:latin typeface="Courier New" panose="02070309020205020404" pitchFamily="49" charset="0"/>
-                <a:cs typeface="Courier New" panose="02070309020205020404" pitchFamily="49" charset="0"/>
-              </a:rPr>
-              <a:t>}'</a:t>
-            </a:r>
-            <a:br>
-              <a:rPr lang="en-US" altLang="en-US" sz="1600" dirty="0">
-                <a:latin typeface="Courier New" panose="02070309020205020404" pitchFamily="49" charset="0"/>
-                <a:cs typeface="Courier New" panose="02070309020205020404" pitchFamily="49" charset="0"/>
-              </a:rPr>
-            </a:br>
-            <a:r>
-              <a:rPr lang="en-US" altLang="en-US" sz="1600" dirty="0">
-                <a:latin typeface="Courier New" panose="02070309020205020404" pitchFamily="49" charset="0"/>
-                <a:cs typeface="Courier New" panose="02070309020205020404" pitchFamily="49" charset="0"/>
-              </a:rPr>
-              <a:t>    </a:t>
-            </a:r>
-            <a:r>
-              <a:rPr lang="en-US" altLang="en-US" sz="1600" dirty="0" err="1">
-                <a:latin typeface="Courier New" panose="02070309020205020404" pitchFamily="49" charset="0"/>
-                <a:cs typeface="Courier New" panose="02070309020205020404" pitchFamily="49" charset="0"/>
-              </a:rPr>
-              <a:t>temp_store.add_measurement</a:t>
-            </a:r>
-            <a:r>
-              <a:rPr lang="en-US" altLang="en-US" sz="1600" dirty="0">
-                <a:latin typeface="Courier New" panose="02070309020205020404" pitchFamily="49" charset="0"/>
-                <a:cs typeface="Courier New" panose="02070309020205020404" pitchFamily="49" charset="0"/>
-              </a:rPr>
-              <a:t>(</a:t>
-            </a:r>
-            <a:r>
-              <a:rPr lang="en-US" altLang="en-US" sz="1600" dirty="0" err="1">
-                <a:latin typeface="Courier New" panose="02070309020205020404" pitchFamily="49" charset="0"/>
-                <a:cs typeface="Courier New" panose="02070309020205020404" pitchFamily="49" charset="0"/>
-              </a:rPr>
-              <a:t>date,i</a:t>
-            </a:r>
-            <a:r>
-              <a:rPr lang="en-US" altLang="en-US" sz="1600" dirty="0">
-                <a:latin typeface="Courier New" panose="02070309020205020404" pitchFamily="49" charset="0"/>
-                <a:cs typeface="Courier New" panose="02070309020205020404" pitchFamily="49" charset="0"/>
-              </a:rPr>
-              <a:t>)</a:t>
-            </a:r>
-            <a:br>
-              <a:rPr lang="en-US" altLang="en-US" sz="1600" dirty="0">
-                <a:latin typeface="Courier New" panose="02070309020205020404" pitchFamily="49" charset="0"/>
-                <a:cs typeface="Courier New" panose="02070309020205020404" pitchFamily="49" charset="0"/>
-              </a:rPr>
-            </a:br>
-            <a:br>
-              <a:rPr lang="en-US" altLang="en-US" sz="1600" dirty="0">
-                <a:latin typeface="Courier New" panose="02070309020205020404" pitchFamily="49" charset="0"/>
-                <a:cs typeface="Courier New" panose="02070309020205020404" pitchFamily="49" charset="0"/>
-              </a:rPr>
-            </a:br>
-            <a:r>
-              <a:rPr lang="en-US" altLang="en-US" sz="1600" dirty="0">
-                <a:latin typeface="Courier New" panose="02070309020205020404" pitchFamily="49" charset="0"/>
-                <a:cs typeface="Courier New" panose="02070309020205020404" pitchFamily="49" charset="0"/>
-              </a:rPr>
-              <a:t># Print the temps</a:t>
-            </a:r>
-            <a:br>
-              <a:rPr lang="en-US" altLang="en-US" sz="1600" dirty="0">
-                <a:latin typeface="Courier New" panose="02070309020205020404" pitchFamily="49" charset="0"/>
-                <a:cs typeface="Courier New" panose="02070309020205020404" pitchFamily="49" charset="0"/>
-              </a:rPr>
-            </a:br>
-            <a:r>
-              <a:rPr lang="en-US" altLang="en-US" sz="1600" dirty="0" err="1">
-                <a:latin typeface="Courier New" panose="02070309020205020404" pitchFamily="49" charset="0"/>
-                <a:cs typeface="Courier New" panose="02070309020205020404" pitchFamily="49" charset="0"/>
-              </a:rPr>
-              <a:t>temp_store.print_measurements</a:t>
-            </a:r>
-            <a:r>
-              <a:rPr lang="en-US" altLang="en-US" sz="1600" dirty="0">
-                <a:latin typeface="Courier New" panose="02070309020205020404" pitchFamily="49" charset="0"/>
-                <a:cs typeface="Courier New" panose="02070309020205020404" pitchFamily="49" charset="0"/>
-              </a:rPr>
-              <a:t>()</a:t>
-            </a:r>
-            <a:br>
-              <a:rPr lang="en-US" altLang="en-US" sz="1600" dirty="0">
-                <a:latin typeface="Courier New" panose="02070309020205020404" pitchFamily="49" charset="0"/>
-                <a:cs typeface="Courier New" panose="02070309020205020404" pitchFamily="49" charset="0"/>
-              </a:rPr>
-            </a:br>
-            <a:br>
-              <a:rPr lang="en-US" altLang="en-US" sz="1600" dirty="0">
-                <a:latin typeface="Courier New" panose="02070309020205020404" pitchFamily="49" charset="0"/>
-                <a:cs typeface="Courier New" panose="02070309020205020404" pitchFamily="49" charset="0"/>
-              </a:rPr>
-            </a:br>
-            <a:endParaRPr lang="en-US" altLang="en-US" sz="1600" dirty="0">
-              <a:latin typeface="Courier New" panose="02070309020205020404" pitchFamily="49" charset="0"/>
-              <a:cs typeface="Courier New" panose="02070309020205020404" pitchFamily="49" charset="0"/>
-            </a:endParaRPr>
-          </a:p>
-        </p:txBody>
-      </p:sp>
-    </p:spTree>
-    <p:extLst>
-      <p:ext uri="{BB962C8B-B14F-4D97-AF65-F5344CB8AC3E}">
-        <p14:creationId xmlns:p14="http://schemas.microsoft.com/office/powerpoint/2010/main" val="1183750541"/>
-      </p:ext>
-    </p:extLst>
-  </p:cSld>
-  <p:clrMapOvr>
-    <a:masterClrMapping/>
-  </p:clrMapOvr>
-</p:sld>
-</file>
-
 <file path=ppt/slides/slide27.xml><?xml version="1.0" encoding="utf-8"?>
 <p:sld xmlns:a="http://schemas.openxmlformats.org/drawingml/2006/main" xmlns:r="http://schemas.openxmlformats.org/officeDocument/2006/relationships" xmlns:p="http://schemas.openxmlformats.org/presentationml/2006/main">
   <p:cSld>
@@ -22786,76 +22668,10 @@
           </a:p>
         </p:txBody>
       </p:sp>
-      <p:sp>
-        <p:nvSpPr>
-          <p:cNvPr id="9" name="Rectangular Callout 8">
-            <a:extLst>
-              <a:ext uri="{FF2B5EF4-FFF2-40B4-BE49-F238E27FC236}">
-                <a16:creationId xmlns:a16="http://schemas.microsoft.com/office/drawing/2014/main" id="{51BA2C2F-0303-934F-A8E4-F73084F6CB06}"/>
-              </a:ext>
-            </a:extLst>
-          </p:cNvPr>
-          <p:cNvSpPr/>
-          <p:nvPr/>
-        </p:nvSpPr>
-        <p:spPr>
-          <a:xfrm>
-            <a:off x="4899619" y="1288514"/>
-            <a:ext cx="3384376" cy="920333"/>
-          </a:xfrm>
-          <a:prstGeom prst="wedgeRectCallout">
-            <a:avLst>
-              <a:gd name="adj1" fmla="val -93530"/>
-              <a:gd name="adj2" fmla="val -14548"/>
-            </a:avLst>
-          </a:prstGeom>
-        </p:spPr>
-        <p:style>
-          <a:lnRef idx="2">
-            <a:schemeClr val="accent2"/>
-          </a:lnRef>
-          <a:fillRef idx="1">
-            <a:schemeClr val="lt1"/>
-          </a:fillRef>
-          <a:effectRef idx="0">
-            <a:schemeClr val="accent2"/>
-          </a:effectRef>
-          <a:fontRef idx="minor">
-            <a:schemeClr val="dk1"/>
-          </a:fontRef>
-        </p:style>
-        <p:txBody>
-          <a:bodyPr anchor="ctr"/>
-          <a:lstStyle/>
-          <a:p>
-            <a:pPr algn="ctr" eaLnBrk="1" hangingPunct="1">
-              <a:defRPr/>
-            </a:pPr>
-            <a:r>
-              <a:rPr lang="en-GB" dirty="0"/>
-              <a:t>Create instance of </a:t>
-            </a:r>
-            <a:r>
-              <a:rPr lang="en-GB" dirty="0" err="1"/>
-              <a:t>DataStore</a:t>
-            </a:r>
-            <a:endParaRPr lang="en-GB" dirty="0"/>
-          </a:p>
-          <a:p>
-            <a:pPr algn="ctr" eaLnBrk="1" hangingPunct="1">
-              <a:defRPr/>
-            </a:pPr>
-            <a:r>
-              <a:rPr lang="en-GB" dirty="0"/>
-              <a:t>Shared data contained in class definition</a:t>
-            </a:r>
-          </a:p>
-        </p:txBody>
-      </p:sp>
     </p:spTree>
     <p:extLst>
       <p:ext uri="{BB962C8B-B14F-4D97-AF65-F5344CB8AC3E}">
-        <p14:creationId xmlns:p14="http://schemas.microsoft.com/office/powerpoint/2010/main" val="720764584"/>
+        <p14:creationId xmlns:p14="http://schemas.microsoft.com/office/powerpoint/2010/main" val="1183750541"/>
       </p:ext>
     </p:extLst>
   </p:cSld>
@@ -23489,71 +23305,10 @@
           </a:p>
         </p:txBody>
       </p:sp>
-      <p:sp>
-        <p:nvSpPr>
-          <p:cNvPr id="7" name="Rectangular Callout 6">
-            <a:extLst>
-              <a:ext uri="{FF2B5EF4-FFF2-40B4-BE49-F238E27FC236}">
-                <a16:creationId xmlns:a16="http://schemas.microsoft.com/office/drawing/2014/main" id="{EFBAEB96-1593-4D4F-BD36-6B9EB33A03CD}"/>
-              </a:ext>
-            </a:extLst>
-          </p:cNvPr>
-          <p:cNvSpPr/>
-          <p:nvPr/>
-        </p:nvSpPr>
-        <p:spPr>
-          <a:xfrm>
-            <a:off x="683568" y="2132856"/>
-            <a:ext cx="1800200" cy="577389"/>
-          </a:xfrm>
-          <a:prstGeom prst="wedgeRectCallout">
-            <a:avLst>
-              <a:gd name="adj1" fmla="val -16478"/>
-              <a:gd name="adj2" fmla="val 80132"/>
-            </a:avLst>
-          </a:prstGeom>
-        </p:spPr>
-        <p:style>
-          <a:lnRef idx="2">
-            <a:schemeClr val="accent2"/>
-          </a:lnRef>
-          <a:fillRef idx="1">
-            <a:schemeClr val="lt1"/>
-          </a:fillRef>
-          <a:effectRef idx="0">
-            <a:schemeClr val="accent2"/>
-          </a:effectRef>
-          <a:fontRef idx="minor">
-            <a:schemeClr val="dk1"/>
-          </a:fontRef>
-        </p:style>
-        <p:txBody>
-          <a:bodyPr anchor="ctr"/>
-          <a:lstStyle/>
-          <a:p>
-            <a:pPr algn="ctr" eaLnBrk="1" hangingPunct="1">
-              <a:defRPr/>
-            </a:pPr>
-            <a:r>
-              <a:rPr lang="en-GB" dirty="0"/>
-              <a:t>No variable </a:t>
-            </a:r>
-          </a:p>
-          <a:p>
-            <a:pPr algn="ctr" eaLnBrk="1" hangingPunct="1">
-              <a:defRPr/>
-            </a:pPr>
-            <a:r>
-              <a:rPr lang="en-GB" dirty="0"/>
-              <a:t>re-assignment</a:t>
-            </a:r>
-          </a:p>
-        </p:txBody>
-      </p:sp>
     </p:spTree>
     <p:extLst>
       <p:ext uri="{BB962C8B-B14F-4D97-AF65-F5344CB8AC3E}">
-        <p14:creationId xmlns:p14="http://schemas.microsoft.com/office/powerpoint/2010/main" val="3562755842"/>
+        <p14:creationId xmlns:p14="http://schemas.microsoft.com/office/powerpoint/2010/main" val="720764584"/>
       </p:ext>
     </p:extLst>
   </p:cSld>
@@ -24189,58 +23944,6 @@
       </p:sp>
       <p:sp>
         <p:nvSpPr>
-          <p:cNvPr id="5" name="Rectangular Callout 4">
-            <a:extLst>
-              <a:ext uri="{FF2B5EF4-FFF2-40B4-BE49-F238E27FC236}">
-                <a16:creationId xmlns:a16="http://schemas.microsoft.com/office/drawing/2014/main" id="{9C291656-F8C0-CA41-9E1C-8C2AD0307295}"/>
-              </a:ext>
-            </a:extLst>
-          </p:cNvPr>
-          <p:cNvSpPr/>
-          <p:nvPr/>
-        </p:nvSpPr>
-        <p:spPr>
-          <a:xfrm>
-            <a:off x="6335688" y="2617073"/>
-            <a:ext cx="2808312" cy="793413"/>
-          </a:xfrm>
-          <a:prstGeom prst="wedgeRectCallout">
-            <a:avLst>
-              <a:gd name="adj1" fmla="val -93530"/>
-              <a:gd name="adj2" fmla="val -14548"/>
-            </a:avLst>
-          </a:prstGeom>
-        </p:spPr>
-        <p:style>
-          <a:lnRef idx="2">
-            <a:schemeClr val="accent2"/>
-          </a:lnRef>
-          <a:fillRef idx="1">
-            <a:schemeClr val="lt1"/>
-          </a:fillRef>
-          <a:effectRef idx="0">
-            <a:schemeClr val="accent2"/>
-          </a:effectRef>
-          <a:fontRef idx="minor">
-            <a:schemeClr val="dk1"/>
-          </a:fontRef>
-        </p:style>
-        <p:txBody>
-          <a:bodyPr anchor="ctr"/>
-          <a:lstStyle/>
-          <a:p>
-            <a:pPr algn="ctr" eaLnBrk="1" hangingPunct="1">
-              <a:defRPr/>
-            </a:pPr>
-            <a:r>
-              <a:rPr lang="en-GB" dirty="0"/>
-              <a:t>Only need to pass in things to add</a:t>
-            </a:r>
-          </a:p>
-        </p:txBody>
-      </p:sp>
-      <p:sp>
-        <p:nvSpPr>
           <p:cNvPr id="7" name="Rectangular Callout 6">
             <a:extLst>
               <a:ext uri="{FF2B5EF4-FFF2-40B4-BE49-F238E27FC236}">
@@ -24303,7 +24006,7 @@
     </p:spTree>
     <p:extLst>
       <p:ext uri="{BB962C8B-B14F-4D97-AF65-F5344CB8AC3E}">
-        <p14:creationId xmlns:p14="http://schemas.microsoft.com/office/powerpoint/2010/main" val="2603657408"/>
+        <p14:creationId xmlns:p14="http://schemas.microsoft.com/office/powerpoint/2010/main" val="3562755842"/>
       </p:ext>
     </p:extLst>
   </p:cSld>
@@ -24660,6 +24363,756 @@
 </file>
 
 <file path=ppt/slides/slide30.xml><?xml version="1.0" encoding="utf-8"?>
+<p:sld xmlns:a="http://schemas.openxmlformats.org/drawingml/2006/main" xmlns:r="http://schemas.openxmlformats.org/officeDocument/2006/relationships" xmlns:p="http://schemas.openxmlformats.org/presentationml/2006/main">
+  <p:cSld>
+    <p:spTree>
+      <p:nvGrpSpPr>
+        <p:cNvPr id="1" name=""/>
+        <p:cNvGrpSpPr/>
+        <p:nvPr/>
+      </p:nvGrpSpPr>
+      <p:grpSpPr>
+        <a:xfrm>
+          <a:off x="0" y="0"/>
+          <a:ext cx="0" cy="0"/>
+          <a:chOff x="0" y="0"/>
+          <a:chExt cx="0" cy="0"/>
+        </a:xfrm>
+      </p:grpSpPr>
+      <p:sp>
+        <p:nvSpPr>
+          <p:cNvPr id="20482" name="Title 1"/>
+          <p:cNvSpPr>
+            <a:spLocks noGrp="1"/>
+          </p:cNvSpPr>
+          <p:nvPr>
+            <p:ph type="title" idx="4294967295"/>
+          </p:nvPr>
+        </p:nvSpPr>
+        <p:spPr>
+          <a:xfrm>
+            <a:off x="374650" y="274638"/>
+            <a:ext cx="8229600" cy="1143000"/>
+          </a:xfrm>
+        </p:spPr>
+        <p:txBody>
+          <a:bodyPr/>
+          <a:lstStyle/>
+          <a:p>
+            <a:r>
+              <a:rPr lang="en-GB" altLang="en-US" dirty="0"/>
+              <a:t>A worked example: Using classes</a:t>
+            </a:r>
+          </a:p>
+        </p:txBody>
+      </p:sp>
+      <p:sp>
+        <p:nvSpPr>
+          <p:cNvPr id="20483" name="Text Box 2"/>
+          <p:cNvSpPr txBox="1">
+            <a:spLocks noChangeArrowheads="1"/>
+          </p:cNvSpPr>
+          <p:nvPr/>
+        </p:nvSpPr>
+        <p:spPr bwMode="auto">
+          <a:xfrm>
+            <a:off x="251520" y="1462368"/>
+            <a:ext cx="7775575" cy="4430713"/>
+          </a:xfrm>
+          <a:prstGeom prst="rect">
+            <a:avLst/>
+          </a:prstGeom>
+          <a:noFill/>
+          <a:ln>
+            <a:noFill/>
+          </a:ln>
+          <a:extLst>
+            <a:ext uri="{909E8E84-426E-40DD-AFC4-6F175D3DCCD1}">
+              <a14:hiddenFill xmlns:a14="http://schemas.microsoft.com/office/drawing/2010/main">
+                <a:solidFill>
+                  <a:srgbClr val="FFFFFF"/>
+                </a:solidFill>
+              </a14:hiddenFill>
+            </a:ext>
+            <a:ext uri="{91240B29-F687-4F45-9708-019B960494DF}">
+              <a14:hiddenLine xmlns:a14="http://schemas.microsoft.com/office/drawing/2010/main" w="9525">
+                <a:solidFill>
+                  <a:srgbClr val="000000"/>
+                </a:solidFill>
+                <a:round/>
+                <a:headEnd/>
+                <a:tailEnd/>
+              </a14:hiddenLine>
+            </a:ext>
+          </a:extLst>
+        </p:spPr>
+        <p:txBody>
+          <a:bodyPr wrap="none" lIns="81639" tIns="40820" rIns="81639" bIns="40820"/>
+          <a:lstStyle>
+            <a:lvl1pPr>
+              <a:lnSpc>
+                <a:spcPct val="90000"/>
+              </a:lnSpc>
+              <a:spcBef>
+                <a:spcPts val="1000"/>
+              </a:spcBef>
+              <a:buFont typeface="Arial" panose="020B0604020202020204" pitchFamily="34" charset="0"/>
+              <a:buChar char="•"/>
+              <a:tabLst>
+                <a:tab pos="655638" algn="l"/>
+                <a:tab pos="1312863" algn="l"/>
+                <a:tab pos="1968500" algn="l"/>
+                <a:tab pos="2625725" algn="l"/>
+                <a:tab pos="3282950" algn="l"/>
+                <a:tab pos="3938588" algn="l"/>
+                <a:tab pos="4595813" algn="l"/>
+                <a:tab pos="5253038" algn="l"/>
+                <a:tab pos="5908675" algn="l"/>
+                <a:tab pos="6565900" algn="l"/>
+                <a:tab pos="7223125" algn="l"/>
+              </a:tabLst>
+              <a:defRPr sz="2800">
+                <a:solidFill>
+                  <a:schemeClr val="tx1"/>
+                </a:solidFill>
+                <a:latin typeface="Calibri" panose="020F0502020204030204" pitchFamily="34" charset="0"/>
+              </a:defRPr>
+            </a:lvl1pPr>
+            <a:lvl2pPr marL="742950" indent="-285750">
+              <a:lnSpc>
+                <a:spcPct val="90000"/>
+              </a:lnSpc>
+              <a:spcBef>
+                <a:spcPts val="500"/>
+              </a:spcBef>
+              <a:buFont typeface="Arial" panose="020B0604020202020204" pitchFamily="34" charset="0"/>
+              <a:buChar char="•"/>
+              <a:tabLst>
+                <a:tab pos="655638" algn="l"/>
+                <a:tab pos="1312863" algn="l"/>
+                <a:tab pos="1968500" algn="l"/>
+                <a:tab pos="2625725" algn="l"/>
+                <a:tab pos="3282950" algn="l"/>
+                <a:tab pos="3938588" algn="l"/>
+                <a:tab pos="4595813" algn="l"/>
+                <a:tab pos="5253038" algn="l"/>
+                <a:tab pos="5908675" algn="l"/>
+                <a:tab pos="6565900" algn="l"/>
+                <a:tab pos="7223125" algn="l"/>
+              </a:tabLst>
+              <a:defRPr sz="2400">
+                <a:solidFill>
+                  <a:schemeClr val="tx1"/>
+                </a:solidFill>
+                <a:latin typeface="Calibri" panose="020F0502020204030204" pitchFamily="34" charset="0"/>
+              </a:defRPr>
+            </a:lvl2pPr>
+            <a:lvl3pPr marL="1143000" indent="-228600">
+              <a:lnSpc>
+                <a:spcPct val="90000"/>
+              </a:lnSpc>
+              <a:spcBef>
+                <a:spcPts val="500"/>
+              </a:spcBef>
+              <a:buFont typeface="Arial" panose="020B0604020202020204" pitchFamily="34" charset="0"/>
+              <a:buChar char="•"/>
+              <a:tabLst>
+                <a:tab pos="655638" algn="l"/>
+                <a:tab pos="1312863" algn="l"/>
+                <a:tab pos="1968500" algn="l"/>
+                <a:tab pos="2625725" algn="l"/>
+                <a:tab pos="3282950" algn="l"/>
+                <a:tab pos="3938588" algn="l"/>
+                <a:tab pos="4595813" algn="l"/>
+                <a:tab pos="5253038" algn="l"/>
+                <a:tab pos="5908675" algn="l"/>
+                <a:tab pos="6565900" algn="l"/>
+                <a:tab pos="7223125" algn="l"/>
+              </a:tabLst>
+              <a:defRPr sz="2000">
+                <a:solidFill>
+                  <a:schemeClr val="tx1"/>
+                </a:solidFill>
+                <a:latin typeface="Calibri" panose="020F0502020204030204" pitchFamily="34" charset="0"/>
+              </a:defRPr>
+            </a:lvl3pPr>
+            <a:lvl4pPr marL="1600200" indent="-228600">
+              <a:lnSpc>
+                <a:spcPct val="90000"/>
+              </a:lnSpc>
+              <a:spcBef>
+                <a:spcPts val="500"/>
+              </a:spcBef>
+              <a:buFont typeface="Arial" panose="020B0604020202020204" pitchFamily="34" charset="0"/>
+              <a:buChar char="•"/>
+              <a:tabLst>
+                <a:tab pos="655638" algn="l"/>
+                <a:tab pos="1312863" algn="l"/>
+                <a:tab pos="1968500" algn="l"/>
+                <a:tab pos="2625725" algn="l"/>
+                <a:tab pos="3282950" algn="l"/>
+                <a:tab pos="3938588" algn="l"/>
+                <a:tab pos="4595813" algn="l"/>
+                <a:tab pos="5253038" algn="l"/>
+                <a:tab pos="5908675" algn="l"/>
+                <a:tab pos="6565900" algn="l"/>
+                <a:tab pos="7223125" algn="l"/>
+              </a:tabLst>
+              <a:defRPr>
+                <a:solidFill>
+                  <a:schemeClr val="tx1"/>
+                </a:solidFill>
+                <a:latin typeface="Calibri" panose="020F0502020204030204" pitchFamily="34" charset="0"/>
+              </a:defRPr>
+            </a:lvl4pPr>
+            <a:lvl5pPr marL="2057400" indent="-228600">
+              <a:lnSpc>
+                <a:spcPct val="90000"/>
+              </a:lnSpc>
+              <a:spcBef>
+                <a:spcPts val="500"/>
+              </a:spcBef>
+              <a:buFont typeface="Arial" panose="020B0604020202020204" pitchFamily="34" charset="0"/>
+              <a:buChar char="•"/>
+              <a:tabLst>
+                <a:tab pos="655638" algn="l"/>
+                <a:tab pos="1312863" algn="l"/>
+                <a:tab pos="1968500" algn="l"/>
+                <a:tab pos="2625725" algn="l"/>
+                <a:tab pos="3282950" algn="l"/>
+                <a:tab pos="3938588" algn="l"/>
+                <a:tab pos="4595813" algn="l"/>
+                <a:tab pos="5253038" algn="l"/>
+                <a:tab pos="5908675" algn="l"/>
+                <a:tab pos="6565900" algn="l"/>
+                <a:tab pos="7223125" algn="l"/>
+              </a:tabLst>
+              <a:defRPr>
+                <a:solidFill>
+                  <a:schemeClr val="tx1"/>
+                </a:solidFill>
+                <a:latin typeface="Calibri" panose="020F0502020204030204" pitchFamily="34" charset="0"/>
+              </a:defRPr>
+            </a:lvl5pPr>
+            <a:lvl6pPr marL="2514600" indent="-228600" fontAlgn="base">
+              <a:lnSpc>
+                <a:spcPct val="90000"/>
+              </a:lnSpc>
+              <a:spcBef>
+                <a:spcPts val="500"/>
+              </a:spcBef>
+              <a:spcAft>
+                <a:spcPct val="0"/>
+              </a:spcAft>
+              <a:buFont typeface="Arial" panose="020B0604020202020204" pitchFamily="34" charset="0"/>
+              <a:buChar char="•"/>
+              <a:tabLst>
+                <a:tab pos="655638" algn="l"/>
+                <a:tab pos="1312863" algn="l"/>
+                <a:tab pos="1968500" algn="l"/>
+                <a:tab pos="2625725" algn="l"/>
+                <a:tab pos="3282950" algn="l"/>
+                <a:tab pos="3938588" algn="l"/>
+                <a:tab pos="4595813" algn="l"/>
+                <a:tab pos="5253038" algn="l"/>
+                <a:tab pos="5908675" algn="l"/>
+                <a:tab pos="6565900" algn="l"/>
+                <a:tab pos="7223125" algn="l"/>
+              </a:tabLst>
+              <a:defRPr>
+                <a:solidFill>
+                  <a:schemeClr val="tx1"/>
+                </a:solidFill>
+                <a:latin typeface="Calibri" panose="020F0502020204030204" pitchFamily="34" charset="0"/>
+              </a:defRPr>
+            </a:lvl6pPr>
+            <a:lvl7pPr marL="2971800" indent="-228600" fontAlgn="base">
+              <a:lnSpc>
+                <a:spcPct val="90000"/>
+              </a:lnSpc>
+              <a:spcBef>
+                <a:spcPts val="500"/>
+              </a:spcBef>
+              <a:spcAft>
+                <a:spcPct val="0"/>
+              </a:spcAft>
+              <a:buFont typeface="Arial" panose="020B0604020202020204" pitchFamily="34" charset="0"/>
+              <a:buChar char="•"/>
+              <a:tabLst>
+                <a:tab pos="655638" algn="l"/>
+                <a:tab pos="1312863" algn="l"/>
+                <a:tab pos="1968500" algn="l"/>
+                <a:tab pos="2625725" algn="l"/>
+                <a:tab pos="3282950" algn="l"/>
+                <a:tab pos="3938588" algn="l"/>
+                <a:tab pos="4595813" algn="l"/>
+                <a:tab pos="5253038" algn="l"/>
+                <a:tab pos="5908675" algn="l"/>
+                <a:tab pos="6565900" algn="l"/>
+                <a:tab pos="7223125" algn="l"/>
+              </a:tabLst>
+              <a:defRPr>
+                <a:solidFill>
+                  <a:schemeClr val="tx1"/>
+                </a:solidFill>
+                <a:latin typeface="Calibri" panose="020F0502020204030204" pitchFamily="34" charset="0"/>
+              </a:defRPr>
+            </a:lvl7pPr>
+            <a:lvl8pPr marL="3429000" indent="-228600" fontAlgn="base">
+              <a:lnSpc>
+                <a:spcPct val="90000"/>
+              </a:lnSpc>
+              <a:spcBef>
+                <a:spcPts val="500"/>
+              </a:spcBef>
+              <a:spcAft>
+                <a:spcPct val="0"/>
+              </a:spcAft>
+              <a:buFont typeface="Arial" panose="020B0604020202020204" pitchFamily="34" charset="0"/>
+              <a:buChar char="•"/>
+              <a:tabLst>
+                <a:tab pos="655638" algn="l"/>
+                <a:tab pos="1312863" algn="l"/>
+                <a:tab pos="1968500" algn="l"/>
+                <a:tab pos="2625725" algn="l"/>
+                <a:tab pos="3282950" algn="l"/>
+                <a:tab pos="3938588" algn="l"/>
+                <a:tab pos="4595813" algn="l"/>
+                <a:tab pos="5253038" algn="l"/>
+                <a:tab pos="5908675" algn="l"/>
+                <a:tab pos="6565900" algn="l"/>
+                <a:tab pos="7223125" algn="l"/>
+              </a:tabLst>
+              <a:defRPr>
+                <a:solidFill>
+                  <a:schemeClr val="tx1"/>
+                </a:solidFill>
+                <a:latin typeface="Calibri" panose="020F0502020204030204" pitchFamily="34" charset="0"/>
+              </a:defRPr>
+            </a:lvl8pPr>
+            <a:lvl9pPr marL="3886200" indent="-228600" fontAlgn="base">
+              <a:lnSpc>
+                <a:spcPct val="90000"/>
+              </a:lnSpc>
+              <a:spcBef>
+                <a:spcPts val="500"/>
+              </a:spcBef>
+              <a:spcAft>
+                <a:spcPct val="0"/>
+              </a:spcAft>
+              <a:buFont typeface="Arial" panose="020B0604020202020204" pitchFamily="34" charset="0"/>
+              <a:buChar char="•"/>
+              <a:tabLst>
+                <a:tab pos="655638" algn="l"/>
+                <a:tab pos="1312863" algn="l"/>
+                <a:tab pos="1968500" algn="l"/>
+                <a:tab pos="2625725" algn="l"/>
+                <a:tab pos="3282950" algn="l"/>
+                <a:tab pos="3938588" algn="l"/>
+                <a:tab pos="4595813" algn="l"/>
+                <a:tab pos="5253038" algn="l"/>
+                <a:tab pos="5908675" algn="l"/>
+                <a:tab pos="6565900" algn="l"/>
+                <a:tab pos="7223125" algn="l"/>
+              </a:tabLst>
+              <a:defRPr>
+                <a:solidFill>
+                  <a:schemeClr val="tx1"/>
+                </a:solidFill>
+                <a:latin typeface="Calibri" panose="020F0502020204030204" pitchFamily="34" charset="0"/>
+              </a:defRPr>
+            </a:lvl9pPr>
+          </a:lstStyle>
+          <a:p>
+            <a:pPr eaLnBrk="1" hangingPunct="1">
+              <a:lnSpc>
+                <a:spcPct val="125000"/>
+              </a:lnSpc>
+              <a:spcBef>
+                <a:spcPct val="0"/>
+              </a:spcBef>
+              <a:buNone/>
+            </a:pPr>
+            <a:r>
+              <a:rPr lang="en-US" altLang="en-US" sz="1600" dirty="0" err="1">
+                <a:latin typeface="Courier New" panose="02070309020205020404" pitchFamily="49" charset="0"/>
+                <a:cs typeface="Courier New" panose="02070309020205020404" pitchFamily="49" charset="0"/>
+              </a:rPr>
+              <a:t>temp_store</a:t>
+            </a:r>
+            <a:r>
+              <a:rPr lang="en-US" altLang="en-US" sz="1600" dirty="0">
+                <a:latin typeface="Courier New" panose="02070309020205020404" pitchFamily="49" charset="0"/>
+                <a:cs typeface="Courier New" panose="02070309020205020404" pitchFamily="49" charset="0"/>
+              </a:rPr>
+              <a:t> = </a:t>
+            </a:r>
+            <a:r>
+              <a:rPr lang="en-US" altLang="en-US" sz="1600" dirty="0" err="1">
+                <a:latin typeface="Courier New" panose="02070309020205020404" pitchFamily="49" charset="0"/>
+                <a:cs typeface="Courier New" panose="02070309020205020404" pitchFamily="49" charset="0"/>
+              </a:rPr>
+              <a:t>DataStore</a:t>
+            </a:r>
+            <a:r>
+              <a:rPr lang="en-US" altLang="en-US" sz="1600" dirty="0">
+                <a:latin typeface="Courier New" panose="02070309020205020404" pitchFamily="49" charset="0"/>
+                <a:cs typeface="Courier New" panose="02070309020205020404" pitchFamily="49" charset="0"/>
+              </a:rPr>
+              <a:t>()</a:t>
+            </a:r>
+            <a:br>
+              <a:rPr lang="en-US" altLang="en-US" sz="1600" dirty="0">
+                <a:latin typeface="Courier New" panose="02070309020205020404" pitchFamily="49" charset="0"/>
+                <a:cs typeface="Courier New" panose="02070309020205020404" pitchFamily="49" charset="0"/>
+              </a:rPr>
+            </a:br>
+            <a:br>
+              <a:rPr lang="en-US" altLang="en-US" sz="1600" dirty="0">
+                <a:latin typeface="Courier New" panose="02070309020205020404" pitchFamily="49" charset="0"/>
+                <a:cs typeface="Courier New" panose="02070309020205020404" pitchFamily="49" charset="0"/>
+              </a:rPr>
+            </a:br>
+            <a:r>
+              <a:rPr lang="en-US" altLang="en-US" sz="1600" dirty="0">
+                <a:latin typeface="Courier New" panose="02070309020205020404" pitchFamily="49" charset="0"/>
+                <a:cs typeface="Courier New" panose="02070309020205020404" pitchFamily="49" charset="0"/>
+              </a:rPr>
+              <a:t>for </a:t>
+            </a:r>
+            <a:r>
+              <a:rPr lang="en-US" altLang="en-US" sz="1600" dirty="0" err="1">
+                <a:latin typeface="Courier New" panose="02070309020205020404" pitchFamily="49" charset="0"/>
+                <a:cs typeface="Courier New" panose="02070309020205020404" pitchFamily="49" charset="0"/>
+              </a:rPr>
+              <a:t>i</a:t>
+            </a:r>
+            <a:r>
+              <a:rPr lang="en-US" altLang="en-US" sz="1600" dirty="0">
+                <a:latin typeface="Courier New" panose="02070309020205020404" pitchFamily="49" charset="0"/>
+                <a:cs typeface="Courier New" panose="02070309020205020404" pitchFamily="49" charset="0"/>
+              </a:rPr>
+              <a:t> in range(1,32):</a:t>
+            </a:r>
+            <a:br>
+              <a:rPr lang="en-US" altLang="en-US" sz="1600" dirty="0">
+                <a:latin typeface="Courier New" panose="02070309020205020404" pitchFamily="49" charset="0"/>
+                <a:cs typeface="Courier New" panose="02070309020205020404" pitchFamily="49" charset="0"/>
+              </a:rPr>
+            </a:br>
+            <a:r>
+              <a:rPr lang="en-US" altLang="en-US" sz="1600" dirty="0">
+                <a:latin typeface="Courier New" panose="02070309020205020404" pitchFamily="49" charset="0"/>
+                <a:cs typeface="Courier New" panose="02070309020205020404" pitchFamily="49" charset="0"/>
+              </a:rPr>
+              <a:t>    date = f'2021-05-{</a:t>
+            </a:r>
+            <a:r>
+              <a:rPr lang="en-US" altLang="en-US" sz="1600" dirty="0" err="1">
+                <a:latin typeface="Courier New" panose="02070309020205020404" pitchFamily="49" charset="0"/>
+                <a:cs typeface="Courier New" panose="02070309020205020404" pitchFamily="49" charset="0"/>
+              </a:rPr>
+              <a:t>i</a:t>
+            </a:r>
+            <a:r>
+              <a:rPr lang="en-US" altLang="en-US" sz="1600" dirty="0">
+                <a:latin typeface="Courier New" panose="02070309020205020404" pitchFamily="49" charset="0"/>
+                <a:cs typeface="Courier New" panose="02070309020205020404" pitchFamily="49" charset="0"/>
+              </a:rPr>
+              <a:t>}'</a:t>
+            </a:r>
+            <a:br>
+              <a:rPr lang="en-US" altLang="en-US" sz="1600" dirty="0">
+                <a:latin typeface="Courier New" panose="02070309020205020404" pitchFamily="49" charset="0"/>
+                <a:cs typeface="Courier New" panose="02070309020205020404" pitchFamily="49" charset="0"/>
+              </a:rPr>
+            </a:br>
+            <a:r>
+              <a:rPr lang="en-US" altLang="en-US" sz="1600" dirty="0">
+                <a:latin typeface="Courier New" panose="02070309020205020404" pitchFamily="49" charset="0"/>
+                <a:cs typeface="Courier New" panose="02070309020205020404" pitchFamily="49" charset="0"/>
+              </a:rPr>
+              <a:t>    </a:t>
+            </a:r>
+            <a:r>
+              <a:rPr lang="en-US" altLang="en-US" sz="1600" dirty="0" err="1">
+                <a:latin typeface="Courier New" panose="02070309020205020404" pitchFamily="49" charset="0"/>
+                <a:cs typeface="Courier New" panose="02070309020205020404" pitchFamily="49" charset="0"/>
+              </a:rPr>
+              <a:t>temp_store.add_measurement</a:t>
+            </a:r>
+            <a:r>
+              <a:rPr lang="en-US" altLang="en-US" sz="1600" dirty="0">
+                <a:latin typeface="Courier New" panose="02070309020205020404" pitchFamily="49" charset="0"/>
+                <a:cs typeface="Courier New" panose="02070309020205020404" pitchFamily="49" charset="0"/>
+              </a:rPr>
+              <a:t>(</a:t>
+            </a:r>
+            <a:r>
+              <a:rPr lang="en-US" altLang="en-US" sz="1600" dirty="0" err="1">
+                <a:latin typeface="Courier New" panose="02070309020205020404" pitchFamily="49" charset="0"/>
+                <a:cs typeface="Courier New" panose="02070309020205020404" pitchFamily="49" charset="0"/>
+              </a:rPr>
+              <a:t>date,i</a:t>
+            </a:r>
+            <a:r>
+              <a:rPr lang="en-US" altLang="en-US" sz="1600" dirty="0">
+                <a:latin typeface="Courier New" panose="02070309020205020404" pitchFamily="49" charset="0"/>
+                <a:cs typeface="Courier New" panose="02070309020205020404" pitchFamily="49" charset="0"/>
+              </a:rPr>
+              <a:t>)</a:t>
+            </a:r>
+            <a:br>
+              <a:rPr lang="en-US" altLang="en-US" sz="1600" dirty="0">
+                <a:latin typeface="Courier New" panose="02070309020205020404" pitchFamily="49" charset="0"/>
+                <a:cs typeface="Courier New" panose="02070309020205020404" pitchFamily="49" charset="0"/>
+              </a:rPr>
+            </a:br>
+            <a:br>
+              <a:rPr lang="en-US" altLang="en-US" sz="1600" dirty="0">
+                <a:latin typeface="Courier New" panose="02070309020205020404" pitchFamily="49" charset="0"/>
+                <a:cs typeface="Courier New" panose="02070309020205020404" pitchFamily="49" charset="0"/>
+              </a:rPr>
+            </a:br>
+            <a:r>
+              <a:rPr lang="en-US" altLang="en-US" sz="1600" dirty="0">
+                <a:latin typeface="Courier New" panose="02070309020205020404" pitchFamily="49" charset="0"/>
+                <a:cs typeface="Courier New" panose="02070309020205020404" pitchFamily="49" charset="0"/>
+              </a:rPr>
+              <a:t># Print the temps</a:t>
+            </a:r>
+            <a:br>
+              <a:rPr lang="en-US" altLang="en-US" sz="1600" dirty="0">
+                <a:latin typeface="Courier New" panose="02070309020205020404" pitchFamily="49" charset="0"/>
+                <a:cs typeface="Courier New" panose="02070309020205020404" pitchFamily="49" charset="0"/>
+              </a:rPr>
+            </a:br>
+            <a:r>
+              <a:rPr lang="en-US" altLang="en-US" sz="1600" dirty="0" err="1">
+                <a:latin typeface="Courier New" panose="02070309020205020404" pitchFamily="49" charset="0"/>
+                <a:cs typeface="Courier New" panose="02070309020205020404" pitchFamily="49" charset="0"/>
+              </a:rPr>
+              <a:t>temp_store.print_measurements</a:t>
+            </a:r>
+            <a:r>
+              <a:rPr lang="en-US" altLang="en-US" sz="1600" dirty="0">
+                <a:latin typeface="Courier New" panose="02070309020205020404" pitchFamily="49" charset="0"/>
+                <a:cs typeface="Courier New" panose="02070309020205020404" pitchFamily="49" charset="0"/>
+              </a:rPr>
+              <a:t>()</a:t>
+            </a:r>
+            <a:br>
+              <a:rPr lang="en-US" altLang="en-US" sz="1600" dirty="0">
+                <a:latin typeface="Courier New" panose="02070309020205020404" pitchFamily="49" charset="0"/>
+                <a:cs typeface="Courier New" panose="02070309020205020404" pitchFamily="49" charset="0"/>
+              </a:rPr>
+            </a:br>
+            <a:br>
+              <a:rPr lang="en-US" altLang="en-US" sz="1600" dirty="0">
+                <a:latin typeface="Courier New" panose="02070309020205020404" pitchFamily="49" charset="0"/>
+                <a:cs typeface="Courier New" panose="02070309020205020404" pitchFamily="49" charset="0"/>
+              </a:rPr>
+            </a:br>
+            <a:endParaRPr lang="en-US" altLang="en-US" sz="1600" dirty="0">
+              <a:latin typeface="Courier New" panose="02070309020205020404" pitchFamily="49" charset="0"/>
+              <a:cs typeface="Courier New" panose="02070309020205020404" pitchFamily="49" charset="0"/>
+            </a:endParaRPr>
+          </a:p>
+        </p:txBody>
+      </p:sp>
+      <p:sp>
+        <p:nvSpPr>
+          <p:cNvPr id="9" name="Rectangular Callout 8">
+            <a:extLst>
+              <a:ext uri="{FF2B5EF4-FFF2-40B4-BE49-F238E27FC236}">
+                <a16:creationId xmlns:a16="http://schemas.microsoft.com/office/drawing/2014/main" id="{51BA2C2F-0303-934F-A8E4-F73084F6CB06}"/>
+              </a:ext>
+            </a:extLst>
+          </p:cNvPr>
+          <p:cNvSpPr/>
+          <p:nvPr/>
+        </p:nvSpPr>
+        <p:spPr>
+          <a:xfrm>
+            <a:off x="4899619" y="1288514"/>
+            <a:ext cx="3384376" cy="920333"/>
+          </a:xfrm>
+          <a:prstGeom prst="wedgeRectCallout">
+            <a:avLst>
+              <a:gd name="adj1" fmla="val -93530"/>
+              <a:gd name="adj2" fmla="val -14548"/>
+            </a:avLst>
+          </a:prstGeom>
+        </p:spPr>
+        <p:style>
+          <a:lnRef idx="2">
+            <a:schemeClr val="accent2"/>
+          </a:lnRef>
+          <a:fillRef idx="1">
+            <a:schemeClr val="lt1"/>
+          </a:fillRef>
+          <a:effectRef idx="0">
+            <a:schemeClr val="accent2"/>
+          </a:effectRef>
+          <a:fontRef idx="minor">
+            <a:schemeClr val="dk1"/>
+          </a:fontRef>
+        </p:style>
+        <p:txBody>
+          <a:bodyPr anchor="ctr"/>
+          <a:lstStyle/>
+          <a:p>
+            <a:pPr algn="ctr" eaLnBrk="1" hangingPunct="1">
+              <a:defRPr/>
+            </a:pPr>
+            <a:r>
+              <a:rPr lang="en-GB" dirty="0"/>
+              <a:t>Create instance of </a:t>
+            </a:r>
+            <a:r>
+              <a:rPr lang="en-GB" dirty="0" err="1"/>
+              <a:t>DataStore</a:t>
+            </a:r>
+            <a:endParaRPr lang="en-GB" dirty="0"/>
+          </a:p>
+          <a:p>
+            <a:pPr algn="ctr" eaLnBrk="1" hangingPunct="1">
+              <a:defRPr/>
+            </a:pPr>
+            <a:r>
+              <a:rPr lang="en-GB" dirty="0"/>
+              <a:t>Shared data contained in class definition</a:t>
+            </a:r>
+          </a:p>
+        </p:txBody>
+      </p:sp>
+      <p:sp>
+        <p:nvSpPr>
+          <p:cNvPr id="5" name="Rectangular Callout 4">
+            <a:extLst>
+              <a:ext uri="{FF2B5EF4-FFF2-40B4-BE49-F238E27FC236}">
+                <a16:creationId xmlns:a16="http://schemas.microsoft.com/office/drawing/2014/main" id="{9C291656-F8C0-CA41-9E1C-8C2AD0307295}"/>
+              </a:ext>
+            </a:extLst>
+          </p:cNvPr>
+          <p:cNvSpPr/>
+          <p:nvPr/>
+        </p:nvSpPr>
+        <p:spPr>
+          <a:xfrm>
+            <a:off x="6335688" y="2617073"/>
+            <a:ext cx="2808312" cy="793413"/>
+          </a:xfrm>
+          <a:prstGeom prst="wedgeRectCallout">
+            <a:avLst>
+              <a:gd name="adj1" fmla="val -93530"/>
+              <a:gd name="adj2" fmla="val -14548"/>
+            </a:avLst>
+          </a:prstGeom>
+        </p:spPr>
+        <p:style>
+          <a:lnRef idx="2">
+            <a:schemeClr val="accent2"/>
+          </a:lnRef>
+          <a:fillRef idx="1">
+            <a:schemeClr val="lt1"/>
+          </a:fillRef>
+          <a:effectRef idx="0">
+            <a:schemeClr val="accent2"/>
+          </a:effectRef>
+          <a:fontRef idx="minor">
+            <a:schemeClr val="dk1"/>
+          </a:fontRef>
+        </p:style>
+        <p:txBody>
+          <a:bodyPr anchor="ctr"/>
+          <a:lstStyle/>
+          <a:p>
+            <a:pPr algn="ctr" eaLnBrk="1" hangingPunct="1">
+              <a:defRPr/>
+            </a:pPr>
+            <a:r>
+              <a:rPr lang="en-GB" dirty="0"/>
+              <a:t>Only need to pass in things to add</a:t>
+            </a:r>
+          </a:p>
+        </p:txBody>
+      </p:sp>
+      <p:sp>
+        <p:nvSpPr>
+          <p:cNvPr id="7" name="Rectangular Callout 6">
+            <a:extLst>
+              <a:ext uri="{FF2B5EF4-FFF2-40B4-BE49-F238E27FC236}">
+                <a16:creationId xmlns:a16="http://schemas.microsoft.com/office/drawing/2014/main" id="{EFBAEB96-1593-4D4F-BD36-6B9EB33A03CD}"/>
+              </a:ext>
+            </a:extLst>
+          </p:cNvPr>
+          <p:cNvSpPr/>
+          <p:nvPr/>
+        </p:nvSpPr>
+        <p:spPr>
+          <a:xfrm>
+            <a:off x="683568" y="2132856"/>
+            <a:ext cx="1800200" cy="577389"/>
+          </a:xfrm>
+          <a:prstGeom prst="wedgeRectCallout">
+            <a:avLst>
+              <a:gd name="adj1" fmla="val -16478"/>
+              <a:gd name="adj2" fmla="val 80132"/>
+            </a:avLst>
+          </a:prstGeom>
+        </p:spPr>
+        <p:style>
+          <a:lnRef idx="2">
+            <a:schemeClr val="accent2"/>
+          </a:lnRef>
+          <a:fillRef idx="1">
+            <a:schemeClr val="lt1"/>
+          </a:fillRef>
+          <a:effectRef idx="0">
+            <a:schemeClr val="accent2"/>
+          </a:effectRef>
+          <a:fontRef idx="minor">
+            <a:schemeClr val="dk1"/>
+          </a:fontRef>
+        </p:style>
+        <p:txBody>
+          <a:bodyPr anchor="ctr"/>
+          <a:lstStyle/>
+          <a:p>
+            <a:pPr algn="ctr" eaLnBrk="1" hangingPunct="1">
+              <a:defRPr/>
+            </a:pPr>
+            <a:r>
+              <a:rPr lang="en-GB" dirty="0"/>
+              <a:t>No variable </a:t>
+            </a:r>
+          </a:p>
+          <a:p>
+            <a:pPr algn="ctr" eaLnBrk="1" hangingPunct="1">
+              <a:defRPr/>
+            </a:pPr>
+            <a:r>
+              <a:rPr lang="en-GB" dirty="0"/>
+              <a:t>re-assignment</a:t>
+            </a:r>
+          </a:p>
+        </p:txBody>
+      </p:sp>
+    </p:spTree>
+    <p:extLst>
+      <p:ext uri="{BB962C8B-B14F-4D97-AF65-F5344CB8AC3E}">
+        <p14:creationId xmlns:p14="http://schemas.microsoft.com/office/powerpoint/2010/main" val="2603657408"/>
+      </p:ext>
+    </p:extLst>
+  </p:cSld>
+  <p:clrMapOvr>
+    <a:masterClrMapping/>
+  </p:clrMapOvr>
+</p:sld>
+</file>
+
+<file path=ppt/slides/slide31.xml><?xml version="1.0" encoding="utf-8"?>
 <p:sld xmlns:a="http://schemas.openxmlformats.org/drawingml/2006/main" xmlns:r="http://schemas.openxmlformats.org/officeDocument/2006/relationships" xmlns:p="http://schemas.openxmlformats.org/presentationml/2006/main">
   <p:cSld>
     <p:spTree>
@@ -25574,7 +26027,7 @@
 </p:sld>
 </file>
 
-<file path=ppt/slides/slide31.xml><?xml version="1.0" encoding="utf-8"?>
+<file path=ppt/slides/slide32.xml><?xml version="1.0" encoding="utf-8"?>
 <p:sld xmlns:a="http://schemas.openxmlformats.org/drawingml/2006/main" xmlns:r="http://schemas.openxmlformats.org/officeDocument/2006/relationships" xmlns:p="http://schemas.openxmlformats.org/presentationml/2006/main">
   <p:cSld>
     <p:spTree>
@@ -25939,7 +26392,7 @@
 </p:sld>
 </file>
 
-<file path=ppt/slides/slide32.xml><?xml version="1.0" encoding="utf-8"?>
+<file path=ppt/slides/slide33.xml><?xml version="1.0" encoding="utf-8"?>
 <p:sld xmlns:a="http://schemas.openxmlformats.org/drawingml/2006/main" xmlns:r="http://schemas.openxmlformats.org/officeDocument/2006/relationships" xmlns:p="http://schemas.openxmlformats.org/presentationml/2006/main">
   <p:cSld>
     <p:spTree>
@@ -26287,7 +26740,7 @@
 </p:sld>
 </file>
 
-<file path=ppt/slides/slide33.xml><?xml version="1.0" encoding="utf-8"?>
+<file path=ppt/slides/slide34.xml><?xml version="1.0" encoding="utf-8"?>
 <p:sld xmlns:a="http://schemas.openxmlformats.org/drawingml/2006/main" xmlns:r="http://schemas.openxmlformats.org/officeDocument/2006/relationships" xmlns:p="http://schemas.openxmlformats.org/presentationml/2006/main">
   <p:cSld>
     <p:spTree>
@@ -26806,7 +27259,7 @@
 </p:sld>
 </file>
 
-<file path=ppt/slides/slide34.xml><?xml version="1.0" encoding="utf-8"?>
+<file path=ppt/slides/slide35.xml><?xml version="1.0" encoding="utf-8"?>
 <p:sld xmlns:a="http://schemas.openxmlformats.org/drawingml/2006/main" xmlns:r="http://schemas.openxmlformats.org/officeDocument/2006/relationships" xmlns:p="http://schemas.openxmlformats.org/presentationml/2006/main">
   <p:cSld>
     <p:spTree>
@@ -27660,7 +28113,7 @@
 </p:sld>
 </file>
 
-<file path=ppt/slides/slide35.xml><?xml version="1.0" encoding="utf-8"?>
+<file path=ppt/slides/slide36.xml><?xml version="1.0" encoding="utf-8"?>
 <p:sld xmlns:a="http://schemas.openxmlformats.org/drawingml/2006/main" xmlns:r="http://schemas.openxmlformats.org/officeDocument/2006/relationships" xmlns:p="http://schemas.openxmlformats.org/presentationml/2006/main">
   <p:cSld>
     <p:spTree>
@@ -28258,7 +28711,7 @@
 </p:sld>
 </file>
 
-<file path=ppt/slides/slide36.xml><?xml version="1.0" encoding="utf-8"?>
+<file path=ppt/slides/slide37.xml><?xml version="1.0" encoding="utf-8"?>
 <p:sld xmlns:a="http://schemas.openxmlformats.org/drawingml/2006/main" xmlns:r="http://schemas.openxmlformats.org/officeDocument/2006/relationships" xmlns:p="http://schemas.openxmlformats.org/presentationml/2006/main">
   <p:cSld>
     <p:spTree>
@@ -29478,7 +29931,7 @@
 </p:sld>
 </file>
 
-<file path=ppt/slides/slide37.xml><?xml version="1.0" encoding="utf-8"?>
+<file path=ppt/slides/slide38.xml><?xml version="1.0" encoding="utf-8"?>
 <p:sld xmlns:a="http://schemas.openxmlformats.org/drawingml/2006/main" xmlns:r="http://schemas.openxmlformats.org/officeDocument/2006/relationships" xmlns:p="http://schemas.openxmlformats.org/presentationml/2006/main">
   <p:cSld>
     <p:spTree>
@@ -30337,878 +30790,6 @@
     <p:extLst>
       <p:ext uri="{BB962C8B-B14F-4D97-AF65-F5344CB8AC3E}">
         <p14:creationId xmlns:p14="http://schemas.microsoft.com/office/powerpoint/2010/main" val="3014404909"/>
-      </p:ext>
-    </p:extLst>
-  </p:cSld>
-  <p:clrMapOvr>
-    <a:masterClrMapping/>
-  </p:clrMapOvr>
-</p:sld>
-</file>
-
-<file path=ppt/slides/slide38.xml><?xml version="1.0" encoding="utf-8"?>
-<p:sld xmlns:a="http://schemas.openxmlformats.org/drawingml/2006/main" xmlns:r="http://schemas.openxmlformats.org/officeDocument/2006/relationships" xmlns:p="http://schemas.openxmlformats.org/presentationml/2006/main">
-  <p:cSld>
-    <p:spTree>
-      <p:nvGrpSpPr>
-        <p:cNvPr id="1" name=""/>
-        <p:cNvGrpSpPr/>
-        <p:nvPr/>
-      </p:nvGrpSpPr>
-      <p:grpSpPr>
-        <a:xfrm>
-          <a:off x="0" y="0"/>
-          <a:ext cx="0" cy="0"/>
-          <a:chOff x="0" y="0"/>
-          <a:chExt cx="0" cy="0"/>
-        </a:xfrm>
-      </p:grpSpPr>
-      <p:sp>
-        <p:nvSpPr>
-          <p:cNvPr id="20482" name="Title 1"/>
-          <p:cNvSpPr>
-            <a:spLocks noGrp="1"/>
-          </p:cNvSpPr>
-          <p:nvPr>
-            <p:ph type="title" idx="4294967295"/>
-          </p:nvPr>
-        </p:nvSpPr>
-        <p:spPr>
-          <a:xfrm>
-            <a:off x="374650" y="274638"/>
-            <a:ext cx="8229600" cy="1143000"/>
-          </a:xfrm>
-        </p:spPr>
-        <p:txBody>
-          <a:bodyPr/>
-          <a:lstStyle/>
-          <a:p>
-            <a:r>
-              <a:rPr lang="en-GB" altLang="en-US" dirty="0"/>
-              <a:t>Inheritance</a:t>
-            </a:r>
-          </a:p>
-        </p:txBody>
-      </p:sp>
-      <p:sp>
-        <p:nvSpPr>
-          <p:cNvPr id="20483" name="Text Box 2"/>
-          <p:cNvSpPr txBox="1">
-            <a:spLocks noChangeArrowheads="1"/>
-          </p:cNvSpPr>
-          <p:nvPr/>
-        </p:nvSpPr>
-        <p:spPr bwMode="auto">
-          <a:xfrm>
-            <a:off x="374650" y="1417638"/>
-            <a:ext cx="7920038" cy="4171602"/>
-          </a:xfrm>
-          <a:prstGeom prst="rect">
-            <a:avLst/>
-          </a:prstGeom>
-          <a:noFill/>
-          <a:ln>
-            <a:noFill/>
-          </a:ln>
-          <a:extLst>
-            <a:ext uri="{909E8E84-426E-40DD-AFC4-6F175D3DCCD1}">
-              <a14:hiddenFill xmlns:a14="http://schemas.microsoft.com/office/drawing/2010/main">
-                <a:solidFill>
-                  <a:srgbClr val="FFFFFF"/>
-                </a:solidFill>
-              </a14:hiddenFill>
-            </a:ext>
-            <a:ext uri="{91240B29-F687-4F45-9708-019B960494DF}">
-              <a14:hiddenLine xmlns:a14="http://schemas.microsoft.com/office/drawing/2010/main" w="9525">
-                <a:solidFill>
-                  <a:srgbClr val="000000"/>
-                </a:solidFill>
-                <a:round/>
-                <a:headEnd/>
-                <a:tailEnd/>
-              </a14:hiddenLine>
-            </a:ext>
-          </a:extLst>
-        </p:spPr>
-        <p:txBody>
-          <a:bodyPr wrap="none" lIns="81639" tIns="40820" rIns="81639" bIns="40820"/>
-          <a:lstStyle>
-            <a:lvl1pPr>
-              <a:lnSpc>
-                <a:spcPct val="90000"/>
-              </a:lnSpc>
-              <a:spcBef>
-                <a:spcPts val="1000"/>
-              </a:spcBef>
-              <a:buFont typeface="Arial" panose="020B0604020202020204" pitchFamily="34" charset="0"/>
-              <a:buChar char="•"/>
-              <a:tabLst>
-                <a:tab pos="655638" algn="l"/>
-                <a:tab pos="1312863" algn="l"/>
-                <a:tab pos="1968500" algn="l"/>
-                <a:tab pos="2625725" algn="l"/>
-                <a:tab pos="3282950" algn="l"/>
-                <a:tab pos="3938588" algn="l"/>
-                <a:tab pos="4595813" algn="l"/>
-                <a:tab pos="5253038" algn="l"/>
-                <a:tab pos="5908675" algn="l"/>
-                <a:tab pos="6565900" algn="l"/>
-                <a:tab pos="7223125" algn="l"/>
-              </a:tabLst>
-              <a:defRPr sz="2800">
-                <a:solidFill>
-                  <a:schemeClr val="tx1"/>
-                </a:solidFill>
-                <a:latin typeface="Calibri" panose="020F0502020204030204" pitchFamily="34" charset="0"/>
-              </a:defRPr>
-            </a:lvl1pPr>
-            <a:lvl2pPr marL="742950" indent="-285750">
-              <a:lnSpc>
-                <a:spcPct val="90000"/>
-              </a:lnSpc>
-              <a:spcBef>
-                <a:spcPts val="500"/>
-              </a:spcBef>
-              <a:buFont typeface="Arial" panose="020B0604020202020204" pitchFamily="34" charset="0"/>
-              <a:buChar char="•"/>
-              <a:tabLst>
-                <a:tab pos="655638" algn="l"/>
-                <a:tab pos="1312863" algn="l"/>
-                <a:tab pos="1968500" algn="l"/>
-                <a:tab pos="2625725" algn="l"/>
-                <a:tab pos="3282950" algn="l"/>
-                <a:tab pos="3938588" algn="l"/>
-                <a:tab pos="4595813" algn="l"/>
-                <a:tab pos="5253038" algn="l"/>
-                <a:tab pos="5908675" algn="l"/>
-                <a:tab pos="6565900" algn="l"/>
-                <a:tab pos="7223125" algn="l"/>
-              </a:tabLst>
-              <a:defRPr sz="2400">
-                <a:solidFill>
-                  <a:schemeClr val="tx1"/>
-                </a:solidFill>
-                <a:latin typeface="Calibri" panose="020F0502020204030204" pitchFamily="34" charset="0"/>
-              </a:defRPr>
-            </a:lvl2pPr>
-            <a:lvl3pPr marL="1143000" indent="-228600">
-              <a:lnSpc>
-                <a:spcPct val="90000"/>
-              </a:lnSpc>
-              <a:spcBef>
-                <a:spcPts val="500"/>
-              </a:spcBef>
-              <a:buFont typeface="Arial" panose="020B0604020202020204" pitchFamily="34" charset="0"/>
-              <a:buChar char="•"/>
-              <a:tabLst>
-                <a:tab pos="655638" algn="l"/>
-                <a:tab pos="1312863" algn="l"/>
-                <a:tab pos="1968500" algn="l"/>
-                <a:tab pos="2625725" algn="l"/>
-                <a:tab pos="3282950" algn="l"/>
-                <a:tab pos="3938588" algn="l"/>
-                <a:tab pos="4595813" algn="l"/>
-                <a:tab pos="5253038" algn="l"/>
-                <a:tab pos="5908675" algn="l"/>
-                <a:tab pos="6565900" algn="l"/>
-                <a:tab pos="7223125" algn="l"/>
-              </a:tabLst>
-              <a:defRPr sz="2000">
-                <a:solidFill>
-                  <a:schemeClr val="tx1"/>
-                </a:solidFill>
-                <a:latin typeface="Calibri" panose="020F0502020204030204" pitchFamily="34" charset="0"/>
-              </a:defRPr>
-            </a:lvl3pPr>
-            <a:lvl4pPr marL="1600200" indent="-228600">
-              <a:lnSpc>
-                <a:spcPct val="90000"/>
-              </a:lnSpc>
-              <a:spcBef>
-                <a:spcPts val="500"/>
-              </a:spcBef>
-              <a:buFont typeface="Arial" panose="020B0604020202020204" pitchFamily="34" charset="0"/>
-              <a:buChar char="•"/>
-              <a:tabLst>
-                <a:tab pos="655638" algn="l"/>
-                <a:tab pos="1312863" algn="l"/>
-                <a:tab pos="1968500" algn="l"/>
-                <a:tab pos="2625725" algn="l"/>
-                <a:tab pos="3282950" algn="l"/>
-                <a:tab pos="3938588" algn="l"/>
-                <a:tab pos="4595813" algn="l"/>
-                <a:tab pos="5253038" algn="l"/>
-                <a:tab pos="5908675" algn="l"/>
-                <a:tab pos="6565900" algn="l"/>
-                <a:tab pos="7223125" algn="l"/>
-              </a:tabLst>
-              <a:defRPr>
-                <a:solidFill>
-                  <a:schemeClr val="tx1"/>
-                </a:solidFill>
-                <a:latin typeface="Calibri" panose="020F0502020204030204" pitchFamily="34" charset="0"/>
-              </a:defRPr>
-            </a:lvl4pPr>
-            <a:lvl5pPr marL="2057400" indent="-228600">
-              <a:lnSpc>
-                <a:spcPct val="90000"/>
-              </a:lnSpc>
-              <a:spcBef>
-                <a:spcPts val="500"/>
-              </a:spcBef>
-              <a:buFont typeface="Arial" panose="020B0604020202020204" pitchFamily="34" charset="0"/>
-              <a:buChar char="•"/>
-              <a:tabLst>
-                <a:tab pos="655638" algn="l"/>
-                <a:tab pos="1312863" algn="l"/>
-                <a:tab pos="1968500" algn="l"/>
-                <a:tab pos="2625725" algn="l"/>
-                <a:tab pos="3282950" algn="l"/>
-                <a:tab pos="3938588" algn="l"/>
-                <a:tab pos="4595813" algn="l"/>
-                <a:tab pos="5253038" algn="l"/>
-                <a:tab pos="5908675" algn="l"/>
-                <a:tab pos="6565900" algn="l"/>
-                <a:tab pos="7223125" algn="l"/>
-              </a:tabLst>
-              <a:defRPr>
-                <a:solidFill>
-                  <a:schemeClr val="tx1"/>
-                </a:solidFill>
-                <a:latin typeface="Calibri" panose="020F0502020204030204" pitchFamily="34" charset="0"/>
-              </a:defRPr>
-            </a:lvl5pPr>
-            <a:lvl6pPr marL="2514600" indent="-228600" fontAlgn="base">
-              <a:lnSpc>
-                <a:spcPct val="90000"/>
-              </a:lnSpc>
-              <a:spcBef>
-                <a:spcPts val="500"/>
-              </a:spcBef>
-              <a:spcAft>
-                <a:spcPct val="0"/>
-              </a:spcAft>
-              <a:buFont typeface="Arial" panose="020B0604020202020204" pitchFamily="34" charset="0"/>
-              <a:buChar char="•"/>
-              <a:tabLst>
-                <a:tab pos="655638" algn="l"/>
-                <a:tab pos="1312863" algn="l"/>
-                <a:tab pos="1968500" algn="l"/>
-                <a:tab pos="2625725" algn="l"/>
-                <a:tab pos="3282950" algn="l"/>
-                <a:tab pos="3938588" algn="l"/>
-                <a:tab pos="4595813" algn="l"/>
-                <a:tab pos="5253038" algn="l"/>
-                <a:tab pos="5908675" algn="l"/>
-                <a:tab pos="6565900" algn="l"/>
-                <a:tab pos="7223125" algn="l"/>
-              </a:tabLst>
-              <a:defRPr>
-                <a:solidFill>
-                  <a:schemeClr val="tx1"/>
-                </a:solidFill>
-                <a:latin typeface="Calibri" panose="020F0502020204030204" pitchFamily="34" charset="0"/>
-              </a:defRPr>
-            </a:lvl6pPr>
-            <a:lvl7pPr marL="2971800" indent="-228600" fontAlgn="base">
-              <a:lnSpc>
-                <a:spcPct val="90000"/>
-              </a:lnSpc>
-              <a:spcBef>
-                <a:spcPts val="500"/>
-              </a:spcBef>
-              <a:spcAft>
-                <a:spcPct val="0"/>
-              </a:spcAft>
-              <a:buFont typeface="Arial" panose="020B0604020202020204" pitchFamily="34" charset="0"/>
-              <a:buChar char="•"/>
-              <a:tabLst>
-                <a:tab pos="655638" algn="l"/>
-                <a:tab pos="1312863" algn="l"/>
-                <a:tab pos="1968500" algn="l"/>
-                <a:tab pos="2625725" algn="l"/>
-                <a:tab pos="3282950" algn="l"/>
-                <a:tab pos="3938588" algn="l"/>
-                <a:tab pos="4595813" algn="l"/>
-                <a:tab pos="5253038" algn="l"/>
-                <a:tab pos="5908675" algn="l"/>
-                <a:tab pos="6565900" algn="l"/>
-                <a:tab pos="7223125" algn="l"/>
-              </a:tabLst>
-              <a:defRPr>
-                <a:solidFill>
-                  <a:schemeClr val="tx1"/>
-                </a:solidFill>
-                <a:latin typeface="Calibri" panose="020F0502020204030204" pitchFamily="34" charset="0"/>
-              </a:defRPr>
-            </a:lvl7pPr>
-            <a:lvl8pPr marL="3429000" indent="-228600" fontAlgn="base">
-              <a:lnSpc>
-                <a:spcPct val="90000"/>
-              </a:lnSpc>
-              <a:spcBef>
-                <a:spcPts val="500"/>
-              </a:spcBef>
-              <a:spcAft>
-                <a:spcPct val="0"/>
-              </a:spcAft>
-              <a:buFont typeface="Arial" panose="020B0604020202020204" pitchFamily="34" charset="0"/>
-              <a:buChar char="•"/>
-              <a:tabLst>
-                <a:tab pos="655638" algn="l"/>
-                <a:tab pos="1312863" algn="l"/>
-                <a:tab pos="1968500" algn="l"/>
-                <a:tab pos="2625725" algn="l"/>
-                <a:tab pos="3282950" algn="l"/>
-                <a:tab pos="3938588" algn="l"/>
-                <a:tab pos="4595813" algn="l"/>
-                <a:tab pos="5253038" algn="l"/>
-                <a:tab pos="5908675" algn="l"/>
-                <a:tab pos="6565900" algn="l"/>
-                <a:tab pos="7223125" algn="l"/>
-              </a:tabLst>
-              <a:defRPr>
-                <a:solidFill>
-                  <a:schemeClr val="tx1"/>
-                </a:solidFill>
-                <a:latin typeface="Calibri" panose="020F0502020204030204" pitchFamily="34" charset="0"/>
-              </a:defRPr>
-            </a:lvl8pPr>
-            <a:lvl9pPr marL="3886200" indent="-228600" fontAlgn="base">
-              <a:lnSpc>
-                <a:spcPct val="90000"/>
-              </a:lnSpc>
-              <a:spcBef>
-                <a:spcPts val="500"/>
-              </a:spcBef>
-              <a:spcAft>
-                <a:spcPct val="0"/>
-              </a:spcAft>
-              <a:buFont typeface="Arial" panose="020B0604020202020204" pitchFamily="34" charset="0"/>
-              <a:buChar char="•"/>
-              <a:tabLst>
-                <a:tab pos="655638" algn="l"/>
-                <a:tab pos="1312863" algn="l"/>
-                <a:tab pos="1968500" algn="l"/>
-                <a:tab pos="2625725" algn="l"/>
-                <a:tab pos="3282950" algn="l"/>
-                <a:tab pos="3938588" algn="l"/>
-                <a:tab pos="4595813" algn="l"/>
-                <a:tab pos="5253038" algn="l"/>
-                <a:tab pos="5908675" algn="l"/>
-                <a:tab pos="6565900" algn="l"/>
-                <a:tab pos="7223125" algn="l"/>
-              </a:tabLst>
-              <a:defRPr>
-                <a:solidFill>
-                  <a:schemeClr val="tx1"/>
-                </a:solidFill>
-                <a:latin typeface="Calibri" panose="020F0502020204030204" pitchFamily="34" charset="0"/>
-              </a:defRPr>
-            </a:lvl9pPr>
-          </a:lstStyle>
-          <a:p>
-            <a:pPr eaLnBrk="1" hangingPunct="1">
-              <a:lnSpc>
-                <a:spcPct val="125000"/>
-              </a:lnSpc>
-              <a:spcBef>
-                <a:spcPct val="0"/>
-              </a:spcBef>
-              <a:buFontTx/>
-              <a:buNone/>
-            </a:pPr>
-            <a:r>
-              <a:rPr lang="en-US" altLang="en-US" sz="1800" dirty="0">
-                <a:latin typeface="Courier New" panose="02070309020205020404" pitchFamily="49" charset="0"/>
-                <a:cs typeface="Courier New" panose="02070309020205020404" pitchFamily="49" charset="0"/>
-              </a:rPr>
-              <a:t>&gt;&gt;&gt; from </a:t>
-            </a:r>
-            <a:r>
-              <a:rPr lang="en-US" altLang="en-US" sz="1800" dirty="0" err="1">
-                <a:latin typeface="Courier New" panose="02070309020205020404" pitchFamily="49" charset="0"/>
-                <a:cs typeface="Courier New" panose="02070309020205020404" pitchFamily="49" charset="0"/>
-              </a:rPr>
-              <a:t>data_store</a:t>
-            </a:r>
-            <a:r>
-              <a:rPr lang="en-US" altLang="en-US" sz="1800" dirty="0">
-                <a:latin typeface="Courier New" panose="02070309020205020404" pitchFamily="49" charset="0"/>
-                <a:cs typeface="Courier New" panose="02070309020205020404" pitchFamily="49" charset="0"/>
-              </a:rPr>
-              <a:t> import </a:t>
-            </a:r>
-            <a:r>
-              <a:rPr lang="en-US" altLang="en-US" sz="1800" dirty="0" err="1">
-                <a:latin typeface="Courier New" panose="02070309020205020404" pitchFamily="49" charset="0"/>
-                <a:cs typeface="Courier New" panose="02070309020205020404" pitchFamily="49" charset="0"/>
-              </a:rPr>
-              <a:t>DataStore</a:t>
-            </a:r>
-            <a:endParaRPr lang="en-US" altLang="en-US" sz="1800" dirty="0">
-              <a:latin typeface="Courier New" panose="02070309020205020404" pitchFamily="49" charset="0"/>
-              <a:cs typeface="Courier New" panose="02070309020205020404" pitchFamily="49" charset="0"/>
-            </a:endParaRPr>
-          </a:p>
-          <a:p>
-            <a:pPr eaLnBrk="1" hangingPunct="1">
-              <a:lnSpc>
-                <a:spcPct val="125000"/>
-              </a:lnSpc>
-              <a:spcBef>
-                <a:spcPct val="0"/>
-              </a:spcBef>
-              <a:buFontTx/>
-              <a:buNone/>
-            </a:pPr>
-            <a:r>
-              <a:rPr lang="en-US" altLang="en-US" sz="1800" dirty="0">
-                <a:latin typeface="Courier New" panose="02070309020205020404" pitchFamily="49" charset="0"/>
-                <a:cs typeface="Courier New" panose="02070309020205020404" pitchFamily="49" charset="0"/>
-              </a:rPr>
-              <a:t>&gt;&gt;&gt; ds = </a:t>
-            </a:r>
-            <a:r>
-              <a:rPr lang="en-US" altLang="en-US" sz="1800" dirty="0" err="1">
-                <a:latin typeface="Courier New" panose="02070309020205020404" pitchFamily="49" charset="0"/>
-                <a:cs typeface="Courier New" panose="02070309020205020404" pitchFamily="49" charset="0"/>
-              </a:rPr>
-              <a:t>DataStore</a:t>
-            </a:r>
-            <a:r>
-              <a:rPr lang="en-US" altLang="en-US" sz="1800" dirty="0">
-                <a:latin typeface="Courier New" panose="02070309020205020404" pitchFamily="49" charset="0"/>
-                <a:cs typeface="Courier New" panose="02070309020205020404" pitchFamily="49" charset="0"/>
-              </a:rPr>
-              <a:t>()</a:t>
-            </a:r>
-          </a:p>
-          <a:p>
-            <a:pPr eaLnBrk="1" hangingPunct="1">
-              <a:lnSpc>
-                <a:spcPct val="125000"/>
-              </a:lnSpc>
-              <a:spcBef>
-                <a:spcPct val="0"/>
-              </a:spcBef>
-              <a:buFontTx/>
-              <a:buNone/>
-            </a:pPr>
-            <a:r>
-              <a:rPr lang="en-US" altLang="en-US" sz="1800" dirty="0">
-                <a:latin typeface="Courier New" panose="02070309020205020404" pitchFamily="49" charset="0"/>
-                <a:cs typeface="Courier New" panose="02070309020205020404" pitchFamily="49" charset="0"/>
-              </a:rPr>
-              <a:t>&gt;&gt;&gt; </a:t>
-            </a:r>
-            <a:r>
-              <a:rPr lang="en-US" altLang="en-US" sz="1800" dirty="0" err="1">
-                <a:latin typeface="Courier New" panose="02070309020205020404" pitchFamily="49" charset="0"/>
-                <a:cs typeface="Courier New" panose="02070309020205020404" pitchFamily="49" charset="0"/>
-              </a:rPr>
-              <a:t>ds.add_measurement</a:t>
-            </a:r>
-            <a:r>
-              <a:rPr lang="en-US" altLang="en-US" sz="1800" dirty="0">
-                <a:latin typeface="Courier New" panose="02070309020205020404" pitchFamily="49" charset="0"/>
-                <a:cs typeface="Courier New" panose="02070309020205020404" pitchFamily="49" charset="0"/>
-              </a:rPr>
-              <a:t>(</a:t>
-            </a:r>
-            <a:r>
-              <a:rPr lang="en-US" altLang="en-US" sz="1800" dirty="0">
-                <a:solidFill>
-                  <a:srgbClr val="009900"/>
-                </a:solidFill>
-                <a:latin typeface="Courier New" panose="02070309020205020404" pitchFamily="49" charset="0"/>
-                <a:cs typeface="Courier New" panose="02070309020205020404" pitchFamily="49" charset="0"/>
-              </a:rPr>
-              <a:t>'2021-05-01'</a:t>
-            </a:r>
-            <a:r>
-              <a:rPr lang="en-US" altLang="en-US" sz="1800" dirty="0">
-                <a:latin typeface="Courier New" panose="02070309020205020404" pitchFamily="49" charset="0"/>
-                <a:cs typeface="Courier New" panose="02070309020205020404" pitchFamily="49" charset="0"/>
-              </a:rPr>
-              <a:t>,</a:t>
-            </a:r>
-            <a:r>
-              <a:rPr lang="en-US" altLang="en-US" sz="1800" dirty="0">
-                <a:solidFill>
-                  <a:srgbClr val="0070C0"/>
-                </a:solidFill>
-                <a:latin typeface="Courier New" panose="02070309020205020404" pitchFamily="49" charset="0"/>
-                <a:cs typeface="Courier New" panose="02070309020205020404" pitchFamily="49" charset="0"/>
-              </a:rPr>
-              <a:t>5</a:t>
-            </a:r>
-            <a:r>
-              <a:rPr lang="en-US" altLang="en-US" sz="1800" dirty="0">
-                <a:latin typeface="Courier New" panose="02070309020205020404" pitchFamily="49" charset="0"/>
-                <a:cs typeface="Courier New" panose="02070309020205020404" pitchFamily="49" charset="0"/>
-              </a:rPr>
-              <a:t>)</a:t>
-            </a:r>
-          </a:p>
-          <a:p>
-            <a:pPr eaLnBrk="1" hangingPunct="1">
-              <a:lnSpc>
-                <a:spcPct val="125000"/>
-              </a:lnSpc>
-              <a:spcBef>
-                <a:spcPct val="0"/>
-              </a:spcBef>
-              <a:buFontTx/>
-              <a:buNone/>
-            </a:pPr>
-            <a:r>
-              <a:rPr lang="en-US" altLang="en-US" sz="1800" dirty="0">
-                <a:latin typeface="Courier New" panose="02070309020205020404" pitchFamily="49" charset="0"/>
-                <a:cs typeface="Courier New" panose="02070309020205020404" pitchFamily="49" charset="0"/>
-              </a:rPr>
-              <a:t>&gt;&gt;&gt; </a:t>
-            </a:r>
-            <a:r>
-              <a:rPr lang="en-US" altLang="en-US" sz="1800" dirty="0" err="1">
-                <a:latin typeface="Courier New" panose="02070309020205020404" pitchFamily="49" charset="0"/>
-                <a:cs typeface="Courier New" panose="02070309020205020404" pitchFamily="49" charset="0"/>
-              </a:rPr>
-              <a:t>ds.print_measurements</a:t>
-            </a:r>
-            <a:r>
-              <a:rPr lang="en-US" altLang="en-US" sz="1800" dirty="0">
-                <a:latin typeface="Courier New" panose="02070309020205020404" pitchFamily="49" charset="0"/>
-                <a:cs typeface="Courier New" panose="02070309020205020404" pitchFamily="49" charset="0"/>
-              </a:rPr>
-              <a:t>()</a:t>
-            </a:r>
-          </a:p>
-          <a:p>
-            <a:pPr eaLnBrk="1" hangingPunct="1">
-              <a:lnSpc>
-                <a:spcPct val="125000"/>
-              </a:lnSpc>
-              <a:spcBef>
-                <a:spcPct val="0"/>
-              </a:spcBef>
-              <a:buFontTx/>
-              <a:buNone/>
-            </a:pPr>
-            <a:r>
-              <a:rPr lang="en-US" altLang="en-US" sz="1800" dirty="0">
-                <a:latin typeface="Courier New" panose="02070309020205020404" pitchFamily="49" charset="0"/>
-                <a:cs typeface="Courier New" panose="02070309020205020404" pitchFamily="49" charset="0"/>
-              </a:rPr>
-              <a:t>2021-05-01 5</a:t>
-            </a:r>
-          </a:p>
-          <a:p>
-            <a:pPr eaLnBrk="1" hangingPunct="1">
-              <a:lnSpc>
-                <a:spcPct val="125000"/>
-              </a:lnSpc>
-              <a:spcBef>
-                <a:spcPct val="0"/>
-              </a:spcBef>
-              <a:buFontTx/>
-              <a:buNone/>
-            </a:pPr>
-            <a:endParaRPr lang="en-US" altLang="en-US" sz="1800" dirty="0">
-              <a:latin typeface="Courier New" panose="02070309020205020404" pitchFamily="49" charset="0"/>
-              <a:cs typeface="Courier New" panose="02070309020205020404" pitchFamily="49" charset="0"/>
-            </a:endParaRPr>
-          </a:p>
-          <a:p>
-            <a:pPr eaLnBrk="1" hangingPunct="1">
-              <a:lnSpc>
-                <a:spcPct val="125000"/>
-              </a:lnSpc>
-              <a:spcBef>
-                <a:spcPct val="0"/>
-              </a:spcBef>
-              <a:buFontTx/>
-              <a:buNone/>
-            </a:pPr>
-            <a:endParaRPr lang="en-US" altLang="en-US" sz="1800" dirty="0">
-              <a:latin typeface="Courier New" panose="02070309020205020404" pitchFamily="49" charset="0"/>
-              <a:cs typeface="Courier New" panose="02070309020205020404" pitchFamily="49" charset="0"/>
-            </a:endParaRPr>
-          </a:p>
-          <a:p>
-            <a:pPr eaLnBrk="1" hangingPunct="1">
-              <a:lnSpc>
-                <a:spcPct val="125000"/>
-              </a:lnSpc>
-              <a:spcBef>
-                <a:spcPct val="0"/>
-              </a:spcBef>
-              <a:buFontTx/>
-              <a:buNone/>
-            </a:pPr>
-            <a:endParaRPr lang="en-US" altLang="en-US" sz="1800" dirty="0">
-              <a:latin typeface="Courier New" panose="02070309020205020404" pitchFamily="49" charset="0"/>
-              <a:cs typeface="Courier New" panose="02070309020205020404" pitchFamily="49" charset="0"/>
-            </a:endParaRPr>
-          </a:p>
-          <a:p>
-            <a:pPr eaLnBrk="1" hangingPunct="1">
-              <a:lnSpc>
-                <a:spcPct val="125000"/>
-              </a:lnSpc>
-              <a:spcBef>
-                <a:spcPct val="0"/>
-              </a:spcBef>
-              <a:buFontTx/>
-              <a:buNone/>
-            </a:pPr>
-            <a:r>
-              <a:rPr lang="en-US" altLang="en-US" sz="1800" dirty="0">
-                <a:latin typeface="Courier New" panose="02070309020205020404" pitchFamily="49" charset="0"/>
-                <a:cs typeface="Courier New" panose="02070309020205020404" pitchFamily="49" charset="0"/>
-              </a:rPr>
-              <a:t>&gt;&gt;&gt; </a:t>
-            </a:r>
-            <a:r>
-              <a:rPr lang="en-US" altLang="en-US" sz="1800" dirty="0" err="1">
-                <a:latin typeface="Courier New" panose="02070309020205020404" pitchFamily="49" charset="0"/>
-                <a:cs typeface="Courier New" panose="02070309020205020404" pitchFamily="49" charset="0"/>
-              </a:rPr>
-              <a:t>ts</a:t>
-            </a:r>
-            <a:r>
-              <a:rPr lang="en-US" altLang="en-US" sz="1800" dirty="0">
-                <a:latin typeface="Courier New" panose="02070309020205020404" pitchFamily="49" charset="0"/>
-                <a:cs typeface="Courier New" panose="02070309020205020404" pitchFamily="49" charset="0"/>
-              </a:rPr>
-              <a:t> = </a:t>
-            </a:r>
-            <a:r>
-              <a:rPr lang="en-US" altLang="en-US" sz="1800" dirty="0" err="1">
-                <a:latin typeface="Courier New" panose="02070309020205020404" pitchFamily="49" charset="0"/>
-                <a:cs typeface="Courier New" panose="02070309020205020404" pitchFamily="49" charset="0"/>
-              </a:rPr>
-              <a:t>TemperatureStore</a:t>
-            </a:r>
-            <a:r>
-              <a:rPr lang="en-US" altLang="en-US" sz="1800" dirty="0">
-                <a:latin typeface="Courier New" panose="02070309020205020404" pitchFamily="49" charset="0"/>
-                <a:cs typeface="Courier New" panose="02070309020205020404" pitchFamily="49" charset="0"/>
-              </a:rPr>
-              <a:t>()</a:t>
-            </a:r>
-          </a:p>
-          <a:p>
-            <a:pPr eaLnBrk="1" hangingPunct="1">
-              <a:lnSpc>
-                <a:spcPct val="125000"/>
-              </a:lnSpc>
-              <a:spcBef>
-                <a:spcPct val="0"/>
-              </a:spcBef>
-              <a:buFontTx/>
-              <a:buNone/>
-            </a:pPr>
-            <a:r>
-              <a:rPr lang="en-US" altLang="en-US" sz="1800" dirty="0">
-                <a:latin typeface="Courier New" panose="02070309020205020404" pitchFamily="49" charset="0"/>
-                <a:cs typeface="Courier New" panose="02070309020205020404" pitchFamily="49" charset="0"/>
-              </a:rPr>
-              <a:t>&gt;&gt;&gt; </a:t>
-            </a:r>
-            <a:r>
-              <a:rPr lang="en-US" altLang="en-US" sz="1800" dirty="0" err="1">
-                <a:latin typeface="Courier New" panose="02070309020205020404" pitchFamily="49" charset="0"/>
-                <a:cs typeface="Courier New" panose="02070309020205020404" pitchFamily="49" charset="0"/>
-              </a:rPr>
-              <a:t>ts.add_measurement</a:t>
-            </a:r>
-            <a:r>
-              <a:rPr lang="en-US" altLang="en-US" sz="1800" dirty="0">
-                <a:latin typeface="Courier New" panose="02070309020205020404" pitchFamily="49" charset="0"/>
-                <a:cs typeface="Courier New" panose="02070309020205020404" pitchFamily="49" charset="0"/>
-              </a:rPr>
-              <a:t>(</a:t>
-            </a:r>
-            <a:r>
-              <a:rPr lang="en-US" altLang="en-US" sz="1800" dirty="0">
-                <a:solidFill>
-                  <a:srgbClr val="00B050"/>
-                </a:solidFill>
-                <a:latin typeface="Courier New" panose="02070309020205020404" pitchFamily="49" charset="0"/>
-                <a:cs typeface="Courier New" panose="02070309020205020404" pitchFamily="49" charset="0"/>
-              </a:rPr>
-              <a:t>'2021-05-01'</a:t>
-            </a:r>
-            <a:r>
-              <a:rPr lang="en-US" altLang="en-US" sz="1800" dirty="0">
-                <a:latin typeface="Courier New" panose="02070309020205020404" pitchFamily="49" charset="0"/>
-                <a:cs typeface="Courier New" panose="02070309020205020404" pitchFamily="49" charset="0"/>
-              </a:rPr>
-              <a:t>,</a:t>
-            </a:r>
-            <a:r>
-              <a:rPr lang="en-US" altLang="en-US" sz="1800" dirty="0">
-                <a:solidFill>
-                  <a:srgbClr val="0070C0"/>
-                </a:solidFill>
-                <a:latin typeface="Courier New" panose="02070309020205020404" pitchFamily="49" charset="0"/>
-                <a:cs typeface="Courier New" panose="02070309020205020404" pitchFamily="49" charset="0"/>
-              </a:rPr>
-              <a:t>5</a:t>
-            </a:r>
-            <a:r>
-              <a:rPr lang="en-US" altLang="en-US" sz="1800" dirty="0">
-                <a:latin typeface="Courier New" panose="02070309020205020404" pitchFamily="49" charset="0"/>
-                <a:cs typeface="Courier New" panose="02070309020205020404" pitchFamily="49" charset="0"/>
-              </a:rPr>
-              <a:t>)</a:t>
-            </a:r>
-          </a:p>
-          <a:p>
-            <a:pPr eaLnBrk="1" hangingPunct="1">
-              <a:lnSpc>
-                <a:spcPct val="125000"/>
-              </a:lnSpc>
-              <a:spcBef>
-                <a:spcPct val="0"/>
-              </a:spcBef>
-              <a:buFontTx/>
-              <a:buNone/>
-            </a:pPr>
-            <a:r>
-              <a:rPr lang="en-US" altLang="en-US" sz="1800" dirty="0">
-                <a:latin typeface="Courier New" panose="02070309020205020404" pitchFamily="49" charset="0"/>
-                <a:cs typeface="Courier New" panose="02070309020205020404" pitchFamily="49" charset="0"/>
-              </a:rPr>
-              <a:t>&gt;&gt;&gt; </a:t>
-            </a:r>
-            <a:r>
-              <a:rPr lang="en-US" altLang="en-US" sz="1800" dirty="0" err="1">
-                <a:latin typeface="Courier New" panose="02070309020205020404" pitchFamily="49" charset="0"/>
-                <a:cs typeface="Courier New" panose="02070309020205020404" pitchFamily="49" charset="0"/>
-              </a:rPr>
-              <a:t>ts.print_measurements</a:t>
-            </a:r>
-            <a:r>
-              <a:rPr lang="en-US" altLang="en-US" sz="1800" dirty="0">
-                <a:latin typeface="Courier New" panose="02070309020205020404" pitchFamily="49" charset="0"/>
-                <a:cs typeface="Courier New" panose="02070309020205020404" pitchFamily="49" charset="0"/>
-              </a:rPr>
-              <a:t>()</a:t>
-            </a:r>
-          </a:p>
-          <a:p>
-            <a:pPr eaLnBrk="1" hangingPunct="1">
-              <a:lnSpc>
-                <a:spcPct val="125000"/>
-              </a:lnSpc>
-              <a:spcBef>
-                <a:spcPct val="0"/>
-              </a:spcBef>
-              <a:buFontTx/>
-              <a:buNone/>
-            </a:pPr>
-            <a:r>
-              <a:rPr lang="en-US" altLang="en-US" sz="1800" dirty="0">
-                <a:latin typeface="Courier New" panose="02070309020205020404" pitchFamily="49" charset="0"/>
-                <a:cs typeface="Courier New" panose="02070309020205020404" pitchFamily="49" charset="0"/>
-              </a:rPr>
-              <a:t>2021-05-01 277.15</a:t>
-            </a:r>
-          </a:p>
-          <a:p>
-            <a:pPr eaLnBrk="1" hangingPunct="1">
-              <a:lnSpc>
-                <a:spcPct val="125000"/>
-              </a:lnSpc>
-              <a:spcBef>
-                <a:spcPct val="0"/>
-              </a:spcBef>
-              <a:buFontTx/>
-              <a:buNone/>
-            </a:pPr>
-            <a:endParaRPr lang="en-US" altLang="en-US" sz="1800" dirty="0"/>
-          </a:p>
-        </p:txBody>
-      </p:sp>
-      <p:sp>
-        <p:nvSpPr>
-          <p:cNvPr id="10" name="Rectangular Callout 9">
-            <a:extLst>
-              <a:ext uri="{FF2B5EF4-FFF2-40B4-BE49-F238E27FC236}">
-                <a16:creationId xmlns:a16="http://schemas.microsoft.com/office/drawing/2014/main" id="{F55A9221-4550-0446-88CE-B2B64D814BDA}"/>
-              </a:ext>
-            </a:extLst>
-          </p:cNvPr>
-          <p:cNvSpPr/>
-          <p:nvPr/>
-        </p:nvSpPr>
-        <p:spPr>
-          <a:xfrm>
-            <a:off x="5436096" y="4868862"/>
-            <a:ext cx="3600400" cy="1143000"/>
-          </a:xfrm>
-          <a:prstGeom prst="wedgeRectCallout">
-            <a:avLst>
-              <a:gd name="adj1" fmla="val -86681"/>
-              <a:gd name="adj2" fmla="val -1064"/>
-            </a:avLst>
-          </a:prstGeom>
-        </p:spPr>
-        <p:style>
-          <a:lnRef idx="2">
-            <a:schemeClr val="accent2"/>
-          </a:lnRef>
-          <a:fillRef idx="1">
-            <a:schemeClr val="lt1"/>
-          </a:fillRef>
-          <a:effectRef idx="0">
-            <a:schemeClr val="accent2"/>
-          </a:effectRef>
-          <a:fontRef idx="minor">
-            <a:schemeClr val="dk1"/>
-          </a:fontRef>
-        </p:style>
-        <p:txBody>
-          <a:bodyPr anchor="ctr"/>
-          <a:lstStyle/>
-          <a:p>
-            <a:pPr algn="ctr" eaLnBrk="1" hangingPunct="1">
-              <a:defRPr/>
-            </a:pPr>
-            <a:r>
-              <a:rPr lang="en-GB" i="1" dirty="0" err="1"/>
-              <a:t>add_measurement</a:t>
-            </a:r>
-            <a:r>
-              <a:rPr lang="en-GB" i="1" dirty="0"/>
-              <a:t> </a:t>
-            </a:r>
-            <a:r>
-              <a:rPr lang="en-GB" dirty="0"/>
-              <a:t>from </a:t>
-            </a:r>
-            <a:r>
-              <a:rPr lang="en-GB" dirty="0" err="1"/>
-              <a:t>TemperatureStore</a:t>
-            </a:r>
-            <a:r>
-              <a:rPr lang="en-GB" dirty="0"/>
-              <a:t> class overrides behaviour of </a:t>
-            </a:r>
-            <a:r>
-              <a:rPr lang="en-GB" i="1" dirty="0" err="1"/>
-              <a:t>DataStore.add_measurement</a:t>
-            </a:r>
-            <a:endParaRPr lang="en-GB" i="1" dirty="0"/>
-          </a:p>
-        </p:txBody>
-      </p:sp>
-    </p:spTree>
-    <p:extLst>
-      <p:ext uri="{BB962C8B-B14F-4D97-AF65-F5344CB8AC3E}">
-        <p14:creationId xmlns:p14="http://schemas.microsoft.com/office/powerpoint/2010/main" val="3624117384"/>
       </p:ext>
     </p:extLst>
   </p:cSld>
@@ -31264,62 +30845,823 @@
       </p:sp>
       <p:sp>
         <p:nvSpPr>
-          <p:cNvPr id="2" name="TextBox 1">
-            <a:extLst>
-              <a:ext uri="{FF2B5EF4-FFF2-40B4-BE49-F238E27FC236}">
-                <a16:creationId xmlns:a16="http://schemas.microsoft.com/office/drawing/2014/main" id="{CCAF7DE5-65F1-0F47-95DF-34A90AFE23CF}"/>
-              </a:ext>
-            </a:extLst>
-          </p:cNvPr>
-          <p:cNvSpPr txBox="1"/>
+          <p:cNvPr id="20483" name="Text Box 2"/>
+          <p:cNvSpPr txBox="1">
+            <a:spLocks noChangeArrowheads="1"/>
+          </p:cNvSpPr>
           <p:nvPr/>
         </p:nvSpPr>
-        <p:spPr>
+        <p:spPr bwMode="auto">
           <a:xfrm>
-            <a:off x="467544" y="1700808"/>
-            <a:ext cx="8352928" cy="2123658"/>
+            <a:off x="374650" y="1417638"/>
+            <a:ext cx="7920038" cy="4171602"/>
           </a:xfrm>
           <a:prstGeom prst="rect">
             <a:avLst/>
           </a:prstGeom>
           <a:noFill/>
+          <a:ln>
+            <a:noFill/>
+          </a:ln>
+          <a:extLst>
+            <a:ext uri="{909E8E84-426E-40DD-AFC4-6F175D3DCCD1}">
+              <a14:hiddenFill xmlns:a14="http://schemas.microsoft.com/office/drawing/2010/main">
+                <a:solidFill>
+                  <a:srgbClr val="FFFFFF"/>
+                </a:solidFill>
+              </a14:hiddenFill>
+            </a:ext>
+            <a:ext uri="{91240B29-F687-4F45-9708-019B960494DF}">
+              <a14:hiddenLine xmlns:a14="http://schemas.microsoft.com/office/drawing/2010/main" w="9525">
+                <a:solidFill>
+                  <a:srgbClr val="000000"/>
+                </a:solidFill>
+                <a:round/>
+                <a:headEnd/>
+                <a:tailEnd/>
+              </a14:hiddenLine>
+            </a:ext>
+          </a:extLst>
         </p:spPr>
         <p:txBody>
-          <a:bodyPr wrap="square" rtlCol="0">
-            <a:spAutoFit/>
-          </a:bodyPr>
+          <a:bodyPr wrap="none" lIns="81639" tIns="40820" rIns="81639" bIns="40820"/>
+          <a:lstStyle>
+            <a:lvl1pPr>
+              <a:lnSpc>
+                <a:spcPct val="90000"/>
+              </a:lnSpc>
+              <a:spcBef>
+                <a:spcPts val="1000"/>
+              </a:spcBef>
+              <a:buFont typeface="Arial" panose="020B0604020202020204" pitchFamily="34" charset="0"/>
+              <a:buChar char="•"/>
+              <a:tabLst>
+                <a:tab pos="655638" algn="l"/>
+                <a:tab pos="1312863" algn="l"/>
+                <a:tab pos="1968500" algn="l"/>
+                <a:tab pos="2625725" algn="l"/>
+                <a:tab pos="3282950" algn="l"/>
+                <a:tab pos="3938588" algn="l"/>
+                <a:tab pos="4595813" algn="l"/>
+                <a:tab pos="5253038" algn="l"/>
+                <a:tab pos="5908675" algn="l"/>
+                <a:tab pos="6565900" algn="l"/>
+                <a:tab pos="7223125" algn="l"/>
+              </a:tabLst>
+              <a:defRPr sz="2800">
+                <a:solidFill>
+                  <a:schemeClr val="tx1"/>
+                </a:solidFill>
+                <a:latin typeface="Calibri" panose="020F0502020204030204" pitchFamily="34" charset="0"/>
+              </a:defRPr>
+            </a:lvl1pPr>
+            <a:lvl2pPr marL="742950" indent="-285750">
+              <a:lnSpc>
+                <a:spcPct val="90000"/>
+              </a:lnSpc>
+              <a:spcBef>
+                <a:spcPts val="500"/>
+              </a:spcBef>
+              <a:buFont typeface="Arial" panose="020B0604020202020204" pitchFamily="34" charset="0"/>
+              <a:buChar char="•"/>
+              <a:tabLst>
+                <a:tab pos="655638" algn="l"/>
+                <a:tab pos="1312863" algn="l"/>
+                <a:tab pos="1968500" algn="l"/>
+                <a:tab pos="2625725" algn="l"/>
+                <a:tab pos="3282950" algn="l"/>
+                <a:tab pos="3938588" algn="l"/>
+                <a:tab pos="4595813" algn="l"/>
+                <a:tab pos="5253038" algn="l"/>
+                <a:tab pos="5908675" algn="l"/>
+                <a:tab pos="6565900" algn="l"/>
+                <a:tab pos="7223125" algn="l"/>
+              </a:tabLst>
+              <a:defRPr sz="2400">
+                <a:solidFill>
+                  <a:schemeClr val="tx1"/>
+                </a:solidFill>
+                <a:latin typeface="Calibri" panose="020F0502020204030204" pitchFamily="34" charset="0"/>
+              </a:defRPr>
+            </a:lvl2pPr>
+            <a:lvl3pPr marL="1143000" indent="-228600">
+              <a:lnSpc>
+                <a:spcPct val="90000"/>
+              </a:lnSpc>
+              <a:spcBef>
+                <a:spcPts val="500"/>
+              </a:spcBef>
+              <a:buFont typeface="Arial" panose="020B0604020202020204" pitchFamily="34" charset="0"/>
+              <a:buChar char="•"/>
+              <a:tabLst>
+                <a:tab pos="655638" algn="l"/>
+                <a:tab pos="1312863" algn="l"/>
+                <a:tab pos="1968500" algn="l"/>
+                <a:tab pos="2625725" algn="l"/>
+                <a:tab pos="3282950" algn="l"/>
+                <a:tab pos="3938588" algn="l"/>
+                <a:tab pos="4595813" algn="l"/>
+                <a:tab pos="5253038" algn="l"/>
+                <a:tab pos="5908675" algn="l"/>
+                <a:tab pos="6565900" algn="l"/>
+                <a:tab pos="7223125" algn="l"/>
+              </a:tabLst>
+              <a:defRPr sz="2000">
+                <a:solidFill>
+                  <a:schemeClr val="tx1"/>
+                </a:solidFill>
+                <a:latin typeface="Calibri" panose="020F0502020204030204" pitchFamily="34" charset="0"/>
+              </a:defRPr>
+            </a:lvl3pPr>
+            <a:lvl4pPr marL="1600200" indent="-228600">
+              <a:lnSpc>
+                <a:spcPct val="90000"/>
+              </a:lnSpc>
+              <a:spcBef>
+                <a:spcPts val="500"/>
+              </a:spcBef>
+              <a:buFont typeface="Arial" panose="020B0604020202020204" pitchFamily="34" charset="0"/>
+              <a:buChar char="•"/>
+              <a:tabLst>
+                <a:tab pos="655638" algn="l"/>
+                <a:tab pos="1312863" algn="l"/>
+                <a:tab pos="1968500" algn="l"/>
+                <a:tab pos="2625725" algn="l"/>
+                <a:tab pos="3282950" algn="l"/>
+                <a:tab pos="3938588" algn="l"/>
+                <a:tab pos="4595813" algn="l"/>
+                <a:tab pos="5253038" algn="l"/>
+                <a:tab pos="5908675" algn="l"/>
+                <a:tab pos="6565900" algn="l"/>
+                <a:tab pos="7223125" algn="l"/>
+              </a:tabLst>
+              <a:defRPr>
+                <a:solidFill>
+                  <a:schemeClr val="tx1"/>
+                </a:solidFill>
+                <a:latin typeface="Calibri" panose="020F0502020204030204" pitchFamily="34" charset="0"/>
+              </a:defRPr>
+            </a:lvl4pPr>
+            <a:lvl5pPr marL="2057400" indent="-228600">
+              <a:lnSpc>
+                <a:spcPct val="90000"/>
+              </a:lnSpc>
+              <a:spcBef>
+                <a:spcPts val="500"/>
+              </a:spcBef>
+              <a:buFont typeface="Arial" panose="020B0604020202020204" pitchFamily="34" charset="0"/>
+              <a:buChar char="•"/>
+              <a:tabLst>
+                <a:tab pos="655638" algn="l"/>
+                <a:tab pos="1312863" algn="l"/>
+                <a:tab pos="1968500" algn="l"/>
+                <a:tab pos="2625725" algn="l"/>
+                <a:tab pos="3282950" algn="l"/>
+                <a:tab pos="3938588" algn="l"/>
+                <a:tab pos="4595813" algn="l"/>
+                <a:tab pos="5253038" algn="l"/>
+                <a:tab pos="5908675" algn="l"/>
+                <a:tab pos="6565900" algn="l"/>
+                <a:tab pos="7223125" algn="l"/>
+              </a:tabLst>
+              <a:defRPr>
+                <a:solidFill>
+                  <a:schemeClr val="tx1"/>
+                </a:solidFill>
+                <a:latin typeface="Calibri" panose="020F0502020204030204" pitchFamily="34" charset="0"/>
+              </a:defRPr>
+            </a:lvl5pPr>
+            <a:lvl6pPr marL="2514600" indent="-228600" fontAlgn="base">
+              <a:lnSpc>
+                <a:spcPct val="90000"/>
+              </a:lnSpc>
+              <a:spcBef>
+                <a:spcPts val="500"/>
+              </a:spcBef>
+              <a:spcAft>
+                <a:spcPct val="0"/>
+              </a:spcAft>
+              <a:buFont typeface="Arial" panose="020B0604020202020204" pitchFamily="34" charset="0"/>
+              <a:buChar char="•"/>
+              <a:tabLst>
+                <a:tab pos="655638" algn="l"/>
+                <a:tab pos="1312863" algn="l"/>
+                <a:tab pos="1968500" algn="l"/>
+                <a:tab pos="2625725" algn="l"/>
+                <a:tab pos="3282950" algn="l"/>
+                <a:tab pos="3938588" algn="l"/>
+                <a:tab pos="4595813" algn="l"/>
+                <a:tab pos="5253038" algn="l"/>
+                <a:tab pos="5908675" algn="l"/>
+                <a:tab pos="6565900" algn="l"/>
+                <a:tab pos="7223125" algn="l"/>
+              </a:tabLst>
+              <a:defRPr>
+                <a:solidFill>
+                  <a:schemeClr val="tx1"/>
+                </a:solidFill>
+                <a:latin typeface="Calibri" panose="020F0502020204030204" pitchFamily="34" charset="0"/>
+              </a:defRPr>
+            </a:lvl6pPr>
+            <a:lvl7pPr marL="2971800" indent="-228600" fontAlgn="base">
+              <a:lnSpc>
+                <a:spcPct val="90000"/>
+              </a:lnSpc>
+              <a:spcBef>
+                <a:spcPts val="500"/>
+              </a:spcBef>
+              <a:spcAft>
+                <a:spcPct val="0"/>
+              </a:spcAft>
+              <a:buFont typeface="Arial" panose="020B0604020202020204" pitchFamily="34" charset="0"/>
+              <a:buChar char="•"/>
+              <a:tabLst>
+                <a:tab pos="655638" algn="l"/>
+                <a:tab pos="1312863" algn="l"/>
+                <a:tab pos="1968500" algn="l"/>
+                <a:tab pos="2625725" algn="l"/>
+                <a:tab pos="3282950" algn="l"/>
+                <a:tab pos="3938588" algn="l"/>
+                <a:tab pos="4595813" algn="l"/>
+                <a:tab pos="5253038" algn="l"/>
+                <a:tab pos="5908675" algn="l"/>
+                <a:tab pos="6565900" algn="l"/>
+                <a:tab pos="7223125" algn="l"/>
+              </a:tabLst>
+              <a:defRPr>
+                <a:solidFill>
+                  <a:schemeClr val="tx1"/>
+                </a:solidFill>
+                <a:latin typeface="Calibri" panose="020F0502020204030204" pitchFamily="34" charset="0"/>
+              </a:defRPr>
+            </a:lvl7pPr>
+            <a:lvl8pPr marL="3429000" indent="-228600" fontAlgn="base">
+              <a:lnSpc>
+                <a:spcPct val="90000"/>
+              </a:lnSpc>
+              <a:spcBef>
+                <a:spcPts val="500"/>
+              </a:spcBef>
+              <a:spcAft>
+                <a:spcPct val="0"/>
+              </a:spcAft>
+              <a:buFont typeface="Arial" panose="020B0604020202020204" pitchFamily="34" charset="0"/>
+              <a:buChar char="•"/>
+              <a:tabLst>
+                <a:tab pos="655638" algn="l"/>
+                <a:tab pos="1312863" algn="l"/>
+                <a:tab pos="1968500" algn="l"/>
+                <a:tab pos="2625725" algn="l"/>
+                <a:tab pos="3282950" algn="l"/>
+                <a:tab pos="3938588" algn="l"/>
+                <a:tab pos="4595813" algn="l"/>
+                <a:tab pos="5253038" algn="l"/>
+                <a:tab pos="5908675" algn="l"/>
+                <a:tab pos="6565900" algn="l"/>
+                <a:tab pos="7223125" algn="l"/>
+              </a:tabLst>
+              <a:defRPr>
+                <a:solidFill>
+                  <a:schemeClr val="tx1"/>
+                </a:solidFill>
+                <a:latin typeface="Calibri" panose="020F0502020204030204" pitchFamily="34" charset="0"/>
+              </a:defRPr>
+            </a:lvl8pPr>
+            <a:lvl9pPr marL="3886200" indent="-228600" fontAlgn="base">
+              <a:lnSpc>
+                <a:spcPct val="90000"/>
+              </a:lnSpc>
+              <a:spcBef>
+                <a:spcPts val="500"/>
+              </a:spcBef>
+              <a:spcAft>
+                <a:spcPct val="0"/>
+              </a:spcAft>
+              <a:buFont typeface="Arial" panose="020B0604020202020204" pitchFamily="34" charset="0"/>
+              <a:buChar char="•"/>
+              <a:tabLst>
+                <a:tab pos="655638" algn="l"/>
+                <a:tab pos="1312863" algn="l"/>
+                <a:tab pos="1968500" algn="l"/>
+                <a:tab pos="2625725" algn="l"/>
+                <a:tab pos="3282950" algn="l"/>
+                <a:tab pos="3938588" algn="l"/>
+                <a:tab pos="4595813" algn="l"/>
+                <a:tab pos="5253038" algn="l"/>
+                <a:tab pos="5908675" algn="l"/>
+                <a:tab pos="6565900" algn="l"/>
+                <a:tab pos="7223125" algn="l"/>
+              </a:tabLst>
+              <a:defRPr>
+                <a:solidFill>
+                  <a:schemeClr val="tx1"/>
+                </a:solidFill>
+                <a:latin typeface="Calibri" panose="020F0502020204030204" pitchFamily="34" charset="0"/>
+              </a:defRPr>
+            </a:lvl9pPr>
+          </a:lstStyle>
+          <a:p>
+            <a:pPr eaLnBrk="1" hangingPunct="1">
+              <a:lnSpc>
+                <a:spcPct val="125000"/>
+              </a:lnSpc>
+              <a:spcBef>
+                <a:spcPct val="0"/>
+              </a:spcBef>
+              <a:buFontTx/>
+              <a:buNone/>
+            </a:pPr>
+            <a:r>
+              <a:rPr lang="en-US" altLang="en-US" sz="1800" dirty="0">
+                <a:latin typeface="Courier New" panose="02070309020205020404" pitchFamily="49" charset="0"/>
+                <a:cs typeface="Courier New" panose="02070309020205020404" pitchFamily="49" charset="0"/>
+              </a:rPr>
+              <a:t>&gt;&gt;&gt; from </a:t>
+            </a:r>
+            <a:r>
+              <a:rPr lang="en-US" altLang="en-US" sz="1800" dirty="0" err="1">
+                <a:latin typeface="Courier New" panose="02070309020205020404" pitchFamily="49" charset="0"/>
+                <a:cs typeface="Courier New" panose="02070309020205020404" pitchFamily="49" charset="0"/>
+              </a:rPr>
+              <a:t>data_store</a:t>
+            </a:r>
+            <a:r>
+              <a:rPr lang="en-US" altLang="en-US" sz="1800" dirty="0">
+                <a:latin typeface="Courier New" panose="02070309020205020404" pitchFamily="49" charset="0"/>
+                <a:cs typeface="Courier New" panose="02070309020205020404" pitchFamily="49" charset="0"/>
+              </a:rPr>
+              <a:t> import </a:t>
+            </a:r>
+            <a:r>
+              <a:rPr lang="en-US" altLang="en-US" sz="1800" dirty="0" err="1">
+                <a:latin typeface="Courier New" panose="02070309020205020404" pitchFamily="49" charset="0"/>
+                <a:cs typeface="Courier New" panose="02070309020205020404" pitchFamily="49" charset="0"/>
+              </a:rPr>
+              <a:t>DataStore</a:t>
+            </a:r>
+            <a:endParaRPr lang="en-US" altLang="en-US" sz="1800" dirty="0">
+              <a:latin typeface="Courier New" panose="02070309020205020404" pitchFamily="49" charset="0"/>
+              <a:cs typeface="Courier New" panose="02070309020205020404" pitchFamily="49" charset="0"/>
+            </a:endParaRPr>
+          </a:p>
+          <a:p>
+            <a:pPr eaLnBrk="1" hangingPunct="1">
+              <a:lnSpc>
+                <a:spcPct val="125000"/>
+              </a:lnSpc>
+              <a:spcBef>
+                <a:spcPct val="0"/>
+              </a:spcBef>
+              <a:buFontTx/>
+              <a:buNone/>
+            </a:pPr>
+            <a:r>
+              <a:rPr lang="en-US" altLang="en-US" sz="1800" dirty="0">
+                <a:latin typeface="Courier New" panose="02070309020205020404" pitchFamily="49" charset="0"/>
+                <a:cs typeface="Courier New" panose="02070309020205020404" pitchFamily="49" charset="0"/>
+              </a:rPr>
+              <a:t>&gt;&gt;&gt; ds = </a:t>
+            </a:r>
+            <a:r>
+              <a:rPr lang="en-US" altLang="en-US" sz="1800" dirty="0" err="1">
+                <a:latin typeface="Courier New" panose="02070309020205020404" pitchFamily="49" charset="0"/>
+                <a:cs typeface="Courier New" panose="02070309020205020404" pitchFamily="49" charset="0"/>
+              </a:rPr>
+              <a:t>DataStore</a:t>
+            </a:r>
+            <a:r>
+              <a:rPr lang="en-US" altLang="en-US" sz="1800" dirty="0">
+                <a:latin typeface="Courier New" panose="02070309020205020404" pitchFamily="49" charset="0"/>
+                <a:cs typeface="Courier New" panose="02070309020205020404" pitchFamily="49" charset="0"/>
+              </a:rPr>
+              <a:t>()</a:t>
+            </a:r>
+          </a:p>
+          <a:p>
+            <a:pPr eaLnBrk="1" hangingPunct="1">
+              <a:lnSpc>
+                <a:spcPct val="125000"/>
+              </a:lnSpc>
+              <a:spcBef>
+                <a:spcPct val="0"/>
+              </a:spcBef>
+              <a:buFontTx/>
+              <a:buNone/>
+            </a:pPr>
+            <a:r>
+              <a:rPr lang="en-US" altLang="en-US" sz="1800" dirty="0">
+                <a:latin typeface="Courier New" panose="02070309020205020404" pitchFamily="49" charset="0"/>
+                <a:cs typeface="Courier New" panose="02070309020205020404" pitchFamily="49" charset="0"/>
+              </a:rPr>
+              <a:t>&gt;&gt;&gt; </a:t>
+            </a:r>
+            <a:r>
+              <a:rPr lang="en-US" altLang="en-US" sz="1800" dirty="0" err="1">
+                <a:latin typeface="Courier New" panose="02070309020205020404" pitchFamily="49" charset="0"/>
+                <a:cs typeface="Courier New" panose="02070309020205020404" pitchFamily="49" charset="0"/>
+              </a:rPr>
+              <a:t>ds.add_measurement</a:t>
+            </a:r>
+            <a:r>
+              <a:rPr lang="en-US" altLang="en-US" sz="1800" dirty="0">
+                <a:latin typeface="Courier New" panose="02070309020205020404" pitchFamily="49" charset="0"/>
+                <a:cs typeface="Courier New" panose="02070309020205020404" pitchFamily="49" charset="0"/>
+              </a:rPr>
+              <a:t>(</a:t>
+            </a:r>
+            <a:r>
+              <a:rPr lang="en-US" altLang="en-US" sz="1800" dirty="0">
+                <a:solidFill>
+                  <a:srgbClr val="009900"/>
+                </a:solidFill>
+                <a:latin typeface="Courier New" panose="02070309020205020404" pitchFamily="49" charset="0"/>
+                <a:cs typeface="Courier New" panose="02070309020205020404" pitchFamily="49" charset="0"/>
+              </a:rPr>
+              <a:t>'2021-05-01'</a:t>
+            </a:r>
+            <a:r>
+              <a:rPr lang="en-US" altLang="en-US" sz="1800" dirty="0">
+                <a:latin typeface="Courier New" panose="02070309020205020404" pitchFamily="49" charset="0"/>
+                <a:cs typeface="Courier New" panose="02070309020205020404" pitchFamily="49" charset="0"/>
+              </a:rPr>
+              <a:t>,</a:t>
+            </a:r>
+            <a:r>
+              <a:rPr lang="en-US" altLang="en-US" sz="1800" dirty="0">
+                <a:solidFill>
+                  <a:srgbClr val="0070C0"/>
+                </a:solidFill>
+                <a:latin typeface="Courier New" panose="02070309020205020404" pitchFamily="49" charset="0"/>
+                <a:cs typeface="Courier New" panose="02070309020205020404" pitchFamily="49" charset="0"/>
+              </a:rPr>
+              <a:t>5</a:t>
+            </a:r>
+            <a:r>
+              <a:rPr lang="en-US" altLang="en-US" sz="1800" dirty="0">
+                <a:latin typeface="Courier New" panose="02070309020205020404" pitchFamily="49" charset="0"/>
+                <a:cs typeface="Courier New" panose="02070309020205020404" pitchFamily="49" charset="0"/>
+              </a:rPr>
+              <a:t>)</a:t>
+            </a:r>
+          </a:p>
+          <a:p>
+            <a:pPr eaLnBrk="1" hangingPunct="1">
+              <a:lnSpc>
+                <a:spcPct val="125000"/>
+              </a:lnSpc>
+              <a:spcBef>
+                <a:spcPct val="0"/>
+              </a:spcBef>
+              <a:buFontTx/>
+              <a:buNone/>
+            </a:pPr>
+            <a:r>
+              <a:rPr lang="en-US" altLang="en-US" sz="1800" dirty="0">
+                <a:latin typeface="Courier New" panose="02070309020205020404" pitchFamily="49" charset="0"/>
+                <a:cs typeface="Courier New" panose="02070309020205020404" pitchFamily="49" charset="0"/>
+              </a:rPr>
+              <a:t>&gt;&gt;&gt; </a:t>
+            </a:r>
+            <a:r>
+              <a:rPr lang="en-US" altLang="en-US" sz="1800" dirty="0" err="1">
+                <a:latin typeface="Courier New" panose="02070309020205020404" pitchFamily="49" charset="0"/>
+                <a:cs typeface="Courier New" panose="02070309020205020404" pitchFamily="49" charset="0"/>
+              </a:rPr>
+              <a:t>ds.print_measurements</a:t>
+            </a:r>
+            <a:r>
+              <a:rPr lang="en-US" altLang="en-US" sz="1800" dirty="0">
+                <a:latin typeface="Courier New" panose="02070309020205020404" pitchFamily="49" charset="0"/>
+                <a:cs typeface="Courier New" panose="02070309020205020404" pitchFamily="49" charset="0"/>
+              </a:rPr>
+              <a:t>()</a:t>
+            </a:r>
+          </a:p>
+          <a:p>
+            <a:pPr eaLnBrk="1" hangingPunct="1">
+              <a:lnSpc>
+                <a:spcPct val="125000"/>
+              </a:lnSpc>
+              <a:spcBef>
+                <a:spcPct val="0"/>
+              </a:spcBef>
+              <a:buFontTx/>
+              <a:buNone/>
+            </a:pPr>
+            <a:r>
+              <a:rPr lang="en-US" altLang="en-US" sz="1800" dirty="0">
+                <a:latin typeface="Courier New" panose="02070309020205020404" pitchFamily="49" charset="0"/>
+                <a:cs typeface="Courier New" panose="02070309020205020404" pitchFamily="49" charset="0"/>
+              </a:rPr>
+              <a:t>2021-05-01 5</a:t>
+            </a:r>
+          </a:p>
+          <a:p>
+            <a:pPr eaLnBrk="1" hangingPunct="1">
+              <a:lnSpc>
+                <a:spcPct val="125000"/>
+              </a:lnSpc>
+              <a:spcBef>
+                <a:spcPct val="0"/>
+              </a:spcBef>
+              <a:buFontTx/>
+              <a:buNone/>
+            </a:pPr>
+            <a:endParaRPr lang="en-US" altLang="en-US" sz="1800" dirty="0">
+              <a:latin typeface="Courier New" panose="02070309020205020404" pitchFamily="49" charset="0"/>
+              <a:cs typeface="Courier New" panose="02070309020205020404" pitchFamily="49" charset="0"/>
+            </a:endParaRPr>
+          </a:p>
+          <a:p>
+            <a:pPr eaLnBrk="1" hangingPunct="1">
+              <a:lnSpc>
+                <a:spcPct val="125000"/>
+              </a:lnSpc>
+              <a:spcBef>
+                <a:spcPct val="0"/>
+              </a:spcBef>
+              <a:buFontTx/>
+              <a:buNone/>
+            </a:pPr>
+            <a:endParaRPr lang="en-US" altLang="en-US" sz="1800" dirty="0">
+              <a:latin typeface="Courier New" panose="02070309020205020404" pitchFamily="49" charset="0"/>
+              <a:cs typeface="Courier New" panose="02070309020205020404" pitchFamily="49" charset="0"/>
+            </a:endParaRPr>
+          </a:p>
+          <a:p>
+            <a:pPr eaLnBrk="1" hangingPunct="1">
+              <a:lnSpc>
+                <a:spcPct val="125000"/>
+              </a:lnSpc>
+              <a:spcBef>
+                <a:spcPct val="0"/>
+              </a:spcBef>
+              <a:buFontTx/>
+              <a:buNone/>
+            </a:pPr>
+            <a:endParaRPr lang="en-US" altLang="en-US" sz="1800" dirty="0">
+              <a:latin typeface="Courier New" panose="02070309020205020404" pitchFamily="49" charset="0"/>
+              <a:cs typeface="Courier New" panose="02070309020205020404" pitchFamily="49" charset="0"/>
+            </a:endParaRPr>
+          </a:p>
+          <a:p>
+            <a:pPr eaLnBrk="1" hangingPunct="1">
+              <a:lnSpc>
+                <a:spcPct val="125000"/>
+              </a:lnSpc>
+              <a:spcBef>
+                <a:spcPct val="0"/>
+              </a:spcBef>
+              <a:buFontTx/>
+              <a:buNone/>
+            </a:pPr>
+            <a:r>
+              <a:rPr lang="en-US" altLang="en-US" sz="1800" dirty="0">
+                <a:latin typeface="Courier New" panose="02070309020205020404" pitchFamily="49" charset="0"/>
+                <a:cs typeface="Courier New" panose="02070309020205020404" pitchFamily="49" charset="0"/>
+              </a:rPr>
+              <a:t>&gt;&gt;&gt; </a:t>
+            </a:r>
+            <a:r>
+              <a:rPr lang="en-US" altLang="en-US" sz="1800" dirty="0" err="1">
+                <a:latin typeface="Courier New" panose="02070309020205020404" pitchFamily="49" charset="0"/>
+                <a:cs typeface="Courier New" panose="02070309020205020404" pitchFamily="49" charset="0"/>
+              </a:rPr>
+              <a:t>ts</a:t>
+            </a:r>
+            <a:r>
+              <a:rPr lang="en-US" altLang="en-US" sz="1800" dirty="0">
+                <a:latin typeface="Courier New" panose="02070309020205020404" pitchFamily="49" charset="0"/>
+                <a:cs typeface="Courier New" panose="02070309020205020404" pitchFamily="49" charset="0"/>
+              </a:rPr>
+              <a:t> = </a:t>
+            </a:r>
+            <a:r>
+              <a:rPr lang="en-US" altLang="en-US" sz="1800" dirty="0" err="1">
+                <a:latin typeface="Courier New" panose="02070309020205020404" pitchFamily="49" charset="0"/>
+                <a:cs typeface="Courier New" panose="02070309020205020404" pitchFamily="49" charset="0"/>
+              </a:rPr>
+              <a:t>TemperatureStore</a:t>
+            </a:r>
+            <a:r>
+              <a:rPr lang="en-US" altLang="en-US" sz="1800" dirty="0">
+                <a:latin typeface="Courier New" panose="02070309020205020404" pitchFamily="49" charset="0"/>
+                <a:cs typeface="Courier New" panose="02070309020205020404" pitchFamily="49" charset="0"/>
+              </a:rPr>
+              <a:t>()</a:t>
+            </a:r>
+          </a:p>
+          <a:p>
+            <a:pPr eaLnBrk="1" hangingPunct="1">
+              <a:lnSpc>
+                <a:spcPct val="125000"/>
+              </a:lnSpc>
+              <a:spcBef>
+                <a:spcPct val="0"/>
+              </a:spcBef>
+              <a:buFontTx/>
+              <a:buNone/>
+            </a:pPr>
+            <a:r>
+              <a:rPr lang="en-US" altLang="en-US" sz="1800" dirty="0">
+                <a:latin typeface="Courier New" panose="02070309020205020404" pitchFamily="49" charset="0"/>
+                <a:cs typeface="Courier New" panose="02070309020205020404" pitchFamily="49" charset="0"/>
+              </a:rPr>
+              <a:t>&gt;&gt;&gt; </a:t>
+            </a:r>
+            <a:r>
+              <a:rPr lang="en-US" altLang="en-US" sz="1800" dirty="0" err="1">
+                <a:latin typeface="Courier New" panose="02070309020205020404" pitchFamily="49" charset="0"/>
+                <a:cs typeface="Courier New" panose="02070309020205020404" pitchFamily="49" charset="0"/>
+              </a:rPr>
+              <a:t>ts.add_measurement</a:t>
+            </a:r>
+            <a:r>
+              <a:rPr lang="en-US" altLang="en-US" sz="1800" dirty="0">
+                <a:latin typeface="Courier New" panose="02070309020205020404" pitchFamily="49" charset="0"/>
+                <a:cs typeface="Courier New" panose="02070309020205020404" pitchFamily="49" charset="0"/>
+              </a:rPr>
+              <a:t>(</a:t>
+            </a:r>
+            <a:r>
+              <a:rPr lang="en-US" altLang="en-US" sz="1800" dirty="0">
+                <a:solidFill>
+                  <a:srgbClr val="00B050"/>
+                </a:solidFill>
+                <a:latin typeface="Courier New" panose="02070309020205020404" pitchFamily="49" charset="0"/>
+                <a:cs typeface="Courier New" panose="02070309020205020404" pitchFamily="49" charset="0"/>
+              </a:rPr>
+              <a:t>'2021-05-01'</a:t>
+            </a:r>
+            <a:r>
+              <a:rPr lang="en-US" altLang="en-US" sz="1800" dirty="0">
+                <a:latin typeface="Courier New" panose="02070309020205020404" pitchFamily="49" charset="0"/>
+                <a:cs typeface="Courier New" panose="02070309020205020404" pitchFamily="49" charset="0"/>
+              </a:rPr>
+              <a:t>,</a:t>
+            </a:r>
+            <a:r>
+              <a:rPr lang="en-US" altLang="en-US" sz="1800" dirty="0">
+                <a:solidFill>
+                  <a:srgbClr val="0070C0"/>
+                </a:solidFill>
+                <a:latin typeface="Courier New" panose="02070309020205020404" pitchFamily="49" charset="0"/>
+                <a:cs typeface="Courier New" panose="02070309020205020404" pitchFamily="49" charset="0"/>
+              </a:rPr>
+              <a:t>5</a:t>
+            </a:r>
+            <a:r>
+              <a:rPr lang="en-US" altLang="en-US" sz="1800" dirty="0">
+                <a:latin typeface="Courier New" panose="02070309020205020404" pitchFamily="49" charset="0"/>
+                <a:cs typeface="Courier New" panose="02070309020205020404" pitchFamily="49" charset="0"/>
+              </a:rPr>
+              <a:t>)</a:t>
+            </a:r>
+          </a:p>
+          <a:p>
+            <a:pPr eaLnBrk="1" hangingPunct="1">
+              <a:lnSpc>
+                <a:spcPct val="125000"/>
+              </a:lnSpc>
+              <a:spcBef>
+                <a:spcPct val="0"/>
+              </a:spcBef>
+              <a:buFontTx/>
+              <a:buNone/>
+            </a:pPr>
+            <a:r>
+              <a:rPr lang="en-US" altLang="en-US" sz="1800" dirty="0">
+                <a:latin typeface="Courier New" panose="02070309020205020404" pitchFamily="49" charset="0"/>
+                <a:cs typeface="Courier New" panose="02070309020205020404" pitchFamily="49" charset="0"/>
+              </a:rPr>
+              <a:t>&gt;&gt;&gt; </a:t>
+            </a:r>
+            <a:r>
+              <a:rPr lang="en-US" altLang="en-US" sz="1800" dirty="0" err="1">
+                <a:latin typeface="Courier New" panose="02070309020205020404" pitchFamily="49" charset="0"/>
+                <a:cs typeface="Courier New" panose="02070309020205020404" pitchFamily="49" charset="0"/>
+              </a:rPr>
+              <a:t>ts.print_measurements</a:t>
+            </a:r>
+            <a:r>
+              <a:rPr lang="en-US" altLang="en-US" sz="1800" dirty="0">
+                <a:latin typeface="Courier New" panose="02070309020205020404" pitchFamily="49" charset="0"/>
+                <a:cs typeface="Courier New" panose="02070309020205020404" pitchFamily="49" charset="0"/>
+              </a:rPr>
+              <a:t>()</a:t>
+            </a:r>
+          </a:p>
+          <a:p>
+            <a:pPr eaLnBrk="1" hangingPunct="1">
+              <a:lnSpc>
+                <a:spcPct val="125000"/>
+              </a:lnSpc>
+              <a:spcBef>
+                <a:spcPct val="0"/>
+              </a:spcBef>
+              <a:buFontTx/>
+              <a:buNone/>
+            </a:pPr>
+            <a:r>
+              <a:rPr lang="en-US" altLang="en-US" sz="1800" dirty="0">
+                <a:latin typeface="Courier New" panose="02070309020205020404" pitchFamily="49" charset="0"/>
+                <a:cs typeface="Courier New" panose="02070309020205020404" pitchFamily="49" charset="0"/>
+              </a:rPr>
+              <a:t>2021-05-01 277.15</a:t>
+            </a:r>
+          </a:p>
+          <a:p>
+            <a:pPr eaLnBrk="1" hangingPunct="1">
+              <a:lnSpc>
+                <a:spcPct val="125000"/>
+              </a:lnSpc>
+              <a:spcBef>
+                <a:spcPct val="0"/>
+              </a:spcBef>
+              <a:buFontTx/>
+              <a:buNone/>
+            </a:pPr>
+            <a:endParaRPr lang="en-US" altLang="en-US" sz="1800" dirty="0"/>
+          </a:p>
+        </p:txBody>
+      </p:sp>
+      <p:sp>
+        <p:nvSpPr>
+          <p:cNvPr id="10" name="Rectangular Callout 9">
+            <a:extLst>
+              <a:ext uri="{FF2B5EF4-FFF2-40B4-BE49-F238E27FC236}">
+                <a16:creationId xmlns:a16="http://schemas.microsoft.com/office/drawing/2014/main" id="{F55A9221-4550-0446-88CE-B2B64D814BDA}"/>
+              </a:ext>
+            </a:extLst>
+          </p:cNvPr>
+          <p:cNvSpPr/>
+          <p:nvPr/>
+        </p:nvSpPr>
+        <p:spPr>
+          <a:xfrm>
+            <a:off x="5436096" y="4868862"/>
+            <a:ext cx="3600400" cy="1143000"/>
+          </a:xfrm>
+          <a:prstGeom prst="wedgeRectCallout">
+            <a:avLst>
+              <a:gd name="adj1" fmla="val -86681"/>
+              <a:gd name="adj2" fmla="val -1064"/>
+            </a:avLst>
+          </a:prstGeom>
+        </p:spPr>
+        <p:style>
+          <a:lnRef idx="2">
+            <a:schemeClr val="accent2"/>
+          </a:lnRef>
+          <a:fillRef idx="1">
+            <a:schemeClr val="lt1"/>
+          </a:fillRef>
+          <a:effectRef idx="0">
+            <a:schemeClr val="accent2"/>
+          </a:effectRef>
+          <a:fontRef idx="minor">
+            <a:schemeClr val="dk1"/>
+          </a:fontRef>
+        </p:style>
+        <p:txBody>
+          <a:bodyPr anchor="ctr"/>
           <a:lstStyle/>
           <a:p>
-            <a:r>
-              <a:rPr lang="en-GB" sz="2200" dirty="0"/>
-              <a:t>Inheritance is powerful and allows you to write re-useable components</a:t>
-            </a:r>
-          </a:p>
-          <a:p>
-            <a:endParaRPr lang="en-GB" sz="2200" dirty="0"/>
-          </a:p>
-          <a:p>
-            <a:r>
-              <a:rPr lang="en-GB" sz="2200" dirty="0"/>
-              <a:t>Reducing duplication reduces chance of bugs:</a:t>
-            </a:r>
-          </a:p>
-          <a:p>
-            <a:pPr marL="285750" indent="-285750">
-              <a:buFontTx/>
-              <a:buChar char="-"/>
+            <a:pPr algn="ctr" eaLnBrk="1" hangingPunct="1">
+              <a:defRPr/>
             </a:pPr>
             <a:r>
-              <a:rPr lang="en-GB" sz="2200" dirty="0"/>
-              <a:t>Code that is repeated in 2 or more places will eventually be wrong in at least one</a:t>
-            </a:r>
+              <a:rPr lang="en-GB" i="1" dirty="0" err="1"/>
+              <a:t>add_measurement</a:t>
+            </a:r>
+            <a:r>
+              <a:rPr lang="en-GB" i="1" dirty="0"/>
+              <a:t> </a:t>
+            </a:r>
+            <a:r>
+              <a:rPr lang="en-GB" dirty="0"/>
+              <a:t>from </a:t>
+            </a:r>
+            <a:r>
+              <a:rPr lang="en-GB" dirty="0" err="1"/>
+              <a:t>TemperatureStore</a:t>
+            </a:r>
+            <a:r>
+              <a:rPr lang="en-GB" dirty="0"/>
+              <a:t> class overrides behaviour of </a:t>
+            </a:r>
+            <a:r>
+              <a:rPr lang="en-GB" i="1" dirty="0" err="1"/>
+              <a:t>DataStore.add_measurement</a:t>
+            </a:r>
+            <a:endParaRPr lang="en-GB" i="1" dirty="0"/>
           </a:p>
         </p:txBody>
       </p:sp>
     </p:spTree>
     <p:extLst>
       <p:ext uri="{BB962C8B-B14F-4D97-AF65-F5344CB8AC3E}">
-        <p14:creationId xmlns:p14="http://schemas.microsoft.com/office/powerpoint/2010/main" val="4194482474"/>
+        <p14:creationId xmlns:p14="http://schemas.microsoft.com/office/powerpoint/2010/main" val="3624117384"/>
       </p:ext>
     </p:extLst>
   </p:cSld>
@@ -31889,6 +32231,117 @@
 </file>
 
 <file path=ppt/slides/slide40.xml><?xml version="1.0" encoding="utf-8"?>
+<p:sld xmlns:a="http://schemas.openxmlformats.org/drawingml/2006/main" xmlns:r="http://schemas.openxmlformats.org/officeDocument/2006/relationships" xmlns:p="http://schemas.openxmlformats.org/presentationml/2006/main">
+  <p:cSld>
+    <p:spTree>
+      <p:nvGrpSpPr>
+        <p:cNvPr id="1" name=""/>
+        <p:cNvGrpSpPr/>
+        <p:nvPr/>
+      </p:nvGrpSpPr>
+      <p:grpSpPr>
+        <a:xfrm>
+          <a:off x="0" y="0"/>
+          <a:ext cx="0" cy="0"/>
+          <a:chOff x="0" y="0"/>
+          <a:chExt cx="0" cy="0"/>
+        </a:xfrm>
+      </p:grpSpPr>
+      <p:sp>
+        <p:nvSpPr>
+          <p:cNvPr id="20482" name="Title 1"/>
+          <p:cNvSpPr>
+            <a:spLocks noGrp="1"/>
+          </p:cNvSpPr>
+          <p:nvPr>
+            <p:ph type="title" idx="4294967295"/>
+          </p:nvPr>
+        </p:nvSpPr>
+        <p:spPr>
+          <a:xfrm>
+            <a:off x="374650" y="274638"/>
+            <a:ext cx="8229600" cy="1143000"/>
+          </a:xfrm>
+        </p:spPr>
+        <p:txBody>
+          <a:bodyPr/>
+          <a:lstStyle/>
+          <a:p>
+            <a:r>
+              <a:rPr lang="en-GB" altLang="en-US" dirty="0"/>
+              <a:t>Inheritance</a:t>
+            </a:r>
+          </a:p>
+        </p:txBody>
+      </p:sp>
+      <p:sp>
+        <p:nvSpPr>
+          <p:cNvPr id="2" name="TextBox 1">
+            <a:extLst>
+              <a:ext uri="{FF2B5EF4-FFF2-40B4-BE49-F238E27FC236}">
+                <a16:creationId xmlns:a16="http://schemas.microsoft.com/office/drawing/2014/main" id="{CCAF7DE5-65F1-0F47-95DF-34A90AFE23CF}"/>
+              </a:ext>
+            </a:extLst>
+          </p:cNvPr>
+          <p:cNvSpPr txBox="1"/>
+          <p:nvPr/>
+        </p:nvSpPr>
+        <p:spPr>
+          <a:xfrm>
+            <a:off x="467544" y="1700808"/>
+            <a:ext cx="8352928" cy="2123658"/>
+          </a:xfrm>
+          <a:prstGeom prst="rect">
+            <a:avLst/>
+          </a:prstGeom>
+          <a:noFill/>
+        </p:spPr>
+        <p:txBody>
+          <a:bodyPr wrap="square" rtlCol="0">
+            <a:spAutoFit/>
+          </a:bodyPr>
+          <a:lstStyle/>
+          <a:p>
+            <a:r>
+              <a:rPr lang="en-GB" sz="2200" dirty="0"/>
+              <a:t>Inheritance is powerful and allows you to write re-useable components</a:t>
+            </a:r>
+          </a:p>
+          <a:p>
+            <a:endParaRPr lang="en-GB" sz="2200" dirty="0"/>
+          </a:p>
+          <a:p>
+            <a:r>
+              <a:rPr lang="en-GB" sz="2200" dirty="0"/>
+              <a:t>Reducing duplication reduces chance of bugs:</a:t>
+            </a:r>
+          </a:p>
+          <a:p>
+            <a:pPr marL="285750" indent="-285750">
+              <a:buFontTx/>
+              <a:buChar char="-"/>
+            </a:pPr>
+            <a:r>
+              <a:rPr lang="en-GB" sz="2200" dirty="0"/>
+              <a:t>Code that is repeated in 2 or more places will eventually be wrong in at least one</a:t>
+            </a:r>
+          </a:p>
+        </p:txBody>
+      </p:sp>
+    </p:spTree>
+    <p:extLst>
+      <p:ext uri="{BB962C8B-B14F-4D97-AF65-F5344CB8AC3E}">
+        <p14:creationId xmlns:p14="http://schemas.microsoft.com/office/powerpoint/2010/main" val="4194482474"/>
+      </p:ext>
+    </p:extLst>
+  </p:cSld>
+  <p:clrMapOvr>
+    <a:masterClrMapping/>
+  </p:clrMapOvr>
+</p:sld>
+</file>
+
+<file path=ppt/slides/slide41.xml><?xml version="1.0" encoding="utf-8"?>
 <p:sld xmlns:a="http://schemas.openxmlformats.org/drawingml/2006/main" xmlns:r="http://schemas.openxmlformats.org/officeDocument/2006/relationships" xmlns:p="http://schemas.openxmlformats.org/presentationml/2006/main">
   <p:cSld>
     <p:spTree>
@@ -33047,7 +33500,7 @@
 </p:sld>
 </file>
 
-<file path=ppt/slides/slide41.xml><?xml version="1.0" encoding="utf-8"?>
+<file path=ppt/slides/slide42.xml><?xml version="1.0" encoding="utf-8"?>
 <p:sld xmlns:a="http://schemas.openxmlformats.org/drawingml/2006/main" xmlns:r="http://schemas.openxmlformats.org/officeDocument/2006/relationships" xmlns:p="http://schemas.openxmlformats.org/presentationml/2006/main">
   <p:cSld>
     <p:spTree>

--- a/python/presentations/learning_python/22_ceda-oop.pptx
+++ b/python/presentations/learning_python/22_ceda-oop.pptx
@@ -5,7 +5,7 @@
     <p:sldMasterId id="2147483660" r:id="rId1"/>
   </p:sldMasterIdLst>
   <p:notesMasterIdLst>
-    <p:notesMasterId r:id="rId44"/>
+    <p:notesMasterId r:id="rId43"/>
   </p:notesMasterIdLst>
   <p:sldIdLst>
     <p:sldId id="279" r:id="rId2"/>
@@ -39,17 +39,16 @@
     <p:sldId id="471" r:id="rId30"/>
     <p:sldId id="473" r:id="rId31"/>
     <p:sldId id="472" r:id="rId32"/>
-    <p:sldId id="456" r:id="rId33"/>
-    <p:sldId id="278" r:id="rId34"/>
-    <p:sldId id="461" r:id="rId35"/>
-    <p:sldId id="462" r:id="rId36"/>
-    <p:sldId id="463" r:id="rId37"/>
-    <p:sldId id="464" r:id="rId38"/>
-    <p:sldId id="468" r:id="rId39"/>
-    <p:sldId id="469" r:id="rId40"/>
-    <p:sldId id="465" r:id="rId41"/>
-    <p:sldId id="467" r:id="rId42"/>
-    <p:sldId id="282" r:id="rId43"/>
+    <p:sldId id="278" r:id="rId33"/>
+    <p:sldId id="461" r:id="rId34"/>
+    <p:sldId id="462" r:id="rId35"/>
+    <p:sldId id="463" r:id="rId36"/>
+    <p:sldId id="464" r:id="rId37"/>
+    <p:sldId id="468" r:id="rId38"/>
+    <p:sldId id="469" r:id="rId39"/>
+    <p:sldId id="465" r:id="rId40"/>
+    <p:sldId id="467" r:id="rId41"/>
+    <p:sldId id="282" r:id="rId42"/>
   </p:sldIdLst>
   <p:sldSz cx="9144000" cy="6858000" type="screen4x3"/>
   <p:notesSz cx="6858000" cy="9144000"/>
@@ -279,7 +278,7 @@
           <a:p>
             <a:fld id="{453E1398-088F-5240-8185-1E8BB797FB4C}" type="datetimeFigureOut">
               <a:rPr lang="en-GB" smtClean="0"/>
-              <a:t>18/10/2021</a:t>
+              <a:t>22/10/2021</a:t>
             </a:fld>
             <a:endParaRPr lang="en-GB"/>
           </a:p>
@@ -4298,7 +4297,7 @@
                   <a:spcPct val="0"/>
                 </a:spcBef>
               </a:pPr>
-              <a:t>42</a:t>
+              <a:t>41</a:t>
             </a:fld>
             <a:endParaRPr lang="en-US" altLang="en-US" sz="1400">
               <a:ea typeface="Arial Unicode MS" pitchFamily="34" charset="-128"/>
@@ -4920,7 +4919,7 @@
               <a:pPr>
                 <a:defRPr/>
               </a:pPr>
-              <a:t>18/10/2021</a:t>
+              <a:t>22/10/2021</a:t>
             </a:fld>
             <a:endParaRPr lang="en-GB"/>
           </a:p>
@@ -5157,7 +5156,7 @@
               <a:pPr>
                 <a:defRPr/>
               </a:pPr>
-              <a:t>18/10/2021</a:t>
+              <a:t>22/10/2021</a:t>
             </a:fld>
             <a:endParaRPr lang="en-GB"/>
           </a:p>
@@ -5803,7 +5802,7 @@
               <a:pPr>
                 <a:defRPr/>
               </a:pPr>
-              <a:t>18/10/2021</a:t>
+              <a:t>22/10/2021</a:t>
             </a:fld>
             <a:endParaRPr lang="en-GB"/>
           </a:p>
@@ -26046,371 +26045,6 @@
       </p:grpSpPr>
       <p:sp>
         <p:nvSpPr>
-          <p:cNvPr id="20483" name="Text Box 2"/>
-          <p:cNvSpPr txBox="1">
-            <a:spLocks noChangeArrowheads="1"/>
-          </p:cNvSpPr>
-          <p:nvPr/>
-        </p:nvSpPr>
-        <p:spPr bwMode="auto">
-          <a:xfrm>
-            <a:off x="3690063" y="3212976"/>
-            <a:ext cx="1763874" cy="432048"/>
-          </a:xfrm>
-          <a:prstGeom prst="rect">
-            <a:avLst/>
-          </a:prstGeom>
-          <a:noFill/>
-          <a:ln>
-            <a:noFill/>
-          </a:ln>
-          <a:extLst>
-            <a:ext uri="{909E8E84-426E-40DD-AFC4-6F175D3DCCD1}">
-              <a14:hiddenFill xmlns:a14="http://schemas.microsoft.com/office/drawing/2010/main">
-                <a:solidFill>
-                  <a:srgbClr val="FFFFFF"/>
-                </a:solidFill>
-              </a14:hiddenFill>
-            </a:ext>
-            <a:ext uri="{91240B29-F687-4F45-9708-019B960494DF}">
-              <a14:hiddenLine xmlns:a14="http://schemas.microsoft.com/office/drawing/2010/main" w="9525">
-                <a:solidFill>
-                  <a:srgbClr val="000000"/>
-                </a:solidFill>
-                <a:round/>
-                <a:headEnd/>
-                <a:tailEnd/>
-              </a14:hiddenLine>
-            </a:ext>
-          </a:extLst>
-        </p:spPr>
-        <p:txBody>
-          <a:bodyPr wrap="none" lIns="81639" tIns="40820" rIns="81639" bIns="40820"/>
-          <a:lstStyle>
-            <a:lvl1pPr>
-              <a:lnSpc>
-                <a:spcPct val="90000"/>
-              </a:lnSpc>
-              <a:spcBef>
-                <a:spcPts val="1000"/>
-              </a:spcBef>
-              <a:buFont typeface="Arial" panose="020B0604020202020204" pitchFamily="34" charset="0"/>
-              <a:buChar char="•"/>
-              <a:tabLst>
-                <a:tab pos="655638" algn="l"/>
-                <a:tab pos="1312863" algn="l"/>
-                <a:tab pos="1968500" algn="l"/>
-                <a:tab pos="2625725" algn="l"/>
-                <a:tab pos="3282950" algn="l"/>
-                <a:tab pos="3938588" algn="l"/>
-                <a:tab pos="4595813" algn="l"/>
-                <a:tab pos="5253038" algn="l"/>
-                <a:tab pos="5908675" algn="l"/>
-                <a:tab pos="6565900" algn="l"/>
-                <a:tab pos="7223125" algn="l"/>
-              </a:tabLst>
-              <a:defRPr sz="2800">
-                <a:solidFill>
-                  <a:schemeClr val="tx1"/>
-                </a:solidFill>
-                <a:latin typeface="Calibri" panose="020F0502020204030204" pitchFamily="34" charset="0"/>
-              </a:defRPr>
-            </a:lvl1pPr>
-            <a:lvl2pPr marL="742950" indent="-285750">
-              <a:lnSpc>
-                <a:spcPct val="90000"/>
-              </a:lnSpc>
-              <a:spcBef>
-                <a:spcPts val="500"/>
-              </a:spcBef>
-              <a:buFont typeface="Arial" panose="020B0604020202020204" pitchFamily="34" charset="0"/>
-              <a:buChar char="•"/>
-              <a:tabLst>
-                <a:tab pos="655638" algn="l"/>
-                <a:tab pos="1312863" algn="l"/>
-                <a:tab pos="1968500" algn="l"/>
-                <a:tab pos="2625725" algn="l"/>
-                <a:tab pos="3282950" algn="l"/>
-                <a:tab pos="3938588" algn="l"/>
-                <a:tab pos="4595813" algn="l"/>
-                <a:tab pos="5253038" algn="l"/>
-                <a:tab pos="5908675" algn="l"/>
-                <a:tab pos="6565900" algn="l"/>
-                <a:tab pos="7223125" algn="l"/>
-              </a:tabLst>
-              <a:defRPr sz="2400">
-                <a:solidFill>
-                  <a:schemeClr val="tx1"/>
-                </a:solidFill>
-                <a:latin typeface="Calibri" panose="020F0502020204030204" pitchFamily="34" charset="0"/>
-              </a:defRPr>
-            </a:lvl2pPr>
-            <a:lvl3pPr marL="1143000" indent="-228600">
-              <a:lnSpc>
-                <a:spcPct val="90000"/>
-              </a:lnSpc>
-              <a:spcBef>
-                <a:spcPts val="500"/>
-              </a:spcBef>
-              <a:buFont typeface="Arial" panose="020B0604020202020204" pitchFamily="34" charset="0"/>
-              <a:buChar char="•"/>
-              <a:tabLst>
-                <a:tab pos="655638" algn="l"/>
-                <a:tab pos="1312863" algn="l"/>
-                <a:tab pos="1968500" algn="l"/>
-                <a:tab pos="2625725" algn="l"/>
-                <a:tab pos="3282950" algn="l"/>
-                <a:tab pos="3938588" algn="l"/>
-                <a:tab pos="4595813" algn="l"/>
-                <a:tab pos="5253038" algn="l"/>
-                <a:tab pos="5908675" algn="l"/>
-                <a:tab pos="6565900" algn="l"/>
-                <a:tab pos="7223125" algn="l"/>
-              </a:tabLst>
-              <a:defRPr sz="2000">
-                <a:solidFill>
-                  <a:schemeClr val="tx1"/>
-                </a:solidFill>
-                <a:latin typeface="Calibri" panose="020F0502020204030204" pitchFamily="34" charset="0"/>
-              </a:defRPr>
-            </a:lvl3pPr>
-            <a:lvl4pPr marL="1600200" indent="-228600">
-              <a:lnSpc>
-                <a:spcPct val="90000"/>
-              </a:lnSpc>
-              <a:spcBef>
-                <a:spcPts val="500"/>
-              </a:spcBef>
-              <a:buFont typeface="Arial" panose="020B0604020202020204" pitchFamily="34" charset="0"/>
-              <a:buChar char="•"/>
-              <a:tabLst>
-                <a:tab pos="655638" algn="l"/>
-                <a:tab pos="1312863" algn="l"/>
-                <a:tab pos="1968500" algn="l"/>
-                <a:tab pos="2625725" algn="l"/>
-                <a:tab pos="3282950" algn="l"/>
-                <a:tab pos="3938588" algn="l"/>
-                <a:tab pos="4595813" algn="l"/>
-                <a:tab pos="5253038" algn="l"/>
-                <a:tab pos="5908675" algn="l"/>
-                <a:tab pos="6565900" algn="l"/>
-                <a:tab pos="7223125" algn="l"/>
-              </a:tabLst>
-              <a:defRPr>
-                <a:solidFill>
-                  <a:schemeClr val="tx1"/>
-                </a:solidFill>
-                <a:latin typeface="Calibri" panose="020F0502020204030204" pitchFamily="34" charset="0"/>
-              </a:defRPr>
-            </a:lvl4pPr>
-            <a:lvl5pPr marL="2057400" indent="-228600">
-              <a:lnSpc>
-                <a:spcPct val="90000"/>
-              </a:lnSpc>
-              <a:spcBef>
-                <a:spcPts val="500"/>
-              </a:spcBef>
-              <a:buFont typeface="Arial" panose="020B0604020202020204" pitchFamily="34" charset="0"/>
-              <a:buChar char="•"/>
-              <a:tabLst>
-                <a:tab pos="655638" algn="l"/>
-                <a:tab pos="1312863" algn="l"/>
-                <a:tab pos="1968500" algn="l"/>
-                <a:tab pos="2625725" algn="l"/>
-                <a:tab pos="3282950" algn="l"/>
-                <a:tab pos="3938588" algn="l"/>
-                <a:tab pos="4595813" algn="l"/>
-                <a:tab pos="5253038" algn="l"/>
-                <a:tab pos="5908675" algn="l"/>
-                <a:tab pos="6565900" algn="l"/>
-                <a:tab pos="7223125" algn="l"/>
-              </a:tabLst>
-              <a:defRPr>
-                <a:solidFill>
-                  <a:schemeClr val="tx1"/>
-                </a:solidFill>
-                <a:latin typeface="Calibri" panose="020F0502020204030204" pitchFamily="34" charset="0"/>
-              </a:defRPr>
-            </a:lvl5pPr>
-            <a:lvl6pPr marL="2514600" indent="-228600" fontAlgn="base">
-              <a:lnSpc>
-                <a:spcPct val="90000"/>
-              </a:lnSpc>
-              <a:spcBef>
-                <a:spcPts val="500"/>
-              </a:spcBef>
-              <a:spcAft>
-                <a:spcPct val="0"/>
-              </a:spcAft>
-              <a:buFont typeface="Arial" panose="020B0604020202020204" pitchFamily="34" charset="0"/>
-              <a:buChar char="•"/>
-              <a:tabLst>
-                <a:tab pos="655638" algn="l"/>
-                <a:tab pos="1312863" algn="l"/>
-                <a:tab pos="1968500" algn="l"/>
-                <a:tab pos="2625725" algn="l"/>
-                <a:tab pos="3282950" algn="l"/>
-                <a:tab pos="3938588" algn="l"/>
-                <a:tab pos="4595813" algn="l"/>
-                <a:tab pos="5253038" algn="l"/>
-                <a:tab pos="5908675" algn="l"/>
-                <a:tab pos="6565900" algn="l"/>
-                <a:tab pos="7223125" algn="l"/>
-              </a:tabLst>
-              <a:defRPr>
-                <a:solidFill>
-                  <a:schemeClr val="tx1"/>
-                </a:solidFill>
-                <a:latin typeface="Calibri" panose="020F0502020204030204" pitchFamily="34" charset="0"/>
-              </a:defRPr>
-            </a:lvl6pPr>
-            <a:lvl7pPr marL="2971800" indent="-228600" fontAlgn="base">
-              <a:lnSpc>
-                <a:spcPct val="90000"/>
-              </a:lnSpc>
-              <a:spcBef>
-                <a:spcPts val="500"/>
-              </a:spcBef>
-              <a:spcAft>
-                <a:spcPct val="0"/>
-              </a:spcAft>
-              <a:buFont typeface="Arial" panose="020B0604020202020204" pitchFamily="34" charset="0"/>
-              <a:buChar char="•"/>
-              <a:tabLst>
-                <a:tab pos="655638" algn="l"/>
-                <a:tab pos="1312863" algn="l"/>
-                <a:tab pos="1968500" algn="l"/>
-                <a:tab pos="2625725" algn="l"/>
-                <a:tab pos="3282950" algn="l"/>
-                <a:tab pos="3938588" algn="l"/>
-                <a:tab pos="4595813" algn="l"/>
-                <a:tab pos="5253038" algn="l"/>
-                <a:tab pos="5908675" algn="l"/>
-                <a:tab pos="6565900" algn="l"/>
-                <a:tab pos="7223125" algn="l"/>
-              </a:tabLst>
-              <a:defRPr>
-                <a:solidFill>
-                  <a:schemeClr val="tx1"/>
-                </a:solidFill>
-                <a:latin typeface="Calibri" panose="020F0502020204030204" pitchFamily="34" charset="0"/>
-              </a:defRPr>
-            </a:lvl7pPr>
-            <a:lvl8pPr marL="3429000" indent="-228600" fontAlgn="base">
-              <a:lnSpc>
-                <a:spcPct val="90000"/>
-              </a:lnSpc>
-              <a:spcBef>
-                <a:spcPts val="500"/>
-              </a:spcBef>
-              <a:spcAft>
-                <a:spcPct val="0"/>
-              </a:spcAft>
-              <a:buFont typeface="Arial" panose="020B0604020202020204" pitchFamily="34" charset="0"/>
-              <a:buChar char="•"/>
-              <a:tabLst>
-                <a:tab pos="655638" algn="l"/>
-                <a:tab pos="1312863" algn="l"/>
-                <a:tab pos="1968500" algn="l"/>
-                <a:tab pos="2625725" algn="l"/>
-                <a:tab pos="3282950" algn="l"/>
-                <a:tab pos="3938588" algn="l"/>
-                <a:tab pos="4595813" algn="l"/>
-                <a:tab pos="5253038" algn="l"/>
-                <a:tab pos="5908675" algn="l"/>
-                <a:tab pos="6565900" algn="l"/>
-                <a:tab pos="7223125" algn="l"/>
-              </a:tabLst>
-              <a:defRPr>
-                <a:solidFill>
-                  <a:schemeClr val="tx1"/>
-                </a:solidFill>
-                <a:latin typeface="Calibri" panose="020F0502020204030204" pitchFamily="34" charset="0"/>
-              </a:defRPr>
-            </a:lvl8pPr>
-            <a:lvl9pPr marL="3886200" indent="-228600" fontAlgn="base">
-              <a:lnSpc>
-                <a:spcPct val="90000"/>
-              </a:lnSpc>
-              <a:spcBef>
-                <a:spcPts val="500"/>
-              </a:spcBef>
-              <a:spcAft>
-                <a:spcPct val="0"/>
-              </a:spcAft>
-              <a:buFont typeface="Arial" panose="020B0604020202020204" pitchFamily="34" charset="0"/>
-              <a:buChar char="•"/>
-              <a:tabLst>
-                <a:tab pos="655638" algn="l"/>
-                <a:tab pos="1312863" algn="l"/>
-                <a:tab pos="1968500" algn="l"/>
-                <a:tab pos="2625725" algn="l"/>
-                <a:tab pos="3282950" algn="l"/>
-                <a:tab pos="3938588" algn="l"/>
-                <a:tab pos="4595813" algn="l"/>
-                <a:tab pos="5253038" algn="l"/>
-                <a:tab pos="5908675" algn="l"/>
-                <a:tab pos="6565900" algn="l"/>
-                <a:tab pos="7223125" algn="l"/>
-              </a:tabLst>
-              <a:defRPr>
-                <a:solidFill>
-                  <a:schemeClr val="tx1"/>
-                </a:solidFill>
-                <a:latin typeface="Calibri" panose="020F0502020204030204" pitchFamily="34" charset="0"/>
-              </a:defRPr>
-            </a:lvl9pPr>
-          </a:lstStyle>
-          <a:p>
-            <a:pPr algn="ctr" eaLnBrk="1" hangingPunct="1">
-              <a:lnSpc>
-                <a:spcPct val="125000"/>
-              </a:lnSpc>
-              <a:spcBef>
-                <a:spcPct val="0"/>
-              </a:spcBef>
-              <a:buFontTx/>
-              <a:buNone/>
-            </a:pPr>
-            <a:r>
-              <a:rPr lang="en-US" altLang="en-US" sz="1800" dirty="0"/>
-              <a:t>STOP</a:t>
-            </a:r>
-          </a:p>
-        </p:txBody>
-      </p:sp>
-    </p:spTree>
-    <p:extLst>
-      <p:ext uri="{BB962C8B-B14F-4D97-AF65-F5344CB8AC3E}">
-        <p14:creationId xmlns:p14="http://schemas.microsoft.com/office/powerpoint/2010/main" val="2608365705"/>
-      </p:ext>
-    </p:extLst>
-  </p:cSld>
-  <p:clrMapOvr>
-    <a:masterClrMapping/>
-  </p:clrMapOvr>
-</p:sld>
-</file>
-
-<file path=ppt/slides/slide33.xml><?xml version="1.0" encoding="utf-8"?>
-<p:sld xmlns:a="http://schemas.openxmlformats.org/drawingml/2006/main" xmlns:r="http://schemas.openxmlformats.org/officeDocument/2006/relationships" xmlns:p="http://schemas.openxmlformats.org/presentationml/2006/main">
-  <p:cSld>
-    <p:spTree>
-      <p:nvGrpSpPr>
-        <p:cNvPr id="1" name=""/>
-        <p:cNvGrpSpPr/>
-        <p:nvPr/>
-      </p:nvGrpSpPr>
-      <p:grpSpPr>
-        <a:xfrm>
-          <a:off x="0" y="0"/>
-          <a:ext cx="0" cy="0"/>
-          <a:chOff x="0" y="0"/>
-          <a:chExt cx="0" cy="0"/>
-        </a:xfrm>
-      </p:grpSpPr>
-      <p:sp>
-        <p:nvSpPr>
           <p:cNvPr id="15362" name="Rectangle 1"/>
           <p:cNvSpPr>
             <a:spLocks noChangeArrowheads="1"/>
@@ -26740,7 +26374,7 @@
 </p:sld>
 </file>
 
-<file path=ppt/slides/slide34.xml><?xml version="1.0" encoding="utf-8"?>
+<file path=ppt/slides/slide33.xml><?xml version="1.0" encoding="utf-8"?>
 <p:sld xmlns:a="http://schemas.openxmlformats.org/drawingml/2006/main" xmlns:r="http://schemas.openxmlformats.org/officeDocument/2006/relationships" xmlns:p="http://schemas.openxmlformats.org/presentationml/2006/main">
   <p:cSld>
     <p:spTree>
@@ -27259,7 +26893,7 @@
 </p:sld>
 </file>
 
-<file path=ppt/slides/slide35.xml><?xml version="1.0" encoding="utf-8"?>
+<file path=ppt/slides/slide34.xml><?xml version="1.0" encoding="utf-8"?>
 <p:sld xmlns:a="http://schemas.openxmlformats.org/drawingml/2006/main" xmlns:r="http://schemas.openxmlformats.org/officeDocument/2006/relationships" xmlns:p="http://schemas.openxmlformats.org/presentationml/2006/main">
   <p:cSld>
     <p:spTree>
@@ -27938,7 +27572,7 @@
         </p:nvSpPr>
         <p:spPr>
           <a:xfrm>
-            <a:off x="6876256" y="2404440"/>
+            <a:off x="6804248" y="2852936"/>
             <a:ext cx="2160240" cy="793413"/>
           </a:xfrm>
           <a:prstGeom prst="wedgeRectCallout">
@@ -28113,7 +27747,7 @@
 </p:sld>
 </file>
 
-<file path=ppt/slides/slide36.xml><?xml version="1.0" encoding="utf-8"?>
+<file path=ppt/slides/slide35.xml><?xml version="1.0" encoding="utf-8"?>
 <p:sld xmlns:a="http://schemas.openxmlformats.org/drawingml/2006/main" xmlns:r="http://schemas.openxmlformats.org/officeDocument/2006/relationships" xmlns:p="http://schemas.openxmlformats.org/presentationml/2006/main">
   <p:cSld>
     <p:spTree>
@@ -28711,7 +28345,7 @@
 </p:sld>
 </file>
 
-<file path=ppt/slides/slide37.xml><?xml version="1.0" encoding="utf-8"?>
+<file path=ppt/slides/slide36.xml><?xml version="1.0" encoding="utf-8"?>
 <p:sld xmlns:a="http://schemas.openxmlformats.org/drawingml/2006/main" xmlns:r="http://schemas.openxmlformats.org/officeDocument/2006/relationships" xmlns:p="http://schemas.openxmlformats.org/presentationml/2006/main">
   <p:cSld>
     <p:spTree>
@@ -29931,7 +29565,7 @@
 </p:sld>
 </file>
 
-<file path=ppt/slides/slide38.xml><?xml version="1.0" encoding="utf-8"?>
+<file path=ppt/slides/slide37.xml><?xml version="1.0" encoding="utf-8"?>
 <p:sld xmlns:a="http://schemas.openxmlformats.org/drawingml/2006/main" xmlns:r="http://schemas.openxmlformats.org/officeDocument/2006/relationships" xmlns:p="http://schemas.openxmlformats.org/presentationml/2006/main">
   <p:cSld>
     <p:spTree>
@@ -30790,6 +30424,878 @@
     <p:extLst>
       <p:ext uri="{BB962C8B-B14F-4D97-AF65-F5344CB8AC3E}">
         <p14:creationId xmlns:p14="http://schemas.microsoft.com/office/powerpoint/2010/main" val="3014404909"/>
+      </p:ext>
+    </p:extLst>
+  </p:cSld>
+  <p:clrMapOvr>
+    <a:masterClrMapping/>
+  </p:clrMapOvr>
+</p:sld>
+</file>
+
+<file path=ppt/slides/slide38.xml><?xml version="1.0" encoding="utf-8"?>
+<p:sld xmlns:a="http://schemas.openxmlformats.org/drawingml/2006/main" xmlns:r="http://schemas.openxmlformats.org/officeDocument/2006/relationships" xmlns:p="http://schemas.openxmlformats.org/presentationml/2006/main">
+  <p:cSld>
+    <p:spTree>
+      <p:nvGrpSpPr>
+        <p:cNvPr id="1" name=""/>
+        <p:cNvGrpSpPr/>
+        <p:nvPr/>
+      </p:nvGrpSpPr>
+      <p:grpSpPr>
+        <a:xfrm>
+          <a:off x="0" y="0"/>
+          <a:ext cx="0" cy="0"/>
+          <a:chOff x="0" y="0"/>
+          <a:chExt cx="0" cy="0"/>
+        </a:xfrm>
+      </p:grpSpPr>
+      <p:sp>
+        <p:nvSpPr>
+          <p:cNvPr id="20482" name="Title 1"/>
+          <p:cNvSpPr>
+            <a:spLocks noGrp="1"/>
+          </p:cNvSpPr>
+          <p:nvPr>
+            <p:ph type="title" idx="4294967295"/>
+          </p:nvPr>
+        </p:nvSpPr>
+        <p:spPr>
+          <a:xfrm>
+            <a:off x="374650" y="274638"/>
+            <a:ext cx="8229600" cy="1143000"/>
+          </a:xfrm>
+        </p:spPr>
+        <p:txBody>
+          <a:bodyPr/>
+          <a:lstStyle/>
+          <a:p>
+            <a:r>
+              <a:rPr lang="en-GB" altLang="en-US" dirty="0"/>
+              <a:t>Inheritance</a:t>
+            </a:r>
+          </a:p>
+        </p:txBody>
+      </p:sp>
+      <p:sp>
+        <p:nvSpPr>
+          <p:cNvPr id="20483" name="Text Box 2"/>
+          <p:cNvSpPr txBox="1">
+            <a:spLocks noChangeArrowheads="1"/>
+          </p:cNvSpPr>
+          <p:nvPr/>
+        </p:nvSpPr>
+        <p:spPr bwMode="auto">
+          <a:xfrm>
+            <a:off x="374650" y="1417638"/>
+            <a:ext cx="7920038" cy="4171602"/>
+          </a:xfrm>
+          <a:prstGeom prst="rect">
+            <a:avLst/>
+          </a:prstGeom>
+          <a:noFill/>
+          <a:ln>
+            <a:noFill/>
+          </a:ln>
+          <a:extLst>
+            <a:ext uri="{909E8E84-426E-40DD-AFC4-6F175D3DCCD1}">
+              <a14:hiddenFill xmlns:a14="http://schemas.microsoft.com/office/drawing/2010/main">
+                <a:solidFill>
+                  <a:srgbClr val="FFFFFF"/>
+                </a:solidFill>
+              </a14:hiddenFill>
+            </a:ext>
+            <a:ext uri="{91240B29-F687-4F45-9708-019B960494DF}">
+              <a14:hiddenLine xmlns:a14="http://schemas.microsoft.com/office/drawing/2010/main" w="9525">
+                <a:solidFill>
+                  <a:srgbClr val="000000"/>
+                </a:solidFill>
+                <a:round/>
+                <a:headEnd/>
+                <a:tailEnd/>
+              </a14:hiddenLine>
+            </a:ext>
+          </a:extLst>
+        </p:spPr>
+        <p:txBody>
+          <a:bodyPr wrap="none" lIns="81639" tIns="40820" rIns="81639" bIns="40820"/>
+          <a:lstStyle>
+            <a:lvl1pPr>
+              <a:lnSpc>
+                <a:spcPct val="90000"/>
+              </a:lnSpc>
+              <a:spcBef>
+                <a:spcPts val="1000"/>
+              </a:spcBef>
+              <a:buFont typeface="Arial" panose="020B0604020202020204" pitchFamily="34" charset="0"/>
+              <a:buChar char="•"/>
+              <a:tabLst>
+                <a:tab pos="655638" algn="l"/>
+                <a:tab pos="1312863" algn="l"/>
+                <a:tab pos="1968500" algn="l"/>
+                <a:tab pos="2625725" algn="l"/>
+                <a:tab pos="3282950" algn="l"/>
+                <a:tab pos="3938588" algn="l"/>
+                <a:tab pos="4595813" algn="l"/>
+                <a:tab pos="5253038" algn="l"/>
+                <a:tab pos="5908675" algn="l"/>
+                <a:tab pos="6565900" algn="l"/>
+                <a:tab pos="7223125" algn="l"/>
+              </a:tabLst>
+              <a:defRPr sz="2800">
+                <a:solidFill>
+                  <a:schemeClr val="tx1"/>
+                </a:solidFill>
+                <a:latin typeface="Calibri" panose="020F0502020204030204" pitchFamily="34" charset="0"/>
+              </a:defRPr>
+            </a:lvl1pPr>
+            <a:lvl2pPr marL="742950" indent="-285750">
+              <a:lnSpc>
+                <a:spcPct val="90000"/>
+              </a:lnSpc>
+              <a:spcBef>
+                <a:spcPts val="500"/>
+              </a:spcBef>
+              <a:buFont typeface="Arial" panose="020B0604020202020204" pitchFamily="34" charset="0"/>
+              <a:buChar char="•"/>
+              <a:tabLst>
+                <a:tab pos="655638" algn="l"/>
+                <a:tab pos="1312863" algn="l"/>
+                <a:tab pos="1968500" algn="l"/>
+                <a:tab pos="2625725" algn="l"/>
+                <a:tab pos="3282950" algn="l"/>
+                <a:tab pos="3938588" algn="l"/>
+                <a:tab pos="4595813" algn="l"/>
+                <a:tab pos="5253038" algn="l"/>
+                <a:tab pos="5908675" algn="l"/>
+                <a:tab pos="6565900" algn="l"/>
+                <a:tab pos="7223125" algn="l"/>
+              </a:tabLst>
+              <a:defRPr sz="2400">
+                <a:solidFill>
+                  <a:schemeClr val="tx1"/>
+                </a:solidFill>
+                <a:latin typeface="Calibri" panose="020F0502020204030204" pitchFamily="34" charset="0"/>
+              </a:defRPr>
+            </a:lvl2pPr>
+            <a:lvl3pPr marL="1143000" indent="-228600">
+              <a:lnSpc>
+                <a:spcPct val="90000"/>
+              </a:lnSpc>
+              <a:spcBef>
+                <a:spcPts val="500"/>
+              </a:spcBef>
+              <a:buFont typeface="Arial" panose="020B0604020202020204" pitchFamily="34" charset="0"/>
+              <a:buChar char="•"/>
+              <a:tabLst>
+                <a:tab pos="655638" algn="l"/>
+                <a:tab pos="1312863" algn="l"/>
+                <a:tab pos="1968500" algn="l"/>
+                <a:tab pos="2625725" algn="l"/>
+                <a:tab pos="3282950" algn="l"/>
+                <a:tab pos="3938588" algn="l"/>
+                <a:tab pos="4595813" algn="l"/>
+                <a:tab pos="5253038" algn="l"/>
+                <a:tab pos="5908675" algn="l"/>
+                <a:tab pos="6565900" algn="l"/>
+                <a:tab pos="7223125" algn="l"/>
+              </a:tabLst>
+              <a:defRPr sz="2000">
+                <a:solidFill>
+                  <a:schemeClr val="tx1"/>
+                </a:solidFill>
+                <a:latin typeface="Calibri" panose="020F0502020204030204" pitchFamily="34" charset="0"/>
+              </a:defRPr>
+            </a:lvl3pPr>
+            <a:lvl4pPr marL="1600200" indent="-228600">
+              <a:lnSpc>
+                <a:spcPct val="90000"/>
+              </a:lnSpc>
+              <a:spcBef>
+                <a:spcPts val="500"/>
+              </a:spcBef>
+              <a:buFont typeface="Arial" panose="020B0604020202020204" pitchFamily="34" charset="0"/>
+              <a:buChar char="•"/>
+              <a:tabLst>
+                <a:tab pos="655638" algn="l"/>
+                <a:tab pos="1312863" algn="l"/>
+                <a:tab pos="1968500" algn="l"/>
+                <a:tab pos="2625725" algn="l"/>
+                <a:tab pos="3282950" algn="l"/>
+                <a:tab pos="3938588" algn="l"/>
+                <a:tab pos="4595813" algn="l"/>
+                <a:tab pos="5253038" algn="l"/>
+                <a:tab pos="5908675" algn="l"/>
+                <a:tab pos="6565900" algn="l"/>
+                <a:tab pos="7223125" algn="l"/>
+              </a:tabLst>
+              <a:defRPr>
+                <a:solidFill>
+                  <a:schemeClr val="tx1"/>
+                </a:solidFill>
+                <a:latin typeface="Calibri" panose="020F0502020204030204" pitchFamily="34" charset="0"/>
+              </a:defRPr>
+            </a:lvl4pPr>
+            <a:lvl5pPr marL="2057400" indent="-228600">
+              <a:lnSpc>
+                <a:spcPct val="90000"/>
+              </a:lnSpc>
+              <a:spcBef>
+                <a:spcPts val="500"/>
+              </a:spcBef>
+              <a:buFont typeface="Arial" panose="020B0604020202020204" pitchFamily="34" charset="0"/>
+              <a:buChar char="•"/>
+              <a:tabLst>
+                <a:tab pos="655638" algn="l"/>
+                <a:tab pos="1312863" algn="l"/>
+                <a:tab pos="1968500" algn="l"/>
+                <a:tab pos="2625725" algn="l"/>
+                <a:tab pos="3282950" algn="l"/>
+                <a:tab pos="3938588" algn="l"/>
+                <a:tab pos="4595813" algn="l"/>
+                <a:tab pos="5253038" algn="l"/>
+                <a:tab pos="5908675" algn="l"/>
+                <a:tab pos="6565900" algn="l"/>
+                <a:tab pos="7223125" algn="l"/>
+              </a:tabLst>
+              <a:defRPr>
+                <a:solidFill>
+                  <a:schemeClr val="tx1"/>
+                </a:solidFill>
+                <a:latin typeface="Calibri" panose="020F0502020204030204" pitchFamily="34" charset="0"/>
+              </a:defRPr>
+            </a:lvl5pPr>
+            <a:lvl6pPr marL="2514600" indent="-228600" fontAlgn="base">
+              <a:lnSpc>
+                <a:spcPct val="90000"/>
+              </a:lnSpc>
+              <a:spcBef>
+                <a:spcPts val="500"/>
+              </a:spcBef>
+              <a:spcAft>
+                <a:spcPct val="0"/>
+              </a:spcAft>
+              <a:buFont typeface="Arial" panose="020B0604020202020204" pitchFamily="34" charset="0"/>
+              <a:buChar char="•"/>
+              <a:tabLst>
+                <a:tab pos="655638" algn="l"/>
+                <a:tab pos="1312863" algn="l"/>
+                <a:tab pos="1968500" algn="l"/>
+                <a:tab pos="2625725" algn="l"/>
+                <a:tab pos="3282950" algn="l"/>
+                <a:tab pos="3938588" algn="l"/>
+                <a:tab pos="4595813" algn="l"/>
+                <a:tab pos="5253038" algn="l"/>
+                <a:tab pos="5908675" algn="l"/>
+                <a:tab pos="6565900" algn="l"/>
+                <a:tab pos="7223125" algn="l"/>
+              </a:tabLst>
+              <a:defRPr>
+                <a:solidFill>
+                  <a:schemeClr val="tx1"/>
+                </a:solidFill>
+                <a:latin typeface="Calibri" panose="020F0502020204030204" pitchFamily="34" charset="0"/>
+              </a:defRPr>
+            </a:lvl6pPr>
+            <a:lvl7pPr marL="2971800" indent="-228600" fontAlgn="base">
+              <a:lnSpc>
+                <a:spcPct val="90000"/>
+              </a:lnSpc>
+              <a:spcBef>
+                <a:spcPts val="500"/>
+              </a:spcBef>
+              <a:spcAft>
+                <a:spcPct val="0"/>
+              </a:spcAft>
+              <a:buFont typeface="Arial" panose="020B0604020202020204" pitchFamily="34" charset="0"/>
+              <a:buChar char="•"/>
+              <a:tabLst>
+                <a:tab pos="655638" algn="l"/>
+                <a:tab pos="1312863" algn="l"/>
+                <a:tab pos="1968500" algn="l"/>
+                <a:tab pos="2625725" algn="l"/>
+                <a:tab pos="3282950" algn="l"/>
+                <a:tab pos="3938588" algn="l"/>
+                <a:tab pos="4595813" algn="l"/>
+                <a:tab pos="5253038" algn="l"/>
+                <a:tab pos="5908675" algn="l"/>
+                <a:tab pos="6565900" algn="l"/>
+                <a:tab pos="7223125" algn="l"/>
+              </a:tabLst>
+              <a:defRPr>
+                <a:solidFill>
+                  <a:schemeClr val="tx1"/>
+                </a:solidFill>
+                <a:latin typeface="Calibri" panose="020F0502020204030204" pitchFamily="34" charset="0"/>
+              </a:defRPr>
+            </a:lvl7pPr>
+            <a:lvl8pPr marL="3429000" indent="-228600" fontAlgn="base">
+              <a:lnSpc>
+                <a:spcPct val="90000"/>
+              </a:lnSpc>
+              <a:spcBef>
+                <a:spcPts val="500"/>
+              </a:spcBef>
+              <a:spcAft>
+                <a:spcPct val="0"/>
+              </a:spcAft>
+              <a:buFont typeface="Arial" panose="020B0604020202020204" pitchFamily="34" charset="0"/>
+              <a:buChar char="•"/>
+              <a:tabLst>
+                <a:tab pos="655638" algn="l"/>
+                <a:tab pos="1312863" algn="l"/>
+                <a:tab pos="1968500" algn="l"/>
+                <a:tab pos="2625725" algn="l"/>
+                <a:tab pos="3282950" algn="l"/>
+                <a:tab pos="3938588" algn="l"/>
+                <a:tab pos="4595813" algn="l"/>
+                <a:tab pos="5253038" algn="l"/>
+                <a:tab pos="5908675" algn="l"/>
+                <a:tab pos="6565900" algn="l"/>
+                <a:tab pos="7223125" algn="l"/>
+              </a:tabLst>
+              <a:defRPr>
+                <a:solidFill>
+                  <a:schemeClr val="tx1"/>
+                </a:solidFill>
+                <a:latin typeface="Calibri" panose="020F0502020204030204" pitchFamily="34" charset="0"/>
+              </a:defRPr>
+            </a:lvl8pPr>
+            <a:lvl9pPr marL="3886200" indent="-228600" fontAlgn="base">
+              <a:lnSpc>
+                <a:spcPct val="90000"/>
+              </a:lnSpc>
+              <a:spcBef>
+                <a:spcPts val="500"/>
+              </a:spcBef>
+              <a:spcAft>
+                <a:spcPct val="0"/>
+              </a:spcAft>
+              <a:buFont typeface="Arial" panose="020B0604020202020204" pitchFamily="34" charset="0"/>
+              <a:buChar char="•"/>
+              <a:tabLst>
+                <a:tab pos="655638" algn="l"/>
+                <a:tab pos="1312863" algn="l"/>
+                <a:tab pos="1968500" algn="l"/>
+                <a:tab pos="2625725" algn="l"/>
+                <a:tab pos="3282950" algn="l"/>
+                <a:tab pos="3938588" algn="l"/>
+                <a:tab pos="4595813" algn="l"/>
+                <a:tab pos="5253038" algn="l"/>
+                <a:tab pos="5908675" algn="l"/>
+                <a:tab pos="6565900" algn="l"/>
+                <a:tab pos="7223125" algn="l"/>
+              </a:tabLst>
+              <a:defRPr>
+                <a:solidFill>
+                  <a:schemeClr val="tx1"/>
+                </a:solidFill>
+                <a:latin typeface="Calibri" panose="020F0502020204030204" pitchFamily="34" charset="0"/>
+              </a:defRPr>
+            </a:lvl9pPr>
+          </a:lstStyle>
+          <a:p>
+            <a:pPr eaLnBrk="1" hangingPunct="1">
+              <a:lnSpc>
+                <a:spcPct val="125000"/>
+              </a:lnSpc>
+              <a:spcBef>
+                <a:spcPct val="0"/>
+              </a:spcBef>
+              <a:buFontTx/>
+              <a:buNone/>
+            </a:pPr>
+            <a:r>
+              <a:rPr lang="en-US" altLang="en-US" sz="1800" dirty="0">
+                <a:latin typeface="Courier New" panose="02070309020205020404" pitchFamily="49" charset="0"/>
+                <a:cs typeface="Courier New" panose="02070309020205020404" pitchFamily="49" charset="0"/>
+              </a:rPr>
+              <a:t>&gt;&gt;&gt; from </a:t>
+            </a:r>
+            <a:r>
+              <a:rPr lang="en-US" altLang="en-US" sz="1800" dirty="0" err="1">
+                <a:latin typeface="Courier New" panose="02070309020205020404" pitchFamily="49" charset="0"/>
+                <a:cs typeface="Courier New" panose="02070309020205020404" pitchFamily="49" charset="0"/>
+              </a:rPr>
+              <a:t>data_store</a:t>
+            </a:r>
+            <a:r>
+              <a:rPr lang="en-US" altLang="en-US" sz="1800" dirty="0">
+                <a:latin typeface="Courier New" panose="02070309020205020404" pitchFamily="49" charset="0"/>
+                <a:cs typeface="Courier New" panose="02070309020205020404" pitchFamily="49" charset="0"/>
+              </a:rPr>
+              <a:t> import </a:t>
+            </a:r>
+            <a:r>
+              <a:rPr lang="en-US" altLang="en-US" sz="1800" dirty="0" err="1">
+                <a:latin typeface="Courier New" panose="02070309020205020404" pitchFamily="49" charset="0"/>
+                <a:cs typeface="Courier New" panose="02070309020205020404" pitchFamily="49" charset="0"/>
+              </a:rPr>
+              <a:t>DataStore</a:t>
+            </a:r>
+            <a:endParaRPr lang="en-US" altLang="en-US" sz="1800" dirty="0">
+              <a:latin typeface="Courier New" panose="02070309020205020404" pitchFamily="49" charset="0"/>
+              <a:cs typeface="Courier New" panose="02070309020205020404" pitchFamily="49" charset="0"/>
+            </a:endParaRPr>
+          </a:p>
+          <a:p>
+            <a:pPr eaLnBrk="1" hangingPunct="1">
+              <a:lnSpc>
+                <a:spcPct val="125000"/>
+              </a:lnSpc>
+              <a:spcBef>
+                <a:spcPct val="0"/>
+              </a:spcBef>
+              <a:buFontTx/>
+              <a:buNone/>
+            </a:pPr>
+            <a:r>
+              <a:rPr lang="en-US" altLang="en-US" sz="1800" dirty="0">
+                <a:latin typeface="Courier New" panose="02070309020205020404" pitchFamily="49" charset="0"/>
+                <a:cs typeface="Courier New" panose="02070309020205020404" pitchFamily="49" charset="0"/>
+              </a:rPr>
+              <a:t>&gt;&gt;&gt; ds = </a:t>
+            </a:r>
+            <a:r>
+              <a:rPr lang="en-US" altLang="en-US" sz="1800" dirty="0" err="1">
+                <a:latin typeface="Courier New" panose="02070309020205020404" pitchFamily="49" charset="0"/>
+                <a:cs typeface="Courier New" panose="02070309020205020404" pitchFamily="49" charset="0"/>
+              </a:rPr>
+              <a:t>DataStore</a:t>
+            </a:r>
+            <a:r>
+              <a:rPr lang="en-US" altLang="en-US" sz="1800" dirty="0">
+                <a:latin typeface="Courier New" panose="02070309020205020404" pitchFamily="49" charset="0"/>
+                <a:cs typeface="Courier New" panose="02070309020205020404" pitchFamily="49" charset="0"/>
+              </a:rPr>
+              <a:t>()</a:t>
+            </a:r>
+          </a:p>
+          <a:p>
+            <a:pPr eaLnBrk="1" hangingPunct="1">
+              <a:lnSpc>
+                <a:spcPct val="125000"/>
+              </a:lnSpc>
+              <a:spcBef>
+                <a:spcPct val="0"/>
+              </a:spcBef>
+              <a:buFontTx/>
+              <a:buNone/>
+            </a:pPr>
+            <a:r>
+              <a:rPr lang="en-US" altLang="en-US" sz="1800" dirty="0">
+                <a:latin typeface="Courier New" panose="02070309020205020404" pitchFamily="49" charset="0"/>
+                <a:cs typeface="Courier New" panose="02070309020205020404" pitchFamily="49" charset="0"/>
+              </a:rPr>
+              <a:t>&gt;&gt;&gt; </a:t>
+            </a:r>
+            <a:r>
+              <a:rPr lang="en-US" altLang="en-US" sz="1800" dirty="0" err="1">
+                <a:latin typeface="Courier New" panose="02070309020205020404" pitchFamily="49" charset="0"/>
+                <a:cs typeface="Courier New" panose="02070309020205020404" pitchFamily="49" charset="0"/>
+              </a:rPr>
+              <a:t>ds.add_measurement</a:t>
+            </a:r>
+            <a:r>
+              <a:rPr lang="en-US" altLang="en-US" sz="1800" dirty="0">
+                <a:latin typeface="Courier New" panose="02070309020205020404" pitchFamily="49" charset="0"/>
+                <a:cs typeface="Courier New" panose="02070309020205020404" pitchFamily="49" charset="0"/>
+              </a:rPr>
+              <a:t>(</a:t>
+            </a:r>
+            <a:r>
+              <a:rPr lang="en-US" altLang="en-US" sz="1800" dirty="0">
+                <a:solidFill>
+                  <a:srgbClr val="009900"/>
+                </a:solidFill>
+                <a:latin typeface="Courier New" panose="02070309020205020404" pitchFamily="49" charset="0"/>
+                <a:cs typeface="Courier New" panose="02070309020205020404" pitchFamily="49" charset="0"/>
+              </a:rPr>
+              <a:t>'2021-05-01'</a:t>
+            </a:r>
+            <a:r>
+              <a:rPr lang="en-US" altLang="en-US" sz="1800" dirty="0">
+                <a:latin typeface="Courier New" panose="02070309020205020404" pitchFamily="49" charset="0"/>
+                <a:cs typeface="Courier New" panose="02070309020205020404" pitchFamily="49" charset="0"/>
+              </a:rPr>
+              <a:t>,</a:t>
+            </a:r>
+            <a:r>
+              <a:rPr lang="en-US" altLang="en-US" sz="1800" dirty="0">
+                <a:solidFill>
+                  <a:srgbClr val="0070C0"/>
+                </a:solidFill>
+                <a:latin typeface="Courier New" panose="02070309020205020404" pitchFamily="49" charset="0"/>
+                <a:cs typeface="Courier New" panose="02070309020205020404" pitchFamily="49" charset="0"/>
+              </a:rPr>
+              <a:t>5</a:t>
+            </a:r>
+            <a:r>
+              <a:rPr lang="en-US" altLang="en-US" sz="1800" dirty="0">
+                <a:latin typeface="Courier New" panose="02070309020205020404" pitchFamily="49" charset="0"/>
+                <a:cs typeface="Courier New" panose="02070309020205020404" pitchFamily="49" charset="0"/>
+              </a:rPr>
+              <a:t>)</a:t>
+            </a:r>
+          </a:p>
+          <a:p>
+            <a:pPr eaLnBrk="1" hangingPunct="1">
+              <a:lnSpc>
+                <a:spcPct val="125000"/>
+              </a:lnSpc>
+              <a:spcBef>
+                <a:spcPct val="0"/>
+              </a:spcBef>
+              <a:buFontTx/>
+              <a:buNone/>
+            </a:pPr>
+            <a:r>
+              <a:rPr lang="en-US" altLang="en-US" sz="1800" dirty="0">
+                <a:latin typeface="Courier New" panose="02070309020205020404" pitchFamily="49" charset="0"/>
+                <a:cs typeface="Courier New" panose="02070309020205020404" pitchFamily="49" charset="0"/>
+              </a:rPr>
+              <a:t>&gt;&gt;&gt; </a:t>
+            </a:r>
+            <a:r>
+              <a:rPr lang="en-US" altLang="en-US" sz="1800" dirty="0" err="1">
+                <a:latin typeface="Courier New" panose="02070309020205020404" pitchFamily="49" charset="0"/>
+                <a:cs typeface="Courier New" panose="02070309020205020404" pitchFamily="49" charset="0"/>
+              </a:rPr>
+              <a:t>ds.print_measurements</a:t>
+            </a:r>
+            <a:r>
+              <a:rPr lang="en-US" altLang="en-US" sz="1800" dirty="0">
+                <a:latin typeface="Courier New" panose="02070309020205020404" pitchFamily="49" charset="0"/>
+                <a:cs typeface="Courier New" panose="02070309020205020404" pitchFamily="49" charset="0"/>
+              </a:rPr>
+              <a:t>()</a:t>
+            </a:r>
+          </a:p>
+          <a:p>
+            <a:pPr eaLnBrk="1" hangingPunct="1">
+              <a:lnSpc>
+                <a:spcPct val="125000"/>
+              </a:lnSpc>
+              <a:spcBef>
+                <a:spcPct val="0"/>
+              </a:spcBef>
+              <a:buFontTx/>
+              <a:buNone/>
+            </a:pPr>
+            <a:r>
+              <a:rPr lang="en-US" altLang="en-US" sz="1800" dirty="0">
+                <a:latin typeface="Courier New" panose="02070309020205020404" pitchFamily="49" charset="0"/>
+                <a:cs typeface="Courier New" panose="02070309020205020404" pitchFamily="49" charset="0"/>
+              </a:rPr>
+              <a:t>2021-05-01 5</a:t>
+            </a:r>
+          </a:p>
+          <a:p>
+            <a:pPr eaLnBrk="1" hangingPunct="1">
+              <a:lnSpc>
+                <a:spcPct val="125000"/>
+              </a:lnSpc>
+              <a:spcBef>
+                <a:spcPct val="0"/>
+              </a:spcBef>
+              <a:buFontTx/>
+              <a:buNone/>
+            </a:pPr>
+            <a:endParaRPr lang="en-US" altLang="en-US" sz="1800" dirty="0">
+              <a:latin typeface="Courier New" panose="02070309020205020404" pitchFamily="49" charset="0"/>
+              <a:cs typeface="Courier New" panose="02070309020205020404" pitchFamily="49" charset="0"/>
+            </a:endParaRPr>
+          </a:p>
+          <a:p>
+            <a:pPr eaLnBrk="1" hangingPunct="1">
+              <a:lnSpc>
+                <a:spcPct val="125000"/>
+              </a:lnSpc>
+              <a:spcBef>
+                <a:spcPct val="0"/>
+              </a:spcBef>
+              <a:buFontTx/>
+              <a:buNone/>
+            </a:pPr>
+            <a:endParaRPr lang="en-US" altLang="en-US" sz="1800" dirty="0">
+              <a:latin typeface="Courier New" panose="02070309020205020404" pitchFamily="49" charset="0"/>
+              <a:cs typeface="Courier New" panose="02070309020205020404" pitchFamily="49" charset="0"/>
+            </a:endParaRPr>
+          </a:p>
+          <a:p>
+            <a:pPr eaLnBrk="1" hangingPunct="1">
+              <a:lnSpc>
+                <a:spcPct val="125000"/>
+              </a:lnSpc>
+              <a:spcBef>
+                <a:spcPct val="0"/>
+              </a:spcBef>
+              <a:buFontTx/>
+              <a:buNone/>
+            </a:pPr>
+            <a:endParaRPr lang="en-US" altLang="en-US" sz="1800" dirty="0">
+              <a:latin typeface="Courier New" panose="02070309020205020404" pitchFamily="49" charset="0"/>
+              <a:cs typeface="Courier New" panose="02070309020205020404" pitchFamily="49" charset="0"/>
+            </a:endParaRPr>
+          </a:p>
+          <a:p>
+            <a:pPr eaLnBrk="1" hangingPunct="1">
+              <a:lnSpc>
+                <a:spcPct val="125000"/>
+              </a:lnSpc>
+              <a:spcBef>
+                <a:spcPct val="0"/>
+              </a:spcBef>
+              <a:buFontTx/>
+              <a:buNone/>
+            </a:pPr>
+            <a:r>
+              <a:rPr lang="en-US" altLang="en-US" sz="1800" dirty="0">
+                <a:latin typeface="Courier New" panose="02070309020205020404" pitchFamily="49" charset="0"/>
+                <a:cs typeface="Courier New" panose="02070309020205020404" pitchFamily="49" charset="0"/>
+              </a:rPr>
+              <a:t>&gt;&gt;&gt; </a:t>
+            </a:r>
+            <a:r>
+              <a:rPr lang="en-US" altLang="en-US" sz="1800" dirty="0" err="1">
+                <a:latin typeface="Courier New" panose="02070309020205020404" pitchFamily="49" charset="0"/>
+                <a:cs typeface="Courier New" panose="02070309020205020404" pitchFamily="49" charset="0"/>
+              </a:rPr>
+              <a:t>ts</a:t>
+            </a:r>
+            <a:r>
+              <a:rPr lang="en-US" altLang="en-US" sz="1800" dirty="0">
+                <a:latin typeface="Courier New" panose="02070309020205020404" pitchFamily="49" charset="0"/>
+                <a:cs typeface="Courier New" panose="02070309020205020404" pitchFamily="49" charset="0"/>
+              </a:rPr>
+              <a:t> = </a:t>
+            </a:r>
+            <a:r>
+              <a:rPr lang="en-US" altLang="en-US" sz="1800" dirty="0" err="1">
+                <a:latin typeface="Courier New" panose="02070309020205020404" pitchFamily="49" charset="0"/>
+                <a:cs typeface="Courier New" panose="02070309020205020404" pitchFamily="49" charset="0"/>
+              </a:rPr>
+              <a:t>TemperatureStore</a:t>
+            </a:r>
+            <a:r>
+              <a:rPr lang="en-US" altLang="en-US" sz="1800" dirty="0">
+                <a:latin typeface="Courier New" panose="02070309020205020404" pitchFamily="49" charset="0"/>
+                <a:cs typeface="Courier New" panose="02070309020205020404" pitchFamily="49" charset="0"/>
+              </a:rPr>
+              <a:t>()</a:t>
+            </a:r>
+          </a:p>
+          <a:p>
+            <a:pPr eaLnBrk="1" hangingPunct="1">
+              <a:lnSpc>
+                <a:spcPct val="125000"/>
+              </a:lnSpc>
+              <a:spcBef>
+                <a:spcPct val="0"/>
+              </a:spcBef>
+              <a:buFontTx/>
+              <a:buNone/>
+            </a:pPr>
+            <a:r>
+              <a:rPr lang="en-US" altLang="en-US" sz="1800" dirty="0">
+                <a:latin typeface="Courier New" panose="02070309020205020404" pitchFamily="49" charset="0"/>
+                <a:cs typeface="Courier New" panose="02070309020205020404" pitchFamily="49" charset="0"/>
+              </a:rPr>
+              <a:t>&gt;&gt;&gt; </a:t>
+            </a:r>
+            <a:r>
+              <a:rPr lang="en-US" altLang="en-US" sz="1800" dirty="0" err="1">
+                <a:latin typeface="Courier New" panose="02070309020205020404" pitchFamily="49" charset="0"/>
+                <a:cs typeface="Courier New" panose="02070309020205020404" pitchFamily="49" charset="0"/>
+              </a:rPr>
+              <a:t>ts.add_measurement</a:t>
+            </a:r>
+            <a:r>
+              <a:rPr lang="en-US" altLang="en-US" sz="1800" dirty="0">
+                <a:latin typeface="Courier New" panose="02070309020205020404" pitchFamily="49" charset="0"/>
+                <a:cs typeface="Courier New" panose="02070309020205020404" pitchFamily="49" charset="0"/>
+              </a:rPr>
+              <a:t>(</a:t>
+            </a:r>
+            <a:r>
+              <a:rPr lang="en-US" altLang="en-US" sz="1800" dirty="0">
+                <a:solidFill>
+                  <a:srgbClr val="00B050"/>
+                </a:solidFill>
+                <a:latin typeface="Courier New" panose="02070309020205020404" pitchFamily="49" charset="0"/>
+                <a:cs typeface="Courier New" panose="02070309020205020404" pitchFamily="49" charset="0"/>
+              </a:rPr>
+              <a:t>'2021-05-01'</a:t>
+            </a:r>
+            <a:r>
+              <a:rPr lang="en-US" altLang="en-US" sz="1800" dirty="0">
+                <a:latin typeface="Courier New" panose="02070309020205020404" pitchFamily="49" charset="0"/>
+                <a:cs typeface="Courier New" panose="02070309020205020404" pitchFamily="49" charset="0"/>
+              </a:rPr>
+              <a:t>,</a:t>
+            </a:r>
+            <a:r>
+              <a:rPr lang="en-US" altLang="en-US" sz="1800" dirty="0">
+                <a:solidFill>
+                  <a:srgbClr val="0070C0"/>
+                </a:solidFill>
+                <a:latin typeface="Courier New" panose="02070309020205020404" pitchFamily="49" charset="0"/>
+                <a:cs typeface="Courier New" panose="02070309020205020404" pitchFamily="49" charset="0"/>
+              </a:rPr>
+              <a:t>5</a:t>
+            </a:r>
+            <a:r>
+              <a:rPr lang="en-US" altLang="en-US" sz="1800" dirty="0">
+                <a:latin typeface="Courier New" panose="02070309020205020404" pitchFamily="49" charset="0"/>
+                <a:cs typeface="Courier New" panose="02070309020205020404" pitchFamily="49" charset="0"/>
+              </a:rPr>
+              <a:t>)</a:t>
+            </a:r>
+          </a:p>
+          <a:p>
+            <a:pPr eaLnBrk="1" hangingPunct="1">
+              <a:lnSpc>
+                <a:spcPct val="125000"/>
+              </a:lnSpc>
+              <a:spcBef>
+                <a:spcPct val="0"/>
+              </a:spcBef>
+              <a:buFontTx/>
+              <a:buNone/>
+            </a:pPr>
+            <a:r>
+              <a:rPr lang="en-US" altLang="en-US" sz="1800" dirty="0">
+                <a:latin typeface="Courier New" panose="02070309020205020404" pitchFamily="49" charset="0"/>
+                <a:cs typeface="Courier New" panose="02070309020205020404" pitchFamily="49" charset="0"/>
+              </a:rPr>
+              <a:t>&gt;&gt;&gt; </a:t>
+            </a:r>
+            <a:r>
+              <a:rPr lang="en-US" altLang="en-US" sz="1800" dirty="0" err="1">
+                <a:latin typeface="Courier New" panose="02070309020205020404" pitchFamily="49" charset="0"/>
+                <a:cs typeface="Courier New" panose="02070309020205020404" pitchFamily="49" charset="0"/>
+              </a:rPr>
+              <a:t>ts.print_measurements</a:t>
+            </a:r>
+            <a:r>
+              <a:rPr lang="en-US" altLang="en-US" sz="1800" dirty="0">
+                <a:latin typeface="Courier New" panose="02070309020205020404" pitchFamily="49" charset="0"/>
+                <a:cs typeface="Courier New" panose="02070309020205020404" pitchFamily="49" charset="0"/>
+              </a:rPr>
+              <a:t>()</a:t>
+            </a:r>
+          </a:p>
+          <a:p>
+            <a:pPr eaLnBrk="1" hangingPunct="1">
+              <a:lnSpc>
+                <a:spcPct val="125000"/>
+              </a:lnSpc>
+              <a:spcBef>
+                <a:spcPct val="0"/>
+              </a:spcBef>
+              <a:buFontTx/>
+              <a:buNone/>
+            </a:pPr>
+            <a:r>
+              <a:rPr lang="en-US" altLang="en-US" sz="1800" dirty="0">
+                <a:latin typeface="Courier New" panose="02070309020205020404" pitchFamily="49" charset="0"/>
+                <a:cs typeface="Courier New" panose="02070309020205020404" pitchFamily="49" charset="0"/>
+              </a:rPr>
+              <a:t>2021-05-01 277.15</a:t>
+            </a:r>
+          </a:p>
+          <a:p>
+            <a:pPr eaLnBrk="1" hangingPunct="1">
+              <a:lnSpc>
+                <a:spcPct val="125000"/>
+              </a:lnSpc>
+              <a:spcBef>
+                <a:spcPct val="0"/>
+              </a:spcBef>
+              <a:buFontTx/>
+              <a:buNone/>
+            </a:pPr>
+            <a:endParaRPr lang="en-US" altLang="en-US" sz="1800" dirty="0"/>
+          </a:p>
+        </p:txBody>
+      </p:sp>
+      <p:sp>
+        <p:nvSpPr>
+          <p:cNvPr id="10" name="Rectangular Callout 9">
+            <a:extLst>
+              <a:ext uri="{FF2B5EF4-FFF2-40B4-BE49-F238E27FC236}">
+                <a16:creationId xmlns:a16="http://schemas.microsoft.com/office/drawing/2014/main" id="{F55A9221-4550-0446-88CE-B2B64D814BDA}"/>
+              </a:ext>
+            </a:extLst>
+          </p:cNvPr>
+          <p:cNvSpPr/>
+          <p:nvPr/>
+        </p:nvSpPr>
+        <p:spPr>
+          <a:xfrm>
+            <a:off x="5436096" y="4868862"/>
+            <a:ext cx="3600400" cy="1143000"/>
+          </a:xfrm>
+          <a:prstGeom prst="wedgeRectCallout">
+            <a:avLst>
+              <a:gd name="adj1" fmla="val -86681"/>
+              <a:gd name="adj2" fmla="val -1064"/>
+            </a:avLst>
+          </a:prstGeom>
+        </p:spPr>
+        <p:style>
+          <a:lnRef idx="2">
+            <a:schemeClr val="accent2"/>
+          </a:lnRef>
+          <a:fillRef idx="1">
+            <a:schemeClr val="lt1"/>
+          </a:fillRef>
+          <a:effectRef idx="0">
+            <a:schemeClr val="accent2"/>
+          </a:effectRef>
+          <a:fontRef idx="minor">
+            <a:schemeClr val="dk1"/>
+          </a:fontRef>
+        </p:style>
+        <p:txBody>
+          <a:bodyPr anchor="ctr"/>
+          <a:lstStyle/>
+          <a:p>
+            <a:pPr algn="ctr" eaLnBrk="1" hangingPunct="1">
+              <a:defRPr/>
+            </a:pPr>
+            <a:r>
+              <a:rPr lang="en-GB" i="1" dirty="0" err="1"/>
+              <a:t>add_measurement</a:t>
+            </a:r>
+            <a:r>
+              <a:rPr lang="en-GB" i="1" dirty="0"/>
+              <a:t> </a:t>
+            </a:r>
+            <a:r>
+              <a:rPr lang="en-GB" dirty="0"/>
+              <a:t>from </a:t>
+            </a:r>
+            <a:r>
+              <a:rPr lang="en-GB" dirty="0" err="1"/>
+              <a:t>TemperatureStore</a:t>
+            </a:r>
+            <a:r>
+              <a:rPr lang="en-GB" dirty="0"/>
+              <a:t> class overrides behaviour of </a:t>
+            </a:r>
+            <a:r>
+              <a:rPr lang="en-GB" i="1" dirty="0" err="1"/>
+              <a:t>DataStore.add_measurement</a:t>
+            </a:r>
+            <a:endParaRPr lang="en-GB" i="1" dirty="0"/>
+          </a:p>
+        </p:txBody>
+      </p:sp>
+    </p:spTree>
+    <p:extLst>
+      <p:ext uri="{BB962C8B-B14F-4D97-AF65-F5344CB8AC3E}">
+        <p14:creationId xmlns:p14="http://schemas.microsoft.com/office/powerpoint/2010/main" val="3624117384"/>
       </p:ext>
     </p:extLst>
   </p:cSld>
@@ -30845,823 +31351,62 @@
       </p:sp>
       <p:sp>
         <p:nvSpPr>
-          <p:cNvPr id="20483" name="Text Box 2"/>
-          <p:cNvSpPr txBox="1">
-            <a:spLocks noChangeArrowheads="1"/>
-          </p:cNvSpPr>
+          <p:cNvPr id="2" name="TextBox 1">
+            <a:extLst>
+              <a:ext uri="{FF2B5EF4-FFF2-40B4-BE49-F238E27FC236}">
+                <a16:creationId xmlns:a16="http://schemas.microsoft.com/office/drawing/2014/main" id="{CCAF7DE5-65F1-0F47-95DF-34A90AFE23CF}"/>
+              </a:ext>
+            </a:extLst>
+          </p:cNvPr>
+          <p:cNvSpPr txBox="1"/>
           <p:nvPr/>
         </p:nvSpPr>
-        <p:spPr bwMode="auto">
+        <p:spPr>
           <a:xfrm>
-            <a:off x="374650" y="1417638"/>
-            <a:ext cx="7920038" cy="4171602"/>
+            <a:off x="467544" y="1700808"/>
+            <a:ext cx="8352928" cy="2123658"/>
           </a:xfrm>
           <a:prstGeom prst="rect">
             <a:avLst/>
           </a:prstGeom>
           <a:noFill/>
-          <a:ln>
-            <a:noFill/>
-          </a:ln>
-          <a:extLst>
-            <a:ext uri="{909E8E84-426E-40DD-AFC4-6F175D3DCCD1}">
-              <a14:hiddenFill xmlns:a14="http://schemas.microsoft.com/office/drawing/2010/main">
-                <a:solidFill>
-                  <a:srgbClr val="FFFFFF"/>
-                </a:solidFill>
-              </a14:hiddenFill>
-            </a:ext>
-            <a:ext uri="{91240B29-F687-4F45-9708-019B960494DF}">
-              <a14:hiddenLine xmlns:a14="http://schemas.microsoft.com/office/drawing/2010/main" w="9525">
-                <a:solidFill>
-                  <a:srgbClr val="000000"/>
-                </a:solidFill>
-                <a:round/>
-                <a:headEnd/>
-                <a:tailEnd/>
-              </a14:hiddenLine>
-            </a:ext>
-          </a:extLst>
         </p:spPr>
         <p:txBody>
-          <a:bodyPr wrap="none" lIns="81639" tIns="40820" rIns="81639" bIns="40820"/>
-          <a:lstStyle>
-            <a:lvl1pPr>
-              <a:lnSpc>
-                <a:spcPct val="90000"/>
-              </a:lnSpc>
-              <a:spcBef>
-                <a:spcPts val="1000"/>
-              </a:spcBef>
-              <a:buFont typeface="Arial" panose="020B0604020202020204" pitchFamily="34" charset="0"/>
-              <a:buChar char="•"/>
-              <a:tabLst>
-                <a:tab pos="655638" algn="l"/>
-                <a:tab pos="1312863" algn="l"/>
-                <a:tab pos="1968500" algn="l"/>
-                <a:tab pos="2625725" algn="l"/>
-                <a:tab pos="3282950" algn="l"/>
-                <a:tab pos="3938588" algn="l"/>
-                <a:tab pos="4595813" algn="l"/>
-                <a:tab pos="5253038" algn="l"/>
-                <a:tab pos="5908675" algn="l"/>
-                <a:tab pos="6565900" algn="l"/>
-                <a:tab pos="7223125" algn="l"/>
-              </a:tabLst>
-              <a:defRPr sz="2800">
-                <a:solidFill>
-                  <a:schemeClr val="tx1"/>
-                </a:solidFill>
-                <a:latin typeface="Calibri" panose="020F0502020204030204" pitchFamily="34" charset="0"/>
-              </a:defRPr>
-            </a:lvl1pPr>
-            <a:lvl2pPr marL="742950" indent="-285750">
-              <a:lnSpc>
-                <a:spcPct val="90000"/>
-              </a:lnSpc>
-              <a:spcBef>
-                <a:spcPts val="500"/>
-              </a:spcBef>
-              <a:buFont typeface="Arial" panose="020B0604020202020204" pitchFamily="34" charset="0"/>
-              <a:buChar char="•"/>
-              <a:tabLst>
-                <a:tab pos="655638" algn="l"/>
-                <a:tab pos="1312863" algn="l"/>
-                <a:tab pos="1968500" algn="l"/>
-                <a:tab pos="2625725" algn="l"/>
-                <a:tab pos="3282950" algn="l"/>
-                <a:tab pos="3938588" algn="l"/>
-                <a:tab pos="4595813" algn="l"/>
-                <a:tab pos="5253038" algn="l"/>
-                <a:tab pos="5908675" algn="l"/>
-                <a:tab pos="6565900" algn="l"/>
-                <a:tab pos="7223125" algn="l"/>
-              </a:tabLst>
-              <a:defRPr sz="2400">
-                <a:solidFill>
-                  <a:schemeClr val="tx1"/>
-                </a:solidFill>
-                <a:latin typeface="Calibri" panose="020F0502020204030204" pitchFamily="34" charset="0"/>
-              </a:defRPr>
-            </a:lvl2pPr>
-            <a:lvl3pPr marL="1143000" indent="-228600">
-              <a:lnSpc>
-                <a:spcPct val="90000"/>
-              </a:lnSpc>
-              <a:spcBef>
-                <a:spcPts val="500"/>
-              </a:spcBef>
-              <a:buFont typeface="Arial" panose="020B0604020202020204" pitchFamily="34" charset="0"/>
-              <a:buChar char="•"/>
-              <a:tabLst>
-                <a:tab pos="655638" algn="l"/>
-                <a:tab pos="1312863" algn="l"/>
-                <a:tab pos="1968500" algn="l"/>
-                <a:tab pos="2625725" algn="l"/>
-                <a:tab pos="3282950" algn="l"/>
-                <a:tab pos="3938588" algn="l"/>
-                <a:tab pos="4595813" algn="l"/>
-                <a:tab pos="5253038" algn="l"/>
-                <a:tab pos="5908675" algn="l"/>
-                <a:tab pos="6565900" algn="l"/>
-                <a:tab pos="7223125" algn="l"/>
-              </a:tabLst>
-              <a:defRPr sz="2000">
-                <a:solidFill>
-                  <a:schemeClr val="tx1"/>
-                </a:solidFill>
-                <a:latin typeface="Calibri" panose="020F0502020204030204" pitchFamily="34" charset="0"/>
-              </a:defRPr>
-            </a:lvl3pPr>
-            <a:lvl4pPr marL="1600200" indent="-228600">
-              <a:lnSpc>
-                <a:spcPct val="90000"/>
-              </a:lnSpc>
-              <a:spcBef>
-                <a:spcPts val="500"/>
-              </a:spcBef>
-              <a:buFont typeface="Arial" panose="020B0604020202020204" pitchFamily="34" charset="0"/>
-              <a:buChar char="•"/>
-              <a:tabLst>
-                <a:tab pos="655638" algn="l"/>
-                <a:tab pos="1312863" algn="l"/>
-                <a:tab pos="1968500" algn="l"/>
-                <a:tab pos="2625725" algn="l"/>
-                <a:tab pos="3282950" algn="l"/>
-                <a:tab pos="3938588" algn="l"/>
-                <a:tab pos="4595813" algn="l"/>
-                <a:tab pos="5253038" algn="l"/>
-                <a:tab pos="5908675" algn="l"/>
-                <a:tab pos="6565900" algn="l"/>
-                <a:tab pos="7223125" algn="l"/>
-              </a:tabLst>
-              <a:defRPr>
-                <a:solidFill>
-                  <a:schemeClr val="tx1"/>
-                </a:solidFill>
-                <a:latin typeface="Calibri" panose="020F0502020204030204" pitchFamily="34" charset="0"/>
-              </a:defRPr>
-            </a:lvl4pPr>
-            <a:lvl5pPr marL="2057400" indent="-228600">
-              <a:lnSpc>
-                <a:spcPct val="90000"/>
-              </a:lnSpc>
-              <a:spcBef>
-                <a:spcPts val="500"/>
-              </a:spcBef>
-              <a:buFont typeface="Arial" panose="020B0604020202020204" pitchFamily="34" charset="0"/>
-              <a:buChar char="•"/>
-              <a:tabLst>
-                <a:tab pos="655638" algn="l"/>
-                <a:tab pos="1312863" algn="l"/>
-                <a:tab pos="1968500" algn="l"/>
-                <a:tab pos="2625725" algn="l"/>
-                <a:tab pos="3282950" algn="l"/>
-                <a:tab pos="3938588" algn="l"/>
-                <a:tab pos="4595813" algn="l"/>
-                <a:tab pos="5253038" algn="l"/>
-                <a:tab pos="5908675" algn="l"/>
-                <a:tab pos="6565900" algn="l"/>
-                <a:tab pos="7223125" algn="l"/>
-              </a:tabLst>
-              <a:defRPr>
-                <a:solidFill>
-                  <a:schemeClr val="tx1"/>
-                </a:solidFill>
-                <a:latin typeface="Calibri" panose="020F0502020204030204" pitchFamily="34" charset="0"/>
-              </a:defRPr>
-            </a:lvl5pPr>
-            <a:lvl6pPr marL="2514600" indent="-228600" fontAlgn="base">
-              <a:lnSpc>
-                <a:spcPct val="90000"/>
-              </a:lnSpc>
-              <a:spcBef>
-                <a:spcPts val="500"/>
-              </a:spcBef>
-              <a:spcAft>
-                <a:spcPct val="0"/>
-              </a:spcAft>
-              <a:buFont typeface="Arial" panose="020B0604020202020204" pitchFamily="34" charset="0"/>
-              <a:buChar char="•"/>
-              <a:tabLst>
-                <a:tab pos="655638" algn="l"/>
-                <a:tab pos="1312863" algn="l"/>
-                <a:tab pos="1968500" algn="l"/>
-                <a:tab pos="2625725" algn="l"/>
-                <a:tab pos="3282950" algn="l"/>
-                <a:tab pos="3938588" algn="l"/>
-                <a:tab pos="4595813" algn="l"/>
-                <a:tab pos="5253038" algn="l"/>
-                <a:tab pos="5908675" algn="l"/>
-                <a:tab pos="6565900" algn="l"/>
-                <a:tab pos="7223125" algn="l"/>
-              </a:tabLst>
-              <a:defRPr>
-                <a:solidFill>
-                  <a:schemeClr val="tx1"/>
-                </a:solidFill>
-                <a:latin typeface="Calibri" panose="020F0502020204030204" pitchFamily="34" charset="0"/>
-              </a:defRPr>
-            </a:lvl6pPr>
-            <a:lvl7pPr marL="2971800" indent="-228600" fontAlgn="base">
-              <a:lnSpc>
-                <a:spcPct val="90000"/>
-              </a:lnSpc>
-              <a:spcBef>
-                <a:spcPts val="500"/>
-              </a:spcBef>
-              <a:spcAft>
-                <a:spcPct val="0"/>
-              </a:spcAft>
-              <a:buFont typeface="Arial" panose="020B0604020202020204" pitchFamily="34" charset="0"/>
-              <a:buChar char="•"/>
-              <a:tabLst>
-                <a:tab pos="655638" algn="l"/>
-                <a:tab pos="1312863" algn="l"/>
-                <a:tab pos="1968500" algn="l"/>
-                <a:tab pos="2625725" algn="l"/>
-                <a:tab pos="3282950" algn="l"/>
-                <a:tab pos="3938588" algn="l"/>
-                <a:tab pos="4595813" algn="l"/>
-                <a:tab pos="5253038" algn="l"/>
-                <a:tab pos="5908675" algn="l"/>
-                <a:tab pos="6565900" algn="l"/>
-                <a:tab pos="7223125" algn="l"/>
-              </a:tabLst>
-              <a:defRPr>
-                <a:solidFill>
-                  <a:schemeClr val="tx1"/>
-                </a:solidFill>
-                <a:latin typeface="Calibri" panose="020F0502020204030204" pitchFamily="34" charset="0"/>
-              </a:defRPr>
-            </a:lvl7pPr>
-            <a:lvl8pPr marL="3429000" indent="-228600" fontAlgn="base">
-              <a:lnSpc>
-                <a:spcPct val="90000"/>
-              </a:lnSpc>
-              <a:spcBef>
-                <a:spcPts val="500"/>
-              </a:spcBef>
-              <a:spcAft>
-                <a:spcPct val="0"/>
-              </a:spcAft>
-              <a:buFont typeface="Arial" panose="020B0604020202020204" pitchFamily="34" charset="0"/>
-              <a:buChar char="•"/>
-              <a:tabLst>
-                <a:tab pos="655638" algn="l"/>
-                <a:tab pos="1312863" algn="l"/>
-                <a:tab pos="1968500" algn="l"/>
-                <a:tab pos="2625725" algn="l"/>
-                <a:tab pos="3282950" algn="l"/>
-                <a:tab pos="3938588" algn="l"/>
-                <a:tab pos="4595813" algn="l"/>
-                <a:tab pos="5253038" algn="l"/>
-                <a:tab pos="5908675" algn="l"/>
-                <a:tab pos="6565900" algn="l"/>
-                <a:tab pos="7223125" algn="l"/>
-              </a:tabLst>
-              <a:defRPr>
-                <a:solidFill>
-                  <a:schemeClr val="tx1"/>
-                </a:solidFill>
-                <a:latin typeface="Calibri" panose="020F0502020204030204" pitchFamily="34" charset="0"/>
-              </a:defRPr>
-            </a:lvl8pPr>
-            <a:lvl9pPr marL="3886200" indent="-228600" fontAlgn="base">
-              <a:lnSpc>
-                <a:spcPct val="90000"/>
-              </a:lnSpc>
-              <a:spcBef>
-                <a:spcPts val="500"/>
-              </a:spcBef>
-              <a:spcAft>
-                <a:spcPct val="0"/>
-              </a:spcAft>
-              <a:buFont typeface="Arial" panose="020B0604020202020204" pitchFamily="34" charset="0"/>
-              <a:buChar char="•"/>
-              <a:tabLst>
-                <a:tab pos="655638" algn="l"/>
-                <a:tab pos="1312863" algn="l"/>
-                <a:tab pos="1968500" algn="l"/>
-                <a:tab pos="2625725" algn="l"/>
-                <a:tab pos="3282950" algn="l"/>
-                <a:tab pos="3938588" algn="l"/>
-                <a:tab pos="4595813" algn="l"/>
-                <a:tab pos="5253038" algn="l"/>
-                <a:tab pos="5908675" algn="l"/>
-                <a:tab pos="6565900" algn="l"/>
-                <a:tab pos="7223125" algn="l"/>
-              </a:tabLst>
-              <a:defRPr>
-                <a:solidFill>
-                  <a:schemeClr val="tx1"/>
-                </a:solidFill>
-                <a:latin typeface="Calibri" panose="020F0502020204030204" pitchFamily="34" charset="0"/>
-              </a:defRPr>
-            </a:lvl9pPr>
-          </a:lstStyle>
-          <a:p>
-            <a:pPr eaLnBrk="1" hangingPunct="1">
-              <a:lnSpc>
-                <a:spcPct val="125000"/>
-              </a:lnSpc>
-              <a:spcBef>
-                <a:spcPct val="0"/>
-              </a:spcBef>
+          <a:bodyPr wrap="square" rtlCol="0">
+            <a:spAutoFit/>
+          </a:bodyPr>
+          <a:lstStyle/>
+          <a:p>
+            <a:r>
+              <a:rPr lang="en-GB" sz="2200" dirty="0"/>
+              <a:t>Inheritance is powerful and allows you to write re-useable components</a:t>
+            </a:r>
+          </a:p>
+          <a:p>
+            <a:endParaRPr lang="en-GB" sz="2200" dirty="0"/>
+          </a:p>
+          <a:p>
+            <a:r>
+              <a:rPr lang="en-GB" sz="2200" dirty="0"/>
+              <a:t>Reducing duplication reduces chance of bugs:</a:t>
+            </a:r>
+          </a:p>
+          <a:p>
+            <a:pPr marL="285750" indent="-285750">
               <a:buFontTx/>
-              <a:buNone/>
+              <a:buChar char="-"/>
             </a:pPr>
             <a:r>
-              <a:rPr lang="en-US" altLang="en-US" sz="1800" dirty="0">
-                <a:latin typeface="Courier New" panose="02070309020205020404" pitchFamily="49" charset="0"/>
-                <a:cs typeface="Courier New" panose="02070309020205020404" pitchFamily="49" charset="0"/>
-              </a:rPr>
-              <a:t>&gt;&gt;&gt; from </a:t>
-            </a:r>
-            <a:r>
-              <a:rPr lang="en-US" altLang="en-US" sz="1800" dirty="0" err="1">
-                <a:latin typeface="Courier New" panose="02070309020205020404" pitchFamily="49" charset="0"/>
-                <a:cs typeface="Courier New" panose="02070309020205020404" pitchFamily="49" charset="0"/>
-              </a:rPr>
-              <a:t>data_store</a:t>
-            </a:r>
-            <a:r>
-              <a:rPr lang="en-US" altLang="en-US" sz="1800" dirty="0">
-                <a:latin typeface="Courier New" panose="02070309020205020404" pitchFamily="49" charset="0"/>
-                <a:cs typeface="Courier New" panose="02070309020205020404" pitchFamily="49" charset="0"/>
-              </a:rPr>
-              <a:t> import </a:t>
-            </a:r>
-            <a:r>
-              <a:rPr lang="en-US" altLang="en-US" sz="1800" dirty="0" err="1">
-                <a:latin typeface="Courier New" panose="02070309020205020404" pitchFamily="49" charset="0"/>
-                <a:cs typeface="Courier New" panose="02070309020205020404" pitchFamily="49" charset="0"/>
-              </a:rPr>
-              <a:t>DataStore</a:t>
-            </a:r>
-            <a:endParaRPr lang="en-US" altLang="en-US" sz="1800" dirty="0">
-              <a:latin typeface="Courier New" panose="02070309020205020404" pitchFamily="49" charset="0"/>
-              <a:cs typeface="Courier New" panose="02070309020205020404" pitchFamily="49" charset="0"/>
-            </a:endParaRPr>
-          </a:p>
-          <a:p>
-            <a:pPr eaLnBrk="1" hangingPunct="1">
-              <a:lnSpc>
-                <a:spcPct val="125000"/>
-              </a:lnSpc>
-              <a:spcBef>
-                <a:spcPct val="0"/>
-              </a:spcBef>
-              <a:buFontTx/>
-              <a:buNone/>
-            </a:pPr>
-            <a:r>
-              <a:rPr lang="en-US" altLang="en-US" sz="1800" dirty="0">
-                <a:latin typeface="Courier New" panose="02070309020205020404" pitchFamily="49" charset="0"/>
-                <a:cs typeface="Courier New" panose="02070309020205020404" pitchFamily="49" charset="0"/>
-              </a:rPr>
-              <a:t>&gt;&gt;&gt; ds = </a:t>
-            </a:r>
-            <a:r>
-              <a:rPr lang="en-US" altLang="en-US" sz="1800" dirty="0" err="1">
-                <a:latin typeface="Courier New" panose="02070309020205020404" pitchFamily="49" charset="0"/>
-                <a:cs typeface="Courier New" panose="02070309020205020404" pitchFamily="49" charset="0"/>
-              </a:rPr>
-              <a:t>DataStore</a:t>
-            </a:r>
-            <a:r>
-              <a:rPr lang="en-US" altLang="en-US" sz="1800" dirty="0">
-                <a:latin typeface="Courier New" panose="02070309020205020404" pitchFamily="49" charset="0"/>
-                <a:cs typeface="Courier New" panose="02070309020205020404" pitchFamily="49" charset="0"/>
-              </a:rPr>
-              <a:t>()</a:t>
-            </a:r>
-          </a:p>
-          <a:p>
-            <a:pPr eaLnBrk="1" hangingPunct="1">
-              <a:lnSpc>
-                <a:spcPct val="125000"/>
-              </a:lnSpc>
-              <a:spcBef>
-                <a:spcPct val="0"/>
-              </a:spcBef>
-              <a:buFontTx/>
-              <a:buNone/>
-            </a:pPr>
-            <a:r>
-              <a:rPr lang="en-US" altLang="en-US" sz="1800" dirty="0">
-                <a:latin typeface="Courier New" panose="02070309020205020404" pitchFamily="49" charset="0"/>
-                <a:cs typeface="Courier New" panose="02070309020205020404" pitchFamily="49" charset="0"/>
-              </a:rPr>
-              <a:t>&gt;&gt;&gt; </a:t>
-            </a:r>
-            <a:r>
-              <a:rPr lang="en-US" altLang="en-US" sz="1800" dirty="0" err="1">
-                <a:latin typeface="Courier New" panose="02070309020205020404" pitchFamily="49" charset="0"/>
-                <a:cs typeface="Courier New" panose="02070309020205020404" pitchFamily="49" charset="0"/>
-              </a:rPr>
-              <a:t>ds.add_measurement</a:t>
-            </a:r>
-            <a:r>
-              <a:rPr lang="en-US" altLang="en-US" sz="1800" dirty="0">
-                <a:latin typeface="Courier New" panose="02070309020205020404" pitchFamily="49" charset="0"/>
-                <a:cs typeface="Courier New" panose="02070309020205020404" pitchFamily="49" charset="0"/>
-              </a:rPr>
-              <a:t>(</a:t>
-            </a:r>
-            <a:r>
-              <a:rPr lang="en-US" altLang="en-US" sz="1800" dirty="0">
-                <a:solidFill>
-                  <a:srgbClr val="009900"/>
-                </a:solidFill>
-                <a:latin typeface="Courier New" panose="02070309020205020404" pitchFamily="49" charset="0"/>
-                <a:cs typeface="Courier New" panose="02070309020205020404" pitchFamily="49" charset="0"/>
-              </a:rPr>
-              <a:t>'2021-05-01'</a:t>
-            </a:r>
-            <a:r>
-              <a:rPr lang="en-US" altLang="en-US" sz="1800" dirty="0">
-                <a:latin typeface="Courier New" panose="02070309020205020404" pitchFamily="49" charset="0"/>
-                <a:cs typeface="Courier New" panose="02070309020205020404" pitchFamily="49" charset="0"/>
-              </a:rPr>
-              <a:t>,</a:t>
-            </a:r>
-            <a:r>
-              <a:rPr lang="en-US" altLang="en-US" sz="1800" dirty="0">
-                <a:solidFill>
-                  <a:srgbClr val="0070C0"/>
-                </a:solidFill>
-                <a:latin typeface="Courier New" panose="02070309020205020404" pitchFamily="49" charset="0"/>
-                <a:cs typeface="Courier New" panose="02070309020205020404" pitchFamily="49" charset="0"/>
-              </a:rPr>
-              <a:t>5</a:t>
-            </a:r>
-            <a:r>
-              <a:rPr lang="en-US" altLang="en-US" sz="1800" dirty="0">
-                <a:latin typeface="Courier New" panose="02070309020205020404" pitchFamily="49" charset="0"/>
-                <a:cs typeface="Courier New" panose="02070309020205020404" pitchFamily="49" charset="0"/>
-              </a:rPr>
-              <a:t>)</a:t>
-            </a:r>
-          </a:p>
-          <a:p>
-            <a:pPr eaLnBrk="1" hangingPunct="1">
-              <a:lnSpc>
-                <a:spcPct val="125000"/>
-              </a:lnSpc>
-              <a:spcBef>
-                <a:spcPct val="0"/>
-              </a:spcBef>
-              <a:buFontTx/>
-              <a:buNone/>
-            </a:pPr>
-            <a:r>
-              <a:rPr lang="en-US" altLang="en-US" sz="1800" dirty="0">
-                <a:latin typeface="Courier New" panose="02070309020205020404" pitchFamily="49" charset="0"/>
-                <a:cs typeface="Courier New" panose="02070309020205020404" pitchFamily="49" charset="0"/>
-              </a:rPr>
-              <a:t>&gt;&gt;&gt; </a:t>
-            </a:r>
-            <a:r>
-              <a:rPr lang="en-US" altLang="en-US" sz="1800" dirty="0" err="1">
-                <a:latin typeface="Courier New" panose="02070309020205020404" pitchFamily="49" charset="0"/>
-                <a:cs typeface="Courier New" panose="02070309020205020404" pitchFamily="49" charset="0"/>
-              </a:rPr>
-              <a:t>ds.print_measurements</a:t>
-            </a:r>
-            <a:r>
-              <a:rPr lang="en-US" altLang="en-US" sz="1800" dirty="0">
-                <a:latin typeface="Courier New" panose="02070309020205020404" pitchFamily="49" charset="0"/>
-                <a:cs typeface="Courier New" panose="02070309020205020404" pitchFamily="49" charset="0"/>
-              </a:rPr>
-              <a:t>()</a:t>
-            </a:r>
-          </a:p>
-          <a:p>
-            <a:pPr eaLnBrk="1" hangingPunct="1">
-              <a:lnSpc>
-                <a:spcPct val="125000"/>
-              </a:lnSpc>
-              <a:spcBef>
-                <a:spcPct val="0"/>
-              </a:spcBef>
-              <a:buFontTx/>
-              <a:buNone/>
-            </a:pPr>
-            <a:r>
-              <a:rPr lang="en-US" altLang="en-US" sz="1800" dirty="0">
-                <a:latin typeface="Courier New" panose="02070309020205020404" pitchFamily="49" charset="0"/>
-                <a:cs typeface="Courier New" panose="02070309020205020404" pitchFamily="49" charset="0"/>
-              </a:rPr>
-              <a:t>2021-05-01 5</a:t>
-            </a:r>
-          </a:p>
-          <a:p>
-            <a:pPr eaLnBrk="1" hangingPunct="1">
-              <a:lnSpc>
-                <a:spcPct val="125000"/>
-              </a:lnSpc>
-              <a:spcBef>
-                <a:spcPct val="0"/>
-              </a:spcBef>
-              <a:buFontTx/>
-              <a:buNone/>
-            </a:pPr>
-            <a:endParaRPr lang="en-US" altLang="en-US" sz="1800" dirty="0">
-              <a:latin typeface="Courier New" panose="02070309020205020404" pitchFamily="49" charset="0"/>
-              <a:cs typeface="Courier New" panose="02070309020205020404" pitchFamily="49" charset="0"/>
-            </a:endParaRPr>
-          </a:p>
-          <a:p>
-            <a:pPr eaLnBrk="1" hangingPunct="1">
-              <a:lnSpc>
-                <a:spcPct val="125000"/>
-              </a:lnSpc>
-              <a:spcBef>
-                <a:spcPct val="0"/>
-              </a:spcBef>
-              <a:buFontTx/>
-              <a:buNone/>
-            </a:pPr>
-            <a:endParaRPr lang="en-US" altLang="en-US" sz="1800" dirty="0">
-              <a:latin typeface="Courier New" panose="02070309020205020404" pitchFamily="49" charset="0"/>
-              <a:cs typeface="Courier New" panose="02070309020205020404" pitchFamily="49" charset="0"/>
-            </a:endParaRPr>
-          </a:p>
-          <a:p>
-            <a:pPr eaLnBrk="1" hangingPunct="1">
-              <a:lnSpc>
-                <a:spcPct val="125000"/>
-              </a:lnSpc>
-              <a:spcBef>
-                <a:spcPct val="0"/>
-              </a:spcBef>
-              <a:buFontTx/>
-              <a:buNone/>
-            </a:pPr>
-            <a:endParaRPr lang="en-US" altLang="en-US" sz="1800" dirty="0">
-              <a:latin typeface="Courier New" panose="02070309020205020404" pitchFamily="49" charset="0"/>
-              <a:cs typeface="Courier New" panose="02070309020205020404" pitchFamily="49" charset="0"/>
-            </a:endParaRPr>
-          </a:p>
-          <a:p>
-            <a:pPr eaLnBrk="1" hangingPunct="1">
-              <a:lnSpc>
-                <a:spcPct val="125000"/>
-              </a:lnSpc>
-              <a:spcBef>
-                <a:spcPct val="0"/>
-              </a:spcBef>
-              <a:buFontTx/>
-              <a:buNone/>
-            </a:pPr>
-            <a:r>
-              <a:rPr lang="en-US" altLang="en-US" sz="1800" dirty="0">
-                <a:latin typeface="Courier New" panose="02070309020205020404" pitchFamily="49" charset="0"/>
-                <a:cs typeface="Courier New" panose="02070309020205020404" pitchFamily="49" charset="0"/>
-              </a:rPr>
-              <a:t>&gt;&gt;&gt; </a:t>
-            </a:r>
-            <a:r>
-              <a:rPr lang="en-US" altLang="en-US" sz="1800" dirty="0" err="1">
-                <a:latin typeface="Courier New" panose="02070309020205020404" pitchFamily="49" charset="0"/>
-                <a:cs typeface="Courier New" panose="02070309020205020404" pitchFamily="49" charset="0"/>
-              </a:rPr>
-              <a:t>ts</a:t>
-            </a:r>
-            <a:r>
-              <a:rPr lang="en-US" altLang="en-US" sz="1800" dirty="0">
-                <a:latin typeface="Courier New" panose="02070309020205020404" pitchFamily="49" charset="0"/>
-                <a:cs typeface="Courier New" panose="02070309020205020404" pitchFamily="49" charset="0"/>
-              </a:rPr>
-              <a:t> = </a:t>
-            </a:r>
-            <a:r>
-              <a:rPr lang="en-US" altLang="en-US" sz="1800" dirty="0" err="1">
-                <a:latin typeface="Courier New" panose="02070309020205020404" pitchFamily="49" charset="0"/>
-                <a:cs typeface="Courier New" panose="02070309020205020404" pitchFamily="49" charset="0"/>
-              </a:rPr>
-              <a:t>TemperatureStore</a:t>
-            </a:r>
-            <a:r>
-              <a:rPr lang="en-US" altLang="en-US" sz="1800" dirty="0">
-                <a:latin typeface="Courier New" panose="02070309020205020404" pitchFamily="49" charset="0"/>
-                <a:cs typeface="Courier New" panose="02070309020205020404" pitchFamily="49" charset="0"/>
-              </a:rPr>
-              <a:t>()</a:t>
-            </a:r>
-          </a:p>
-          <a:p>
-            <a:pPr eaLnBrk="1" hangingPunct="1">
-              <a:lnSpc>
-                <a:spcPct val="125000"/>
-              </a:lnSpc>
-              <a:spcBef>
-                <a:spcPct val="0"/>
-              </a:spcBef>
-              <a:buFontTx/>
-              <a:buNone/>
-            </a:pPr>
-            <a:r>
-              <a:rPr lang="en-US" altLang="en-US" sz="1800" dirty="0">
-                <a:latin typeface="Courier New" panose="02070309020205020404" pitchFamily="49" charset="0"/>
-                <a:cs typeface="Courier New" panose="02070309020205020404" pitchFamily="49" charset="0"/>
-              </a:rPr>
-              <a:t>&gt;&gt;&gt; </a:t>
-            </a:r>
-            <a:r>
-              <a:rPr lang="en-US" altLang="en-US" sz="1800" dirty="0" err="1">
-                <a:latin typeface="Courier New" panose="02070309020205020404" pitchFamily="49" charset="0"/>
-                <a:cs typeface="Courier New" panose="02070309020205020404" pitchFamily="49" charset="0"/>
-              </a:rPr>
-              <a:t>ts.add_measurement</a:t>
-            </a:r>
-            <a:r>
-              <a:rPr lang="en-US" altLang="en-US" sz="1800" dirty="0">
-                <a:latin typeface="Courier New" panose="02070309020205020404" pitchFamily="49" charset="0"/>
-                <a:cs typeface="Courier New" panose="02070309020205020404" pitchFamily="49" charset="0"/>
-              </a:rPr>
-              <a:t>(</a:t>
-            </a:r>
-            <a:r>
-              <a:rPr lang="en-US" altLang="en-US" sz="1800" dirty="0">
-                <a:solidFill>
-                  <a:srgbClr val="00B050"/>
-                </a:solidFill>
-                <a:latin typeface="Courier New" panose="02070309020205020404" pitchFamily="49" charset="0"/>
-                <a:cs typeface="Courier New" panose="02070309020205020404" pitchFamily="49" charset="0"/>
-              </a:rPr>
-              <a:t>'2021-05-01'</a:t>
-            </a:r>
-            <a:r>
-              <a:rPr lang="en-US" altLang="en-US" sz="1800" dirty="0">
-                <a:latin typeface="Courier New" panose="02070309020205020404" pitchFamily="49" charset="0"/>
-                <a:cs typeface="Courier New" panose="02070309020205020404" pitchFamily="49" charset="0"/>
-              </a:rPr>
-              <a:t>,</a:t>
-            </a:r>
-            <a:r>
-              <a:rPr lang="en-US" altLang="en-US" sz="1800" dirty="0">
-                <a:solidFill>
-                  <a:srgbClr val="0070C0"/>
-                </a:solidFill>
-                <a:latin typeface="Courier New" panose="02070309020205020404" pitchFamily="49" charset="0"/>
-                <a:cs typeface="Courier New" panose="02070309020205020404" pitchFamily="49" charset="0"/>
-              </a:rPr>
-              <a:t>5</a:t>
-            </a:r>
-            <a:r>
-              <a:rPr lang="en-US" altLang="en-US" sz="1800" dirty="0">
-                <a:latin typeface="Courier New" panose="02070309020205020404" pitchFamily="49" charset="0"/>
-                <a:cs typeface="Courier New" panose="02070309020205020404" pitchFamily="49" charset="0"/>
-              </a:rPr>
-              <a:t>)</a:t>
-            </a:r>
-          </a:p>
-          <a:p>
-            <a:pPr eaLnBrk="1" hangingPunct="1">
-              <a:lnSpc>
-                <a:spcPct val="125000"/>
-              </a:lnSpc>
-              <a:spcBef>
-                <a:spcPct val="0"/>
-              </a:spcBef>
-              <a:buFontTx/>
-              <a:buNone/>
-            </a:pPr>
-            <a:r>
-              <a:rPr lang="en-US" altLang="en-US" sz="1800" dirty="0">
-                <a:latin typeface="Courier New" panose="02070309020205020404" pitchFamily="49" charset="0"/>
-                <a:cs typeface="Courier New" panose="02070309020205020404" pitchFamily="49" charset="0"/>
-              </a:rPr>
-              <a:t>&gt;&gt;&gt; </a:t>
-            </a:r>
-            <a:r>
-              <a:rPr lang="en-US" altLang="en-US" sz="1800" dirty="0" err="1">
-                <a:latin typeface="Courier New" panose="02070309020205020404" pitchFamily="49" charset="0"/>
-                <a:cs typeface="Courier New" panose="02070309020205020404" pitchFamily="49" charset="0"/>
-              </a:rPr>
-              <a:t>ts.print_measurements</a:t>
-            </a:r>
-            <a:r>
-              <a:rPr lang="en-US" altLang="en-US" sz="1800" dirty="0">
-                <a:latin typeface="Courier New" panose="02070309020205020404" pitchFamily="49" charset="0"/>
-                <a:cs typeface="Courier New" panose="02070309020205020404" pitchFamily="49" charset="0"/>
-              </a:rPr>
-              <a:t>()</a:t>
-            </a:r>
-          </a:p>
-          <a:p>
-            <a:pPr eaLnBrk="1" hangingPunct="1">
-              <a:lnSpc>
-                <a:spcPct val="125000"/>
-              </a:lnSpc>
-              <a:spcBef>
-                <a:spcPct val="0"/>
-              </a:spcBef>
-              <a:buFontTx/>
-              <a:buNone/>
-            </a:pPr>
-            <a:r>
-              <a:rPr lang="en-US" altLang="en-US" sz="1800" dirty="0">
-                <a:latin typeface="Courier New" panose="02070309020205020404" pitchFamily="49" charset="0"/>
-                <a:cs typeface="Courier New" panose="02070309020205020404" pitchFamily="49" charset="0"/>
-              </a:rPr>
-              <a:t>2021-05-01 277.15</a:t>
-            </a:r>
-          </a:p>
-          <a:p>
-            <a:pPr eaLnBrk="1" hangingPunct="1">
-              <a:lnSpc>
-                <a:spcPct val="125000"/>
-              </a:lnSpc>
-              <a:spcBef>
-                <a:spcPct val="0"/>
-              </a:spcBef>
-              <a:buFontTx/>
-              <a:buNone/>
-            </a:pPr>
-            <a:endParaRPr lang="en-US" altLang="en-US" sz="1800" dirty="0"/>
-          </a:p>
-        </p:txBody>
-      </p:sp>
-      <p:sp>
-        <p:nvSpPr>
-          <p:cNvPr id="10" name="Rectangular Callout 9">
-            <a:extLst>
-              <a:ext uri="{FF2B5EF4-FFF2-40B4-BE49-F238E27FC236}">
-                <a16:creationId xmlns:a16="http://schemas.microsoft.com/office/drawing/2014/main" id="{F55A9221-4550-0446-88CE-B2B64D814BDA}"/>
-              </a:ext>
-            </a:extLst>
-          </p:cNvPr>
-          <p:cNvSpPr/>
-          <p:nvPr/>
-        </p:nvSpPr>
-        <p:spPr>
-          <a:xfrm>
-            <a:off x="5436096" y="4868862"/>
-            <a:ext cx="3600400" cy="1143000"/>
-          </a:xfrm>
-          <a:prstGeom prst="wedgeRectCallout">
-            <a:avLst>
-              <a:gd name="adj1" fmla="val -86681"/>
-              <a:gd name="adj2" fmla="val -1064"/>
-            </a:avLst>
-          </a:prstGeom>
-        </p:spPr>
-        <p:style>
-          <a:lnRef idx="2">
-            <a:schemeClr val="accent2"/>
-          </a:lnRef>
-          <a:fillRef idx="1">
-            <a:schemeClr val="lt1"/>
-          </a:fillRef>
-          <a:effectRef idx="0">
-            <a:schemeClr val="accent2"/>
-          </a:effectRef>
-          <a:fontRef idx="minor">
-            <a:schemeClr val="dk1"/>
-          </a:fontRef>
-        </p:style>
-        <p:txBody>
-          <a:bodyPr anchor="ctr"/>
-          <a:lstStyle/>
-          <a:p>
-            <a:pPr algn="ctr" eaLnBrk="1" hangingPunct="1">
-              <a:defRPr/>
-            </a:pPr>
-            <a:r>
-              <a:rPr lang="en-GB" i="1" dirty="0" err="1"/>
-              <a:t>add_measurement</a:t>
-            </a:r>
-            <a:r>
-              <a:rPr lang="en-GB" i="1" dirty="0"/>
-              <a:t> </a:t>
-            </a:r>
-            <a:r>
-              <a:rPr lang="en-GB" dirty="0"/>
-              <a:t>from </a:t>
-            </a:r>
-            <a:r>
-              <a:rPr lang="en-GB" dirty="0" err="1"/>
-              <a:t>TemperatureStore</a:t>
-            </a:r>
-            <a:r>
-              <a:rPr lang="en-GB" dirty="0"/>
-              <a:t> class overrides behaviour of </a:t>
-            </a:r>
-            <a:r>
-              <a:rPr lang="en-GB" i="1" dirty="0" err="1"/>
-              <a:t>DataStore.add_measurement</a:t>
-            </a:r>
-            <a:endParaRPr lang="en-GB" i="1" dirty="0"/>
+              <a:rPr lang="en-GB" sz="2200" dirty="0"/>
+              <a:t>Code that is repeated in 2 or more places will eventually be wrong in at least one</a:t>
+            </a:r>
           </a:p>
         </p:txBody>
       </p:sp>
     </p:spTree>
     <p:extLst>
       <p:ext uri="{BB962C8B-B14F-4D97-AF65-F5344CB8AC3E}">
-        <p14:creationId xmlns:p14="http://schemas.microsoft.com/office/powerpoint/2010/main" val="3624117384"/>
+        <p14:creationId xmlns:p14="http://schemas.microsoft.com/office/powerpoint/2010/main" val="4194482474"/>
       </p:ext>
     </p:extLst>
   </p:cSld>
@@ -32231,117 +31976,6 @@
 </file>
 
 <file path=ppt/slides/slide40.xml><?xml version="1.0" encoding="utf-8"?>
-<p:sld xmlns:a="http://schemas.openxmlformats.org/drawingml/2006/main" xmlns:r="http://schemas.openxmlformats.org/officeDocument/2006/relationships" xmlns:p="http://schemas.openxmlformats.org/presentationml/2006/main">
-  <p:cSld>
-    <p:spTree>
-      <p:nvGrpSpPr>
-        <p:cNvPr id="1" name=""/>
-        <p:cNvGrpSpPr/>
-        <p:nvPr/>
-      </p:nvGrpSpPr>
-      <p:grpSpPr>
-        <a:xfrm>
-          <a:off x="0" y="0"/>
-          <a:ext cx="0" cy="0"/>
-          <a:chOff x="0" y="0"/>
-          <a:chExt cx="0" cy="0"/>
-        </a:xfrm>
-      </p:grpSpPr>
-      <p:sp>
-        <p:nvSpPr>
-          <p:cNvPr id="20482" name="Title 1"/>
-          <p:cNvSpPr>
-            <a:spLocks noGrp="1"/>
-          </p:cNvSpPr>
-          <p:nvPr>
-            <p:ph type="title" idx="4294967295"/>
-          </p:nvPr>
-        </p:nvSpPr>
-        <p:spPr>
-          <a:xfrm>
-            <a:off x="374650" y="274638"/>
-            <a:ext cx="8229600" cy="1143000"/>
-          </a:xfrm>
-        </p:spPr>
-        <p:txBody>
-          <a:bodyPr/>
-          <a:lstStyle/>
-          <a:p>
-            <a:r>
-              <a:rPr lang="en-GB" altLang="en-US" dirty="0"/>
-              <a:t>Inheritance</a:t>
-            </a:r>
-          </a:p>
-        </p:txBody>
-      </p:sp>
-      <p:sp>
-        <p:nvSpPr>
-          <p:cNvPr id="2" name="TextBox 1">
-            <a:extLst>
-              <a:ext uri="{FF2B5EF4-FFF2-40B4-BE49-F238E27FC236}">
-                <a16:creationId xmlns:a16="http://schemas.microsoft.com/office/drawing/2014/main" id="{CCAF7DE5-65F1-0F47-95DF-34A90AFE23CF}"/>
-              </a:ext>
-            </a:extLst>
-          </p:cNvPr>
-          <p:cNvSpPr txBox="1"/>
-          <p:nvPr/>
-        </p:nvSpPr>
-        <p:spPr>
-          <a:xfrm>
-            <a:off x="467544" y="1700808"/>
-            <a:ext cx="8352928" cy="2123658"/>
-          </a:xfrm>
-          <a:prstGeom prst="rect">
-            <a:avLst/>
-          </a:prstGeom>
-          <a:noFill/>
-        </p:spPr>
-        <p:txBody>
-          <a:bodyPr wrap="square" rtlCol="0">
-            <a:spAutoFit/>
-          </a:bodyPr>
-          <a:lstStyle/>
-          <a:p>
-            <a:r>
-              <a:rPr lang="en-GB" sz="2200" dirty="0"/>
-              <a:t>Inheritance is powerful and allows you to write re-useable components</a:t>
-            </a:r>
-          </a:p>
-          <a:p>
-            <a:endParaRPr lang="en-GB" sz="2200" dirty="0"/>
-          </a:p>
-          <a:p>
-            <a:r>
-              <a:rPr lang="en-GB" sz="2200" dirty="0"/>
-              <a:t>Reducing duplication reduces chance of bugs:</a:t>
-            </a:r>
-          </a:p>
-          <a:p>
-            <a:pPr marL="285750" indent="-285750">
-              <a:buFontTx/>
-              <a:buChar char="-"/>
-            </a:pPr>
-            <a:r>
-              <a:rPr lang="en-GB" sz="2200" dirty="0"/>
-              <a:t>Code that is repeated in 2 or more places will eventually be wrong in at least one</a:t>
-            </a:r>
-          </a:p>
-        </p:txBody>
-      </p:sp>
-    </p:spTree>
-    <p:extLst>
-      <p:ext uri="{BB962C8B-B14F-4D97-AF65-F5344CB8AC3E}">
-        <p14:creationId xmlns:p14="http://schemas.microsoft.com/office/powerpoint/2010/main" val="4194482474"/>
-      </p:ext>
-    </p:extLst>
-  </p:cSld>
-  <p:clrMapOvr>
-    <a:masterClrMapping/>
-  </p:clrMapOvr>
-</p:sld>
-</file>
-
-<file path=ppt/slides/slide41.xml><?xml version="1.0" encoding="utf-8"?>
 <p:sld xmlns:a="http://schemas.openxmlformats.org/drawingml/2006/main" xmlns:r="http://schemas.openxmlformats.org/officeDocument/2006/relationships" xmlns:p="http://schemas.openxmlformats.org/presentationml/2006/main">
   <p:cSld>
     <p:spTree>
@@ -33500,7 +33134,7 @@
 </p:sld>
 </file>
 
-<file path=ppt/slides/slide42.xml><?xml version="1.0" encoding="utf-8"?>
+<file path=ppt/slides/slide41.xml><?xml version="1.0" encoding="utf-8"?>
 <p:sld xmlns:a="http://schemas.openxmlformats.org/drawingml/2006/main" xmlns:r="http://schemas.openxmlformats.org/officeDocument/2006/relationships" xmlns:p="http://schemas.openxmlformats.org/presentationml/2006/main">
   <p:cSld>
     <p:spTree>
